--- a/06- Neural Networks/ML4NuerScience_NeuralNets.pptx
+++ b/06- Neural Networks/ML4NuerScience_NeuralNets.pptx
@@ -5,10 +5,10 @@
     <p:sldMasterId id="2147483685" r:id="rId1"/>
   </p:sldMasterIdLst>
   <p:notesMasterIdLst>
-    <p:notesMasterId r:id="rId61"/>
+    <p:notesMasterId r:id="rId63"/>
   </p:notesMasterIdLst>
   <p:handoutMasterIdLst>
-    <p:handoutMasterId r:id="rId62"/>
+    <p:handoutMasterId r:id="rId64"/>
   </p:handoutMasterIdLst>
   <p:sldIdLst>
     <p:sldId id="297" r:id="rId2"/>
@@ -57,19 +57,21 @@
     <p:sldId id="1310" r:id="rId45"/>
     <p:sldId id="1311" r:id="rId46"/>
     <p:sldId id="1312" r:id="rId47"/>
-    <p:sldId id="1313" r:id="rId48"/>
-    <p:sldId id="1319" r:id="rId49"/>
-    <p:sldId id="756" r:id="rId50"/>
-    <p:sldId id="755" r:id="rId51"/>
-    <p:sldId id="1314" r:id="rId52"/>
-    <p:sldId id="1315" r:id="rId53"/>
-    <p:sldId id="1294" r:id="rId54"/>
-    <p:sldId id="1317" r:id="rId55"/>
-    <p:sldId id="1318" r:id="rId56"/>
-    <p:sldId id="1229" r:id="rId57"/>
-    <p:sldId id="1149" r:id="rId58"/>
-    <p:sldId id="1274" r:id="rId59"/>
-    <p:sldId id="1291" r:id="rId60"/>
+    <p:sldId id="1321" r:id="rId48"/>
+    <p:sldId id="1313" r:id="rId49"/>
+    <p:sldId id="1319" r:id="rId50"/>
+    <p:sldId id="756" r:id="rId51"/>
+    <p:sldId id="755" r:id="rId52"/>
+    <p:sldId id="1314" r:id="rId53"/>
+    <p:sldId id="1315" r:id="rId54"/>
+    <p:sldId id="1294" r:id="rId55"/>
+    <p:sldId id="1317" r:id="rId56"/>
+    <p:sldId id="1318" r:id="rId57"/>
+    <p:sldId id="1229" r:id="rId58"/>
+    <p:sldId id="1149" r:id="rId59"/>
+    <p:sldId id="1274" r:id="rId60"/>
+    <p:sldId id="1291" r:id="rId61"/>
+    <p:sldId id="1320" r:id="rId62"/>
   </p:sldIdLst>
   <p:sldSz cx="9144000" cy="5715000" type="screen16x10"/>
   <p:notesSz cx="7099300" cy="10234613"/>
@@ -357,7 +359,7 @@
               <a:pPr>
                 <a:defRPr/>
               </a:pPr>
-              <a:t>20/12/2022</a:t>
+              <a:t>21/01/2023</a:t>
             </a:fld>
             <a:endParaRPr lang="en-GB" altLang="en-US" dirty="0"/>
           </a:p>
@@ -591,7 +593,7 @@
               <a:pPr>
                 <a:defRPr/>
               </a:pPr>
-              <a:t>20/12/2022</a:t>
+              <a:t>21/01/2023</a:t>
             </a:fld>
             <a:endParaRPr lang="en-GB" altLang="en-US" dirty="0"/>
           </a:p>
@@ -1943,7 +1945,7 @@
               <a:pPr>
                 <a:defRPr/>
               </a:pPr>
-              <a:t>20/12/2022</a:t>
+              <a:t>21/01/2023</a:t>
             </a:fld>
             <a:endParaRPr lang="en-GB" altLang="en-US" dirty="0"/>
           </a:p>
@@ -2206,7 +2208,7 @@
               <a:pPr>
                 <a:defRPr/>
               </a:pPr>
-              <a:t>20/12/2022</a:t>
+              <a:t>21/01/2023</a:t>
             </a:fld>
             <a:endParaRPr lang="en-GB" altLang="en-US" dirty="0"/>
           </a:p>
@@ -2444,7 +2446,7 @@
               <a:pPr>
                 <a:defRPr/>
               </a:pPr>
-              <a:t>20/12/2022</a:t>
+              <a:t>21/01/2023</a:t>
             </a:fld>
             <a:endParaRPr lang="en-GB" altLang="en-US" dirty="0"/>
           </a:p>
@@ -2778,7 +2780,7 @@
               <a:pPr>
                 <a:defRPr/>
               </a:pPr>
-              <a:t>20/12/2022</a:t>
+              <a:t>21/01/2023</a:t>
             </a:fld>
             <a:endParaRPr lang="en-GB" altLang="en-US" dirty="0"/>
           </a:p>
@@ -3251,7 +3253,7 @@
               <a:pPr>
                 <a:defRPr/>
               </a:pPr>
-              <a:t>20/12/2022</a:t>
+              <a:t>21/01/2023</a:t>
             </a:fld>
             <a:endParaRPr lang="en-GB" altLang="en-US" dirty="0"/>
           </a:p>
@@ -3415,7 +3417,7 @@
               <a:pPr>
                 <a:defRPr/>
               </a:pPr>
-              <a:t>20/12/2022</a:t>
+              <a:t>21/01/2023</a:t>
             </a:fld>
             <a:endParaRPr lang="en-GB" altLang="en-US" dirty="0"/>
           </a:p>
@@ -3556,7 +3558,7 @@
               <a:pPr>
                 <a:defRPr/>
               </a:pPr>
-              <a:t>20/12/2022</a:t>
+              <a:t>21/01/2023</a:t>
             </a:fld>
             <a:endParaRPr lang="en-GB" altLang="en-US" dirty="0"/>
           </a:p>
@@ -3856,7 +3858,7 @@
               <a:pPr>
                 <a:defRPr/>
               </a:pPr>
-              <a:t>20/12/2022</a:t>
+              <a:t>21/01/2023</a:t>
             </a:fld>
             <a:endParaRPr lang="en-GB" altLang="en-US" dirty="0"/>
           </a:p>
@@ -4182,7 +4184,7 @@
               <a:pPr>
                 <a:defRPr/>
               </a:pPr>
-              <a:t>20/12/2022</a:t>
+              <a:t>21/01/2023</a:t>
             </a:fld>
             <a:endParaRPr lang="en-GB" altLang="en-US" dirty="0"/>
           </a:p>
@@ -5227,7 +5229,7 @@
                   <a:srgbClr val="003D7D"/>
                 </a:solidFill>
               </a:rPr>
-              <a:t>Bayesian models</a:t>
+              <a:t>Neural Networks</a:t>
             </a:r>
           </a:p>
           <a:p>
@@ -11877,7 +11879,7 @@
         </p:blipFill>
         <p:spPr>
           <a:xfrm>
-            <a:off x="2411760" y="3096192"/>
+            <a:off x="2411760" y="2857500"/>
             <a:ext cx="3594100" cy="1092200"/>
           </a:xfrm>
           <a:prstGeom prst="rect">
@@ -14706,7 +14708,82 @@
                         <a:rPr lang="en-GB" sz="1400" b="0" i="0" smtClean="0">
                           <a:latin typeface="Cambria Math" panose="02040503050406030204" pitchFamily="18" charset="0"/>
                         </a:rPr>
-                        <m:t>=0.34 </m:t>
+                        <m:t>=</m:t>
+                      </m:r>
+                      <m:r>
+                        <a:rPr lang="en-GB" sz="1400" i="1">
+                          <a:latin typeface="Cambria Math" panose="02040503050406030204" pitchFamily="18" charset="0"/>
+                        </a:rPr>
+                        <m:t>h</m:t>
+                      </m:r>
+                      <m:r>
+                        <a:rPr lang="en-GB" sz="1400" b="0" i="1" smtClean="0">
+                          <a:latin typeface="Cambria Math" panose="02040503050406030204" pitchFamily="18" charset="0"/>
+                        </a:rPr>
+                        <m:t> </m:t>
+                      </m:r>
+                      <m:r>
+                        <a:rPr lang="en-GB" sz="1400" b="0" i="1" smtClean="0">
+                          <a:latin typeface="Cambria Math" panose="02040503050406030204" pitchFamily="18" charset="0"/>
+                          <a:ea typeface="Cambria Math" panose="02040503050406030204" pitchFamily="18" charset="0"/>
+                        </a:rPr>
+                        <m:t>×</m:t>
+                      </m:r>
+                      <m:r>
+                        <a:rPr lang="en-GB" sz="1400" i="1">
+                          <a:latin typeface="Cambria Math" panose="02040503050406030204" pitchFamily="18" charset="0"/>
+                        </a:rPr>
+                        <m:t>𝑔𝑟𝑎</m:t>
+                      </m:r>
+                      <m:sSub>
+                        <m:sSubPr>
+                          <m:ctrlPr>
+                            <a:rPr lang="en-GB" sz="1400" i="1">
+                              <a:latin typeface="Cambria Math" panose="02040503050406030204" pitchFamily="18" charset="0"/>
+                            </a:rPr>
+                          </m:ctrlPr>
+                        </m:sSubPr>
+                        <m:e>
+                          <m:r>
+                            <a:rPr lang="en-GB" sz="1400" i="1">
+                              <a:latin typeface="Cambria Math" panose="02040503050406030204" pitchFamily="18" charset="0"/>
+                            </a:rPr>
+                            <m:t>𝑑</m:t>
+                          </m:r>
+                        </m:e>
+                        <m:sub>
+                          <m:sSub>
+                            <m:sSubPr>
+                              <m:ctrlPr>
+                                <a:rPr lang="en-GB" sz="1400" i="1">
+                                  <a:latin typeface="Cambria Math" panose="02040503050406030204" pitchFamily="18" charset="0"/>
+                                </a:rPr>
+                              </m:ctrlPr>
+                            </m:sSubPr>
+                            <m:e>
+                              <m:r>
+                                <a:rPr lang="en-GB" sz="1400" i="1">
+                                  <a:latin typeface="Cambria Math" panose="02040503050406030204" pitchFamily="18" charset="0"/>
+                                </a:rPr>
+                                <m:t>𝑦</m:t>
+                              </m:r>
+                            </m:e>
+                            <m:sub>
+                              <m:r>
+                                <a:rPr lang="en-GB" sz="1400" i="1">
+                                  <a:latin typeface="Cambria Math" panose="02040503050406030204" pitchFamily="18" charset="0"/>
+                                </a:rPr>
+                                <m:t>𝑝𝑟𝑒𝑑</m:t>
+                              </m:r>
+                            </m:sub>
+                          </m:sSub>
+                        </m:sub>
+                      </m:sSub>
+                      <m:r>
+                        <a:rPr lang="en-GB" sz="1400" b="0" i="0" smtClean="0">
+                          <a:latin typeface="Cambria Math" panose="02040503050406030204" pitchFamily="18" charset="0"/>
+                        </a:rPr>
+                        <m:t>= 0.34 </m:t>
                       </m:r>
                       <m:r>
                         <a:rPr lang="en-GB" sz="1400" b="0" i="1" smtClean="0">
@@ -17011,7 +17088,82 @@
                         <a:rPr lang="en-GB" sz="1200" b="0" i="0" smtClean="0">
                           <a:latin typeface="Cambria Math" panose="02040503050406030204" pitchFamily="18" charset="0"/>
                         </a:rPr>
-                        <m:t>=0.34 </m:t>
+                        <m:t>=</m:t>
+                      </m:r>
+                      <m:r>
+                        <a:rPr lang="en-GB" sz="1200" i="1">
+                          <a:latin typeface="Cambria Math" panose="02040503050406030204" pitchFamily="18" charset="0"/>
+                        </a:rPr>
+                        <m:t>h</m:t>
+                      </m:r>
+                      <m:r>
+                        <a:rPr lang="en-GB" sz="1200" b="0" i="0" smtClean="0">
+                          <a:latin typeface="Cambria Math" panose="02040503050406030204" pitchFamily="18" charset="0"/>
+                        </a:rPr>
+                        <m:t> </m:t>
+                      </m:r>
+                      <m:r>
+                        <a:rPr lang="en-GB" sz="1200" b="0" i="1" smtClean="0">
+                          <a:latin typeface="Cambria Math" panose="02040503050406030204" pitchFamily="18" charset="0"/>
+                          <a:ea typeface="Cambria Math" panose="02040503050406030204" pitchFamily="18" charset="0"/>
+                        </a:rPr>
+                        <m:t>×</m:t>
+                      </m:r>
+                      <m:r>
+                        <a:rPr lang="en-GB" sz="1200" i="1">
+                          <a:latin typeface="Cambria Math" panose="02040503050406030204" pitchFamily="18" charset="0"/>
+                        </a:rPr>
+                        <m:t>𝑔𝑟𝑎</m:t>
+                      </m:r>
+                      <m:sSub>
+                        <m:sSubPr>
+                          <m:ctrlPr>
+                            <a:rPr lang="en-GB" sz="1200" i="1">
+                              <a:latin typeface="Cambria Math" panose="02040503050406030204" pitchFamily="18" charset="0"/>
+                            </a:rPr>
+                          </m:ctrlPr>
+                        </m:sSubPr>
+                        <m:e>
+                          <m:r>
+                            <a:rPr lang="en-GB" sz="1200" i="1">
+                              <a:latin typeface="Cambria Math" panose="02040503050406030204" pitchFamily="18" charset="0"/>
+                            </a:rPr>
+                            <m:t>𝑑</m:t>
+                          </m:r>
+                        </m:e>
+                        <m:sub>
+                          <m:sSub>
+                            <m:sSubPr>
+                              <m:ctrlPr>
+                                <a:rPr lang="en-GB" sz="1200" i="1">
+                                  <a:latin typeface="Cambria Math" panose="02040503050406030204" pitchFamily="18" charset="0"/>
+                                </a:rPr>
+                              </m:ctrlPr>
+                            </m:sSubPr>
+                            <m:e>
+                              <m:r>
+                                <a:rPr lang="en-GB" sz="1200" i="1">
+                                  <a:latin typeface="Cambria Math" panose="02040503050406030204" pitchFamily="18" charset="0"/>
+                                </a:rPr>
+                                <m:t>𝑦</m:t>
+                              </m:r>
+                            </m:e>
+                            <m:sub>
+                              <m:r>
+                                <a:rPr lang="en-GB" sz="1200" i="1">
+                                  <a:latin typeface="Cambria Math" panose="02040503050406030204" pitchFamily="18" charset="0"/>
+                                </a:rPr>
+                                <m:t>𝑝𝑟𝑒𝑑</m:t>
+                              </m:r>
+                            </m:sub>
+                          </m:sSub>
+                        </m:sub>
+                      </m:sSub>
+                      <m:r>
+                        <a:rPr lang="en-GB" sz="1200" b="0" i="0" smtClean="0">
+                          <a:latin typeface="Cambria Math" panose="02040503050406030204" pitchFamily="18" charset="0"/>
+                        </a:rPr>
+                        <m:t>= 0.34 </m:t>
                       </m:r>
                       <m:r>
                         <a:rPr lang="en-GB" sz="1200" b="0" i="1" smtClean="0">
@@ -21047,8 +21199,8 @@
             </p:nvSpPr>
             <p:spPr>
               <a:xfrm>
-                <a:off x="729725" y="2577967"/>
-                <a:ext cx="4971169" cy="3054554"/>
+                <a:off x="513489" y="2548867"/>
+                <a:ext cx="4563109" cy="2741328"/>
               </a:xfrm>
               <a:prstGeom prst="rect">
                 <a:avLst/>
@@ -21069,13 +21221,13 @@
                     </m:oMathParaPr>
                     <m:oMath xmlns:m="http://schemas.openxmlformats.org/officeDocument/2006/math">
                       <m:r>
-                        <a:rPr lang="en-GB" sz="1200" i="1" smtClean="0">
+                        <a:rPr lang="en-GB" sz="1100" i="1">
                           <a:latin typeface="Cambria Math" panose="02040503050406030204" pitchFamily="18" charset="0"/>
                         </a:rPr>
                         <m:t>𝑧</m:t>
                       </m:r>
                       <m:r>
-                        <a:rPr lang="en-GB" sz="1200" b="0" i="1" smtClean="0">
+                        <a:rPr lang="en-GB" sz="1100" i="1">
                           <a:latin typeface="Cambria Math" panose="02040503050406030204" pitchFamily="18" charset="0"/>
                         </a:rPr>
                         <m:t>=</m:t>
@@ -21083,149 +21235,83 @@
                       <m:d>
                         <m:dPr>
                           <m:ctrlPr>
-                            <a:rPr lang="en-GB" sz="1200" b="0" i="1" smtClean="0">
+                            <a:rPr lang="en-GB" sz="1100" i="1">
                               <a:latin typeface="Cambria Math" panose="02040503050406030204" pitchFamily="18" charset="0"/>
                             </a:rPr>
                           </m:ctrlPr>
                         </m:dPr>
                         <m:e>
                           <m:r>
-                            <a:rPr lang="en-GB" sz="1200" b="0" i="1" smtClean="0">
-                              <a:solidFill>
-                                <a:srgbClr val="00B0F0"/>
-                              </a:solidFill>
+                            <a:rPr lang="en-GB" sz="1100" i="1">
                               <a:latin typeface="Cambria Math" panose="02040503050406030204" pitchFamily="18" charset="0"/>
                             </a:rPr>
-                            <m:t>1</m:t>
-                          </m:r>
-                          <m:r>
-                            <a:rPr lang="en-GB" sz="1200" b="0" i="1" smtClean="0">
-                              <a:latin typeface="Cambria Math" panose="02040503050406030204" pitchFamily="18" charset="0"/>
-                              <a:ea typeface="Cambria Math" panose="02040503050406030204" pitchFamily="18" charset="0"/>
-                            </a:rPr>
-                            <m:t>×</m:t>
-                          </m:r>
-                          <m:r>
-                            <a:rPr lang="en-GB" sz="1200" b="0" i="1" smtClean="0">
-                              <a:solidFill>
-                                <a:srgbClr val="FF0000"/>
-                              </a:solidFill>
-                              <a:latin typeface="Cambria Math" panose="02040503050406030204" pitchFamily="18" charset="0"/>
-                              <a:ea typeface="Cambria Math" panose="02040503050406030204" pitchFamily="18" charset="0"/>
-                            </a:rPr>
-                            <m:t>0.2</m:t>
+                            <m:t>1×0.2</m:t>
                           </m:r>
                         </m:e>
                       </m:d>
                       <m:r>
-                        <a:rPr lang="en-GB" sz="1200" b="0" i="1" smtClean="0">
+                        <a:rPr lang="en-GB" sz="1100" i="1">
                           <a:latin typeface="Cambria Math" panose="02040503050406030204" pitchFamily="18" charset="0"/>
-                          <a:ea typeface="Cambria Math" panose="02040503050406030204" pitchFamily="18" charset="0"/>
                         </a:rPr>
                         <m:t>+</m:t>
                       </m:r>
                       <m:d>
                         <m:dPr>
                           <m:ctrlPr>
-                            <a:rPr lang="en-GB" sz="1200" b="0" i="1" smtClean="0">
+                            <a:rPr lang="en-GB" sz="1100" i="1">
                               <a:latin typeface="Cambria Math" panose="02040503050406030204" pitchFamily="18" charset="0"/>
-                              <a:ea typeface="Cambria Math" panose="02040503050406030204" pitchFamily="18" charset="0"/>
                             </a:rPr>
                           </m:ctrlPr>
                         </m:dPr>
                         <m:e>
                           <m:r>
-                            <a:rPr lang="en-GB" sz="1200" b="0" i="1" smtClean="0">
-                              <a:solidFill>
-                                <a:srgbClr val="00B0F0"/>
-                              </a:solidFill>
+                            <a:rPr lang="en-GB" sz="1100" i="1">
                               <a:latin typeface="Cambria Math" panose="02040503050406030204" pitchFamily="18" charset="0"/>
-                              <a:ea typeface="Cambria Math" panose="02040503050406030204" pitchFamily="18" charset="0"/>
                             </a:rPr>
-                            <m:t>0.5</m:t>
-                          </m:r>
-                          <m:r>
-                            <a:rPr lang="en-GB" sz="1200" b="0" i="1" smtClean="0">
-                              <a:latin typeface="Cambria Math" panose="02040503050406030204" pitchFamily="18" charset="0"/>
-                              <a:ea typeface="Cambria Math" panose="02040503050406030204" pitchFamily="18" charset="0"/>
-                            </a:rPr>
-                            <m:t> × </m:t>
-                          </m:r>
-                          <m:r>
-                            <a:rPr lang="en-GB" sz="1200" b="0" i="1" smtClean="0">
-                              <a:solidFill>
-                                <a:srgbClr val="FF0000"/>
-                              </a:solidFill>
-                              <a:latin typeface="Cambria Math" panose="02040503050406030204" pitchFamily="18" charset="0"/>
-                              <a:ea typeface="Cambria Math" panose="02040503050406030204" pitchFamily="18" charset="0"/>
-                            </a:rPr>
-                            <m:t>0.1</m:t>
+                            <m:t>0.5 × 0.1</m:t>
                           </m:r>
                         </m:e>
                       </m:d>
                       <m:r>
-                        <a:rPr lang="en-GB" sz="1200" b="0" i="1" smtClean="0">
+                        <a:rPr lang="en-GB" sz="1100" i="1">
                           <a:latin typeface="Cambria Math" panose="02040503050406030204" pitchFamily="18" charset="0"/>
-                          <a:ea typeface="Cambria Math" panose="02040503050406030204" pitchFamily="18" charset="0"/>
                         </a:rPr>
                         <m:t>+</m:t>
                       </m:r>
                       <m:d>
                         <m:dPr>
                           <m:ctrlPr>
-                            <a:rPr lang="en-GB" sz="1200" b="0" i="1" smtClean="0">
-                              <a:solidFill>
-                                <a:srgbClr val="00B0F0"/>
-                              </a:solidFill>
+                            <a:rPr lang="en-GB" sz="1100" i="1">
                               <a:latin typeface="Cambria Math" panose="02040503050406030204" pitchFamily="18" charset="0"/>
-                              <a:ea typeface="Cambria Math" panose="02040503050406030204" pitchFamily="18" charset="0"/>
                             </a:rPr>
                           </m:ctrlPr>
                         </m:dPr>
                         <m:e>
                           <m:r>
-                            <a:rPr lang="en-GB" sz="1200" b="0" i="1" smtClean="0">
-                              <a:solidFill>
-                                <a:srgbClr val="00B0F0"/>
-                              </a:solidFill>
+                            <a:rPr lang="en-GB" sz="1100" i="1">
                               <a:latin typeface="Cambria Math" panose="02040503050406030204" pitchFamily="18" charset="0"/>
-                              <a:ea typeface="Cambria Math" panose="02040503050406030204" pitchFamily="18" charset="0"/>
                             </a:rPr>
-                            <m:t>0.3</m:t>
-                          </m:r>
-                          <m:r>
-                            <a:rPr lang="en-GB" sz="1200" b="0" i="1" smtClean="0">
-                              <a:latin typeface="Cambria Math" panose="02040503050406030204" pitchFamily="18" charset="0"/>
-                              <a:ea typeface="Cambria Math" panose="02040503050406030204" pitchFamily="18" charset="0"/>
-                            </a:rPr>
-                            <m:t> × </m:t>
-                          </m:r>
-                          <m:r>
-                            <a:rPr lang="en-GB" sz="1200" b="0" i="1" smtClean="0">
-                              <a:solidFill>
-                                <a:srgbClr val="FF0000"/>
-                              </a:solidFill>
-                              <a:latin typeface="Cambria Math" panose="02040503050406030204" pitchFamily="18" charset="0"/>
-                              <a:ea typeface="Cambria Math" panose="02040503050406030204" pitchFamily="18" charset="0"/>
-                            </a:rPr>
-                            <m:t>0.3</m:t>
+                            <m:t>0.3 × 0.3</m:t>
                           </m:r>
                         </m:e>
                       </m:d>
                       <m:r>
-                        <a:rPr lang="en-GB" sz="1200" b="0" i="1" smtClean="0">
+                        <a:rPr lang="en-GB" sz="1100" i="1">
                           <a:latin typeface="Cambria Math" panose="02040503050406030204" pitchFamily="18" charset="0"/>
-                          <a:ea typeface="Cambria Math" panose="02040503050406030204" pitchFamily="18" charset="0"/>
                         </a:rPr>
                         <m:t>=0.34</m:t>
                       </m:r>
                     </m:oMath>
                   </m:oMathPara>
                 </a14:m>
-                <a:endParaRPr lang="en-GB" sz="1200" dirty="0"/>
+                <a:endParaRPr lang="en-GB" sz="1100" i="1" dirty="0">
+                  <a:latin typeface="Cambria Math" panose="02040503050406030204" pitchFamily="18" charset="0"/>
+                </a:endParaRPr>
               </a:p>
               <a:p>
-                <a:endParaRPr lang="en-GB" sz="1200" dirty="0"/>
+                <a:endParaRPr lang="en-GB" sz="1100" i="1" dirty="0">
+                  <a:latin typeface="Cambria Math" panose="02040503050406030204" pitchFamily="18" charset="0"/>
+                </a:endParaRPr>
               </a:p>
               <a:p>
                 <a:pPr/>
@@ -21236,52 +21322,48 @@
                     </m:oMathParaPr>
                     <m:oMath xmlns:m="http://schemas.openxmlformats.org/officeDocument/2006/math">
                       <m:r>
-                        <a:rPr lang="en-GB" sz="1200" i="1">
+                        <a:rPr lang="en-GB" sz="1100" i="1">
                           <a:latin typeface="Cambria Math" panose="02040503050406030204" pitchFamily="18" charset="0"/>
                         </a:rPr>
                         <m:t>h</m:t>
                       </m:r>
                       <m:r>
-                        <a:rPr lang="en-GB" sz="1200" b="0" i="1" smtClean="0">
+                        <a:rPr lang="en-GB" sz="1100" i="1">
                           <a:latin typeface="Cambria Math" panose="02040503050406030204" pitchFamily="18" charset="0"/>
                         </a:rPr>
                         <m:t>= </m:t>
                       </m:r>
                       <m:r>
-                        <a:rPr lang="en-GB" sz="1200" b="0" i="1" smtClean="0">
+                        <a:rPr lang="en-GB" sz="1100" i="1">
                           <a:latin typeface="Cambria Math" panose="02040503050406030204" pitchFamily="18" charset="0"/>
-                          <a:ea typeface="Cambria Math" panose="02040503050406030204" pitchFamily="18" charset="0"/>
                         </a:rPr>
                         <m:t>𝜑</m:t>
                       </m:r>
                       <m:d>
                         <m:dPr>
                           <m:ctrlPr>
-                            <a:rPr lang="en-GB" sz="1200" b="0" i="1" smtClean="0">
+                            <a:rPr lang="en-GB" sz="1100" i="1">
                               <a:latin typeface="Cambria Math" panose="02040503050406030204" pitchFamily="18" charset="0"/>
-                              <a:ea typeface="Cambria Math" panose="02040503050406030204" pitchFamily="18" charset="0"/>
                             </a:rPr>
                           </m:ctrlPr>
                         </m:dPr>
                         <m:e>
                           <m:r>
-                            <a:rPr lang="en-GB" sz="1200" b="0" i="1" smtClean="0">
+                            <a:rPr lang="en-GB" sz="1100" i="1">
                               <a:latin typeface="Cambria Math" panose="02040503050406030204" pitchFamily="18" charset="0"/>
-                              <a:ea typeface="Cambria Math" panose="02040503050406030204" pitchFamily="18" charset="0"/>
                             </a:rPr>
                             <m:t>𝑧</m:t>
                           </m:r>
                         </m:e>
                       </m:d>
                       <m:r>
-                        <a:rPr lang="en-GB" sz="1200" b="0" i="1" smtClean="0">
+                        <a:rPr lang="en-GB" sz="1100" i="1">
                           <a:latin typeface="Cambria Math" panose="02040503050406030204" pitchFamily="18" charset="0"/>
-                          <a:ea typeface="Cambria Math" panose="02040503050406030204" pitchFamily="18" charset="0"/>
                         </a:rPr>
                         <m:t>= </m:t>
                       </m:r>
                       <m:r>
-                        <a:rPr lang="en-GB" sz="1200" b="0" i="1" smtClean="0">
+                        <a:rPr lang="en-GB" sz="1100" i="1">
                           <a:latin typeface="Cambria Math" panose="02040503050406030204" pitchFamily="18" charset="0"/>
                         </a:rPr>
                         <m:t>𝑅𝑒𝐿𝑈</m:t>
@@ -21289,14 +21371,14 @@
                       <m:d>
                         <m:dPr>
                           <m:ctrlPr>
-                            <a:rPr lang="en-GB" sz="1200" b="0" i="1" smtClean="0">
+                            <a:rPr lang="en-GB" sz="1100" i="1">
                               <a:latin typeface="Cambria Math" panose="02040503050406030204" pitchFamily="18" charset="0"/>
                             </a:rPr>
                           </m:ctrlPr>
                         </m:dPr>
                         <m:e>
                           <m:r>
-                            <a:rPr lang="en-GB" sz="1200" b="0" i="1" smtClean="0">
+                            <a:rPr lang="en-GB" sz="1100" i="1">
                               <a:latin typeface="Cambria Math" panose="02040503050406030204" pitchFamily="18" charset="0"/>
                             </a:rPr>
                             <m:t>𝑧</m:t>
@@ -21304,13 +21386,13 @@
                         </m:e>
                       </m:d>
                       <m:r>
-                        <a:rPr lang="en-GB" sz="1200" b="0" i="1" smtClean="0">
+                        <a:rPr lang="en-GB" sz="1100" i="1">
                           <a:latin typeface="Cambria Math" panose="02040503050406030204" pitchFamily="18" charset="0"/>
                         </a:rPr>
                         <m:t>=</m:t>
                       </m:r>
                       <m:r>
-                        <a:rPr lang="en-GB" sz="1200" b="0" i="1" smtClean="0">
+                        <a:rPr lang="en-GB" sz="1100" i="1">
                           <a:latin typeface="Cambria Math" panose="02040503050406030204" pitchFamily="18" charset="0"/>
                         </a:rPr>
                         <m:t>𝑅𝑒𝐿𝑈</m:t>
@@ -21318,14 +21400,14 @@
                       <m:d>
                         <m:dPr>
                           <m:ctrlPr>
-                            <a:rPr lang="en-GB" sz="1200" b="0" i="1" smtClean="0">
+                            <a:rPr lang="en-GB" sz="1100" i="1">
                               <a:latin typeface="Cambria Math" panose="02040503050406030204" pitchFamily="18" charset="0"/>
                             </a:rPr>
                           </m:ctrlPr>
                         </m:dPr>
                         <m:e>
                           <m:r>
-                            <a:rPr lang="en-GB" sz="1200" b="0" i="1" smtClean="0">
+                            <a:rPr lang="en-GB" sz="1100" i="1">
                               <a:latin typeface="Cambria Math" panose="02040503050406030204" pitchFamily="18" charset="0"/>
                             </a:rPr>
                             <m:t>0.34</m:t>
@@ -21333,7 +21415,7 @@
                         </m:e>
                       </m:d>
                       <m:r>
-                        <a:rPr lang="en-GB" sz="1200" b="0" i="1" smtClean="0">
+                        <a:rPr lang="en-GB" sz="1100" i="1">
                           <a:latin typeface="Cambria Math" panose="02040503050406030204" pitchFamily="18" charset="0"/>
                         </a:rPr>
                         <m:t>=</m:t>
@@ -21341,7 +21423,7 @@
                       <m:func>
                         <m:funcPr>
                           <m:ctrlPr>
-                            <a:rPr lang="en-GB" sz="1200" b="0" i="1" smtClean="0">
+                            <a:rPr lang="en-GB" sz="1100" i="1">
                               <a:latin typeface="Cambria Math" panose="02040503050406030204" pitchFamily="18" charset="0"/>
                             </a:rPr>
                           </m:ctrlPr>
@@ -21351,7 +21433,7 @@
                             <m:rPr>
                               <m:sty m:val="p"/>
                             </m:rPr>
-                            <a:rPr lang="en-GB" sz="1200" b="0" i="0" smtClean="0">
+                            <a:rPr lang="en-GB" sz="1100" i="1">
                               <a:latin typeface="Cambria Math" panose="02040503050406030204" pitchFamily="18" charset="0"/>
                             </a:rPr>
                             <m:t>max</m:t>
@@ -21361,14 +21443,14 @@
                           <m:d>
                             <m:dPr>
                               <m:ctrlPr>
-                                <a:rPr lang="en-GB" sz="1200" b="0" i="1" smtClean="0">
+                                <a:rPr lang="en-GB" sz="1100" i="1">
                                   <a:latin typeface="Cambria Math" panose="02040503050406030204" pitchFamily="18" charset="0"/>
                                 </a:rPr>
                               </m:ctrlPr>
                             </m:dPr>
                             <m:e>
                               <m:r>
-                                <a:rPr lang="en-GB" sz="1200" b="0" i="1" smtClean="0">
+                                <a:rPr lang="en-GB" sz="1100" i="1">
                                   <a:latin typeface="Cambria Math" panose="02040503050406030204" pitchFamily="18" charset="0"/>
                                 </a:rPr>
                                 <m:t>0, 0.34</m:t>
@@ -21378,7 +21460,7 @@
                         </m:e>
                       </m:func>
                       <m:r>
-                        <a:rPr lang="en-GB" sz="1200" b="0" i="1" smtClean="0">
+                        <a:rPr lang="en-GB" sz="1100" i="1">
                           <a:latin typeface="Cambria Math" panose="02040503050406030204" pitchFamily="18" charset="0"/>
                         </a:rPr>
                         <m:t>=0.34</m:t>
@@ -21386,10 +21468,14 @@
                     </m:oMath>
                   </m:oMathPara>
                 </a14:m>
-                <a:endParaRPr lang="en-GB" sz="1200" b="0" dirty="0"/>
+                <a:endParaRPr lang="en-GB" sz="1100" i="1" dirty="0">
+                  <a:latin typeface="Cambria Math" panose="02040503050406030204" pitchFamily="18" charset="0"/>
+                </a:endParaRPr>
               </a:p>
               <a:p>
-                <a:endParaRPr lang="en-GB" sz="1200" dirty="0"/>
+                <a:endParaRPr lang="en-GB" sz="1100" i="1" dirty="0">
+                  <a:latin typeface="Cambria Math" panose="02040503050406030204" pitchFamily="18" charset="0"/>
+                </a:endParaRPr>
               </a:p>
               <a:p>
                 <a:pPr/>
@@ -21400,49 +21486,28 @@
                     </m:oMathParaPr>
                     <m:oMath xmlns:m="http://schemas.openxmlformats.org/officeDocument/2006/math">
                       <m:r>
-                        <a:rPr lang="en-GB" sz="1200" b="0" i="1" smtClean="0">
+                        <a:rPr lang="en-GB" sz="1100" i="1">
                           <a:latin typeface="Cambria Math" panose="02040503050406030204" pitchFamily="18" charset="0"/>
                         </a:rPr>
                         <m:t>𝑜</m:t>
                       </m:r>
                       <m:r>
-                        <a:rPr lang="en-GB" sz="1200" b="0" i="1" smtClean="0">
+                        <a:rPr lang="en-GB" sz="1100" i="1">
                           <a:latin typeface="Cambria Math" panose="02040503050406030204" pitchFamily="18" charset="0"/>
                         </a:rPr>
-                        <m:t>=0.34 × 0.5</m:t>
-                      </m:r>
-                      <m:r>
-                        <a:rPr lang="en-GB" sz="1200" b="0" i="0" smtClean="0">
-                          <a:solidFill>
-                            <a:srgbClr val="7030A0"/>
-                          </a:solidFill>
-                          <a:latin typeface="Cambria Math" panose="02040503050406030204" pitchFamily="18" charset="0"/>
-                          <a:ea typeface="Cambria Math" panose="02040503050406030204" pitchFamily="18" charset="0"/>
-                        </a:rPr>
-                        <m:t>=</m:t>
-                      </m:r>
-                      <m:r>
-                        <a:rPr lang="en-GB" sz="1200" b="0" i="0" smtClean="0">
-                          <a:solidFill>
-                            <a:schemeClr val="tx1"/>
-                          </a:solidFill>
-                          <a:latin typeface="Cambria Math" panose="02040503050406030204" pitchFamily="18" charset="0"/>
-                          <a:ea typeface="Cambria Math" panose="02040503050406030204" pitchFamily="18" charset="0"/>
-                        </a:rPr>
-                        <m:t>0.17</m:t>
+                        <m:t>=0.34 × 0.5=0.17</m:t>
                       </m:r>
                     </m:oMath>
                   </m:oMathPara>
                 </a14:m>
-                <a:endParaRPr lang="en-GB" sz="1200" b="0" dirty="0">
-                  <a:solidFill>
-                    <a:schemeClr val="tx1"/>
-                  </a:solidFill>
-                  <a:ea typeface="Cambria Math" panose="02040503050406030204" pitchFamily="18" charset="0"/>
+                <a:endParaRPr lang="en-GB" sz="1100" i="1" dirty="0">
+                  <a:latin typeface="Cambria Math" panose="02040503050406030204" pitchFamily="18" charset="0"/>
                 </a:endParaRPr>
               </a:p>
               <a:p>
-                <a:endParaRPr lang="en-GB" sz="1200" dirty="0"/>
+                <a:endParaRPr lang="en-GB" sz="1100" i="1" dirty="0">
+                  <a:latin typeface="Cambria Math" panose="02040503050406030204" pitchFamily="18" charset="0"/>
+                </a:endParaRPr>
               </a:p>
               <a:p>
                 <a:pPr/>
@@ -21453,13 +21518,13 @@
                     </m:oMathParaPr>
                     <m:oMath xmlns:m="http://schemas.openxmlformats.org/officeDocument/2006/math">
                       <m:r>
-                        <a:rPr lang="en-GB" sz="1200" b="0" i="1" smtClean="0">
+                        <a:rPr lang="en-GB" sz="1100" i="1">
                           <a:latin typeface="Cambria Math" panose="02040503050406030204" pitchFamily="18" charset="0"/>
                         </a:rPr>
                         <m:t>𝑙</m:t>
                       </m:r>
                       <m:r>
-                        <a:rPr lang="en-GB" sz="1200" b="0" i="1" smtClean="0">
+                        <a:rPr lang="en-GB" sz="1100" i="1">
                           <a:latin typeface="Cambria Math" panose="02040503050406030204" pitchFamily="18" charset="0"/>
                         </a:rPr>
                         <m:t>=</m:t>
@@ -21467,14 +21532,14 @@
                       <m:sSup>
                         <m:sSupPr>
                           <m:ctrlPr>
-                            <a:rPr lang="en-GB" sz="1200" b="0" i="1" smtClean="0">
+                            <a:rPr lang="en-GB" sz="1100" i="1">
                               <a:latin typeface="Cambria Math" panose="02040503050406030204" pitchFamily="18" charset="0"/>
                             </a:rPr>
                           </m:ctrlPr>
                         </m:sSupPr>
                         <m:e>
                           <m:r>
-                            <a:rPr lang="en-GB" sz="1200" b="0" i="1" smtClean="0">
+                            <a:rPr lang="en-GB" sz="1100" i="1">
                               <a:latin typeface="Cambria Math" panose="02040503050406030204" pitchFamily="18" charset="0"/>
                             </a:rPr>
                             <m:t>(0.75−0.17)</m:t>
@@ -21482,7 +21547,7 @@
                         </m:e>
                         <m:sup>
                           <m:r>
-                            <a:rPr lang="en-GB" sz="1200" b="0" i="1" smtClean="0">
+                            <a:rPr lang="en-GB" sz="1100" i="1">
                               <a:latin typeface="Cambria Math" panose="02040503050406030204" pitchFamily="18" charset="0"/>
                             </a:rPr>
                             <m:t>2</m:t>
@@ -21490,7 +21555,7 @@
                         </m:sup>
                       </m:sSup>
                       <m:r>
-                        <a:rPr lang="en-GB" sz="1200" b="0" i="1" smtClean="0">
+                        <a:rPr lang="en-GB" sz="1100" i="1">
                           <a:latin typeface="Cambria Math" panose="02040503050406030204" pitchFamily="18" charset="0"/>
                         </a:rPr>
                         <m:t>=</m:t>
@@ -21499,16 +21564,22 @@
                         <m:rPr>
                           <m:nor/>
                         </m:rPr>
-                        <a:rPr lang="en-GB" sz="1200"/>
+                        <a:rPr lang="en-GB" sz="1100" i="1">
+                          <a:latin typeface="Cambria Math" panose="02040503050406030204" pitchFamily="18" charset="0"/>
+                        </a:rPr>
                         <m:t>0.3364</m:t>
                       </m:r>
                     </m:oMath>
                   </m:oMathPara>
                 </a14:m>
-                <a:endParaRPr lang="en-GB" sz="1200" dirty="0"/>
+                <a:endParaRPr lang="en-GB" sz="1100" i="1" dirty="0">
+                  <a:latin typeface="Cambria Math" panose="02040503050406030204" pitchFamily="18" charset="0"/>
+                </a:endParaRPr>
               </a:p>
               <a:p>
-                <a:endParaRPr lang="en-GB" sz="1200" dirty="0"/>
+                <a:endParaRPr lang="en-GB" sz="1100" i="1" dirty="0">
+                  <a:latin typeface="Cambria Math" panose="02040503050406030204" pitchFamily="18" charset="0"/>
+                </a:endParaRPr>
               </a:p>
               <a:p>
                 <a:pPr/>
@@ -21519,7 +21590,7 @@
                     </m:oMathParaPr>
                     <m:oMath xmlns:m="http://schemas.openxmlformats.org/officeDocument/2006/math">
                       <m:r>
-                        <a:rPr lang="en-GB" sz="1200" b="0" i="1" smtClean="0">
+                        <a:rPr lang="en-GB" sz="1100" i="1">
                           <a:latin typeface="Cambria Math" panose="02040503050406030204" pitchFamily="18" charset="0"/>
                         </a:rPr>
                         <m:t>𝑔𝑟𝑎</m:t>
@@ -21527,14 +21598,14 @@
                       <m:sSub>
                         <m:sSubPr>
                           <m:ctrlPr>
-                            <a:rPr lang="en-GB" sz="1200" b="0" i="1" smtClean="0">
+                            <a:rPr lang="en-GB" sz="1100" i="1">
                               <a:latin typeface="Cambria Math" panose="02040503050406030204" pitchFamily="18" charset="0"/>
                             </a:rPr>
                           </m:ctrlPr>
                         </m:sSubPr>
                         <m:e>
                           <m:r>
-                            <a:rPr lang="en-GB" sz="1200" b="0" i="1" smtClean="0">
+                            <a:rPr lang="en-GB" sz="1100" i="1">
                               <a:latin typeface="Cambria Math" panose="02040503050406030204" pitchFamily="18" charset="0"/>
                             </a:rPr>
                             <m:t>𝑑</m:t>
@@ -21544,14 +21615,14 @@
                           <m:sSub>
                             <m:sSubPr>
                               <m:ctrlPr>
-                                <a:rPr lang="en-GB" sz="1200" b="0" i="1" smtClean="0">
+                                <a:rPr lang="en-GB" sz="1100" i="1">
                                   <a:latin typeface="Cambria Math" panose="02040503050406030204" pitchFamily="18" charset="0"/>
                                 </a:rPr>
                               </m:ctrlPr>
                             </m:sSubPr>
                             <m:e>
                               <m:r>
-                                <a:rPr lang="en-GB" sz="1200" b="0" i="1" smtClean="0">
+                                <a:rPr lang="en-GB" sz="1100" i="1">
                                   <a:latin typeface="Cambria Math" panose="02040503050406030204" pitchFamily="18" charset="0"/>
                                 </a:rPr>
                                 <m:t>𝑦</m:t>
@@ -21559,7 +21630,7 @@
                             </m:e>
                             <m:sub>
                               <m:r>
-                                <a:rPr lang="en-GB" sz="1200" b="0" i="1" smtClean="0">
+                                <a:rPr lang="en-GB" sz="1100" i="1">
                                   <a:latin typeface="Cambria Math" panose="02040503050406030204" pitchFamily="18" charset="0"/>
                                 </a:rPr>
                                 <m:t>𝑝𝑟𝑒𝑑</m:t>
@@ -21569,24 +21640,16 @@
                         </m:sub>
                       </m:sSub>
                       <m:r>
-                        <a:rPr lang="en-GB" sz="1200" b="0" i="1" smtClean="0">
+                        <a:rPr lang="en-GB" sz="1100" i="1">
                           <a:latin typeface="Cambria Math" panose="02040503050406030204" pitchFamily="18" charset="0"/>
                         </a:rPr>
-                        <m:t>=2 </m:t>
-                      </m:r>
-                      <m:r>
-                        <a:rPr lang="en-GB" sz="1200" b="0" i="1" smtClean="0">
-                          <a:latin typeface="Cambria Math" panose="02040503050406030204" pitchFamily="18" charset="0"/>
-                          <a:ea typeface="Cambria Math" panose="02040503050406030204" pitchFamily="18" charset="0"/>
-                        </a:rPr>
-                        <m:t>× </m:t>
+                        <m:t>=2 × </m:t>
                       </m:r>
                       <m:d>
                         <m:dPr>
                           <m:ctrlPr>
-                            <a:rPr lang="en-GB" sz="1200" b="0" i="1" smtClean="0">
+                            <a:rPr lang="en-GB" sz="1100" i="1">
                               <a:latin typeface="Cambria Math" panose="02040503050406030204" pitchFamily="18" charset="0"/>
-                              <a:ea typeface="Cambria Math" panose="02040503050406030204" pitchFamily="18" charset="0"/>
                             </a:rPr>
                           </m:ctrlPr>
                         </m:dPr>
@@ -21594,127 +21657,115 @@
                           <m:sSub>
                             <m:sSubPr>
                               <m:ctrlPr>
-                                <a:rPr lang="en-GB" sz="1200" b="0" i="1" smtClean="0">
+                                <a:rPr lang="en-GB" sz="1100" i="1">
                                   <a:latin typeface="Cambria Math" panose="02040503050406030204" pitchFamily="18" charset="0"/>
-                                  <a:ea typeface="Cambria Math" panose="02040503050406030204" pitchFamily="18" charset="0"/>
                                 </a:rPr>
                               </m:ctrlPr>
                             </m:sSubPr>
                             <m:e>
                               <m:r>
-                                <a:rPr lang="en-GB" sz="1200" b="0" i="1" smtClean="0">
+                                <a:rPr lang="en-GB" sz="1100" i="1">
                                   <a:latin typeface="Cambria Math" panose="02040503050406030204" pitchFamily="18" charset="0"/>
-                                  <a:ea typeface="Cambria Math" panose="02040503050406030204" pitchFamily="18" charset="0"/>
                                 </a:rPr>
                                 <m:t>𝑦</m:t>
                               </m:r>
                             </m:e>
                             <m:sub>
                               <m:r>
-                                <a:rPr lang="en-GB" sz="1200" b="0" i="1" smtClean="0">
+                                <a:rPr lang="en-GB" sz="1100" i="1">
                                   <a:latin typeface="Cambria Math" panose="02040503050406030204" pitchFamily="18" charset="0"/>
-                                  <a:ea typeface="Cambria Math" panose="02040503050406030204" pitchFamily="18" charset="0"/>
                                 </a:rPr>
                                 <m:t>𝑝𝑟𝑒𝑑</m:t>
                               </m:r>
                             </m:sub>
                           </m:sSub>
                           <m:r>
-                            <a:rPr lang="en-GB" sz="1200" b="0" i="1" smtClean="0">
+                            <a:rPr lang="en-GB" sz="1100" i="1">
                               <a:latin typeface="Cambria Math" panose="02040503050406030204" pitchFamily="18" charset="0"/>
-                              <a:ea typeface="Cambria Math" panose="02040503050406030204" pitchFamily="18" charset="0"/>
                             </a:rPr>
                             <m:t>−</m:t>
                           </m:r>
                           <m:r>
-                            <a:rPr lang="en-GB" sz="1200" b="0" i="1" smtClean="0">
+                            <a:rPr lang="en-GB" sz="1100" i="1">
                               <a:latin typeface="Cambria Math" panose="02040503050406030204" pitchFamily="18" charset="0"/>
-                              <a:ea typeface="Cambria Math" panose="02040503050406030204" pitchFamily="18" charset="0"/>
                             </a:rPr>
                             <m:t>𝑦</m:t>
                           </m:r>
                         </m:e>
                       </m:d>
                       <m:r>
-                        <a:rPr lang="en-GB" sz="1200" b="0" i="1" smtClean="0">
+                        <a:rPr lang="en-GB" sz="1100" i="1">
                           <a:latin typeface="Cambria Math" panose="02040503050406030204" pitchFamily="18" charset="0"/>
-                          <a:ea typeface="Cambria Math" panose="02040503050406030204" pitchFamily="18" charset="0"/>
                         </a:rPr>
                         <m:t>=2 × </m:t>
                       </m:r>
                       <m:d>
                         <m:dPr>
                           <m:ctrlPr>
-                            <a:rPr lang="en-GB" sz="1200" b="0" i="1" smtClean="0">
+                            <a:rPr lang="en-GB" sz="1100" i="1">
                               <a:latin typeface="Cambria Math" panose="02040503050406030204" pitchFamily="18" charset="0"/>
-                              <a:ea typeface="Cambria Math" panose="02040503050406030204" pitchFamily="18" charset="0"/>
                             </a:rPr>
                           </m:ctrlPr>
                         </m:dPr>
                         <m:e>
                           <m:r>
-                            <a:rPr lang="en-GB" sz="1200" b="0" i="1" smtClean="0">
+                            <a:rPr lang="en-GB" sz="1100" i="1">
                               <a:latin typeface="Cambria Math" panose="02040503050406030204" pitchFamily="18" charset="0"/>
-                              <a:ea typeface="Cambria Math" panose="02040503050406030204" pitchFamily="18" charset="0"/>
                             </a:rPr>
                             <m:t>𝑜</m:t>
                           </m:r>
                           <m:r>
-                            <a:rPr lang="en-GB" sz="1200" b="0" i="1" smtClean="0">
+                            <a:rPr lang="en-GB" sz="1100" i="1">
                               <a:latin typeface="Cambria Math" panose="02040503050406030204" pitchFamily="18" charset="0"/>
-                              <a:ea typeface="Cambria Math" panose="02040503050406030204" pitchFamily="18" charset="0"/>
                             </a:rPr>
                             <m:t>−</m:t>
                           </m:r>
                           <m:r>
-                            <a:rPr lang="en-GB" sz="1200" b="0" i="1" smtClean="0">
+                            <a:rPr lang="en-GB" sz="1100" i="1">
                               <a:latin typeface="Cambria Math" panose="02040503050406030204" pitchFamily="18" charset="0"/>
-                              <a:ea typeface="Cambria Math" panose="02040503050406030204" pitchFamily="18" charset="0"/>
                             </a:rPr>
                             <m:t>𝑦</m:t>
                           </m:r>
                         </m:e>
                       </m:d>
                       <m:r>
-                        <a:rPr lang="en-GB" sz="1200" b="0" i="1" smtClean="0">
+                        <a:rPr lang="en-GB" sz="1100" i="1">
                           <a:latin typeface="Cambria Math" panose="02040503050406030204" pitchFamily="18" charset="0"/>
-                          <a:ea typeface="Cambria Math" panose="02040503050406030204" pitchFamily="18" charset="0"/>
                         </a:rPr>
                         <m:t>=2 × </m:t>
                       </m:r>
                       <m:d>
                         <m:dPr>
                           <m:ctrlPr>
-                            <a:rPr lang="en-GB" sz="1200" b="0" i="1" smtClean="0">
+                            <a:rPr lang="en-GB" sz="1100" i="1">
                               <a:latin typeface="Cambria Math" panose="02040503050406030204" pitchFamily="18" charset="0"/>
-                              <a:ea typeface="Cambria Math" panose="02040503050406030204" pitchFamily="18" charset="0"/>
                             </a:rPr>
                           </m:ctrlPr>
                         </m:dPr>
                         <m:e>
                           <m:r>
-                            <a:rPr lang="en-GB" sz="1200" b="0" i="1" smtClean="0">
+                            <a:rPr lang="en-GB" sz="1100" i="1">
                               <a:latin typeface="Cambria Math" panose="02040503050406030204" pitchFamily="18" charset="0"/>
-                              <a:ea typeface="Cambria Math" panose="02040503050406030204" pitchFamily="18" charset="0"/>
                             </a:rPr>
                             <m:t>0.75 −0.17</m:t>
                           </m:r>
                         </m:e>
                       </m:d>
                       <m:r>
-                        <a:rPr lang="en-GB" sz="1200" b="0" i="1" smtClean="0">
+                        <a:rPr lang="en-GB" sz="1100" i="1">
                           <a:latin typeface="Cambria Math" panose="02040503050406030204" pitchFamily="18" charset="0"/>
-                          <a:ea typeface="Cambria Math" panose="02040503050406030204" pitchFamily="18" charset="0"/>
                         </a:rPr>
                         <m:t>=1.16 </m:t>
                       </m:r>
                     </m:oMath>
                   </m:oMathPara>
                 </a14:m>
-                <a:endParaRPr lang="en-GB" sz="1200" dirty="0"/>
+                <a:endParaRPr lang="en-GB" sz="1100" i="1" dirty="0">
+                  <a:latin typeface="Cambria Math" panose="02040503050406030204" pitchFamily="18" charset="0"/>
+                </a:endParaRPr>
               </a:p>
               <a:p>
-                <a:endParaRPr lang="en-GB" sz="1200" b="0" i="1" dirty="0">
+                <a:endParaRPr lang="en-GB" sz="1100" i="1" dirty="0">
                   <a:latin typeface="Cambria Math" panose="02040503050406030204" pitchFamily="18" charset="0"/>
                 </a:endParaRPr>
               </a:p>
@@ -21722,7 +21773,7 @@
                 <a14:m>
                   <m:oMath xmlns:m="http://schemas.openxmlformats.org/officeDocument/2006/math">
                     <m:r>
-                      <a:rPr lang="en-GB" sz="1200" b="0" i="1" smtClean="0">
+                      <a:rPr lang="en-GB" sz="1100" i="1">
                         <a:latin typeface="Cambria Math" panose="02040503050406030204" pitchFamily="18" charset="0"/>
                       </a:rPr>
                       <m:t>𝑔𝑟𝑎</m:t>
@@ -21730,14 +21781,14 @@
                     <m:sSub>
                       <m:sSubPr>
                         <m:ctrlPr>
-                          <a:rPr lang="en-GB" sz="1200" b="0" i="1" smtClean="0">
+                          <a:rPr lang="en-GB" sz="1100" i="1">
                             <a:latin typeface="Cambria Math" panose="02040503050406030204" pitchFamily="18" charset="0"/>
                           </a:rPr>
                         </m:ctrlPr>
                       </m:sSubPr>
                       <m:e>
                         <m:r>
-                          <a:rPr lang="en-GB" sz="1200" b="0" i="1" smtClean="0">
+                          <a:rPr lang="en-GB" sz="1100" i="1">
                             <a:latin typeface="Cambria Math" panose="02040503050406030204" pitchFamily="18" charset="0"/>
                           </a:rPr>
                           <m:t>𝑑</m:t>
@@ -21745,13 +21796,13 @@
                       </m:e>
                       <m:sub>
                         <m:r>
-                          <a:rPr lang="en-GB" sz="1200" b="0" i="1" smtClean="0">
+                          <a:rPr lang="en-GB" sz="1100" i="1">
                             <a:latin typeface="Cambria Math" panose="02040503050406030204" pitchFamily="18" charset="0"/>
                           </a:rPr>
                           <m:t>𝑤</m:t>
                         </m:r>
                         <m:r>
-                          <a:rPr lang="en-GB" sz="1200" b="0" i="1" smtClean="0">
+                          <a:rPr lang="en-GB" sz="1100" i="1">
                             <a:latin typeface="Cambria Math" panose="02040503050406030204" pitchFamily="18" charset="0"/>
                           </a:rPr>
                           <m:t>2</m:t>
@@ -21759,20 +21810,13 @@
                       </m:sub>
                     </m:sSub>
                     <m:r>
-                      <a:rPr lang="en-GB" sz="1200" b="0" i="0" smtClean="0">
+                      <a:rPr lang="en-GB" sz="1100" i="1">
                         <a:latin typeface="Cambria Math" panose="02040503050406030204" pitchFamily="18" charset="0"/>
                       </a:rPr>
-                      <m:t>=0.5 </m:t>
+                      <m:t>=0.5 ×</m:t>
                     </m:r>
                     <m:r>
-                      <a:rPr lang="en-GB" sz="1200" b="0" i="1" smtClean="0">
-                        <a:latin typeface="Cambria Math" panose="02040503050406030204" pitchFamily="18" charset="0"/>
-                        <a:ea typeface="Cambria Math" panose="02040503050406030204" pitchFamily="18" charset="0"/>
-                      </a:rPr>
-                      <m:t>×</m:t>
-                    </m:r>
-                    <m:r>
-                      <a:rPr lang="en-GB" sz="1200" i="1">
+                      <a:rPr lang="en-GB" sz="1100" i="1">
                         <a:latin typeface="Cambria Math" panose="02040503050406030204" pitchFamily="18" charset="0"/>
                       </a:rPr>
                       <m:t>𝑔𝑟𝑎</m:t>
@@ -21780,14 +21824,14 @@
                     <m:sSub>
                       <m:sSubPr>
                         <m:ctrlPr>
-                          <a:rPr lang="en-GB" sz="1200" i="1">
+                          <a:rPr lang="en-GB" sz="1100" i="1">
                             <a:latin typeface="Cambria Math" panose="02040503050406030204" pitchFamily="18" charset="0"/>
                           </a:rPr>
                         </m:ctrlPr>
                       </m:sSubPr>
                       <m:e>
                         <m:r>
-                          <a:rPr lang="en-GB" sz="1200" i="1">
+                          <a:rPr lang="en-GB" sz="1100" i="1">
                             <a:latin typeface="Cambria Math" panose="02040503050406030204" pitchFamily="18" charset="0"/>
                           </a:rPr>
                           <m:t>𝑑</m:t>
@@ -21797,14 +21841,14 @@
                         <m:sSub>
                           <m:sSubPr>
                             <m:ctrlPr>
-                              <a:rPr lang="en-GB" sz="1200" i="1">
+                              <a:rPr lang="en-GB" sz="1100" i="1">
                                 <a:latin typeface="Cambria Math" panose="02040503050406030204" pitchFamily="18" charset="0"/>
                               </a:rPr>
                             </m:ctrlPr>
                           </m:sSubPr>
                           <m:e>
                             <m:r>
-                              <a:rPr lang="en-GB" sz="1200" i="1">
+                              <a:rPr lang="en-GB" sz="1100" i="1">
                                 <a:latin typeface="Cambria Math" panose="02040503050406030204" pitchFamily="18" charset="0"/>
                               </a:rPr>
                               <m:t>𝑦</m:t>
@@ -21812,7 +21856,7 @@
                           </m:e>
                           <m:sub>
                             <m:r>
-                              <a:rPr lang="en-GB" sz="1200" i="1">
+                              <a:rPr lang="en-GB" sz="1100" i="1">
                                 <a:latin typeface="Cambria Math" panose="02040503050406030204" pitchFamily="18" charset="0"/>
                               </a:rPr>
                               <m:t>𝑝𝑟𝑒𝑑</m:t>
@@ -21822,67 +21866,33 @@
                       </m:sub>
                     </m:sSub>
                     <m:r>
-                      <a:rPr lang="en-GB" sz="1200" b="0" i="1" smtClean="0">
+                      <a:rPr lang="en-GB" sz="1100" i="1">
                         <a:latin typeface="Cambria Math" panose="02040503050406030204" pitchFamily="18" charset="0"/>
                       </a:rPr>
-                      <m:t>=0.5 </m:t>
+                      <m:t>=0.5 × 1.16=</m:t>
                     </m:r>
                     <m:r>
-                      <a:rPr lang="en-GB" sz="1200" b="0" i="1" smtClean="0">
-                        <a:latin typeface="Cambria Math" panose="02040503050406030204" pitchFamily="18" charset="0"/>
-                        <a:ea typeface="Cambria Math" panose="02040503050406030204" pitchFamily="18" charset="0"/>
-                      </a:rPr>
-                      <m:t>× 1.16=</m:t>
-                    </m:r>
-                    <m:r>
-                      <a:rPr lang="en-GB" sz="1200" b="1" i="1" smtClean="0">
+                      <a:rPr lang="en-GB" sz="1100" i="0" smtClean="0">
                         <a:solidFill>
-                          <a:srgbClr val="FF0000"/>
+                          <a:srgbClr val="C00000"/>
                         </a:solidFill>
                         <a:latin typeface="Cambria Math" panose="02040503050406030204" pitchFamily="18" charset="0"/>
-                        <a:ea typeface="Cambria Math" panose="02040503050406030204" pitchFamily="18" charset="0"/>
                       </a:rPr>
-                      <m:t>𝟎</m:t>
-                    </m:r>
-                    <m:r>
-                      <a:rPr lang="en-GB" sz="1200" b="1" i="1" smtClean="0">
-                        <a:solidFill>
-                          <a:srgbClr val="FF0000"/>
-                        </a:solidFill>
-                        <a:latin typeface="Cambria Math" panose="02040503050406030204" pitchFamily="18" charset="0"/>
-                        <a:ea typeface="Cambria Math" panose="02040503050406030204" pitchFamily="18" charset="0"/>
-                      </a:rPr>
-                      <m:t>.</m:t>
-                    </m:r>
-                    <m:r>
-                      <a:rPr lang="en-GB" sz="1200" b="1" i="1" smtClean="0">
-                        <a:solidFill>
-                          <a:srgbClr val="FF0000"/>
-                        </a:solidFill>
-                        <a:latin typeface="Cambria Math" panose="02040503050406030204" pitchFamily="18" charset="0"/>
-                        <a:ea typeface="Cambria Math" panose="02040503050406030204" pitchFamily="18" charset="0"/>
-                      </a:rPr>
-                      <m:t>𝟓𝟖</m:t>
-                    </m:r>
-                    <m:r>
-                      <a:rPr lang="en-GB" sz="1200" b="1" i="1" smtClean="0">
-                        <a:solidFill>
-                          <a:srgbClr val="FF0000"/>
-                        </a:solidFill>
-                        <a:latin typeface="Cambria Math" panose="02040503050406030204" pitchFamily="18" charset="0"/>
-                        <a:ea typeface="Cambria Math" panose="02040503050406030204" pitchFamily="18" charset="0"/>
-                      </a:rPr>
-                      <m:t> </m:t>
+                      <m:t>0.58 </m:t>
                     </m:r>
                   </m:oMath>
                 </a14:m>
                 <a:r>
-                  <a:rPr lang="en-GB" sz="1200" dirty="0"/>
+                  <a:rPr lang="en-GB" sz="1100" dirty="0">
+                    <a:latin typeface="Cambria Math" panose="02040503050406030204" pitchFamily="18" charset="0"/>
+                  </a:rPr>
                   <a:t> </a:t>
                 </a:r>
               </a:p>
               <a:p>
-                <a:endParaRPr lang="en-GB" sz="1200" dirty="0"/>
+                <a:endParaRPr lang="en-GB" sz="1100" i="1" dirty="0">
+                  <a:latin typeface="Cambria Math" panose="02040503050406030204" pitchFamily="18" charset="0"/>
+                </a:endParaRPr>
               </a:p>
               <a:p>
                 <a:pPr/>
@@ -21893,7 +21903,7 @@
                     </m:oMathParaPr>
                     <m:oMath xmlns:m="http://schemas.openxmlformats.org/officeDocument/2006/math">
                       <m:r>
-                        <a:rPr lang="en-GB" sz="1200" b="0" i="1" smtClean="0">
+                        <a:rPr lang="en-GB" sz="1100" i="1">
                           <a:latin typeface="Cambria Math" panose="02040503050406030204" pitchFamily="18" charset="0"/>
                         </a:rPr>
                         <m:t>𝑔𝑟𝑎</m:t>
@@ -21901,14 +21911,14 @@
                       <m:sSub>
                         <m:sSubPr>
                           <m:ctrlPr>
-                            <a:rPr lang="en-GB" sz="1200" b="0" i="1" smtClean="0">
+                            <a:rPr lang="en-GB" sz="1100" i="1">
                               <a:latin typeface="Cambria Math" panose="02040503050406030204" pitchFamily="18" charset="0"/>
                             </a:rPr>
                           </m:ctrlPr>
                         </m:sSubPr>
                         <m:e>
                           <m:r>
-                            <a:rPr lang="en-GB" sz="1200" b="0" i="1" smtClean="0">
+                            <a:rPr lang="en-GB" sz="1100" i="1">
                               <a:latin typeface="Cambria Math" panose="02040503050406030204" pitchFamily="18" charset="0"/>
                             </a:rPr>
                             <m:t>𝑑</m:t>
@@ -21916,7 +21926,7 @@
                         </m:e>
                         <m:sub>
                           <m:r>
-                            <a:rPr lang="en-GB" sz="1200" b="0" i="1" smtClean="0">
+                            <a:rPr lang="en-GB" sz="1100" i="1">
                               <a:latin typeface="Cambria Math" panose="02040503050406030204" pitchFamily="18" charset="0"/>
                             </a:rPr>
                             <m:t>h</m:t>
@@ -21924,20 +21934,13 @@
                         </m:sub>
                       </m:sSub>
                       <m:r>
-                        <a:rPr lang="en-GB" sz="1200" b="0" i="0" smtClean="0">
+                        <a:rPr lang="en-GB" sz="1100" i="1">
                           <a:latin typeface="Cambria Math" panose="02040503050406030204" pitchFamily="18" charset="0"/>
                         </a:rPr>
-                        <m:t>=0.34 </m:t>
+                        <m:t>=0.34 ×</m:t>
                       </m:r>
                       <m:r>
-                        <a:rPr lang="en-GB" sz="1200" b="0" i="1" smtClean="0">
-                          <a:latin typeface="Cambria Math" panose="02040503050406030204" pitchFamily="18" charset="0"/>
-                          <a:ea typeface="Cambria Math" panose="02040503050406030204" pitchFamily="18" charset="0"/>
-                        </a:rPr>
-                        <m:t>×</m:t>
-                      </m:r>
-                      <m:r>
-                        <a:rPr lang="en-GB" sz="1200" i="1">
+                        <a:rPr lang="en-GB" sz="1100" i="1">
                           <a:latin typeface="Cambria Math" panose="02040503050406030204" pitchFamily="18" charset="0"/>
                         </a:rPr>
                         <m:t>𝑔𝑟𝑎</m:t>
@@ -21945,14 +21948,14 @@
                       <m:sSub>
                         <m:sSubPr>
                           <m:ctrlPr>
-                            <a:rPr lang="en-GB" sz="1200" i="1">
+                            <a:rPr lang="en-GB" sz="1100" i="1">
                               <a:latin typeface="Cambria Math" panose="02040503050406030204" pitchFamily="18" charset="0"/>
                             </a:rPr>
                           </m:ctrlPr>
                         </m:sSubPr>
                         <m:e>
                           <m:r>
-                            <a:rPr lang="en-GB" sz="1200" i="1">
+                            <a:rPr lang="en-GB" sz="1100" i="1">
                               <a:latin typeface="Cambria Math" panose="02040503050406030204" pitchFamily="18" charset="0"/>
                             </a:rPr>
                             <m:t>𝑑</m:t>
@@ -21962,14 +21965,14 @@
                           <m:sSub>
                             <m:sSubPr>
                               <m:ctrlPr>
-                                <a:rPr lang="en-GB" sz="1200" i="1">
+                                <a:rPr lang="en-GB" sz="1100" i="1">
                                   <a:latin typeface="Cambria Math" panose="02040503050406030204" pitchFamily="18" charset="0"/>
                                 </a:rPr>
                               </m:ctrlPr>
                             </m:sSubPr>
                             <m:e>
                               <m:r>
-                                <a:rPr lang="en-GB" sz="1200" i="1">
+                                <a:rPr lang="en-GB" sz="1100" i="1">
                                   <a:latin typeface="Cambria Math" panose="02040503050406030204" pitchFamily="18" charset="0"/>
                                 </a:rPr>
                                 <m:t>𝑦</m:t>
@@ -21977,7 +21980,7 @@
                             </m:e>
                             <m:sub>
                               <m:r>
-                                <a:rPr lang="en-GB" sz="1200" i="1">
+                                <a:rPr lang="en-GB" sz="1100" i="1">
                                   <a:latin typeface="Cambria Math" panose="02040503050406030204" pitchFamily="18" charset="0"/>
                                 </a:rPr>
                                 <m:t>𝑝𝑟𝑒𝑑</m:t>
@@ -21987,36 +21990,40 @@
                         </m:sub>
                       </m:sSub>
                       <m:r>
-                        <a:rPr lang="en-GB" sz="1200" b="0" i="1" smtClean="0">
+                        <a:rPr lang="en-GB" sz="1100" i="1">
                           <a:latin typeface="Cambria Math" panose="02040503050406030204" pitchFamily="18" charset="0"/>
                         </a:rPr>
-                        <m:t>=0.34 </m:t>
+                        <m:t>=0.34 × </m:t>
                       </m:r>
                       <m:r>
-                        <a:rPr lang="en-GB" sz="1200" b="0" i="1" smtClean="0">
+                        <a:rPr lang="en-GB" sz="1100" i="0">
                           <a:latin typeface="Cambria Math" panose="02040503050406030204" pitchFamily="18" charset="0"/>
-                          <a:ea typeface="Cambria Math" panose="02040503050406030204" pitchFamily="18" charset="0"/>
                         </a:rPr>
-                        <m:t>× 1.16=</m:t>
+                        <m:t>1.16=</m:t>
                       </m:r>
                       <m:r>
                         <m:rPr>
                           <m:nor/>
                         </m:rPr>
-                        <a:rPr lang="en-GB" sz="1200" b="1" smtClean="0">
+                        <a:rPr lang="en-GB" sz="1100" smtClean="0">
                           <a:solidFill>
-                            <a:srgbClr val="7030A0"/>
+                            <a:srgbClr val="C00000"/>
                           </a:solidFill>
+                          <a:latin typeface="Cambria Math" panose="02040503050406030204" pitchFamily="18" charset="0"/>
                         </a:rPr>
                         <m:t>0.3944</m:t>
                       </m:r>
                     </m:oMath>
                   </m:oMathPara>
                 </a14:m>
-                <a:endParaRPr lang="en-GB" sz="1200" b="1" dirty="0"/>
+                <a:endParaRPr lang="en-GB" sz="1100" dirty="0">
+                  <a:latin typeface="Cambria Math" panose="02040503050406030204" pitchFamily="18" charset="0"/>
+                </a:endParaRPr>
               </a:p>
               <a:p>
-                <a:endParaRPr lang="en-GB" sz="1200" b="1" dirty="0"/>
+                <a:endParaRPr lang="en-GB" sz="1100" i="1" dirty="0">
+                  <a:latin typeface="Cambria Math" panose="02040503050406030204" pitchFamily="18" charset="0"/>
+                </a:endParaRPr>
               </a:p>
               <a:p>
                 <a:pPr/>
@@ -22027,7 +22034,7 @@
                     </m:oMathParaPr>
                     <m:oMath xmlns:m="http://schemas.openxmlformats.org/officeDocument/2006/math">
                       <m:r>
-                        <a:rPr lang="en-GB" sz="1200" b="0" i="1" smtClean="0">
+                        <a:rPr lang="en-GB" sz="1100" i="1">
                           <a:latin typeface="Cambria Math" panose="02040503050406030204" pitchFamily="18" charset="0"/>
                         </a:rPr>
                         <m:t>𝑔𝑟𝑎</m:t>
@@ -22035,14 +22042,14 @@
                       <m:sSub>
                         <m:sSubPr>
                           <m:ctrlPr>
-                            <a:rPr lang="en-GB" sz="1200" b="0" i="1" smtClean="0">
+                            <a:rPr lang="en-GB" sz="1100" i="1">
                               <a:latin typeface="Cambria Math" panose="02040503050406030204" pitchFamily="18" charset="0"/>
                             </a:rPr>
                           </m:ctrlPr>
                         </m:sSubPr>
                         <m:e>
                           <m:r>
-                            <a:rPr lang="en-GB" sz="1200" b="0" i="1" smtClean="0">
+                            <a:rPr lang="en-GB" sz="1100" i="1">
                               <a:latin typeface="Cambria Math" panose="02040503050406030204" pitchFamily="18" charset="0"/>
                             </a:rPr>
                             <m:t>𝑑</m:t>
@@ -22050,13 +22057,13 @@
                         </m:e>
                         <m:sub>
                           <m:r>
-                            <a:rPr lang="en-GB" sz="1200" b="0" i="1" smtClean="0">
+                            <a:rPr lang="en-GB" sz="1100" i="1">
                               <a:latin typeface="Cambria Math" panose="02040503050406030204" pitchFamily="18" charset="0"/>
                             </a:rPr>
                             <m:t>𝑤</m:t>
                           </m:r>
                           <m:r>
-                            <a:rPr lang="en-GB" sz="1200" b="0" i="1" smtClean="0">
+                            <a:rPr lang="en-GB" sz="1100" i="1">
                               <a:latin typeface="Cambria Math" panose="02040503050406030204" pitchFamily="18" charset="0"/>
                             </a:rPr>
                             <m:t>11</m:t>
@@ -22064,7 +22071,7 @@
                         </m:sub>
                       </m:sSub>
                       <m:r>
-                        <a:rPr lang="en-GB" sz="1200" b="0" i="0" smtClean="0">
+                        <a:rPr lang="en-GB" sz="1100" i="1">
                           <a:latin typeface="Cambria Math" panose="02040503050406030204" pitchFamily="18" charset="0"/>
                         </a:rPr>
                         <m:t>=</m:t>
@@ -22073,26 +22080,19 @@
                         <m:rPr>
                           <m:sty m:val="p"/>
                         </m:rPr>
-                        <a:rPr lang="en-GB" sz="1200" b="0" i="0" smtClean="0">
+                        <a:rPr lang="en-GB" sz="1100" i="1">
                           <a:latin typeface="Cambria Math" panose="02040503050406030204" pitchFamily="18" charset="0"/>
                         </a:rPr>
                         <m:t>w</m:t>
                       </m:r>
                       <m:r>
-                        <a:rPr lang="en-GB" sz="1200" b="0" i="0" smtClean="0">
+                        <a:rPr lang="en-GB" sz="1100" i="1">
                           <a:latin typeface="Cambria Math" panose="02040503050406030204" pitchFamily="18" charset="0"/>
                         </a:rPr>
-                        <m:t>11 </m:t>
+                        <m:t>11 ×</m:t>
                       </m:r>
                       <m:r>
-                        <a:rPr lang="en-GB" sz="1200" b="0" i="1" smtClean="0">
-                          <a:latin typeface="Cambria Math" panose="02040503050406030204" pitchFamily="18" charset="0"/>
-                          <a:ea typeface="Cambria Math" panose="02040503050406030204" pitchFamily="18" charset="0"/>
-                        </a:rPr>
-                        <m:t>×</m:t>
-                      </m:r>
-                      <m:r>
-                        <a:rPr lang="en-GB" sz="1200" i="1">
+                        <a:rPr lang="en-GB" sz="1100" i="1">
                           <a:latin typeface="Cambria Math" panose="02040503050406030204" pitchFamily="18" charset="0"/>
                         </a:rPr>
                         <m:t>𝑔𝑟𝑎</m:t>
@@ -22100,14 +22100,14 @@
                       <m:sSub>
                         <m:sSubPr>
                           <m:ctrlPr>
-                            <a:rPr lang="en-GB" sz="1200" i="1">
+                            <a:rPr lang="en-GB" sz="1100" i="1">
                               <a:latin typeface="Cambria Math" panose="02040503050406030204" pitchFamily="18" charset="0"/>
                             </a:rPr>
                           </m:ctrlPr>
                         </m:sSubPr>
                         <m:e>
                           <m:r>
-                            <a:rPr lang="en-GB" sz="1200" i="1">
+                            <a:rPr lang="en-GB" sz="1100" i="1">
                               <a:latin typeface="Cambria Math" panose="02040503050406030204" pitchFamily="18" charset="0"/>
                             </a:rPr>
                             <m:t>𝑑</m:t>
@@ -22115,7 +22115,7 @@
                         </m:e>
                         <m:sub>
                           <m:r>
-                            <a:rPr lang="en-GB" sz="1200" b="0" i="1" smtClean="0">
+                            <a:rPr lang="en-GB" sz="1100" i="1">
                               <a:latin typeface="Cambria Math" panose="02040503050406030204" pitchFamily="18" charset="0"/>
                             </a:rPr>
                             <m:t>h</m:t>
@@ -22123,33 +22123,35 @@
                         </m:sub>
                       </m:sSub>
                       <m:r>
-                        <a:rPr lang="en-GB" sz="1200" b="0" i="0" smtClean="0">
+                        <a:rPr lang="en-GB" sz="1100" i="1">
                           <a:latin typeface="Cambria Math" panose="02040503050406030204" pitchFamily="18" charset="0"/>
                         </a:rPr>
-                        <m:t>=0.2 </m:t>
+                        <m:t>=0.2 × </m:t>
                       </m:r>
                       <m:r>
-                        <a:rPr lang="en-GB" sz="1200" b="0" i="1" smtClean="0">
+                        <a:rPr lang="en-GB" sz="1100" i="0">
                           <a:latin typeface="Cambria Math" panose="02040503050406030204" pitchFamily="18" charset="0"/>
-                          <a:ea typeface="Cambria Math" panose="02040503050406030204" pitchFamily="18" charset="0"/>
                         </a:rPr>
-                        <m:t>× 0.394=</m:t>
+                        <m:t>0.394=</m:t>
                       </m:r>
                       <m:r>
                         <m:rPr>
                           <m:nor/>
                         </m:rPr>
-                        <a:rPr lang="en-GB" sz="1200" b="1" smtClean="0">
+                        <a:rPr lang="en-GB" sz="1100" smtClean="0">
                           <a:solidFill>
-                            <a:srgbClr val="FF0000"/>
+                            <a:srgbClr val="C00000"/>
                           </a:solidFill>
+                          <a:latin typeface="Cambria Math" panose="02040503050406030204" pitchFamily="18" charset="0"/>
                         </a:rPr>
                         <m:t>0.0788</m:t>
                       </m:r>
                     </m:oMath>
                   </m:oMathPara>
                 </a14:m>
-                <a:endParaRPr lang="en-GB" sz="1200" b="1" dirty="0"/>
+                <a:endParaRPr lang="en-GB" sz="1100" dirty="0">
+                  <a:latin typeface="Cambria Math" panose="02040503050406030204" pitchFamily="18" charset="0"/>
+                </a:endParaRPr>
               </a:p>
             </p:txBody>
           </p:sp>
@@ -22171,8 +22173,8 @@
             </p:nvSpPr>
             <p:spPr>
               <a:xfrm>
-                <a:off x="729725" y="2577967"/>
-                <a:ext cx="4971169" cy="3054554"/>
+                <a:off x="513489" y="2548867"/>
+                <a:ext cx="4563109" cy="2741328"/>
               </a:xfrm>
               <a:prstGeom prst="rect">
                 <a:avLst/>
@@ -23075,7 +23077,7 @@
         <p:spPr>
           <a:xfrm>
             <a:off x="5949238" y="2577967"/>
-            <a:ext cx="3054041" cy="738664"/>
+            <a:ext cx="3169457" cy="1169551"/>
           </a:xfrm>
           <a:prstGeom prst="rect">
             <a:avLst/>
@@ -23090,7 +23092,23 @@
           <a:p>
             <a:r>
               <a:rPr lang="en-GB" sz="1400" dirty="0"/>
-              <a:t>w1 = w1 – (</a:t>
+              <a:t>w</a:t>
+            </a:r>
+            <a:r>
+              <a:rPr lang="en-GB" sz="1400" baseline="-25000" dirty="0"/>
+              <a:t>11</a:t>
+            </a:r>
+            <a:r>
+              <a:rPr lang="en-GB" sz="1400" dirty="0"/>
+              <a:t> = w</a:t>
+            </a:r>
+            <a:r>
+              <a:rPr lang="en-GB" sz="1400" baseline="-25000" dirty="0"/>
+              <a:t>11</a:t>
+            </a:r>
+            <a:r>
+              <a:rPr lang="en-GB" sz="1400" dirty="0"/>
+              <a:t> – (</a:t>
             </a:r>
             <a:r>
               <a:rPr lang="en-GB" sz="1400" dirty="0" err="1"/>
@@ -23098,7 +23116,91 @@
             </a:r>
             <a:r>
               <a:rPr lang="en-GB" sz="1400" dirty="0"/>
-              <a:t> * grad_w1)</a:t>
+              <a:t> * grad_w</a:t>
+            </a:r>
+            <a:r>
+              <a:rPr lang="en-GB" sz="1400" baseline="-25000" dirty="0"/>
+              <a:t>11</a:t>
+            </a:r>
+            <a:r>
+              <a:rPr lang="en-GB" sz="1400" dirty="0"/>
+              <a:t>)</a:t>
+            </a:r>
+          </a:p>
+          <a:p>
+            <a:r>
+              <a:rPr lang="en-GB" sz="1400" dirty="0"/>
+              <a:t>w</a:t>
+            </a:r>
+            <a:r>
+              <a:rPr lang="en-GB" sz="1400" baseline="-25000" dirty="0"/>
+              <a:t>12</a:t>
+            </a:r>
+            <a:r>
+              <a:rPr lang="en-GB" sz="1400" dirty="0"/>
+              <a:t> = w</a:t>
+            </a:r>
+            <a:r>
+              <a:rPr lang="en-GB" sz="1400" baseline="-25000" dirty="0"/>
+              <a:t>12</a:t>
+            </a:r>
+            <a:r>
+              <a:rPr lang="en-GB" sz="1400" dirty="0"/>
+              <a:t> – (</a:t>
+            </a:r>
+            <a:r>
+              <a:rPr lang="en-GB" sz="1400" dirty="0" err="1"/>
+              <a:t>learning_rate</a:t>
+            </a:r>
+            <a:r>
+              <a:rPr lang="en-GB" sz="1400" dirty="0"/>
+              <a:t> * grad_w</a:t>
+            </a:r>
+            <a:r>
+              <a:rPr lang="en-GB" sz="1400" baseline="-25000" dirty="0"/>
+              <a:t>12</a:t>
+            </a:r>
+            <a:r>
+              <a:rPr lang="en-GB" sz="1400" dirty="0"/>
+              <a:t>)</a:t>
+            </a:r>
+          </a:p>
+          <a:p>
+            <a:r>
+              <a:rPr lang="en-GB" sz="1400" dirty="0"/>
+              <a:t>w</a:t>
+            </a:r>
+            <a:r>
+              <a:rPr lang="en-GB" sz="1400" baseline="-25000" dirty="0"/>
+              <a:t>13</a:t>
+            </a:r>
+            <a:r>
+              <a:rPr lang="en-GB" sz="1400" dirty="0"/>
+              <a:t> = w</a:t>
+            </a:r>
+            <a:r>
+              <a:rPr lang="en-GB" sz="1400" baseline="-25000" dirty="0"/>
+              <a:t>13</a:t>
+            </a:r>
+            <a:r>
+              <a:rPr lang="en-GB" sz="1400" dirty="0"/>
+              <a:t> – (</a:t>
+            </a:r>
+            <a:r>
+              <a:rPr lang="en-GB" sz="1400" dirty="0" err="1"/>
+              <a:t>learning_rate</a:t>
+            </a:r>
+            <a:r>
+              <a:rPr lang="en-GB" sz="1400" dirty="0"/>
+              <a:t> * grad_w</a:t>
+            </a:r>
+            <a:r>
+              <a:rPr lang="en-GB" sz="1400" baseline="-25000" dirty="0"/>
+              <a:t>13</a:t>
+            </a:r>
+            <a:r>
+              <a:rPr lang="en-GB" sz="1400" dirty="0"/>
+              <a:t>)</a:t>
             </a:r>
           </a:p>
           <a:p>
@@ -23107,7 +23209,23 @@
           <a:p>
             <a:r>
               <a:rPr lang="en-GB" sz="1400" dirty="0"/>
-              <a:t>w2 = w2 – (</a:t>
+              <a:t>w</a:t>
+            </a:r>
+            <a:r>
+              <a:rPr lang="en-GB" sz="1400" baseline="-25000" dirty="0"/>
+              <a:t>2</a:t>
+            </a:r>
+            <a:r>
+              <a:rPr lang="en-GB" sz="1400" dirty="0"/>
+              <a:t> = w</a:t>
+            </a:r>
+            <a:r>
+              <a:rPr lang="en-GB" sz="1400" baseline="-25000" dirty="0"/>
+              <a:t>2</a:t>
+            </a:r>
+            <a:r>
+              <a:rPr lang="en-GB" sz="1400" dirty="0"/>
+              <a:t> – (</a:t>
             </a:r>
             <a:r>
               <a:rPr lang="en-GB" sz="1400" dirty="0" err="1"/>
@@ -24133,42 +24251,6 @@
           </a:p>
         </p:txBody>
       </p:sp>
-      <p:pic>
-        <p:nvPicPr>
-          <p:cNvPr id="5" name="Picture 4" descr="Diagram, schematic&#10;&#10;Description automatically generated">
-            <a:extLst>
-              <a:ext uri="{FF2B5EF4-FFF2-40B4-BE49-F238E27FC236}">
-                <a16:creationId xmlns:a16="http://schemas.microsoft.com/office/drawing/2014/main" id="{CECA6847-30EA-024E-0AB8-5A67DED67368}"/>
-              </a:ext>
-            </a:extLst>
-          </p:cNvPr>
-          <p:cNvPicPr>
-            <a:picLocks noChangeAspect="1"/>
-          </p:cNvPicPr>
-          <p:nvPr/>
-        </p:nvPicPr>
-        <p:blipFill>
-          <a:blip r:embed="rId3">
-            <a:extLst>
-              <a:ext uri="{28A0092B-C50C-407E-A947-70E740481C1C}">
-                <a14:useLocalDpi xmlns:a14="http://schemas.microsoft.com/office/drawing/2010/main" val="0"/>
-              </a:ext>
-            </a:extLst>
-          </a:blip>
-          <a:stretch>
-            <a:fillRect/>
-          </a:stretch>
-        </p:blipFill>
-        <p:spPr>
-          <a:xfrm>
-            <a:off x="2267744" y="1967834"/>
-            <a:ext cx="2781300" cy="876300"/>
-          </a:xfrm>
-          <a:prstGeom prst="rect">
-            <a:avLst/>
-          </a:prstGeom>
-        </p:spPr>
-      </p:pic>
     </p:spTree>
     <p:extLst>
       <p:ext uri="{BB962C8B-B14F-4D97-AF65-F5344CB8AC3E}">
@@ -25376,7 +25458,7 @@
           <p:cNvPr id="2" name="Title 1">
             <a:extLst>
               <a:ext uri="{FF2B5EF4-FFF2-40B4-BE49-F238E27FC236}">
-                <a16:creationId xmlns:a16="http://schemas.microsoft.com/office/drawing/2014/main" id="{E994EDC9-1FB1-56DB-50C4-C6F53570C96D}"/>
+                <a16:creationId xmlns:a16="http://schemas.microsoft.com/office/drawing/2014/main" id="{91333766-FE10-9FEE-3399-FA9A94A5C328}"/>
               </a:ext>
             </a:extLst>
           </p:cNvPr>
@@ -25394,69 +25476,17 @@
           <a:p>
             <a:r>
               <a:rPr lang="en-GB" dirty="0"/>
-              <a:t>How to choose the number of hidden layers</a:t>
+              <a:t>Adam*</a:t>
             </a:r>
           </a:p>
         </p:txBody>
       </p:sp>
       <p:sp>
         <p:nvSpPr>
-          <p:cNvPr id="3" name="Content Placeholder 2">
-            <a:extLst>
-              <a:ext uri="{FF2B5EF4-FFF2-40B4-BE49-F238E27FC236}">
-                <a16:creationId xmlns:a16="http://schemas.microsoft.com/office/drawing/2014/main" id="{1F7C7359-681B-9616-D015-A0DE3E93B5EB}"/>
-              </a:ext>
-            </a:extLst>
-          </p:cNvPr>
-          <p:cNvSpPr>
-            <a:spLocks noGrp="1"/>
-          </p:cNvSpPr>
-          <p:nvPr>
-            <p:ph idx="1"/>
-          </p:nvPr>
-        </p:nvSpPr>
-        <p:spPr/>
-        <p:txBody>
-          <a:bodyPr/>
-          <a:lstStyle/>
-          <a:p>
-            <a:r>
-              <a:rPr lang="en-GB" dirty="0"/>
-              <a:t>This depends on the complexity of the data and the decision boundaries (i.e. how separable the data is).</a:t>
-            </a:r>
-          </a:p>
-          <a:p>
-            <a:r>
-              <a:rPr lang="en-GB" dirty="0"/>
-              <a:t>This could also depend on the number of features/dimension. </a:t>
-            </a:r>
-          </a:p>
-          <a:p>
-            <a:r>
-              <a:rPr lang="en-GB" dirty="0"/>
-              <a:t>A very basic recommendation, for less complex problems, 2 to 3 hidden layers and for more complex problems 3 to 5 hidden layers could be used.</a:t>
-            </a:r>
-          </a:p>
-          <a:p>
-            <a:r>
-              <a:rPr lang="en-GB" dirty="0"/>
-              <a:t>Several deep learning architectures use more layers; the more layers you add, the more hyperparameters to train and optimise. This adds to the complexity of your network and would impact the convergence (and overfitting) of your network. </a:t>
-            </a:r>
-          </a:p>
-          <a:p>
-            <a:r>
-              <a:rPr lang="en-GB" dirty="0"/>
-              <a:t>The number of neurons in hidden layers is also important (width) of the network. </a:t>
-            </a:r>
-          </a:p>
-        </p:txBody>
-      </p:sp>
-      <p:sp>
-        <p:nvSpPr>
-          <p:cNvPr id="4" name="Slide Number Placeholder 3">
-            <a:extLst>
-              <a:ext uri="{FF2B5EF4-FFF2-40B4-BE49-F238E27FC236}">
-                <a16:creationId xmlns:a16="http://schemas.microsoft.com/office/drawing/2014/main" id="{2C5465D0-D4A4-DEF3-9F16-7FA9A13565B5}"/>
+          <p:cNvPr id="3" name="Slide Number Placeholder 2">
+            <a:extLst>
+              <a:ext uri="{FF2B5EF4-FFF2-40B4-BE49-F238E27FC236}">
+                <a16:creationId xmlns:a16="http://schemas.microsoft.com/office/drawing/2014/main" id="{C3C5712F-C7A5-3B52-4AC5-DA1CF39611B5}"/>
               </a:ext>
             </a:extLst>
           </p:cNvPr>
@@ -25472,7 +25502,7 @@
           <a:bodyPr/>
           <a:lstStyle/>
           <a:p>
-            <a:fld id="{44E22EE9-B8A0-0641-9265-052CFE9B95A7}" type="slidenum">
+            <a:fld id="{BB98F552-A29D-2D4E-8192-F20670493719}" type="slidenum">
               <a:rPr lang="en-GB" altLang="en-US" smtClean="0"/>
               <a:pPr/>
               <a:t>47</a:t>
@@ -25481,10 +25511,94 @@
           </a:p>
         </p:txBody>
       </p:sp>
+      <p:pic>
+        <p:nvPicPr>
+          <p:cNvPr id="7" name="Picture 6" descr="Graphical user interface, text, application&#10;&#10;Description automatically generated">
+            <a:extLst>
+              <a:ext uri="{FF2B5EF4-FFF2-40B4-BE49-F238E27FC236}">
+                <a16:creationId xmlns:a16="http://schemas.microsoft.com/office/drawing/2014/main" id="{49F23DFC-D6CE-CDDD-D9A8-E5C6C98EBE64}"/>
+              </a:ext>
+            </a:extLst>
+          </p:cNvPr>
+          <p:cNvPicPr>
+            <a:picLocks noChangeAspect="1"/>
+          </p:cNvPicPr>
+          <p:nvPr/>
+        </p:nvPicPr>
+        <p:blipFill>
+          <a:blip r:embed="rId2">
+            <a:extLst>
+              <a:ext uri="{28A0092B-C50C-407E-A947-70E740481C1C}">
+                <a14:useLocalDpi xmlns:a14="http://schemas.microsoft.com/office/drawing/2010/main" val="0"/>
+              </a:ext>
+            </a:extLst>
+          </a:blip>
+          <a:stretch>
+            <a:fillRect/>
+          </a:stretch>
+        </p:blipFill>
+        <p:spPr>
+          <a:xfrm>
+            <a:off x="1928464" y="137778"/>
+            <a:ext cx="5287071" cy="5321900"/>
+          </a:xfrm>
+          <a:prstGeom prst="rect">
+            <a:avLst/>
+          </a:prstGeom>
+        </p:spPr>
+      </p:pic>
+      <p:sp>
+        <p:nvSpPr>
+          <p:cNvPr id="9" name="TextBox 8">
+            <a:extLst>
+              <a:ext uri="{FF2B5EF4-FFF2-40B4-BE49-F238E27FC236}">
+                <a16:creationId xmlns:a16="http://schemas.microsoft.com/office/drawing/2014/main" id="{390B251D-0B5D-A4F2-5FC9-BE81D8A6AEEA}"/>
+              </a:ext>
+            </a:extLst>
+          </p:cNvPr>
+          <p:cNvSpPr txBox="1"/>
+          <p:nvPr/>
+        </p:nvSpPr>
+        <p:spPr>
+          <a:xfrm>
+            <a:off x="251520" y="5470425"/>
+            <a:ext cx="6534472" cy="261610"/>
+          </a:xfrm>
+          <a:prstGeom prst="rect">
+            <a:avLst/>
+          </a:prstGeom>
+          <a:noFill/>
+        </p:spPr>
+        <p:txBody>
+          <a:bodyPr wrap="square">
+            <a:spAutoFit/>
+          </a:bodyPr>
+          <a:lstStyle/>
+          <a:p>
+            <a:r>
+              <a:rPr lang="en-GB" sz="1050" dirty="0"/>
+              <a:t>See: https://</a:t>
+            </a:r>
+            <a:r>
+              <a:rPr lang="en-GB" sz="1050" dirty="0" err="1"/>
+              <a:t>pytorch.org</a:t>
+            </a:r>
+            <a:r>
+              <a:rPr lang="en-GB" sz="1050" dirty="0"/>
+              <a:t>/docs/stable/generated/</a:t>
+            </a:r>
+            <a:r>
+              <a:rPr lang="en-GB" sz="1050" dirty="0" err="1"/>
+              <a:t>torch.optim.Adam.html</a:t>
+            </a:r>
+            <a:endParaRPr lang="en-GB" sz="1050" dirty="0"/>
+          </a:p>
+        </p:txBody>
+      </p:sp>
     </p:spTree>
     <p:extLst>
       <p:ext uri="{BB962C8B-B14F-4D97-AF65-F5344CB8AC3E}">
-        <p14:creationId xmlns:p14="http://schemas.microsoft.com/office/powerpoint/2010/main" val="925935974"/>
+        <p14:creationId xmlns:p14="http://schemas.microsoft.com/office/powerpoint/2010/main" val="758628971"/>
       </p:ext>
     </p:extLst>
   </p:cSld>
@@ -25516,7 +25630,7 @@
           <p:cNvPr id="2" name="Title 1">
             <a:extLst>
               <a:ext uri="{FF2B5EF4-FFF2-40B4-BE49-F238E27FC236}">
-                <a16:creationId xmlns:a16="http://schemas.microsoft.com/office/drawing/2014/main" id="{15D1A8DE-2C1E-6DD1-57E7-8A36003CD83B}"/>
+                <a16:creationId xmlns:a16="http://schemas.microsoft.com/office/drawing/2014/main" id="{E994EDC9-1FB1-56DB-50C4-C6F53570C96D}"/>
               </a:ext>
             </a:extLst>
           </p:cNvPr>
@@ -25534,7 +25648,7 @@
           <a:p>
             <a:r>
               <a:rPr lang="en-GB" dirty="0"/>
-              <a:t>Dropouts</a:t>
+              <a:t>How to choose the number of hidden layers</a:t>
             </a:r>
           </a:p>
         </p:txBody>
@@ -25544,7 +25658,7 @@
           <p:cNvPr id="3" name="Content Placeholder 2">
             <a:extLst>
               <a:ext uri="{FF2B5EF4-FFF2-40B4-BE49-F238E27FC236}">
-                <a16:creationId xmlns:a16="http://schemas.microsoft.com/office/drawing/2014/main" id="{DD573F29-A55F-B7FD-B367-576E9520D8DE}"/>
+                <a16:creationId xmlns:a16="http://schemas.microsoft.com/office/drawing/2014/main" id="{1F7C7359-681B-9616-D015-A0DE3E93B5EB}"/>
               </a:ext>
             </a:extLst>
           </p:cNvPr>
@@ -25562,27 +25676,31 @@
           <a:p>
             <a:r>
               <a:rPr lang="en-GB" dirty="0"/>
-              <a:t>Dropout is a regularisation technique to reduce the risk of </a:t>
-            </a:r>
-            <a:r>
-              <a:rPr lang="en-GB" dirty="0" err="1"/>
-              <a:t>overftinng</a:t>
-            </a:r>
+              <a:t>This depends on the complexity of the data and the decision boundaries (i.e. how separable the data is).</a:t>
+            </a:r>
+          </a:p>
+          <a:p>
             <a:r>
               <a:rPr lang="en-GB" dirty="0"/>
-              <a:t> in neural networks. </a:t>
+              <a:t>This could also depend on the number of features/dimension. </a:t>
             </a:r>
           </a:p>
           <a:p>
             <a:r>
               <a:rPr lang="en-GB" dirty="0"/>
-              <a:t>In neural networks it refers to dropping input and hidden layer nodes temporarily. </a:t>
+              <a:t>A very basic recommendation, for less complex problems, 2 to 3 hidden layers and for more complex problems 3 to 5 hidden layers could be used.</a:t>
             </a:r>
           </a:p>
           <a:p>
             <a:r>
               <a:rPr lang="en-GB" dirty="0"/>
-              <a:t>This creates a new temporary architecture by randomly dropping a percentage of the nodes during the training process.  </a:t>
+              <a:t>Several deep learning architectures use more layers; the more layers you add, the more hyperparameters to train and optimise. This adds to the complexity of your network and would impact the convergence (and overfitting) of your network. </a:t>
+            </a:r>
+          </a:p>
+          <a:p>
+            <a:r>
+              <a:rPr lang="en-GB" dirty="0"/>
+              <a:t>The number of neurons in hidden layers is also important (width) of the network. </a:t>
             </a:r>
           </a:p>
         </p:txBody>
@@ -25592,7 +25710,7 @@
           <p:cNvPr id="4" name="Slide Number Placeholder 3">
             <a:extLst>
               <a:ext uri="{FF2B5EF4-FFF2-40B4-BE49-F238E27FC236}">
-                <a16:creationId xmlns:a16="http://schemas.microsoft.com/office/drawing/2014/main" id="{5BFB722E-4157-7FCE-67BF-341FE0A193F0}"/>
+                <a16:creationId xmlns:a16="http://schemas.microsoft.com/office/drawing/2014/main" id="{2C5465D0-D4A4-DEF3-9F16-7FA9A13565B5}"/>
               </a:ext>
             </a:extLst>
           </p:cNvPr>
@@ -25620,7 +25738,7 @@
     </p:spTree>
     <p:extLst>
       <p:ext uri="{BB962C8B-B14F-4D97-AF65-F5344CB8AC3E}">
-        <p14:creationId xmlns:p14="http://schemas.microsoft.com/office/powerpoint/2010/main" val="2284764444"/>
+        <p14:creationId xmlns:p14="http://schemas.microsoft.com/office/powerpoint/2010/main" val="925935974"/>
       </p:ext>
     </p:extLst>
   </p:cSld>
@@ -25652,7 +25770,7 @@
           <p:cNvPr id="2" name="Title 1">
             <a:extLst>
               <a:ext uri="{FF2B5EF4-FFF2-40B4-BE49-F238E27FC236}">
-                <a16:creationId xmlns:a16="http://schemas.microsoft.com/office/drawing/2014/main" id="{E417C415-CD99-1C4A-A0DE-7D0BF31D9A22}"/>
+                <a16:creationId xmlns:a16="http://schemas.microsoft.com/office/drawing/2014/main" id="{15D1A8DE-2C1E-6DD1-57E7-8A36003CD83B}"/>
               </a:ext>
             </a:extLst>
           </p:cNvPr>
@@ -25669,8 +25787,8 @@
           <a:lstStyle/>
           <a:p>
             <a:r>
-              <a:rPr lang="en-US" dirty="0"/>
-              <a:t>Dropout – philosophy </a:t>
+              <a:rPr lang="en-GB" dirty="0"/>
+              <a:t>Dropouts</a:t>
             </a:r>
           </a:p>
         </p:txBody>
@@ -25680,7 +25798,7 @@
           <p:cNvPr id="3" name="Content Placeholder 2">
             <a:extLst>
               <a:ext uri="{FF2B5EF4-FFF2-40B4-BE49-F238E27FC236}">
-                <a16:creationId xmlns:a16="http://schemas.microsoft.com/office/drawing/2014/main" id="{2069F820-089D-C846-A018-B35AF74BD8E7}"/>
+                <a16:creationId xmlns:a16="http://schemas.microsoft.com/office/drawing/2014/main" id="{DD573F29-A55F-B7FD-B367-576E9520D8DE}"/>
               </a:ext>
             </a:extLst>
           </p:cNvPr>
@@ -25697,32 +25815,20 @@
           <a:lstStyle/>
           <a:p>
             <a:r>
-              <a:rPr lang="en-US" dirty="0"/>
-              <a:t>A key idea behind applying dropout is that training a neural network with adding a stochastic </a:t>
-            </a:r>
-            <a:r>
-              <a:rPr lang="en-US" dirty="0" err="1"/>
-              <a:t>behaviour</a:t>
-            </a:r>
-            <a:r>
-              <a:rPr lang="en-US" dirty="0"/>
-              <a:t> and making predictions and averaging over multiple stochastic decisions simulate a from of bagging with parameter sharing. </a:t>
-            </a:r>
-            <a:br>
-              <a:rPr lang="en-US" dirty="0"/>
-            </a:br>
-            <a:endParaRPr lang="en-US" dirty="0"/>
-          </a:p>
-          <a:p>
-            <a:r>
-              <a:rPr lang="en-US" dirty="0"/>
-              <a:t>In Bagging (i.e., bootstrap aggregation) several models are combined to reduce the generalization error. </a:t>
-            </a:r>
-          </a:p>
-          <a:p>
-            <a:r>
-              <a:rPr lang="en-US" dirty="0"/>
-              <a:t>The idea of Bagging is to train multiple models separately, then use all the models to vote on the output for the test example. </a:t>
+              <a:rPr lang="en-GB" dirty="0"/>
+              <a:t>Dropout is a regularisation technique to reduce the risk of overfitting in neural networks. </a:t>
+            </a:r>
+          </a:p>
+          <a:p>
+            <a:r>
+              <a:rPr lang="en-GB" dirty="0"/>
+              <a:t>In neural networks it refers to dropping input and hidden layer nodes temporarily. </a:t>
+            </a:r>
+          </a:p>
+          <a:p>
+            <a:r>
+              <a:rPr lang="en-GB" dirty="0"/>
+              <a:t>This creates a new temporary architecture by randomly dropping a percentage of the nodes during the training process.  </a:t>
             </a:r>
           </a:p>
         </p:txBody>
@@ -25732,7 +25838,7 @@
           <p:cNvPr id="4" name="Slide Number Placeholder 3">
             <a:extLst>
               <a:ext uri="{FF2B5EF4-FFF2-40B4-BE49-F238E27FC236}">
-                <a16:creationId xmlns:a16="http://schemas.microsoft.com/office/drawing/2014/main" id="{BB392E95-10A7-FE45-86AE-B8B534FF88D5}"/>
+                <a16:creationId xmlns:a16="http://schemas.microsoft.com/office/drawing/2014/main" id="{5BFB722E-4157-7FCE-67BF-341FE0A193F0}"/>
               </a:ext>
             </a:extLst>
           </p:cNvPr>
@@ -25753,14 +25859,14 @@
               <a:pPr/>
               <a:t>49</a:t>
             </a:fld>
-            <a:endParaRPr lang="en-GB" altLang="en-US"/>
+            <a:endParaRPr lang="en-GB" altLang="en-US" dirty="0"/>
           </a:p>
         </p:txBody>
       </p:sp>
     </p:spTree>
     <p:extLst>
       <p:ext uri="{BB962C8B-B14F-4D97-AF65-F5344CB8AC3E}">
-        <p14:creationId xmlns:p14="http://schemas.microsoft.com/office/powerpoint/2010/main" val="161025796"/>
+        <p14:creationId xmlns:p14="http://schemas.microsoft.com/office/powerpoint/2010/main" val="2284764444"/>
       </p:ext>
     </p:extLst>
   </p:cSld>
@@ -27365,7 +27471,7 @@
           <p:cNvPr id="2" name="Title 1">
             <a:extLst>
               <a:ext uri="{FF2B5EF4-FFF2-40B4-BE49-F238E27FC236}">
-                <a16:creationId xmlns:a16="http://schemas.microsoft.com/office/drawing/2014/main" id="{F47D11AA-1D7C-3946-95CF-74F16E24AD33}"/>
+                <a16:creationId xmlns:a16="http://schemas.microsoft.com/office/drawing/2014/main" id="{E417C415-CD99-1C4A-A0DE-7D0BF31D9A22}"/>
               </a:ext>
             </a:extLst>
           </p:cNvPr>
@@ -27383,7 +27489,7 @@
           <a:p>
             <a:r>
               <a:rPr lang="en-US" dirty="0"/>
-              <a:t>Dropouts – practical notes</a:t>
+              <a:t>Dropout – philosophy </a:t>
             </a:r>
           </a:p>
         </p:txBody>
@@ -27393,7 +27499,7 @@
           <p:cNvPr id="3" name="Content Placeholder 2">
             <a:extLst>
               <a:ext uri="{FF2B5EF4-FFF2-40B4-BE49-F238E27FC236}">
-                <a16:creationId xmlns:a16="http://schemas.microsoft.com/office/drawing/2014/main" id="{4B9A335C-5133-B14E-999A-7E0AB18725CF}"/>
+                <a16:creationId xmlns:a16="http://schemas.microsoft.com/office/drawing/2014/main" id="{2069F820-089D-C846-A018-B35AF74BD8E7}"/>
               </a:ext>
             </a:extLst>
           </p:cNvPr>
@@ -27411,13 +27517,31 @@
           <a:p>
             <a:r>
               <a:rPr lang="en-US" dirty="0"/>
-              <a:t>When the training sample is very small, dropout method is not very effective. </a:t>
-            </a:r>
-          </a:p>
-          <a:p>
+              <a:t>A key idea behind applying dropout is that training a neural network with adding a stochastic </a:t>
+            </a:r>
+            <a:r>
+              <a:rPr lang="en-US" dirty="0" err="1"/>
+              <a:t>behaviour</a:t>
+            </a:r>
             <a:r>
               <a:rPr lang="en-US" dirty="0"/>
-              <a:t>When additional unlabeled samples are available,  unsupervised feature learning can improve the performance better than dropout. </a:t>
+              <a:t> and making predictions and averaging over multiple stochastic decisions simulate a from of bagging with parameter sharing. </a:t>
+            </a:r>
+            <a:br>
+              <a:rPr lang="en-US" dirty="0"/>
+            </a:br>
+            <a:endParaRPr lang="en-US" dirty="0"/>
+          </a:p>
+          <a:p>
+            <a:r>
+              <a:rPr lang="en-US" dirty="0"/>
+              <a:t>In Bagging (i.e., bootstrap aggregation) several models are combined to reduce the generalization error. </a:t>
+            </a:r>
+          </a:p>
+          <a:p>
+            <a:r>
+              <a:rPr lang="en-US" dirty="0"/>
+              <a:t>The idea of Bagging is to train multiple models separately, then use all the models to vote on the output for the test example. </a:t>
             </a:r>
           </a:p>
         </p:txBody>
@@ -27427,7 +27551,7 @@
           <p:cNvPr id="4" name="Slide Number Placeholder 3">
             <a:extLst>
               <a:ext uri="{FF2B5EF4-FFF2-40B4-BE49-F238E27FC236}">
-                <a16:creationId xmlns:a16="http://schemas.microsoft.com/office/drawing/2014/main" id="{1ACE8931-EB8D-CD41-A57D-53DE989BFFA6}"/>
+                <a16:creationId xmlns:a16="http://schemas.microsoft.com/office/drawing/2014/main" id="{BB392E95-10A7-FE45-86AE-B8B534FF88D5}"/>
               </a:ext>
             </a:extLst>
           </p:cNvPr>
@@ -27455,7 +27579,7 @@
     </p:spTree>
     <p:extLst>
       <p:ext uri="{BB962C8B-B14F-4D97-AF65-F5344CB8AC3E}">
-        <p14:creationId xmlns:p14="http://schemas.microsoft.com/office/powerpoint/2010/main" val="249466988"/>
+        <p14:creationId xmlns:p14="http://schemas.microsoft.com/office/powerpoint/2010/main" val="161025796"/>
       </p:ext>
     </p:extLst>
   </p:cSld>
@@ -27487,7 +27611,7 @@
           <p:cNvPr id="2" name="Title 1">
             <a:extLst>
               <a:ext uri="{FF2B5EF4-FFF2-40B4-BE49-F238E27FC236}">
-                <a16:creationId xmlns:a16="http://schemas.microsoft.com/office/drawing/2014/main" id="{78616E43-D9E7-EAFB-B262-A31B30E918AF}"/>
+                <a16:creationId xmlns:a16="http://schemas.microsoft.com/office/drawing/2014/main" id="{F47D11AA-1D7C-3946-95CF-74F16E24AD33}"/>
               </a:ext>
             </a:extLst>
           </p:cNvPr>
@@ -27504,8 +27628,42 @@
           <a:lstStyle/>
           <a:p>
             <a:r>
-              <a:rPr lang="en-GB" dirty="0"/>
-              <a:t>Example - 1</a:t>
+              <a:rPr lang="en-US" dirty="0"/>
+              <a:t>Dropouts – practical notes</a:t>
+            </a:r>
+          </a:p>
+        </p:txBody>
+      </p:sp>
+      <p:sp>
+        <p:nvSpPr>
+          <p:cNvPr id="3" name="Content Placeholder 2">
+            <a:extLst>
+              <a:ext uri="{FF2B5EF4-FFF2-40B4-BE49-F238E27FC236}">
+                <a16:creationId xmlns:a16="http://schemas.microsoft.com/office/drawing/2014/main" id="{4B9A335C-5133-B14E-999A-7E0AB18725CF}"/>
+              </a:ext>
+            </a:extLst>
+          </p:cNvPr>
+          <p:cNvSpPr>
+            <a:spLocks noGrp="1"/>
+          </p:cNvSpPr>
+          <p:nvPr>
+            <p:ph idx="1"/>
+          </p:nvPr>
+        </p:nvSpPr>
+        <p:spPr/>
+        <p:txBody>
+          <a:bodyPr/>
+          <a:lstStyle/>
+          <a:p>
+            <a:r>
+              <a:rPr lang="en-US" dirty="0"/>
+              <a:t>When the training sample is very small, dropout method is not very effective. </a:t>
+            </a:r>
+          </a:p>
+          <a:p>
+            <a:r>
+              <a:rPr lang="en-US" dirty="0"/>
+              <a:t>When additional unlabeled samples are available,  unsupervised feature learning can improve the performance better than dropout. </a:t>
             </a:r>
           </a:p>
         </p:txBody>
@@ -27515,7 +27673,7 @@
           <p:cNvPr id="4" name="Slide Number Placeholder 3">
             <a:extLst>
               <a:ext uri="{FF2B5EF4-FFF2-40B4-BE49-F238E27FC236}">
-                <a16:creationId xmlns:a16="http://schemas.microsoft.com/office/drawing/2014/main" id="{4864D2B5-AE09-EBF0-4970-14A56F072F71}"/>
+                <a16:creationId xmlns:a16="http://schemas.microsoft.com/office/drawing/2014/main" id="{1ACE8931-EB8D-CD41-A57D-53DE989BFFA6}"/>
               </a:ext>
             </a:extLst>
           </p:cNvPr>
@@ -27536,50 +27694,14 @@
               <a:pPr/>
               <a:t>51</a:t>
             </a:fld>
-            <a:endParaRPr lang="en-GB" altLang="en-US" dirty="0"/>
+            <a:endParaRPr lang="en-GB" altLang="en-US"/>
           </a:p>
         </p:txBody>
       </p:sp>
-      <p:pic>
-        <p:nvPicPr>
-          <p:cNvPr id="6" name="Picture 5" descr="Diagram&#10;&#10;Description automatically generated">
-            <a:extLst>
-              <a:ext uri="{FF2B5EF4-FFF2-40B4-BE49-F238E27FC236}">
-                <a16:creationId xmlns:a16="http://schemas.microsoft.com/office/drawing/2014/main" id="{A44E03E5-18C4-DDFA-77C6-DFCA035E494B}"/>
-              </a:ext>
-            </a:extLst>
-          </p:cNvPr>
-          <p:cNvPicPr>
-            <a:picLocks noChangeAspect="1"/>
-          </p:cNvPicPr>
-          <p:nvPr/>
-        </p:nvPicPr>
-        <p:blipFill>
-          <a:blip r:embed="rId2">
-            <a:extLst>
-              <a:ext uri="{28A0092B-C50C-407E-A947-70E740481C1C}">
-                <a14:useLocalDpi xmlns:a14="http://schemas.microsoft.com/office/drawing/2010/main" val="0"/>
-              </a:ext>
-            </a:extLst>
-          </a:blip>
-          <a:stretch>
-            <a:fillRect/>
-          </a:stretch>
-        </p:blipFill>
-        <p:spPr>
-          <a:xfrm>
-            <a:off x="685800" y="1417340"/>
-            <a:ext cx="7772400" cy="2303284"/>
-          </a:xfrm>
-          <a:prstGeom prst="rect">
-            <a:avLst/>
-          </a:prstGeom>
-        </p:spPr>
-      </p:pic>
     </p:spTree>
     <p:extLst>
       <p:ext uri="{BB962C8B-B14F-4D97-AF65-F5344CB8AC3E}">
-        <p14:creationId xmlns:p14="http://schemas.microsoft.com/office/powerpoint/2010/main" val="240174982"/>
+        <p14:creationId xmlns:p14="http://schemas.microsoft.com/office/powerpoint/2010/main" val="249466988"/>
       </p:ext>
     </p:extLst>
   </p:cSld>
@@ -27611,7 +27733,7 @@
           <p:cNvPr id="2" name="Title 1">
             <a:extLst>
               <a:ext uri="{FF2B5EF4-FFF2-40B4-BE49-F238E27FC236}">
-                <a16:creationId xmlns:a16="http://schemas.microsoft.com/office/drawing/2014/main" id="{6559DECC-2000-3CD9-3EA1-DD3CF1A76BAC}"/>
+                <a16:creationId xmlns:a16="http://schemas.microsoft.com/office/drawing/2014/main" id="{78616E43-D9E7-EAFB-B262-A31B30E918AF}"/>
               </a:ext>
             </a:extLst>
           </p:cNvPr>
@@ -27629,17 +27751,17 @@
           <a:p>
             <a:r>
               <a:rPr lang="en-GB" dirty="0"/>
-              <a:t>Example -2</a:t>
+              <a:t>Example - 1</a:t>
             </a:r>
           </a:p>
         </p:txBody>
       </p:sp>
       <p:sp>
         <p:nvSpPr>
-          <p:cNvPr id="3" name="Slide Number Placeholder 2">
-            <a:extLst>
-              <a:ext uri="{FF2B5EF4-FFF2-40B4-BE49-F238E27FC236}">
-                <a16:creationId xmlns:a16="http://schemas.microsoft.com/office/drawing/2014/main" id="{140944EA-A188-89FB-9F9D-2230006EF847}"/>
+          <p:cNvPr id="4" name="Slide Number Placeholder 3">
+            <a:extLst>
+              <a:ext uri="{FF2B5EF4-FFF2-40B4-BE49-F238E27FC236}">
+                <a16:creationId xmlns:a16="http://schemas.microsoft.com/office/drawing/2014/main" id="{4864D2B5-AE09-EBF0-4970-14A56F072F71}"/>
               </a:ext>
             </a:extLst>
           </p:cNvPr>
@@ -27655,7 +27777,7 @@
           <a:bodyPr/>
           <a:lstStyle/>
           <a:p>
-            <a:fld id="{BB98F552-A29D-2D4E-8192-F20670493719}" type="slidenum">
+            <a:fld id="{44E22EE9-B8A0-0641-9265-052CFE9B95A7}" type="slidenum">
               <a:rPr lang="en-GB" altLang="en-US" smtClean="0"/>
               <a:pPr/>
               <a:t>52</a:t>
@@ -27666,10 +27788,10 @@
       </p:sp>
       <p:pic>
         <p:nvPicPr>
-          <p:cNvPr id="4" name="Picture 3" descr="Diagram&#10;&#10;Description automatically generated">
-            <a:extLst>
-              <a:ext uri="{FF2B5EF4-FFF2-40B4-BE49-F238E27FC236}">
-                <a16:creationId xmlns:a16="http://schemas.microsoft.com/office/drawing/2014/main" id="{BB3D4226-A77B-ED36-9701-4BDEA821D450}"/>
+          <p:cNvPr id="6" name="Picture 5" descr="Diagram&#10;&#10;Description automatically generated">
+            <a:extLst>
+              <a:ext uri="{FF2B5EF4-FFF2-40B4-BE49-F238E27FC236}">
+                <a16:creationId xmlns:a16="http://schemas.microsoft.com/office/drawing/2014/main" id="{A44E03E5-18C4-DDFA-77C6-DFCA035E494B}"/>
               </a:ext>
             </a:extLst>
           </p:cNvPr>
@@ -27692,8 +27814,8 @@
         </p:blipFill>
         <p:spPr>
           <a:xfrm>
-            <a:off x="884997" y="646002"/>
-            <a:ext cx="7772400" cy="4672124"/>
+            <a:off x="685800" y="1417340"/>
+            <a:ext cx="7772400" cy="2303284"/>
           </a:xfrm>
           <a:prstGeom prst="rect">
             <a:avLst/>
@@ -27703,7 +27825,7 @@
     </p:spTree>
     <p:extLst>
       <p:ext uri="{BB962C8B-B14F-4D97-AF65-F5344CB8AC3E}">
-        <p14:creationId xmlns:p14="http://schemas.microsoft.com/office/powerpoint/2010/main" val="3748472536"/>
+        <p14:creationId xmlns:p14="http://schemas.microsoft.com/office/powerpoint/2010/main" val="240174982"/>
       </p:ext>
     </p:extLst>
   </p:cSld>
@@ -27735,7 +27857,7 @@
           <p:cNvPr id="2" name="Title 1">
             <a:extLst>
               <a:ext uri="{FF2B5EF4-FFF2-40B4-BE49-F238E27FC236}">
-                <a16:creationId xmlns:a16="http://schemas.microsoft.com/office/drawing/2014/main" id="{734F6EA2-14BC-76D1-379F-525047DC6695}"/>
+                <a16:creationId xmlns:a16="http://schemas.microsoft.com/office/drawing/2014/main" id="{6559DECC-2000-3CD9-3EA1-DD3CF1A76BAC}"/>
               </a:ext>
             </a:extLst>
           </p:cNvPr>
@@ -27746,19 +27868,14 @@
             <p:ph type="title"/>
           </p:nvPr>
         </p:nvSpPr>
-        <p:spPr>
-          <a:xfrm>
-            <a:off x="611560" y="2641476"/>
-            <a:ext cx="8229600" cy="952501"/>
-          </a:xfrm>
-        </p:spPr>
+        <p:spPr/>
         <p:txBody>
           <a:bodyPr/>
           <a:lstStyle/>
           <a:p>
             <a:r>
               <a:rPr lang="en-GB" dirty="0"/>
-              <a:t>Review questions</a:t>
+              <a:t>Example -2</a:t>
             </a:r>
           </a:p>
         </p:txBody>
@@ -27768,7 +27885,7 @@
           <p:cNvPr id="3" name="Slide Number Placeholder 2">
             <a:extLst>
               <a:ext uri="{FF2B5EF4-FFF2-40B4-BE49-F238E27FC236}">
-                <a16:creationId xmlns:a16="http://schemas.microsoft.com/office/drawing/2014/main" id="{C6CCE4F5-FE1F-EFA2-7A2E-4EEC1B2D06B4}"/>
+                <a16:creationId xmlns:a16="http://schemas.microsoft.com/office/drawing/2014/main" id="{140944EA-A188-89FB-9F9D-2230006EF847}"/>
               </a:ext>
             </a:extLst>
           </p:cNvPr>
@@ -27793,10 +27910,46 @@
           </a:p>
         </p:txBody>
       </p:sp>
+      <p:pic>
+        <p:nvPicPr>
+          <p:cNvPr id="4" name="Picture 3" descr="Diagram&#10;&#10;Description automatically generated">
+            <a:extLst>
+              <a:ext uri="{FF2B5EF4-FFF2-40B4-BE49-F238E27FC236}">
+                <a16:creationId xmlns:a16="http://schemas.microsoft.com/office/drawing/2014/main" id="{BB3D4226-A77B-ED36-9701-4BDEA821D450}"/>
+              </a:ext>
+            </a:extLst>
+          </p:cNvPr>
+          <p:cNvPicPr>
+            <a:picLocks noChangeAspect="1"/>
+          </p:cNvPicPr>
+          <p:nvPr/>
+        </p:nvPicPr>
+        <p:blipFill>
+          <a:blip r:embed="rId2">
+            <a:extLst>
+              <a:ext uri="{28A0092B-C50C-407E-A947-70E740481C1C}">
+                <a14:useLocalDpi xmlns:a14="http://schemas.microsoft.com/office/drawing/2010/main" val="0"/>
+              </a:ext>
+            </a:extLst>
+          </a:blip>
+          <a:stretch>
+            <a:fillRect/>
+          </a:stretch>
+        </p:blipFill>
+        <p:spPr>
+          <a:xfrm>
+            <a:off x="884997" y="646002"/>
+            <a:ext cx="7772400" cy="4672124"/>
+          </a:xfrm>
+          <a:prstGeom prst="rect">
+            <a:avLst/>
+          </a:prstGeom>
+        </p:spPr>
+      </p:pic>
     </p:spTree>
     <p:extLst>
       <p:ext uri="{BB962C8B-B14F-4D97-AF65-F5344CB8AC3E}">
-        <p14:creationId xmlns:p14="http://schemas.microsoft.com/office/powerpoint/2010/main" val="433404740"/>
+        <p14:creationId xmlns:p14="http://schemas.microsoft.com/office/powerpoint/2010/main" val="3748472536"/>
       </p:ext>
     </p:extLst>
   </p:cSld>
@@ -27828,7 +27981,7 @@
           <p:cNvPr id="2" name="Title 1">
             <a:extLst>
               <a:ext uri="{FF2B5EF4-FFF2-40B4-BE49-F238E27FC236}">
-                <a16:creationId xmlns:a16="http://schemas.microsoft.com/office/drawing/2014/main" id="{8021B0F2-3821-CD3D-B330-CD4F2421D36A}"/>
+                <a16:creationId xmlns:a16="http://schemas.microsoft.com/office/drawing/2014/main" id="{734F6EA2-14BC-76D1-379F-525047DC6695}"/>
               </a:ext>
             </a:extLst>
           </p:cNvPr>
@@ -27839,52 +27992,29 @@
             <p:ph type="title"/>
           </p:nvPr>
         </p:nvSpPr>
-        <p:spPr/>
+        <p:spPr>
+          <a:xfrm>
+            <a:off x="683568" y="1904999"/>
+            <a:ext cx="8229600" cy="952501"/>
+          </a:xfrm>
+        </p:spPr>
         <p:txBody>
           <a:bodyPr/>
           <a:lstStyle/>
           <a:p>
             <a:r>
               <a:rPr lang="en-GB" dirty="0"/>
-              <a:t>Q1</a:t>
+              <a:t>Review questions</a:t>
             </a:r>
           </a:p>
         </p:txBody>
       </p:sp>
       <p:sp>
         <p:nvSpPr>
-          <p:cNvPr id="3" name="Content Placeholder 2">
-            <a:extLst>
-              <a:ext uri="{FF2B5EF4-FFF2-40B4-BE49-F238E27FC236}">
-                <a16:creationId xmlns:a16="http://schemas.microsoft.com/office/drawing/2014/main" id="{DCC699EC-FACD-9F52-BC28-40113A709968}"/>
-              </a:ext>
-            </a:extLst>
-          </p:cNvPr>
-          <p:cNvSpPr>
-            <a:spLocks noGrp="1"/>
-          </p:cNvSpPr>
-          <p:nvPr>
-            <p:ph idx="1"/>
-          </p:nvPr>
-        </p:nvSpPr>
-        <p:spPr/>
-        <p:txBody>
-          <a:bodyPr/>
-          <a:lstStyle/>
-          <a:p>
-            <a:r>
-              <a:rPr lang="en-GB" dirty="0"/>
-              <a:t>What could be the purpose of a NN architecture like this? </a:t>
-            </a:r>
-          </a:p>
-        </p:txBody>
-      </p:sp>
-      <p:sp>
-        <p:nvSpPr>
-          <p:cNvPr id="4" name="Slide Number Placeholder 3">
-            <a:extLst>
-              <a:ext uri="{FF2B5EF4-FFF2-40B4-BE49-F238E27FC236}">
-                <a16:creationId xmlns:a16="http://schemas.microsoft.com/office/drawing/2014/main" id="{76D314E9-EACD-0287-4107-3D552A2EEA66}"/>
+          <p:cNvPr id="3" name="Slide Number Placeholder 2">
+            <a:extLst>
+              <a:ext uri="{FF2B5EF4-FFF2-40B4-BE49-F238E27FC236}">
+                <a16:creationId xmlns:a16="http://schemas.microsoft.com/office/drawing/2014/main" id="{C6CCE4F5-FE1F-EFA2-7A2E-4EEC1B2D06B4}"/>
               </a:ext>
             </a:extLst>
           </p:cNvPr>
@@ -27900,7 +28030,7 @@
           <a:bodyPr/>
           <a:lstStyle/>
           <a:p>
-            <a:fld id="{44E22EE9-B8A0-0641-9265-052CFE9B95A7}" type="slidenum">
+            <a:fld id="{BB98F552-A29D-2D4E-8192-F20670493719}" type="slidenum">
               <a:rPr lang="en-GB" altLang="en-US" smtClean="0"/>
               <a:pPr/>
               <a:t>54</a:t>
@@ -27909,12 +28039,65 @@
           </a:p>
         </p:txBody>
       </p:sp>
+      <p:sp>
+        <p:nvSpPr>
+          <p:cNvPr id="4" name="TextBox 3">
+            <a:extLst>
+              <a:ext uri="{FF2B5EF4-FFF2-40B4-BE49-F238E27FC236}">
+                <a16:creationId xmlns:a16="http://schemas.microsoft.com/office/drawing/2014/main" id="{8314E32F-EC5E-BD2C-CA3D-3FA8B318C09D}"/>
+              </a:ext>
+            </a:extLst>
+          </p:cNvPr>
+          <p:cNvSpPr txBox="1"/>
+          <p:nvPr/>
+        </p:nvSpPr>
+        <p:spPr>
+          <a:xfrm>
+            <a:off x="683568" y="3903147"/>
+            <a:ext cx="2885085" cy="369332"/>
+          </a:xfrm>
+          <a:prstGeom prst="rect">
+            <a:avLst/>
+          </a:prstGeom>
+          <a:noFill/>
+        </p:spPr>
+        <p:txBody>
+          <a:bodyPr wrap="none" rtlCol="0">
+            <a:spAutoFit/>
+          </a:bodyPr>
+          <a:lstStyle/>
+          <a:p>
+            <a:r>
+              <a:rPr lang="en-GB" dirty="0" err="1">
+                <a:solidFill>
+                  <a:srgbClr val="003D7D"/>
+                </a:solidFill>
+                <a:latin typeface="Gill Sans MT" panose="020B0502020104020203" pitchFamily="34" charset="77"/>
+                <a:ea typeface="ＭＳ Ｐゴシック" charset="0"/>
+                <a:cs typeface="+mj-cs"/>
+              </a:rPr>
+              <a:t>Mentimeter</a:t>
+            </a:r>
+            <a:r>
+              <a:rPr lang="en-GB" dirty="0">
+                <a:solidFill>
+                  <a:srgbClr val="003D7D"/>
+                </a:solidFill>
+                <a:latin typeface="Gill Sans MT" panose="020B0502020104020203" pitchFamily="34" charset="77"/>
+                <a:ea typeface="ＭＳ Ｐゴシック" charset="0"/>
+                <a:cs typeface="+mj-cs"/>
+              </a:rPr>
+              <a:t> code: 5825 9955</a:t>
+            </a:r>
+          </a:p>
+        </p:txBody>
+      </p:sp>
       <p:pic>
         <p:nvPicPr>
-          <p:cNvPr id="8" name="Picture 7" descr="Diagram&#10;&#10;Description automatically generated">
-            <a:extLst>
-              <a:ext uri="{FF2B5EF4-FFF2-40B4-BE49-F238E27FC236}">
-                <a16:creationId xmlns:a16="http://schemas.microsoft.com/office/drawing/2014/main" id="{C97288C9-9E88-B6B0-F7F8-6C441D2B8B85}"/>
+          <p:cNvPr id="6" name="Picture 5" descr="Qr code&#10;&#10;Description automatically generated">
+            <a:extLst>
+              <a:ext uri="{FF2B5EF4-FFF2-40B4-BE49-F238E27FC236}">
+                <a16:creationId xmlns:a16="http://schemas.microsoft.com/office/drawing/2014/main" id="{52F5BE60-0106-7B0F-EA15-75070BC2AFB7}"/>
               </a:ext>
             </a:extLst>
           </p:cNvPr>
@@ -27937,8 +28120,8 @@
         </p:blipFill>
         <p:spPr>
           <a:xfrm>
-            <a:off x="611560" y="1417340"/>
-            <a:ext cx="7772400" cy="3139314"/>
+            <a:off x="5594994" y="1959098"/>
+            <a:ext cx="2698602" cy="2698602"/>
           </a:xfrm>
           <a:prstGeom prst="rect">
             <a:avLst/>
@@ -27948,7 +28131,7 @@
     </p:spTree>
     <p:extLst>
       <p:ext uri="{BB962C8B-B14F-4D97-AF65-F5344CB8AC3E}">
-        <p14:creationId xmlns:p14="http://schemas.microsoft.com/office/powerpoint/2010/main" val="4202234545"/>
+        <p14:creationId xmlns:p14="http://schemas.microsoft.com/office/powerpoint/2010/main" val="433404740"/>
       </p:ext>
     </p:extLst>
   </p:cSld>
@@ -27980,7 +28163,7 @@
           <p:cNvPr id="2" name="Title 1">
             <a:extLst>
               <a:ext uri="{FF2B5EF4-FFF2-40B4-BE49-F238E27FC236}">
-                <a16:creationId xmlns:a16="http://schemas.microsoft.com/office/drawing/2014/main" id="{814CF8EF-3CAD-00AF-7B8A-A1D562022048}"/>
+                <a16:creationId xmlns:a16="http://schemas.microsoft.com/office/drawing/2014/main" id="{8021B0F2-3821-CD3D-B330-CD4F2421D36A}"/>
               </a:ext>
             </a:extLst>
           </p:cNvPr>
@@ -27998,7 +28181,7 @@
           <a:p>
             <a:r>
               <a:rPr lang="en-GB" dirty="0"/>
-              <a:t>Q2</a:t>
+              <a:t>Q1</a:t>
             </a:r>
           </a:p>
         </p:txBody>
@@ -28008,7 +28191,7 @@
           <p:cNvPr id="3" name="Content Placeholder 2">
             <a:extLst>
               <a:ext uri="{FF2B5EF4-FFF2-40B4-BE49-F238E27FC236}">
-                <a16:creationId xmlns:a16="http://schemas.microsoft.com/office/drawing/2014/main" id="{FCF7E818-E523-E292-D896-F6A80494E7E2}"/>
+                <a16:creationId xmlns:a16="http://schemas.microsoft.com/office/drawing/2014/main" id="{DCC699EC-FACD-9F52-BC28-40113A709968}"/>
               </a:ext>
             </a:extLst>
           </p:cNvPr>
@@ -28026,35 +28209,7 @@
           <a:p>
             <a:r>
               <a:rPr lang="en-GB" dirty="0"/>
-              <a:t>Which of these will not improve the convergence of a neural networks model?</a:t>
-            </a:r>
-          </a:p>
-          <a:p>
-            <a:pPr lvl="1"/>
-            <a:r>
-              <a:rPr lang="en-GB" dirty="0"/>
-              <a:t>Adaptive learning rate</a:t>
-            </a:r>
-          </a:p>
-          <a:p>
-            <a:pPr lvl="1"/>
-            <a:r>
-              <a:rPr lang="en-GB" dirty="0"/>
-              <a:t>Data normalisation</a:t>
-            </a:r>
-          </a:p>
-          <a:p>
-            <a:pPr lvl="1"/>
-            <a:r>
-              <a:rPr lang="en-GB" dirty="0"/>
-              <a:t>Using an optimiser method</a:t>
-            </a:r>
-          </a:p>
-          <a:p>
-            <a:pPr lvl="1"/>
-            <a:r>
-              <a:rPr lang="en-GB" dirty="0"/>
-              <a:t>Initialising all the weights to zero (zero initialisation)</a:t>
+              <a:t>What could be the purpose of a NN architecture like this? </a:t>
             </a:r>
           </a:p>
         </p:txBody>
@@ -28064,7 +28219,7 @@
           <p:cNvPr id="4" name="Slide Number Placeholder 3">
             <a:extLst>
               <a:ext uri="{FF2B5EF4-FFF2-40B4-BE49-F238E27FC236}">
-                <a16:creationId xmlns:a16="http://schemas.microsoft.com/office/drawing/2014/main" id="{A0B2D7BF-80DB-160C-C9DE-D82E4E21E51E}"/>
+                <a16:creationId xmlns:a16="http://schemas.microsoft.com/office/drawing/2014/main" id="{76D314E9-EACD-0287-4107-3D552A2EEA66}"/>
               </a:ext>
             </a:extLst>
           </p:cNvPr>
@@ -28089,10 +28244,46 @@
           </a:p>
         </p:txBody>
       </p:sp>
+      <p:pic>
+        <p:nvPicPr>
+          <p:cNvPr id="8" name="Picture 7" descr="Diagram&#10;&#10;Description automatically generated">
+            <a:extLst>
+              <a:ext uri="{FF2B5EF4-FFF2-40B4-BE49-F238E27FC236}">
+                <a16:creationId xmlns:a16="http://schemas.microsoft.com/office/drawing/2014/main" id="{C97288C9-9E88-B6B0-F7F8-6C441D2B8B85}"/>
+              </a:ext>
+            </a:extLst>
+          </p:cNvPr>
+          <p:cNvPicPr>
+            <a:picLocks noChangeAspect="1"/>
+          </p:cNvPicPr>
+          <p:nvPr/>
+        </p:nvPicPr>
+        <p:blipFill>
+          <a:blip r:embed="rId2">
+            <a:extLst>
+              <a:ext uri="{28A0092B-C50C-407E-A947-70E740481C1C}">
+                <a14:useLocalDpi xmlns:a14="http://schemas.microsoft.com/office/drawing/2010/main" val="0"/>
+              </a:ext>
+            </a:extLst>
+          </a:blip>
+          <a:stretch>
+            <a:fillRect/>
+          </a:stretch>
+        </p:blipFill>
+        <p:spPr>
+          <a:xfrm>
+            <a:off x="611560" y="1417340"/>
+            <a:ext cx="7772400" cy="3139314"/>
+          </a:xfrm>
+          <a:prstGeom prst="rect">
+            <a:avLst/>
+          </a:prstGeom>
+        </p:spPr>
+      </p:pic>
     </p:spTree>
     <p:extLst>
       <p:ext uri="{BB962C8B-B14F-4D97-AF65-F5344CB8AC3E}">
-        <p14:creationId xmlns:p14="http://schemas.microsoft.com/office/powerpoint/2010/main" val="1779124528"/>
+        <p14:creationId xmlns:p14="http://schemas.microsoft.com/office/powerpoint/2010/main" val="4202234545"/>
       </p:ext>
     </p:extLst>
   </p:cSld>
@@ -28124,7 +28315,7 @@
           <p:cNvPr id="2" name="Title 1">
             <a:extLst>
               <a:ext uri="{FF2B5EF4-FFF2-40B4-BE49-F238E27FC236}">
-                <a16:creationId xmlns:a16="http://schemas.microsoft.com/office/drawing/2014/main" id="{6C947F4E-9B94-F5CB-203A-DCC969CCA43A}"/>
+                <a16:creationId xmlns:a16="http://schemas.microsoft.com/office/drawing/2014/main" id="{814CF8EF-3CAD-00AF-7B8A-A1D562022048}"/>
               </a:ext>
             </a:extLst>
           </p:cNvPr>
@@ -28142,7 +28333,7 @@
           <a:p>
             <a:r>
               <a:rPr lang="en-GB" dirty="0"/>
-              <a:t>Acknowledgments</a:t>
+              <a:t>Q2</a:t>
             </a:r>
           </a:p>
         </p:txBody>
@@ -28152,7 +28343,7 @@
           <p:cNvPr id="3" name="Content Placeholder 2">
             <a:extLst>
               <a:ext uri="{FF2B5EF4-FFF2-40B4-BE49-F238E27FC236}">
-                <a16:creationId xmlns:a16="http://schemas.microsoft.com/office/drawing/2014/main" id="{95878951-2515-EE74-D7C0-67A8C7FA66CC}"/>
+                <a16:creationId xmlns:a16="http://schemas.microsoft.com/office/drawing/2014/main" id="{FCF7E818-E523-E292-D896-F6A80494E7E2}"/>
               </a:ext>
             </a:extLst>
           </p:cNvPr>
@@ -28169,16 +28360,36 @@
           <a:lstStyle/>
           <a:p>
             <a:r>
-              <a:rPr lang="en-GB" sz="1800" dirty="0"/>
-              <a:t>Several slides are adapted from Dive into Deep Learning by Aston Zhang et al., https://d2l.ai/</a:t>
-            </a:r>
-            <a:r>
-              <a:rPr lang="en-GB" sz="1800" dirty="0" err="1"/>
-              <a:t>index.html</a:t>
-            </a:r>
-            <a:r>
-              <a:rPr lang="en-GB" sz="1800" dirty="0"/>
-              <a:t> </a:t>
+              <a:rPr lang="en-GB" dirty="0"/>
+              <a:t>Which of these will not improve the convergence of a neural networks model?</a:t>
+            </a:r>
+          </a:p>
+          <a:p>
+            <a:pPr lvl="1"/>
+            <a:r>
+              <a:rPr lang="en-GB" dirty="0"/>
+              <a:t>Adaptive learning rate</a:t>
+            </a:r>
+          </a:p>
+          <a:p>
+            <a:pPr lvl="1"/>
+            <a:r>
+              <a:rPr lang="en-GB" dirty="0"/>
+              <a:t>Data normalisation</a:t>
+            </a:r>
+          </a:p>
+          <a:p>
+            <a:pPr lvl="1"/>
+            <a:r>
+              <a:rPr lang="en-GB" dirty="0"/>
+              <a:t>Using an optimiser method</a:t>
+            </a:r>
+          </a:p>
+          <a:p>
+            <a:pPr lvl="1"/>
+            <a:r>
+              <a:rPr lang="en-GB" dirty="0"/>
+              <a:t>Initialising all the weights to zero (zero initialisation)</a:t>
             </a:r>
           </a:p>
         </p:txBody>
@@ -28188,7 +28399,7 @@
           <p:cNvPr id="4" name="Slide Number Placeholder 3">
             <a:extLst>
               <a:ext uri="{FF2B5EF4-FFF2-40B4-BE49-F238E27FC236}">
-                <a16:creationId xmlns:a16="http://schemas.microsoft.com/office/drawing/2014/main" id="{9168C321-C8FD-6B4F-73D6-4A04023A70E9}"/>
+                <a16:creationId xmlns:a16="http://schemas.microsoft.com/office/drawing/2014/main" id="{A0B2D7BF-80DB-160C-C9DE-D82E4E21E51E}"/>
               </a:ext>
             </a:extLst>
           </p:cNvPr>
@@ -28216,7 +28427,7 @@
     </p:spTree>
     <p:extLst>
       <p:ext uri="{BB962C8B-B14F-4D97-AF65-F5344CB8AC3E}">
-        <p14:creationId xmlns:p14="http://schemas.microsoft.com/office/powerpoint/2010/main" val="2653526672"/>
+        <p14:creationId xmlns:p14="http://schemas.microsoft.com/office/powerpoint/2010/main" val="1779124528"/>
       </p:ext>
     </p:extLst>
   </p:cSld>
@@ -28248,7 +28459,7 @@
           <p:cNvPr id="2" name="Title 1">
             <a:extLst>
               <a:ext uri="{FF2B5EF4-FFF2-40B4-BE49-F238E27FC236}">
-                <a16:creationId xmlns:a16="http://schemas.microsoft.com/office/drawing/2014/main" id="{4A0D4B0E-EC4B-AF65-F5A6-6C77B84E688D}"/>
+                <a16:creationId xmlns:a16="http://schemas.microsoft.com/office/drawing/2014/main" id="{6C947F4E-9B94-F5CB-203A-DCC969CCA43A}"/>
               </a:ext>
             </a:extLst>
           </p:cNvPr>
@@ -28265,8 +28476,8 @@
           <a:lstStyle/>
           <a:p>
             <a:r>
-              <a:rPr lang="en-US" dirty="0"/>
-              <a:t>If you have any questions </a:t>
+              <a:rPr lang="en-GB" dirty="0"/>
+              <a:t>Acknowledgments</a:t>
             </a:r>
           </a:p>
         </p:txBody>
@@ -28276,7 +28487,7 @@
           <p:cNvPr id="3" name="Content Placeholder 2">
             <a:extLst>
               <a:ext uri="{FF2B5EF4-FFF2-40B4-BE49-F238E27FC236}">
-                <a16:creationId xmlns:a16="http://schemas.microsoft.com/office/drawing/2014/main" id="{F37C2CD0-A4E6-0FCE-E04C-C1C1CB0C3E1D}"/>
+                <a16:creationId xmlns:a16="http://schemas.microsoft.com/office/drawing/2014/main" id="{95878951-2515-EE74-D7C0-67A8C7FA66CC}"/>
               </a:ext>
             </a:extLst>
           </p:cNvPr>
@@ -28293,20 +28504,17 @@
           <a:lstStyle/>
           <a:p>
             <a:r>
-              <a:rPr lang="en-US" dirty="0"/>
-              <a:t>Please feel free to come and see me (9</a:t>
-            </a:r>
-            <a:r>
-              <a:rPr lang="en-US" baseline="30000" dirty="0"/>
-              <a:t>th</a:t>
-            </a:r>
-            <a:r>
-              <a:rPr lang="en-US" dirty="0"/>
-              <a:t> Floor, Sir Michael Uren Research Hub, White City Campus) or email (p.barnaghi@imperial.ac.uk). </a:t>
-            </a:r>
-          </a:p>
-          <a:p>
-            <a:endParaRPr lang="en-US" dirty="0"/>
+              <a:rPr lang="en-GB" sz="1800" dirty="0"/>
+              <a:t>Several slides are adapted from Dive into Deep Learning by Aston Zhang et al., https://d2l.ai/</a:t>
+            </a:r>
+            <a:r>
+              <a:rPr lang="en-GB" sz="1800" dirty="0" err="1"/>
+              <a:t>index.html</a:t>
+            </a:r>
+            <a:r>
+              <a:rPr lang="en-GB" sz="1800" dirty="0"/>
+              <a:t> </a:t>
+            </a:r>
           </a:p>
         </p:txBody>
       </p:sp>
@@ -28315,7 +28523,7 @@
           <p:cNvPr id="4" name="Slide Number Placeholder 3">
             <a:extLst>
               <a:ext uri="{FF2B5EF4-FFF2-40B4-BE49-F238E27FC236}">
-                <a16:creationId xmlns:a16="http://schemas.microsoft.com/office/drawing/2014/main" id="{5871F661-CD16-4A1E-EAB3-76CFDCC66AF4}"/>
+                <a16:creationId xmlns:a16="http://schemas.microsoft.com/office/drawing/2014/main" id="{9168C321-C8FD-6B4F-73D6-4A04023A70E9}"/>
               </a:ext>
             </a:extLst>
           </p:cNvPr>
@@ -28343,7 +28551,7 @@
     </p:spTree>
     <p:extLst>
       <p:ext uri="{BB962C8B-B14F-4D97-AF65-F5344CB8AC3E}">
-        <p14:creationId xmlns:p14="http://schemas.microsoft.com/office/powerpoint/2010/main" val="339632004"/>
+        <p14:creationId xmlns:p14="http://schemas.microsoft.com/office/powerpoint/2010/main" val="2653526672"/>
       </p:ext>
     </p:extLst>
   </p:cSld>
@@ -28375,7 +28583,7 @@
           <p:cNvPr id="2" name="Title 1">
             <a:extLst>
               <a:ext uri="{FF2B5EF4-FFF2-40B4-BE49-F238E27FC236}">
-                <a16:creationId xmlns:a16="http://schemas.microsoft.com/office/drawing/2014/main" id="{D1054D05-FE96-EDFD-05C6-8D929E43D4D0}"/>
+                <a16:creationId xmlns:a16="http://schemas.microsoft.com/office/drawing/2014/main" id="{4A0D4B0E-EC4B-AF65-F5A6-6C77B84E688D}"/>
               </a:ext>
             </a:extLst>
           </p:cNvPr>
@@ -28386,20 +28594,54 @@
             <p:ph type="title"/>
           </p:nvPr>
         </p:nvSpPr>
-        <p:spPr>
-          <a:xfrm>
-            <a:off x="755576" y="2381249"/>
-            <a:ext cx="8229600" cy="952501"/>
-          </a:xfrm>
-        </p:spPr>
+        <p:spPr/>
         <p:txBody>
           <a:bodyPr/>
           <a:lstStyle/>
           <a:p>
             <a:r>
-              <a:rPr lang="en-GB" dirty="0"/>
-              <a:t>Further reading</a:t>
-            </a:r>
+              <a:rPr lang="en-US" dirty="0"/>
+              <a:t>If you have any questions </a:t>
+            </a:r>
+          </a:p>
+        </p:txBody>
+      </p:sp>
+      <p:sp>
+        <p:nvSpPr>
+          <p:cNvPr id="3" name="Content Placeholder 2">
+            <a:extLst>
+              <a:ext uri="{FF2B5EF4-FFF2-40B4-BE49-F238E27FC236}">
+                <a16:creationId xmlns:a16="http://schemas.microsoft.com/office/drawing/2014/main" id="{F37C2CD0-A4E6-0FCE-E04C-C1C1CB0C3E1D}"/>
+              </a:ext>
+            </a:extLst>
+          </p:cNvPr>
+          <p:cNvSpPr>
+            <a:spLocks noGrp="1"/>
+          </p:cNvSpPr>
+          <p:nvPr>
+            <p:ph idx="1"/>
+          </p:nvPr>
+        </p:nvSpPr>
+        <p:spPr/>
+        <p:txBody>
+          <a:bodyPr/>
+          <a:lstStyle/>
+          <a:p>
+            <a:r>
+              <a:rPr lang="en-US" dirty="0"/>
+              <a:t>Please feel free to come and see me (9</a:t>
+            </a:r>
+            <a:r>
+              <a:rPr lang="en-US" baseline="30000" dirty="0"/>
+              <a:t>th</a:t>
+            </a:r>
+            <a:r>
+              <a:rPr lang="en-US" dirty="0"/>
+              <a:t> Floor, Sir Michael Uren Research Hub, White City Campus) or email (p.barnaghi@imperial.ac.uk). </a:t>
+            </a:r>
+          </a:p>
+          <a:p>
+            <a:endParaRPr lang="en-US" dirty="0"/>
           </a:p>
         </p:txBody>
       </p:sp>
@@ -28408,7 +28650,7 @@
           <p:cNvPr id="4" name="Slide Number Placeholder 3">
             <a:extLst>
               <a:ext uri="{FF2B5EF4-FFF2-40B4-BE49-F238E27FC236}">
-                <a16:creationId xmlns:a16="http://schemas.microsoft.com/office/drawing/2014/main" id="{82F2CBC6-DBC3-1E50-C147-F67DB2215EEE}"/>
+                <a16:creationId xmlns:a16="http://schemas.microsoft.com/office/drawing/2014/main" id="{5871F661-CD16-4A1E-EAB3-76CFDCC66AF4}"/>
               </a:ext>
             </a:extLst>
           </p:cNvPr>
@@ -28436,7 +28678,7 @@
     </p:spTree>
     <p:extLst>
       <p:ext uri="{BB962C8B-B14F-4D97-AF65-F5344CB8AC3E}">
-        <p14:creationId xmlns:p14="http://schemas.microsoft.com/office/powerpoint/2010/main" val="2198604453"/>
+        <p14:creationId xmlns:p14="http://schemas.microsoft.com/office/powerpoint/2010/main" val="339632004"/>
       </p:ext>
     </p:extLst>
   </p:cSld>
@@ -28468,7 +28710,7 @@
           <p:cNvPr id="2" name="Title 1">
             <a:extLst>
               <a:ext uri="{FF2B5EF4-FFF2-40B4-BE49-F238E27FC236}">
-                <a16:creationId xmlns:a16="http://schemas.microsoft.com/office/drawing/2014/main" id="{7A60B60A-A8A4-F82E-F90F-372A336B8946}"/>
+                <a16:creationId xmlns:a16="http://schemas.microsoft.com/office/drawing/2014/main" id="{D1054D05-FE96-EDFD-05C6-8D929E43D4D0}"/>
               </a:ext>
             </a:extLst>
           </p:cNvPr>
@@ -28479,14 +28721,19 @@
             <p:ph type="title"/>
           </p:nvPr>
         </p:nvSpPr>
-        <p:spPr/>
+        <p:spPr>
+          <a:xfrm>
+            <a:off x="755576" y="2381249"/>
+            <a:ext cx="8229600" cy="952501"/>
+          </a:xfrm>
+        </p:spPr>
         <p:txBody>
           <a:bodyPr/>
           <a:lstStyle/>
           <a:p>
             <a:r>
               <a:rPr lang="en-GB" dirty="0"/>
-              <a:t>Derivative of Sigmoid function</a:t>
+              <a:t>Further reading</a:t>
             </a:r>
           </a:p>
         </p:txBody>
@@ -28496,7 +28743,7 @@
           <p:cNvPr id="4" name="Slide Number Placeholder 3">
             <a:extLst>
               <a:ext uri="{FF2B5EF4-FFF2-40B4-BE49-F238E27FC236}">
-                <a16:creationId xmlns:a16="http://schemas.microsoft.com/office/drawing/2014/main" id="{EE507A28-C1D7-A6F3-E2B4-F772C30EB44B}"/>
+                <a16:creationId xmlns:a16="http://schemas.microsoft.com/office/drawing/2014/main" id="{82F2CBC6-DBC3-1E50-C147-F67DB2215EEE}"/>
               </a:ext>
             </a:extLst>
           </p:cNvPr>
@@ -28521,82 +28768,10 @@
           </a:p>
         </p:txBody>
       </p:sp>
-      <p:pic>
-        <p:nvPicPr>
-          <p:cNvPr id="6" name="Picture 5" descr="Text&#10;&#10;Description automatically generated with medium confidence">
-            <a:extLst>
-              <a:ext uri="{FF2B5EF4-FFF2-40B4-BE49-F238E27FC236}">
-                <a16:creationId xmlns:a16="http://schemas.microsoft.com/office/drawing/2014/main" id="{63708E42-7032-E8EC-9C1A-B0D75EA138FC}"/>
-              </a:ext>
-            </a:extLst>
-          </p:cNvPr>
-          <p:cNvPicPr>
-            <a:picLocks noChangeAspect="1"/>
-          </p:cNvPicPr>
-          <p:nvPr/>
-        </p:nvPicPr>
-        <p:blipFill>
-          <a:blip r:embed="rId2">
-            <a:extLst>
-              <a:ext uri="{28A0092B-C50C-407E-A947-70E740481C1C}">
-                <a14:useLocalDpi xmlns:a14="http://schemas.microsoft.com/office/drawing/2010/main" val="0"/>
-              </a:ext>
-            </a:extLst>
-          </a:blip>
-          <a:stretch>
-            <a:fillRect/>
-          </a:stretch>
-        </p:blipFill>
-        <p:spPr>
-          <a:xfrm>
-            <a:off x="990600" y="3073524"/>
-            <a:ext cx="7162800" cy="939800"/>
-          </a:xfrm>
-          <a:prstGeom prst="rect">
-            <a:avLst/>
-          </a:prstGeom>
-        </p:spPr>
-      </p:pic>
-      <p:pic>
-        <p:nvPicPr>
-          <p:cNvPr id="8" name="Picture 7" descr="Diagram&#10;&#10;Description automatically generated">
-            <a:extLst>
-              <a:ext uri="{FF2B5EF4-FFF2-40B4-BE49-F238E27FC236}">
-                <a16:creationId xmlns:a16="http://schemas.microsoft.com/office/drawing/2014/main" id="{6AAFA948-A7FD-41D9-C08F-A0EE91CFD737}"/>
-              </a:ext>
-            </a:extLst>
-          </p:cNvPr>
-          <p:cNvPicPr>
-            <a:picLocks noChangeAspect="1"/>
-          </p:cNvPicPr>
-          <p:nvPr/>
-        </p:nvPicPr>
-        <p:blipFill>
-          <a:blip r:embed="rId3">
-            <a:extLst>
-              <a:ext uri="{28A0092B-C50C-407E-A947-70E740481C1C}">
-                <a14:useLocalDpi xmlns:a14="http://schemas.microsoft.com/office/drawing/2010/main" val="0"/>
-              </a:ext>
-            </a:extLst>
-          </a:blip>
-          <a:stretch>
-            <a:fillRect/>
-          </a:stretch>
-        </p:blipFill>
-        <p:spPr>
-          <a:xfrm>
-            <a:off x="990600" y="2216026"/>
-            <a:ext cx="3251200" cy="850900"/>
-          </a:xfrm>
-          <a:prstGeom prst="rect">
-            <a:avLst/>
-          </a:prstGeom>
-        </p:spPr>
-      </p:pic>
     </p:spTree>
     <p:extLst>
       <p:ext uri="{BB962C8B-B14F-4D97-AF65-F5344CB8AC3E}">
-        <p14:creationId xmlns:p14="http://schemas.microsoft.com/office/powerpoint/2010/main" val="1071395646"/>
+        <p14:creationId xmlns:p14="http://schemas.microsoft.com/office/powerpoint/2010/main" val="2198604453"/>
       </p:ext>
     </p:extLst>
   </p:cSld>
@@ -30194,6 +30369,594 @@
     <p:extLst>
       <p:ext uri="{BB962C8B-B14F-4D97-AF65-F5344CB8AC3E}">
         <p14:creationId xmlns:p14="http://schemas.microsoft.com/office/powerpoint/2010/main" val="1841939963"/>
+      </p:ext>
+    </p:extLst>
+  </p:cSld>
+  <p:clrMapOvr>
+    <a:masterClrMapping/>
+  </p:clrMapOvr>
+</p:sld>
+</file>
+
+<file path=ppt/slides/slide60.xml><?xml version="1.0" encoding="utf-8"?>
+<p:sld xmlns:a="http://schemas.openxmlformats.org/drawingml/2006/main" xmlns:r="http://schemas.openxmlformats.org/officeDocument/2006/relationships" xmlns:p="http://schemas.openxmlformats.org/presentationml/2006/main">
+  <p:cSld>
+    <p:spTree>
+      <p:nvGrpSpPr>
+        <p:cNvPr id="1" name=""/>
+        <p:cNvGrpSpPr/>
+        <p:nvPr/>
+      </p:nvGrpSpPr>
+      <p:grpSpPr>
+        <a:xfrm>
+          <a:off x="0" y="0"/>
+          <a:ext cx="0" cy="0"/>
+          <a:chOff x="0" y="0"/>
+          <a:chExt cx="0" cy="0"/>
+        </a:xfrm>
+      </p:grpSpPr>
+      <p:sp>
+        <p:nvSpPr>
+          <p:cNvPr id="2" name="Title 1">
+            <a:extLst>
+              <a:ext uri="{FF2B5EF4-FFF2-40B4-BE49-F238E27FC236}">
+                <a16:creationId xmlns:a16="http://schemas.microsoft.com/office/drawing/2014/main" id="{7A60B60A-A8A4-F82E-F90F-372A336B8946}"/>
+              </a:ext>
+            </a:extLst>
+          </p:cNvPr>
+          <p:cNvSpPr>
+            <a:spLocks noGrp="1"/>
+          </p:cNvSpPr>
+          <p:nvPr>
+            <p:ph type="title"/>
+          </p:nvPr>
+        </p:nvSpPr>
+        <p:spPr/>
+        <p:txBody>
+          <a:bodyPr/>
+          <a:lstStyle/>
+          <a:p>
+            <a:r>
+              <a:rPr lang="en-GB" dirty="0"/>
+              <a:t>Derivative of Sigmoid function</a:t>
+            </a:r>
+          </a:p>
+        </p:txBody>
+      </p:sp>
+      <p:sp>
+        <p:nvSpPr>
+          <p:cNvPr id="4" name="Slide Number Placeholder 3">
+            <a:extLst>
+              <a:ext uri="{FF2B5EF4-FFF2-40B4-BE49-F238E27FC236}">
+                <a16:creationId xmlns:a16="http://schemas.microsoft.com/office/drawing/2014/main" id="{EE507A28-C1D7-A6F3-E2B4-F772C30EB44B}"/>
+              </a:ext>
+            </a:extLst>
+          </p:cNvPr>
+          <p:cNvSpPr>
+            <a:spLocks noGrp="1"/>
+          </p:cNvSpPr>
+          <p:nvPr>
+            <p:ph type="sldNum" sz="quarter" idx="12"/>
+          </p:nvPr>
+        </p:nvSpPr>
+        <p:spPr/>
+        <p:txBody>
+          <a:bodyPr/>
+          <a:lstStyle/>
+          <a:p>
+            <a:fld id="{44E22EE9-B8A0-0641-9265-052CFE9B95A7}" type="slidenum">
+              <a:rPr lang="en-GB" altLang="en-US" smtClean="0"/>
+              <a:pPr/>
+              <a:t>60</a:t>
+            </a:fld>
+            <a:endParaRPr lang="en-GB" altLang="en-US" dirty="0"/>
+          </a:p>
+        </p:txBody>
+      </p:sp>
+      <p:pic>
+        <p:nvPicPr>
+          <p:cNvPr id="6" name="Picture 5" descr="Text&#10;&#10;Description automatically generated with medium confidence">
+            <a:extLst>
+              <a:ext uri="{FF2B5EF4-FFF2-40B4-BE49-F238E27FC236}">
+                <a16:creationId xmlns:a16="http://schemas.microsoft.com/office/drawing/2014/main" id="{63708E42-7032-E8EC-9C1A-B0D75EA138FC}"/>
+              </a:ext>
+            </a:extLst>
+          </p:cNvPr>
+          <p:cNvPicPr>
+            <a:picLocks noChangeAspect="1"/>
+          </p:cNvPicPr>
+          <p:nvPr/>
+        </p:nvPicPr>
+        <p:blipFill>
+          <a:blip r:embed="rId2">
+            <a:extLst>
+              <a:ext uri="{28A0092B-C50C-407E-A947-70E740481C1C}">
+                <a14:useLocalDpi xmlns:a14="http://schemas.microsoft.com/office/drawing/2010/main" val="0"/>
+              </a:ext>
+            </a:extLst>
+          </a:blip>
+          <a:stretch>
+            <a:fillRect/>
+          </a:stretch>
+        </p:blipFill>
+        <p:spPr>
+          <a:xfrm>
+            <a:off x="990600" y="3073524"/>
+            <a:ext cx="7162800" cy="939800"/>
+          </a:xfrm>
+          <a:prstGeom prst="rect">
+            <a:avLst/>
+          </a:prstGeom>
+        </p:spPr>
+      </p:pic>
+      <p:pic>
+        <p:nvPicPr>
+          <p:cNvPr id="8" name="Picture 7" descr="Diagram&#10;&#10;Description automatically generated">
+            <a:extLst>
+              <a:ext uri="{FF2B5EF4-FFF2-40B4-BE49-F238E27FC236}">
+                <a16:creationId xmlns:a16="http://schemas.microsoft.com/office/drawing/2014/main" id="{6AAFA948-A7FD-41D9-C08F-A0EE91CFD737}"/>
+              </a:ext>
+            </a:extLst>
+          </p:cNvPr>
+          <p:cNvPicPr>
+            <a:picLocks noChangeAspect="1"/>
+          </p:cNvPicPr>
+          <p:nvPr/>
+        </p:nvPicPr>
+        <p:blipFill>
+          <a:blip r:embed="rId3">
+            <a:extLst>
+              <a:ext uri="{28A0092B-C50C-407E-A947-70E740481C1C}">
+                <a14:useLocalDpi xmlns:a14="http://schemas.microsoft.com/office/drawing/2010/main" val="0"/>
+              </a:ext>
+            </a:extLst>
+          </a:blip>
+          <a:stretch>
+            <a:fillRect/>
+          </a:stretch>
+        </p:blipFill>
+        <p:spPr>
+          <a:xfrm>
+            <a:off x="990600" y="2216026"/>
+            <a:ext cx="3251200" cy="850900"/>
+          </a:xfrm>
+          <a:prstGeom prst="rect">
+            <a:avLst/>
+          </a:prstGeom>
+        </p:spPr>
+      </p:pic>
+    </p:spTree>
+    <p:extLst>
+      <p:ext uri="{BB962C8B-B14F-4D97-AF65-F5344CB8AC3E}">
+        <p14:creationId xmlns:p14="http://schemas.microsoft.com/office/powerpoint/2010/main" val="1071395646"/>
+      </p:ext>
+    </p:extLst>
+  </p:cSld>
+  <p:clrMapOvr>
+    <a:masterClrMapping/>
+  </p:clrMapOvr>
+</p:sld>
+</file>
+
+<file path=ppt/slides/slide61.xml><?xml version="1.0" encoding="utf-8"?>
+<p:sld xmlns:a="http://schemas.openxmlformats.org/drawingml/2006/main" xmlns:r="http://schemas.openxmlformats.org/officeDocument/2006/relationships" xmlns:p="http://schemas.openxmlformats.org/presentationml/2006/main">
+  <p:cSld>
+    <p:spTree>
+      <p:nvGrpSpPr>
+        <p:cNvPr id="1" name=""/>
+        <p:cNvGrpSpPr/>
+        <p:nvPr/>
+      </p:nvGrpSpPr>
+      <p:grpSpPr>
+        <a:xfrm>
+          <a:off x="0" y="0"/>
+          <a:ext cx="0" cy="0"/>
+          <a:chOff x="0" y="0"/>
+          <a:chExt cx="0" cy="0"/>
+        </a:xfrm>
+      </p:grpSpPr>
+      <p:sp>
+        <p:nvSpPr>
+          <p:cNvPr id="2" name="Title 1">
+            <a:extLst>
+              <a:ext uri="{FF2B5EF4-FFF2-40B4-BE49-F238E27FC236}">
+                <a16:creationId xmlns:a16="http://schemas.microsoft.com/office/drawing/2014/main" id="{7489F18F-A11E-FE9E-0CF1-8B12DD5420D7}"/>
+              </a:ext>
+            </a:extLst>
+          </p:cNvPr>
+          <p:cNvSpPr>
+            <a:spLocks noGrp="1"/>
+          </p:cNvSpPr>
+          <p:nvPr>
+            <p:ph type="title"/>
+          </p:nvPr>
+        </p:nvSpPr>
+        <p:spPr/>
+        <p:txBody>
+          <a:bodyPr/>
+          <a:lstStyle/>
+          <a:p>
+            <a:r>
+              <a:rPr lang="en-GB" dirty="0"/>
+              <a:t>Gradient of </a:t>
+            </a:r>
+            <a:r>
+              <a:rPr lang="en-GB" dirty="0" err="1"/>
+              <a:t>ReLU</a:t>
+            </a:r>
+            <a:endParaRPr lang="en-GB" dirty="0"/>
+          </a:p>
+        </p:txBody>
+      </p:sp>
+      <p:sp>
+        <p:nvSpPr>
+          <p:cNvPr id="3" name="Slide Number Placeholder 2">
+            <a:extLst>
+              <a:ext uri="{FF2B5EF4-FFF2-40B4-BE49-F238E27FC236}">
+                <a16:creationId xmlns:a16="http://schemas.microsoft.com/office/drawing/2014/main" id="{DAEBE678-EA12-C153-6C91-C7B7C3909631}"/>
+              </a:ext>
+            </a:extLst>
+          </p:cNvPr>
+          <p:cNvSpPr>
+            <a:spLocks noGrp="1"/>
+          </p:cNvSpPr>
+          <p:nvPr>
+            <p:ph type="sldNum" sz="quarter" idx="12"/>
+          </p:nvPr>
+        </p:nvSpPr>
+        <p:spPr/>
+        <p:txBody>
+          <a:bodyPr/>
+          <a:lstStyle/>
+          <a:p>
+            <a:fld id="{BB98F552-A29D-2D4E-8192-F20670493719}" type="slidenum">
+              <a:rPr lang="en-GB" altLang="en-US" smtClean="0"/>
+              <a:pPr/>
+              <a:t>61</a:t>
+            </a:fld>
+            <a:endParaRPr lang="en-GB" altLang="en-US" dirty="0"/>
+          </a:p>
+        </p:txBody>
+      </p:sp>
+      <mc:AlternateContent xmlns:mc="http://schemas.openxmlformats.org/markup-compatibility/2006" xmlns:a14="http://schemas.microsoft.com/office/drawing/2010/main">
+        <mc:Choice Requires="a14">
+          <p:sp>
+            <p:nvSpPr>
+              <p:cNvPr id="4" name="TextBox 3">
+                <a:extLst>
+                  <a:ext uri="{FF2B5EF4-FFF2-40B4-BE49-F238E27FC236}">
+                    <a16:creationId xmlns:a16="http://schemas.microsoft.com/office/drawing/2014/main" id="{E7FF3238-89B7-5D4C-4A85-20C5E4A7D1FD}"/>
+                  </a:ext>
+                </a:extLst>
+              </p:cNvPr>
+              <p:cNvSpPr txBox="1"/>
+              <p:nvPr/>
+            </p:nvSpPr>
+            <p:spPr>
+              <a:xfrm>
+                <a:off x="816165" y="1417340"/>
+                <a:ext cx="5107424" cy="710194"/>
+              </a:xfrm>
+              <a:prstGeom prst="rect">
+                <a:avLst/>
+              </a:prstGeom>
+              <a:noFill/>
+            </p:spPr>
+            <p:txBody>
+              <a:bodyPr wrap="none" rtlCol="0">
+                <a:spAutoFit/>
+              </a:bodyPr>
+              <a:lstStyle/>
+              <a:p>
+                <a:pPr/>
+                <a14:m>
+                  <m:oMathPara xmlns:m="http://schemas.openxmlformats.org/officeDocument/2006/math">
+                    <m:oMathParaPr>
+                      <m:jc m:val="centerGroup"/>
+                    </m:oMathParaPr>
+                    <m:oMath xmlns:m="http://schemas.openxmlformats.org/officeDocument/2006/math">
+                      <m:r>
+                        <a:rPr lang="en-GB" b="0" i="1" smtClean="0">
+                          <a:latin typeface="Cambria Math" panose="02040503050406030204" pitchFamily="18" charset="0"/>
+                        </a:rPr>
+                        <m:t>𝑔𝑟𝑎𝑑𝑖𝑒𝑛𝑡</m:t>
+                      </m:r>
+                      <m:r>
+                        <a:rPr lang="en-GB" b="0" i="1" smtClean="0">
+                          <a:latin typeface="Cambria Math" panose="02040503050406030204" pitchFamily="18" charset="0"/>
+                        </a:rPr>
+                        <m:t> </m:t>
+                      </m:r>
+                      <m:r>
+                        <a:rPr lang="en-GB" b="0" i="1" smtClean="0">
+                          <a:latin typeface="Cambria Math" panose="02040503050406030204" pitchFamily="18" charset="0"/>
+                        </a:rPr>
+                        <m:t>𝑜𝑓</m:t>
+                      </m:r>
+                      <m:r>
+                        <a:rPr lang="en-GB" b="0" i="1" smtClean="0">
+                          <a:latin typeface="Cambria Math" panose="02040503050406030204" pitchFamily="18" charset="0"/>
+                        </a:rPr>
+                        <m:t> </m:t>
+                      </m:r>
+                      <m:r>
+                        <a:rPr lang="en-GB" b="0" i="1" smtClean="0">
+                          <a:latin typeface="Cambria Math" panose="02040503050406030204" pitchFamily="18" charset="0"/>
+                        </a:rPr>
+                        <m:t>𝑅𝑒𝐿𝑈</m:t>
+                      </m:r>
+                      <m:r>
+                        <a:rPr lang="en-GB" b="0" i="1" smtClean="0">
+                          <a:latin typeface="Cambria Math" panose="02040503050406030204" pitchFamily="18" charset="0"/>
+                        </a:rPr>
+                        <m:t>=</m:t>
+                      </m:r>
+                      <m:f>
+                        <m:fPr>
+                          <m:ctrlPr>
+                            <a:rPr lang="en-GB" b="0" i="1" smtClean="0">
+                              <a:latin typeface="Cambria Math" panose="02040503050406030204" pitchFamily="18" charset="0"/>
+                            </a:rPr>
+                          </m:ctrlPr>
+                        </m:fPr>
+                        <m:num>
+                          <m:r>
+                            <a:rPr lang="en-GB" b="0" i="1" smtClean="0">
+                              <a:latin typeface="Cambria Math" panose="02040503050406030204" pitchFamily="18" charset="0"/>
+                            </a:rPr>
+                            <m:t>𝜕</m:t>
+                          </m:r>
+                          <m:r>
+                            <a:rPr lang="en-GB" b="0" i="1" smtClean="0">
+                              <a:latin typeface="Cambria Math" panose="02040503050406030204" pitchFamily="18" charset="0"/>
+                            </a:rPr>
+                            <m:t>𝑅𝑒𝐿𝑈</m:t>
+                          </m:r>
+                          <m:r>
+                            <a:rPr lang="en-GB" b="0" i="1" smtClean="0">
+                              <a:latin typeface="Cambria Math" panose="02040503050406030204" pitchFamily="18" charset="0"/>
+                            </a:rPr>
+                            <m:t>(</m:t>
+                          </m:r>
+                          <m:r>
+                            <a:rPr lang="en-GB" b="0" i="1" smtClean="0">
+                              <a:latin typeface="Cambria Math" panose="02040503050406030204" pitchFamily="18" charset="0"/>
+                            </a:rPr>
+                            <m:t>𝑥</m:t>
+                          </m:r>
+                          <m:r>
+                            <a:rPr lang="en-GB" b="0" i="1" smtClean="0">
+                              <a:latin typeface="Cambria Math" panose="02040503050406030204" pitchFamily="18" charset="0"/>
+                            </a:rPr>
+                            <m:t>)</m:t>
+                          </m:r>
+                        </m:num>
+                        <m:den>
+                          <m:r>
+                            <a:rPr lang="en-GB" b="0" i="1" smtClean="0">
+                              <a:latin typeface="Cambria Math" panose="02040503050406030204" pitchFamily="18" charset="0"/>
+                            </a:rPr>
+                            <m:t>𝜕</m:t>
+                          </m:r>
+                          <m:r>
+                            <a:rPr lang="en-GB" b="0" i="1" smtClean="0">
+                              <a:latin typeface="Cambria Math" panose="02040503050406030204" pitchFamily="18" charset="0"/>
+                            </a:rPr>
+                            <m:t>𝑥</m:t>
+                          </m:r>
+                        </m:den>
+                      </m:f>
+                      <m:r>
+                        <a:rPr lang="en-GB" b="0" i="1" smtClean="0">
+                          <a:latin typeface="Cambria Math" panose="02040503050406030204" pitchFamily="18" charset="0"/>
+                        </a:rPr>
+                        <m:t>=  </m:t>
+                      </m:r>
+                      <m:d>
+                        <m:dPr>
+                          <m:begChr m:val="{"/>
+                          <m:endChr m:val=""/>
+                          <m:ctrlPr>
+                            <a:rPr lang="en-GB" b="0" i="1" smtClean="0">
+                              <a:latin typeface="Cambria Math" panose="02040503050406030204" pitchFamily="18" charset="0"/>
+                            </a:rPr>
+                          </m:ctrlPr>
+                        </m:dPr>
+                        <m:e>
+                          <m:eqArr>
+                            <m:eqArrPr>
+                              <m:ctrlPr>
+                                <a:rPr lang="en-GB" b="0" i="1" smtClean="0">
+                                  <a:latin typeface="Cambria Math" panose="02040503050406030204" pitchFamily="18" charset="0"/>
+                                </a:rPr>
+                              </m:ctrlPr>
+                            </m:eqArrPr>
+                            <m:e>
+                              <m:r>
+                                <a:rPr lang="en-GB" b="0" i="1" smtClean="0">
+                                  <a:latin typeface="Cambria Math" panose="02040503050406030204" pitchFamily="18" charset="0"/>
+                                </a:rPr>
+                                <m:t>0     </m:t>
+                              </m:r>
+                              <m:r>
+                                <a:rPr lang="en-GB" b="0" i="1" smtClean="0">
+                                  <a:latin typeface="Cambria Math" panose="02040503050406030204" pitchFamily="18" charset="0"/>
+                                </a:rPr>
+                                <m:t>𝑖𝑓</m:t>
+                              </m:r>
+                              <m:r>
+                                <a:rPr lang="en-GB" b="0" i="1" smtClean="0">
+                                  <a:latin typeface="Cambria Math" panose="02040503050406030204" pitchFamily="18" charset="0"/>
+                                </a:rPr>
+                                <m:t> </m:t>
+                              </m:r>
+                              <m:r>
+                                <a:rPr lang="en-GB" b="0" i="1" smtClean="0">
+                                  <a:latin typeface="Cambria Math" panose="02040503050406030204" pitchFamily="18" charset="0"/>
+                                </a:rPr>
+                                <m:t>𝑥</m:t>
+                              </m:r>
+                              <m:r>
+                                <a:rPr lang="en-GB" b="0" i="1" smtClean="0">
+                                  <a:latin typeface="Cambria Math" panose="02040503050406030204" pitchFamily="18" charset="0"/>
+                                </a:rPr>
+                                <m:t>&lt;0</m:t>
+                              </m:r>
+                            </m:e>
+                            <m:e>
+                              <m:r>
+                                <a:rPr lang="en-GB" b="0" i="1" smtClean="0">
+                                  <a:latin typeface="Cambria Math" panose="02040503050406030204" pitchFamily="18" charset="0"/>
+                                </a:rPr>
+                                <m:t>1    </m:t>
+                              </m:r>
+                              <m:r>
+                                <a:rPr lang="en-GB" b="0" i="1" smtClean="0">
+                                  <a:latin typeface="Cambria Math" panose="02040503050406030204" pitchFamily="18" charset="0"/>
+                                </a:rPr>
+                                <m:t>𝑖𝑓</m:t>
+                              </m:r>
+                              <m:r>
+                                <a:rPr lang="en-GB" b="0" i="1" smtClean="0">
+                                  <a:latin typeface="Cambria Math" panose="02040503050406030204" pitchFamily="18" charset="0"/>
+                                </a:rPr>
+                                <m:t> </m:t>
+                              </m:r>
+                              <m:r>
+                                <a:rPr lang="en-GB" b="0" i="1" smtClean="0">
+                                  <a:latin typeface="Cambria Math" panose="02040503050406030204" pitchFamily="18" charset="0"/>
+                                </a:rPr>
+                                <m:t>𝑥</m:t>
+                              </m:r>
+                              <m:r>
+                                <a:rPr lang="en-GB" b="0" i="1" smtClean="0">
+                                  <a:latin typeface="Cambria Math" panose="02040503050406030204" pitchFamily="18" charset="0"/>
+                                </a:rPr>
+                                <m:t>&gt;0 </m:t>
+                              </m:r>
+                            </m:e>
+                          </m:eqArr>
+                        </m:e>
+                      </m:d>
+                    </m:oMath>
+                  </m:oMathPara>
+                </a14:m>
+                <a:endParaRPr lang="en-GB" dirty="0"/>
+              </a:p>
+            </p:txBody>
+          </p:sp>
+        </mc:Choice>
+        <mc:Fallback xmlns="">
+          <p:sp>
+            <p:nvSpPr>
+              <p:cNvPr id="4" name="TextBox 3">
+                <a:extLst>
+                  <a:ext uri="{FF2B5EF4-FFF2-40B4-BE49-F238E27FC236}">
+                    <a16:creationId xmlns:a16="http://schemas.microsoft.com/office/drawing/2014/main" id="{E7FF3238-89B7-5D4C-4A85-20C5E4A7D1FD}"/>
+                  </a:ext>
+                </a:extLst>
+              </p:cNvPr>
+              <p:cNvSpPr txBox="1">
+                <a:spLocks noRot="1" noChangeAspect="1" noMove="1" noResize="1" noEditPoints="1" noAdjustHandles="1" noChangeArrowheads="1" noChangeShapeType="1" noTextEdit="1"/>
+              </p:cNvSpPr>
+              <p:nvPr/>
+            </p:nvSpPr>
+            <p:spPr>
+              <a:xfrm>
+                <a:off x="816165" y="1417340"/>
+                <a:ext cx="5107424" cy="710194"/>
+              </a:xfrm>
+              <a:prstGeom prst="rect">
+                <a:avLst/>
+              </a:prstGeom>
+              <a:blipFill>
+                <a:blip r:embed="rId2"/>
+                <a:stretch>
+                  <a:fillRect t="-191228" b="-277193"/>
+                </a:stretch>
+              </a:blipFill>
+            </p:spPr>
+            <p:txBody>
+              <a:bodyPr/>
+              <a:lstStyle/>
+              <a:p>
+                <a:r>
+                  <a:rPr lang="en-GB">
+                    <a:noFill/>
+                  </a:rPr>
+                  <a:t> </a:t>
+                </a:r>
+              </a:p>
+            </p:txBody>
+          </p:sp>
+        </mc:Fallback>
+      </mc:AlternateContent>
+      <p:sp>
+        <p:nvSpPr>
+          <p:cNvPr id="5" name="TextBox 4">
+            <a:extLst>
+              <a:ext uri="{FF2B5EF4-FFF2-40B4-BE49-F238E27FC236}">
+                <a16:creationId xmlns:a16="http://schemas.microsoft.com/office/drawing/2014/main" id="{262ACACA-2A9A-76B4-8B1E-58E60550B044}"/>
+              </a:ext>
+            </a:extLst>
+          </p:cNvPr>
+          <p:cNvSpPr txBox="1"/>
+          <p:nvPr/>
+        </p:nvSpPr>
+        <p:spPr>
+          <a:xfrm>
+            <a:off x="792358" y="2766350"/>
+            <a:ext cx="7597824" cy="1323439"/>
+          </a:xfrm>
+          <a:prstGeom prst="rect">
+            <a:avLst/>
+          </a:prstGeom>
+          <a:noFill/>
+        </p:spPr>
+        <p:txBody>
+          <a:bodyPr wrap="square" rtlCol="0">
+            <a:spAutoFit/>
+          </a:bodyPr>
+          <a:lstStyle/>
+          <a:p>
+            <a:r>
+              <a:rPr lang="en-GB" sz="1600" dirty="0">
+                <a:latin typeface="Gill Sans MT" panose="020B0502020104020203" pitchFamily="34" charset="77"/>
+              </a:rPr>
+              <a:t>For other gradients and an excellent summary you can refer to the blog post by by Andrew Wood at: </a:t>
+            </a:r>
+          </a:p>
+          <a:p>
+            <a:endParaRPr lang="en-GB" sz="1600" dirty="0">
+              <a:latin typeface="Gill Sans MT" panose="020B0502020104020203" pitchFamily="34" charset="77"/>
+            </a:endParaRPr>
+          </a:p>
+          <a:p>
+            <a:r>
+              <a:rPr lang="en-GB" sz="1600" dirty="0">
+                <a:latin typeface="Gill Sans MT" panose="020B0502020104020203" pitchFamily="34" charset="77"/>
+              </a:rPr>
+              <a:t>https://aew61.github.io/blog/</a:t>
+            </a:r>
+            <a:r>
+              <a:rPr lang="en-GB" sz="1600" dirty="0" err="1">
+                <a:latin typeface="Gill Sans MT" panose="020B0502020104020203" pitchFamily="34" charset="77"/>
+              </a:rPr>
+              <a:t>artificial_neural_networks</a:t>
+            </a:r>
+            <a:r>
+              <a:rPr lang="en-GB" sz="1600" dirty="0">
+                <a:latin typeface="Gill Sans MT" panose="020B0502020104020203" pitchFamily="34" charset="77"/>
+              </a:rPr>
+              <a:t>/1_background/1.b_activation_functions_and_derivatives.html</a:t>
+            </a:r>
+          </a:p>
+        </p:txBody>
+      </p:sp>
+    </p:spTree>
+    <p:extLst>
+      <p:ext uri="{BB962C8B-B14F-4D97-AF65-F5344CB8AC3E}">
+        <p14:creationId xmlns:p14="http://schemas.microsoft.com/office/powerpoint/2010/main" val="1727762696"/>
       </p:ext>
     </p:extLst>
   </p:cSld>

--- a/06- Neural Networks/ML4NuerScience_NeuralNets.pptx
+++ b/06- Neural Networks/ML4NuerScience_NeuralNets.pptx
@@ -5,10 +5,10 @@
     <p:sldMasterId id="2147483685" r:id="rId1"/>
   </p:sldMasterIdLst>
   <p:notesMasterIdLst>
-    <p:notesMasterId r:id="rId63"/>
+    <p:notesMasterId r:id="rId69"/>
   </p:notesMasterIdLst>
   <p:handoutMasterIdLst>
-    <p:handoutMasterId r:id="rId64"/>
+    <p:handoutMasterId r:id="rId70"/>
   </p:handoutMasterIdLst>
   <p:sldIdLst>
     <p:sldId id="297" r:id="rId2"/>
@@ -50,28 +50,34 @@
     <p:sldId id="1304" r:id="rId38"/>
     <p:sldId id="1298" r:id="rId39"/>
     <p:sldId id="1305" r:id="rId40"/>
-    <p:sldId id="1306" r:id="rId41"/>
-    <p:sldId id="1307" r:id="rId42"/>
-    <p:sldId id="1308" r:id="rId43"/>
-    <p:sldId id="1309" r:id="rId44"/>
-    <p:sldId id="1310" r:id="rId45"/>
-    <p:sldId id="1311" r:id="rId46"/>
-    <p:sldId id="1312" r:id="rId47"/>
-    <p:sldId id="1321" r:id="rId48"/>
-    <p:sldId id="1313" r:id="rId49"/>
-    <p:sldId id="1319" r:id="rId50"/>
-    <p:sldId id="756" r:id="rId51"/>
-    <p:sldId id="755" r:id="rId52"/>
-    <p:sldId id="1314" r:id="rId53"/>
-    <p:sldId id="1315" r:id="rId54"/>
-    <p:sldId id="1294" r:id="rId55"/>
-    <p:sldId id="1317" r:id="rId56"/>
-    <p:sldId id="1318" r:id="rId57"/>
-    <p:sldId id="1229" r:id="rId58"/>
-    <p:sldId id="1149" r:id="rId59"/>
-    <p:sldId id="1274" r:id="rId60"/>
-    <p:sldId id="1291" r:id="rId61"/>
-    <p:sldId id="1320" r:id="rId62"/>
+    <p:sldId id="1322" r:id="rId41"/>
+    <p:sldId id="1306" r:id="rId42"/>
+    <p:sldId id="1323" r:id="rId43"/>
+    <p:sldId id="1324" r:id="rId44"/>
+    <p:sldId id="1307" r:id="rId45"/>
+    <p:sldId id="1308" r:id="rId46"/>
+    <p:sldId id="1309" r:id="rId47"/>
+    <p:sldId id="1310" r:id="rId48"/>
+    <p:sldId id="1311" r:id="rId49"/>
+    <p:sldId id="1312" r:id="rId50"/>
+    <p:sldId id="1321" r:id="rId51"/>
+    <p:sldId id="1313" r:id="rId52"/>
+    <p:sldId id="1319" r:id="rId53"/>
+    <p:sldId id="756" r:id="rId54"/>
+    <p:sldId id="755" r:id="rId55"/>
+    <p:sldId id="1314" r:id="rId56"/>
+    <p:sldId id="1315" r:id="rId57"/>
+    <p:sldId id="1294" r:id="rId58"/>
+    <p:sldId id="1317" r:id="rId59"/>
+    <p:sldId id="1318" r:id="rId60"/>
+    <p:sldId id="1229" r:id="rId61"/>
+    <p:sldId id="1149" r:id="rId62"/>
+    <p:sldId id="1274" r:id="rId63"/>
+    <p:sldId id="1291" r:id="rId64"/>
+    <p:sldId id="1320" r:id="rId65"/>
+    <p:sldId id="1325" r:id="rId66"/>
+    <p:sldId id="1326" r:id="rId67"/>
+    <p:sldId id="1327" r:id="rId68"/>
   </p:sldIdLst>
   <p:sldSz cx="9144000" cy="5715000" type="screen16x10"/>
   <p:notesSz cx="7099300" cy="10234613"/>
@@ -359,7 +365,7 @@
               <a:pPr>
                 <a:defRPr/>
               </a:pPr>
-              <a:t>21/01/2023</a:t>
+              <a:t>22/01/2023</a:t>
             </a:fld>
             <a:endParaRPr lang="en-GB" altLang="en-US" dirty="0"/>
           </a:p>
@@ -593,7 +599,7 @@
               <a:pPr>
                 <a:defRPr/>
               </a:pPr>
-              <a:t>21/01/2023</a:t>
+              <a:t>22/01/2023</a:t>
             </a:fld>
             <a:endParaRPr lang="en-GB" altLang="en-US" dirty="0"/>
           </a:p>
@@ -1945,7 +1951,7 @@
               <a:pPr>
                 <a:defRPr/>
               </a:pPr>
-              <a:t>21/01/2023</a:t>
+              <a:t>22/01/2023</a:t>
             </a:fld>
             <a:endParaRPr lang="en-GB" altLang="en-US" dirty="0"/>
           </a:p>
@@ -2208,7 +2214,7 @@
               <a:pPr>
                 <a:defRPr/>
               </a:pPr>
-              <a:t>21/01/2023</a:t>
+              <a:t>22/01/2023</a:t>
             </a:fld>
             <a:endParaRPr lang="en-GB" altLang="en-US" dirty="0"/>
           </a:p>
@@ -2446,7 +2452,7 @@
               <a:pPr>
                 <a:defRPr/>
               </a:pPr>
-              <a:t>21/01/2023</a:t>
+              <a:t>22/01/2023</a:t>
             </a:fld>
             <a:endParaRPr lang="en-GB" altLang="en-US" dirty="0"/>
           </a:p>
@@ -2780,7 +2786,7 @@
               <a:pPr>
                 <a:defRPr/>
               </a:pPr>
-              <a:t>21/01/2023</a:t>
+              <a:t>22/01/2023</a:t>
             </a:fld>
             <a:endParaRPr lang="en-GB" altLang="en-US" dirty="0"/>
           </a:p>
@@ -3253,7 +3259,7 @@
               <a:pPr>
                 <a:defRPr/>
               </a:pPr>
-              <a:t>21/01/2023</a:t>
+              <a:t>22/01/2023</a:t>
             </a:fld>
             <a:endParaRPr lang="en-GB" altLang="en-US" dirty="0"/>
           </a:p>
@@ -3417,7 +3423,7 @@
               <a:pPr>
                 <a:defRPr/>
               </a:pPr>
-              <a:t>21/01/2023</a:t>
+              <a:t>22/01/2023</a:t>
             </a:fld>
             <a:endParaRPr lang="en-GB" altLang="en-US" dirty="0"/>
           </a:p>
@@ -3558,7 +3564,7 @@
               <a:pPr>
                 <a:defRPr/>
               </a:pPr>
-              <a:t>21/01/2023</a:t>
+              <a:t>22/01/2023</a:t>
             </a:fld>
             <a:endParaRPr lang="en-GB" altLang="en-US" dirty="0"/>
           </a:p>
@@ -3858,7 +3864,7 @@
               <a:pPr>
                 <a:defRPr/>
               </a:pPr>
-              <a:t>21/01/2023</a:t>
+              <a:t>22/01/2023</a:t>
             </a:fld>
             <a:endParaRPr lang="en-GB" altLang="en-US" dirty="0"/>
           </a:p>
@@ -4184,7 +4190,7 @@
               <a:pPr>
                 <a:defRPr/>
               </a:pPr>
-              <a:t>21/01/2023</a:t>
+              <a:t>22/01/2023</a:t>
             </a:fld>
             <a:endParaRPr lang="en-GB" altLang="en-US" dirty="0"/>
           </a:p>
@@ -7394,7 +7400,7 @@
               <a:rPr lang="en-US" sz="2000" dirty="0">
                 <a:latin typeface="Gill Sans MT" panose="020B0502020104020203" pitchFamily="34" charset="77"/>
               </a:rPr>
-              <a:t>This is a computational model of a neuron; in ML we are interested in modelling an </a:t>
+              <a:t>This is a computational model of a biological neuron; in contrast, in ML we are interested in modelling an </a:t>
             </a:r>
             <a:r>
               <a:rPr lang="en-US" sz="2333" dirty="0">
@@ -7464,7 +7470,7 @@
         </p:nvSpPr>
         <p:spPr>
           <a:xfrm>
-            <a:off x="1143001" y="5411920"/>
+            <a:off x="896808" y="5432542"/>
             <a:ext cx="4281941" cy="220510"/>
           </a:xfrm>
           <a:prstGeom prst="rect">
@@ -23771,7 +23777,7 @@
           <p:cNvPr id="2" name="Title 1">
             <a:extLst>
               <a:ext uri="{FF2B5EF4-FFF2-40B4-BE49-F238E27FC236}">
-                <a16:creationId xmlns:a16="http://schemas.microsoft.com/office/drawing/2014/main" id="{430FF14C-9D1B-6A2A-6670-C79FFE7CCBE8}"/>
+                <a16:creationId xmlns:a16="http://schemas.microsoft.com/office/drawing/2014/main" id="{C77FC6A0-858F-E282-9E35-4E6CC5030CA2}"/>
               </a:ext>
             </a:extLst>
           </p:cNvPr>
@@ -23789,164 +23795,8 @@
           <a:p>
             <a:r>
               <a:rPr lang="en-GB" dirty="0"/>
-              <a:t>Momentum</a:t>
-            </a:r>
-          </a:p>
-        </p:txBody>
-      </p:sp>
-      <p:sp>
-        <p:nvSpPr>
-          <p:cNvPr id="3" name="Content Placeholder 2">
-            <a:extLst>
-              <a:ext uri="{FF2B5EF4-FFF2-40B4-BE49-F238E27FC236}">
-                <a16:creationId xmlns:a16="http://schemas.microsoft.com/office/drawing/2014/main" id="{A8DBA4F3-38FD-465C-C610-C5D8CAE61904}"/>
-              </a:ext>
-            </a:extLst>
-          </p:cNvPr>
-          <p:cNvSpPr>
-            <a:spLocks noGrp="1"/>
-          </p:cNvSpPr>
-          <p:nvPr>
-            <p:ph idx="1"/>
-          </p:nvPr>
-        </p:nvSpPr>
-        <p:spPr/>
-        <p:txBody>
-          <a:bodyPr/>
-          <a:lstStyle/>
-          <a:p>
-            <a:pPr algn="l"/>
-            <a:r>
-              <a:rPr lang="en-GB" b="0" i="0" u="none" strike="noStrike" dirty="0">
-                <a:solidFill>
-                  <a:srgbClr val="000000"/>
-                </a:solidFill>
-                <a:effectLst/>
-              </a:rPr>
-              <a:t>While stochastic gradient descent remains a popular optimization strategy, learning with it can sometimes be slow. The method of momentum (</a:t>
-            </a:r>
-            <a:r>
-              <a:rPr lang="en-GB" b="0" i="0" u="none" strike="noStrike" dirty="0" err="1">
-                <a:solidFill>
-                  <a:srgbClr val="0070C0"/>
-                </a:solidFill>
-                <a:effectLst/>
-              </a:rPr>
-              <a:t>Polyak</a:t>
-            </a:r>
-            <a:r>
-              <a:rPr lang="en-GB" b="0" i="0" u="none" strike="noStrike" dirty="0">
-                <a:solidFill>
-                  <a:srgbClr val="0070C0"/>
-                </a:solidFill>
-                <a:effectLst/>
-              </a:rPr>
-              <a:t>, 1964</a:t>
-            </a:r>
-            <a:r>
-              <a:rPr lang="en-GB" b="0" i="0" u="none" strike="noStrike" dirty="0">
-                <a:solidFill>
-                  <a:srgbClr val="000000"/>
-                </a:solidFill>
-                <a:effectLst/>
-              </a:rPr>
-              <a:t>) is designed to accelerate learning.</a:t>
-            </a:r>
-          </a:p>
-          <a:p>
-            <a:pPr algn="l"/>
-            <a:r>
-              <a:rPr lang="en-GB" b="0" i="0" u="none" strike="noStrike" dirty="0">
-                <a:solidFill>
-                  <a:srgbClr val="000000"/>
-                </a:solidFill>
-                <a:effectLst/>
-              </a:rPr>
-              <a:t>The momentum algorithm accumulates an exponentially decaying moving average of past gradients and continues to move in</a:t>
-            </a:r>
-            <a:r>
-              <a:rPr lang="en-GB" b="0" i="0" u="none" strike="noStrike" dirty="0">
-                <a:effectLst/>
-              </a:rPr>
-              <a:t> </a:t>
-            </a:r>
-            <a:r>
-              <a:rPr lang="en-GB" b="0" i="0" u="none" strike="noStrike" dirty="0">
-                <a:solidFill>
-                  <a:srgbClr val="000000"/>
-                </a:solidFill>
-                <a:effectLst/>
-              </a:rPr>
-              <a:t>their</a:t>
-            </a:r>
-            <a:r>
-              <a:rPr lang="en-GB" b="0" i="0" u="none" strike="noStrike" dirty="0">
-                <a:effectLst/>
-              </a:rPr>
-              <a:t> </a:t>
-            </a:r>
-            <a:r>
-              <a:rPr lang="en-GB" b="0" i="0" u="none" strike="noStrike" dirty="0">
-                <a:solidFill>
-                  <a:srgbClr val="000000"/>
-                </a:solidFill>
-                <a:effectLst/>
-              </a:rPr>
-              <a:t>direction.</a:t>
-            </a:r>
-          </a:p>
-          <a:p>
-            <a:pPr algn="l"/>
-            <a:r>
-              <a:rPr lang="en-GB" b="0" i="0" u="none" strike="noStrike" dirty="0">
-                <a:solidFill>
-                  <a:srgbClr val="000000"/>
-                </a:solidFill>
-                <a:effectLst/>
-              </a:rPr>
-              <a:t>Formally, the momentum algorithm introduces a variable </a:t>
-            </a:r>
-            <a:r>
-              <a:rPr lang="en-GB" b="0" i="0" u="none" strike="noStrike" dirty="0">
-                <a:solidFill>
-                  <a:srgbClr val="000000"/>
-                </a:solidFill>
-                <a:effectLst/>
-                <a:latin typeface="Courier New" panose="02070309020205020404" pitchFamily="49" charset="0"/>
-                <a:cs typeface="Courier New" panose="02070309020205020404" pitchFamily="49" charset="0"/>
-              </a:rPr>
-              <a:t>v</a:t>
-            </a:r>
-            <a:r>
-              <a:rPr lang="en-GB" b="0" i="0" u="none" strike="noStrike" dirty="0">
-                <a:solidFill>
-                  <a:srgbClr val="000000"/>
-                </a:solidFill>
-                <a:effectLst/>
-              </a:rPr>
-              <a:t> that plays the role of velocity - it is the direction and speed at which the parameters move through parameter space.</a:t>
-            </a:r>
-          </a:p>
-          <a:p>
-            <a:pPr algn="l"/>
-            <a:endParaRPr lang="en-GB" b="0" i="0" u="none" strike="noStrike" dirty="0">
-              <a:solidFill>
-                <a:srgbClr val="000000"/>
-              </a:solidFill>
-              <a:effectLst/>
-            </a:endParaRPr>
-          </a:p>
-          <a:p>
-            <a:pPr algn="l"/>
-            <a:endParaRPr lang="en-GB" b="0" i="0" u="none" strike="noStrike" dirty="0">
-              <a:solidFill>
-                <a:srgbClr val="000000"/>
-              </a:solidFill>
-              <a:effectLst/>
-            </a:endParaRPr>
-          </a:p>
-          <a:p>
-            <a:endParaRPr lang="en-GB" dirty="0"/>
+              <a:t>Exploding and vanishing gradients*</a:t>
+            </a:r>
           </a:p>
         </p:txBody>
       </p:sp>
@@ -23955,7 +23805,7 @@
           <p:cNvPr id="4" name="Slide Number Placeholder 3">
             <a:extLst>
               <a:ext uri="{FF2B5EF4-FFF2-40B4-BE49-F238E27FC236}">
-                <a16:creationId xmlns:a16="http://schemas.microsoft.com/office/drawing/2014/main" id="{362E2D09-34CE-72A8-6EEC-32708D58F18B}"/>
+                <a16:creationId xmlns:a16="http://schemas.microsoft.com/office/drawing/2014/main" id="{31A7EE39-EA94-1B58-26E9-9030AC8B2FB7}"/>
               </a:ext>
             </a:extLst>
           </p:cNvPr>
@@ -23982,10 +23832,10 @@
       </p:sp>
       <p:pic>
         <p:nvPicPr>
-          <p:cNvPr id="6" name="Picture 5" descr="Diagram, schematic&#10;&#10;Description automatically generated">
-            <a:extLst>
-              <a:ext uri="{FF2B5EF4-FFF2-40B4-BE49-F238E27FC236}">
-                <a16:creationId xmlns:a16="http://schemas.microsoft.com/office/drawing/2014/main" id="{00193E82-B0EA-E303-4C04-7FB619A4F28C}"/>
+          <p:cNvPr id="6" name="Picture 5" descr="A picture containing chart&#10;&#10;Description automatically generated">
+            <a:extLst>
+              <a:ext uri="{FF2B5EF4-FFF2-40B4-BE49-F238E27FC236}">
+                <a16:creationId xmlns:a16="http://schemas.microsoft.com/office/drawing/2014/main" id="{09C6428B-9917-8361-B743-2FBA4824D0B7}"/>
               </a:ext>
             </a:extLst>
           </p:cNvPr>
@@ -24008,8 +23858,8 @@
         </p:blipFill>
         <p:spPr>
           <a:xfrm>
-            <a:off x="3059832" y="4219839"/>
-            <a:ext cx="2781300" cy="876300"/>
+            <a:off x="4680823" y="1489348"/>
+            <a:ext cx="4469482" cy="2216863"/>
           </a:xfrm>
           <a:prstGeom prst="rect">
             <a:avLst/>
@@ -24021,7 +23871,7 @@
           <p:cNvPr id="8" name="TextBox 7">
             <a:extLst>
               <a:ext uri="{FF2B5EF4-FFF2-40B4-BE49-F238E27FC236}">
-                <a16:creationId xmlns:a16="http://schemas.microsoft.com/office/drawing/2014/main" id="{3EF21A26-D725-2B30-8CC9-2F0190AA72EA}"/>
+                <a16:creationId xmlns:a16="http://schemas.microsoft.com/office/drawing/2014/main" id="{ABE244E3-3A8C-F7FE-6E1F-F003BA961146}"/>
               </a:ext>
             </a:extLst>
           </p:cNvPr>
@@ -24030,8 +23880,8 @@
         </p:nvSpPr>
         <p:spPr>
           <a:xfrm>
-            <a:off x="611560" y="5344262"/>
-            <a:ext cx="7416824" cy="230832"/>
+            <a:off x="430730" y="1201316"/>
+            <a:ext cx="4469481" cy="3693319"/>
           </a:xfrm>
           <a:prstGeom prst="rect">
             <a:avLst/>
@@ -24044,30 +23894,164 @@
           </a:bodyPr>
           <a:lstStyle/>
           <a:p>
+            <a:pPr algn="l"/>
+            <a:r>
+              <a:rPr lang="en-GB" b="0" i="0" u="none" strike="noStrike" dirty="0">
+                <a:solidFill>
+                  <a:srgbClr val="000000"/>
+                </a:solidFill>
+                <a:effectLst/>
+                <a:latin typeface="Gill Sans MT" panose="020B0502020104020203" pitchFamily="34" charset="77"/>
+              </a:rPr>
+              <a:t>The objective function </a:t>
+            </a:r>
+            <a:r>
+              <a:rPr lang="en-GB" dirty="0">
+                <a:solidFill>
+                  <a:srgbClr val="000000"/>
+                </a:solidFill>
+                <a:latin typeface="Gill Sans MT" panose="020B0502020104020203" pitchFamily="34" charset="77"/>
+              </a:rPr>
+              <a:t>for</a:t>
+            </a:r>
+            <a:r>
+              <a:rPr lang="en-GB" b="0" i="0" u="none" strike="noStrike" dirty="0">
+                <a:solidFill>
+                  <a:srgbClr val="000000"/>
+                </a:solidFill>
+                <a:effectLst/>
+                <a:latin typeface="Gill Sans MT" panose="020B0502020104020203" pitchFamily="34" charset="77"/>
+              </a:rPr>
+              <a:t> highly nonlinear deep neural networks or for recurrent neural networks often contains sharp nonlinearities in parameter space resulting from the multiplication of several parameters. </a:t>
+            </a:r>
+          </a:p>
+          <a:p>
+            <a:pPr algn="l"/>
+            <a:endParaRPr lang="en-GB" dirty="0">
+              <a:solidFill>
+                <a:srgbClr val="000000"/>
+              </a:solidFill>
+              <a:latin typeface="Gill Sans MT" panose="020B0502020104020203" pitchFamily="34" charset="77"/>
+            </a:endParaRPr>
+          </a:p>
+          <a:p>
+            <a:pPr algn="l"/>
+            <a:r>
+              <a:rPr lang="en-GB" b="0" i="0" u="none" strike="noStrike" dirty="0">
+                <a:solidFill>
+                  <a:srgbClr val="000000"/>
+                </a:solidFill>
+                <a:effectLst/>
+                <a:latin typeface="Gill Sans MT" panose="020B0502020104020203" pitchFamily="34" charset="77"/>
+              </a:rPr>
+              <a:t>These nonlinearities give rise to very</a:t>
+            </a:r>
+          </a:p>
+          <a:p>
+            <a:pPr algn="l"/>
+            <a:r>
+              <a:rPr lang="en-GB" b="0" i="0" u="none" strike="noStrike" dirty="0">
+                <a:solidFill>
+                  <a:srgbClr val="000000"/>
+                </a:solidFill>
+                <a:effectLst/>
+                <a:latin typeface="Gill Sans MT" panose="020B0502020104020203" pitchFamily="34" charset="77"/>
+              </a:rPr>
+              <a:t>high derivatives in some places. </a:t>
+            </a:r>
+          </a:p>
+          <a:p>
+            <a:pPr algn="l"/>
+            <a:endParaRPr lang="en-GB" dirty="0">
+              <a:solidFill>
+                <a:srgbClr val="000000"/>
+              </a:solidFill>
+              <a:latin typeface="Gill Sans MT" panose="020B0502020104020203" pitchFamily="34" charset="77"/>
+            </a:endParaRPr>
+          </a:p>
+          <a:p>
+            <a:pPr algn="l"/>
+            <a:r>
+              <a:rPr lang="en-GB" b="0" i="0" u="none" strike="noStrike" dirty="0">
+                <a:solidFill>
+                  <a:srgbClr val="000000"/>
+                </a:solidFill>
+                <a:effectLst/>
+                <a:latin typeface="Gill Sans MT" panose="020B0502020104020203" pitchFamily="34" charset="77"/>
+              </a:rPr>
+              <a:t>When the parameters get close to such a cliﬀ region, a gradient descent update can catapult the parameters very far, possibly losing most of the optimisation work that has been done.</a:t>
+            </a:r>
+          </a:p>
+        </p:txBody>
+      </p:sp>
+      <p:sp>
+        <p:nvSpPr>
+          <p:cNvPr id="9" name="TextBox 8">
+            <a:extLst>
+              <a:ext uri="{FF2B5EF4-FFF2-40B4-BE49-F238E27FC236}">
+                <a16:creationId xmlns:a16="http://schemas.microsoft.com/office/drawing/2014/main" id="{42650982-F5B3-7017-EB9A-D124874CF39E}"/>
+              </a:ext>
+            </a:extLst>
+          </p:cNvPr>
+          <p:cNvSpPr txBox="1"/>
+          <p:nvPr/>
+        </p:nvSpPr>
+        <p:spPr>
+          <a:xfrm>
+            <a:off x="611560" y="5344262"/>
+            <a:ext cx="7416824" cy="369332"/>
+          </a:xfrm>
+          <a:prstGeom prst="rect">
+            <a:avLst/>
+          </a:prstGeom>
+          <a:noFill/>
+        </p:spPr>
+        <p:txBody>
+          <a:bodyPr wrap="square">
+            <a:spAutoFit/>
+          </a:bodyPr>
+          <a:lstStyle/>
+          <a:p>
             <a:r>
               <a:rPr lang="en-GB" sz="900" dirty="0"/>
-              <a:t>Source: Parts of the text are adapted from Goodfellow et al., deep Learning, https://</a:t>
+              <a:t>Source: Adapted from Goodfellow et al., deep Learning, </a:t>
+            </a:r>
+            <a:r>
+              <a:rPr lang="en-GB" sz="900" dirty="0">
+                <a:hlinkClick r:id="rId3"/>
+              </a:rPr>
+              <a:t>https://www.deeplearningbook.org/contents/optimization.html</a:t>
+            </a:r>
+            <a:endParaRPr lang="en-GB" sz="900" dirty="0"/>
+          </a:p>
+          <a:p>
+            <a:r>
+              <a:rPr lang="en-GB" sz="900" dirty="0"/>
+              <a:t>Original figure from (</a:t>
             </a:r>
             <a:r>
               <a:rPr lang="en-GB" sz="900" dirty="0" err="1"/>
-              <a:t>www.deeplearningbook.org</a:t>
+              <a:t>Pascanu</a:t>
             </a:r>
             <a:r>
               <a:rPr lang="en-GB" sz="900" dirty="0"/>
-              <a:t>/contents/</a:t>
-            </a:r>
-            <a:r>
-              <a:rPr lang="en-GB" sz="900" dirty="0" err="1"/>
-              <a:t>optimization.html</a:t>
-            </a:r>
-            <a:endParaRPr lang="en-GB" sz="900" dirty="0"/>
+              <a:t> </a:t>
+            </a:r>
+            <a:r>
+              <a:rPr lang="en-GB" sz="900" i="1" dirty="0"/>
+              <a:t>et al</a:t>
+            </a:r>
+            <a:r>
+              <a:rPr lang="en-GB" sz="900" dirty="0"/>
+              <a:t>., 2013)</a:t>
+            </a:r>
           </a:p>
         </p:txBody>
       </p:sp>
     </p:spTree>
     <p:extLst>
       <p:ext uri="{BB962C8B-B14F-4D97-AF65-F5344CB8AC3E}">
-        <p14:creationId xmlns:p14="http://schemas.microsoft.com/office/powerpoint/2010/main" val="746398534"/>
+        <p14:creationId xmlns:p14="http://schemas.microsoft.com/office/powerpoint/2010/main" val="2969302889"/>
       </p:ext>
     </p:extLst>
   </p:cSld>
@@ -24099,7 +24083,7 @@
           <p:cNvPr id="2" name="Title 1">
             <a:extLst>
               <a:ext uri="{FF2B5EF4-FFF2-40B4-BE49-F238E27FC236}">
-                <a16:creationId xmlns:a16="http://schemas.microsoft.com/office/drawing/2014/main" id="{C50D50FC-0361-B5A3-B6E0-7324DEDBC879}"/>
+                <a16:creationId xmlns:a16="http://schemas.microsoft.com/office/drawing/2014/main" id="{430FF14C-9D1B-6A2A-6670-C79FFE7CCBE8}"/>
               </a:ext>
             </a:extLst>
           </p:cNvPr>
@@ -24122,8 +24106,691 @@
           </a:p>
         </p:txBody>
       </p:sp>
-      <mc:AlternateContent xmlns:mc="http://schemas.openxmlformats.org/markup-compatibility/2006" xmlns:a14="http://schemas.microsoft.com/office/drawing/2010/main">
-        <mc:Choice Requires="a14">
+      <mc:AlternateContent xmlns:mc="http://schemas.openxmlformats.org/markup-compatibility/2006">
+        <mc:Choice xmlns:a14="http://schemas.microsoft.com/office/drawing/2010/main" Requires="a14">
+          <p:sp>
+            <p:nvSpPr>
+              <p:cNvPr id="3" name="Content Placeholder 2">
+                <a:extLst>
+                  <a:ext uri="{FF2B5EF4-FFF2-40B4-BE49-F238E27FC236}">
+                    <a16:creationId xmlns:a16="http://schemas.microsoft.com/office/drawing/2014/main" id="{A8DBA4F3-38FD-465C-C610-C5D8CAE61904}"/>
+                  </a:ext>
+                </a:extLst>
+              </p:cNvPr>
+              <p:cNvSpPr>
+                <a:spLocks noGrp="1"/>
+              </p:cNvSpPr>
+              <p:nvPr>
+                <p:ph idx="1"/>
+              </p:nvPr>
+            </p:nvSpPr>
+            <p:spPr/>
+            <p:txBody>
+              <a:bodyPr/>
+              <a:lstStyle/>
+              <a:p>
+                <a:pPr algn="l"/>
+                <a:r>
+                  <a:rPr lang="en-GB" b="0" i="0" u="none" strike="noStrike" dirty="0">
+                    <a:solidFill>
+                      <a:srgbClr val="000000"/>
+                    </a:solidFill>
+                    <a:effectLst/>
+                  </a:rPr>
+                  <a:t>While stochastic gradient descent remains a popular optimisation strategy, learning with it can sometimes be slow. The method of momentum (</a:t>
+                </a:r>
+                <a:r>
+                  <a:rPr lang="en-GB" b="0" i="0" u="none" strike="noStrike" dirty="0" err="1">
+                    <a:solidFill>
+                      <a:srgbClr val="0070C0"/>
+                    </a:solidFill>
+                    <a:effectLst/>
+                  </a:rPr>
+                  <a:t>Polyak</a:t>
+                </a:r>
+                <a:r>
+                  <a:rPr lang="en-GB" b="0" i="0" u="none" strike="noStrike" dirty="0">
+                    <a:solidFill>
+                      <a:srgbClr val="0070C0"/>
+                    </a:solidFill>
+                    <a:effectLst/>
+                  </a:rPr>
+                  <a:t>, 1964</a:t>
+                </a:r>
+                <a:r>
+                  <a:rPr lang="en-GB" b="0" i="0" u="none" strike="noStrike" dirty="0">
+                    <a:solidFill>
+                      <a:srgbClr val="000000"/>
+                    </a:solidFill>
+                    <a:effectLst/>
+                  </a:rPr>
+                  <a:t>) is designed to accelerate learning.</a:t>
+                </a:r>
+              </a:p>
+              <a:p>
+                <a:pPr algn="l"/>
+                <a:r>
+                  <a:rPr lang="en-GB" b="0" i="0" u="none" strike="noStrike" dirty="0">
+                    <a:solidFill>
+                      <a:srgbClr val="000000"/>
+                    </a:solidFill>
+                    <a:effectLst/>
+                  </a:rPr>
+                  <a:t>The momentum algorithm accumulates an exponentially decaying moving average of past gradients and continues to move in</a:t>
+                </a:r>
+                <a:r>
+                  <a:rPr lang="en-GB" b="0" i="0" u="none" strike="noStrike" dirty="0">
+                    <a:effectLst/>
+                  </a:rPr>
+                  <a:t> </a:t>
+                </a:r>
+                <a:r>
+                  <a:rPr lang="en-GB" b="0" i="0" u="none" strike="noStrike" dirty="0">
+                    <a:solidFill>
+                      <a:srgbClr val="000000"/>
+                    </a:solidFill>
+                    <a:effectLst/>
+                  </a:rPr>
+                  <a:t>their</a:t>
+                </a:r>
+                <a:r>
+                  <a:rPr lang="en-GB" b="0" i="0" u="none" strike="noStrike" dirty="0">
+                    <a:effectLst/>
+                  </a:rPr>
+                  <a:t> </a:t>
+                </a:r>
+                <a:r>
+                  <a:rPr lang="en-GB" b="0" i="0" u="none" strike="noStrike" dirty="0">
+                    <a:solidFill>
+                      <a:srgbClr val="000000"/>
+                    </a:solidFill>
+                    <a:effectLst/>
+                  </a:rPr>
+                  <a:t>direction.</a:t>
+                </a:r>
+              </a:p>
+              <a:p>
+                <a:pPr algn="l"/>
+                <a:r>
+                  <a:rPr lang="en-GB" b="0" i="0" u="none" strike="noStrike" dirty="0">
+                    <a:solidFill>
+                      <a:srgbClr val="000000"/>
+                    </a:solidFill>
+                    <a:effectLst/>
+                  </a:rPr>
+                  <a:t>Formally, the momentum algorithm introduces a variable </a:t>
+                </a:r>
+                <a14:m>
+                  <m:oMath xmlns:m="http://schemas.openxmlformats.org/officeDocument/2006/math">
+                    <m:r>
+                      <a:rPr lang="en-GB" sz="2800" b="0" i="1" u="none" strike="noStrike" dirty="0" smtClean="0">
+                        <a:solidFill>
+                          <a:srgbClr val="000000"/>
+                        </a:solidFill>
+                        <a:effectLst/>
+                        <a:latin typeface="Cambria Math" panose="02040503050406030204" pitchFamily="18" charset="0"/>
+                        <a:cs typeface="Courier New" panose="02070309020205020404" pitchFamily="49" charset="0"/>
+                      </a:rPr>
+                      <m:t>𝑣</m:t>
+                    </m:r>
+                  </m:oMath>
+                </a14:m>
+                <a:r>
+                  <a:rPr lang="en-GB" b="0" i="0" u="none" strike="noStrike" dirty="0">
+                    <a:solidFill>
+                      <a:srgbClr val="000000"/>
+                    </a:solidFill>
+                    <a:effectLst/>
+                  </a:rPr>
+                  <a:t> that plays the role of velocity - it is the direction and speed at which the parameters move through parameter space.</a:t>
+                </a:r>
+              </a:p>
+              <a:p>
+                <a:pPr algn="l"/>
+                <a:endParaRPr lang="en-GB" b="0" i="0" u="none" strike="noStrike" dirty="0">
+                  <a:solidFill>
+                    <a:srgbClr val="000000"/>
+                  </a:solidFill>
+                  <a:effectLst/>
+                </a:endParaRPr>
+              </a:p>
+              <a:p>
+                <a:pPr algn="l"/>
+                <a:endParaRPr lang="en-GB" b="0" i="0" u="none" strike="noStrike" dirty="0">
+                  <a:solidFill>
+                    <a:srgbClr val="000000"/>
+                  </a:solidFill>
+                  <a:effectLst/>
+                </a:endParaRPr>
+              </a:p>
+              <a:p>
+                <a:endParaRPr lang="en-GB" dirty="0"/>
+              </a:p>
+            </p:txBody>
+          </p:sp>
+        </mc:Choice>
+        <mc:Fallback>
+          <p:sp>
+            <p:nvSpPr>
+              <p:cNvPr id="3" name="Content Placeholder 2">
+                <a:extLst>
+                  <a:ext uri="{FF2B5EF4-FFF2-40B4-BE49-F238E27FC236}">
+                    <a16:creationId xmlns:a16="http://schemas.microsoft.com/office/drawing/2014/main" id="{A8DBA4F3-38FD-465C-C610-C5D8CAE61904}"/>
+                  </a:ext>
+                </a:extLst>
+              </p:cNvPr>
+              <p:cNvSpPr>
+                <a:spLocks noGrp="1" noRot="1" noChangeAspect="1" noMove="1" noResize="1" noEditPoints="1" noAdjustHandles="1" noChangeArrowheads="1" noChangeShapeType="1" noTextEdit="1"/>
+              </p:cNvSpPr>
+              <p:nvPr>
+                <p:ph idx="1"/>
+              </p:nvPr>
+            </p:nvSpPr>
+            <p:spPr>
+              <a:blipFill>
+                <a:blip r:embed="rId2"/>
+                <a:stretch>
+                  <a:fillRect l="-772" t="-1223" r="-617"/>
+                </a:stretch>
+              </a:blipFill>
+            </p:spPr>
+            <p:txBody>
+              <a:bodyPr/>
+              <a:lstStyle/>
+              <a:p>
+                <a:r>
+                  <a:rPr lang="en-GB">
+                    <a:noFill/>
+                  </a:rPr>
+                  <a:t> </a:t>
+                </a:r>
+              </a:p>
+            </p:txBody>
+          </p:sp>
+        </mc:Fallback>
+      </mc:AlternateContent>
+      <p:sp>
+        <p:nvSpPr>
+          <p:cNvPr id="4" name="Slide Number Placeholder 3">
+            <a:extLst>
+              <a:ext uri="{FF2B5EF4-FFF2-40B4-BE49-F238E27FC236}">
+                <a16:creationId xmlns:a16="http://schemas.microsoft.com/office/drawing/2014/main" id="{362E2D09-34CE-72A8-6EEC-32708D58F18B}"/>
+              </a:ext>
+            </a:extLst>
+          </p:cNvPr>
+          <p:cNvSpPr>
+            <a:spLocks noGrp="1"/>
+          </p:cNvSpPr>
+          <p:nvPr>
+            <p:ph type="sldNum" sz="quarter" idx="12"/>
+          </p:nvPr>
+        </p:nvSpPr>
+        <p:spPr/>
+        <p:txBody>
+          <a:bodyPr/>
+          <a:lstStyle/>
+          <a:p>
+            <a:fld id="{44E22EE9-B8A0-0641-9265-052CFE9B95A7}" type="slidenum">
+              <a:rPr lang="en-GB" altLang="en-US" smtClean="0"/>
+              <a:pPr/>
+              <a:t>41</a:t>
+            </a:fld>
+            <a:endParaRPr lang="en-GB" altLang="en-US" dirty="0"/>
+          </a:p>
+        </p:txBody>
+      </p:sp>
+      <p:sp>
+        <p:nvSpPr>
+          <p:cNvPr id="8" name="TextBox 7">
+            <a:extLst>
+              <a:ext uri="{FF2B5EF4-FFF2-40B4-BE49-F238E27FC236}">
+                <a16:creationId xmlns:a16="http://schemas.microsoft.com/office/drawing/2014/main" id="{3EF21A26-D725-2B30-8CC9-2F0190AA72EA}"/>
+              </a:ext>
+            </a:extLst>
+          </p:cNvPr>
+          <p:cNvSpPr txBox="1"/>
+          <p:nvPr/>
+        </p:nvSpPr>
+        <p:spPr>
+          <a:xfrm>
+            <a:off x="611560" y="5344262"/>
+            <a:ext cx="7416824" cy="230832"/>
+          </a:xfrm>
+          <a:prstGeom prst="rect">
+            <a:avLst/>
+          </a:prstGeom>
+          <a:noFill/>
+        </p:spPr>
+        <p:txBody>
+          <a:bodyPr wrap="square">
+            <a:spAutoFit/>
+          </a:bodyPr>
+          <a:lstStyle/>
+          <a:p>
+            <a:r>
+              <a:rPr lang="en-GB" sz="900" dirty="0"/>
+              <a:t>Source: Goodfellow et al., deep Learning, https://</a:t>
+            </a:r>
+            <a:r>
+              <a:rPr lang="en-GB" sz="900" dirty="0" err="1"/>
+              <a:t>www.deeplearningbook.org</a:t>
+            </a:r>
+            <a:r>
+              <a:rPr lang="en-GB" sz="900" dirty="0"/>
+              <a:t>/contents/</a:t>
+            </a:r>
+            <a:r>
+              <a:rPr lang="en-GB" sz="900" dirty="0" err="1"/>
+              <a:t>optimization.html</a:t>
+            </a:r>
+            <a:endParaRPr lang="en-GB" sz="900" dirty="0"/>
+          </a:p>
+        </p:txBody>
+      </p:sp>
+    </p:spTree>
+    <p:extLst>
+      <p:ext uri="{BB962C8B-B14F-4D97-AF65-F5344CB8AC3E}">
+        <p14:creationId xmlns:p14="http://schemas.microsoft.com/office/powerpoint/2010/main" val="746398534"/>
+      </p:ext>
+    </p:extLst>
+  </p:cSld>
+  <p:clrMapOvr>
+    <a:masterClrMapping/>
+  </p:clrMapOvr>
+</p:sld>
+</file>
+
+<file path=ppt/slides/slide42.xml><?xml version="1.0" encoding="utf-8"?>
+<p:sld xmlns:a="http://schemas.openxmlformats.org/drawingml/2006/main" xmlns:r="http://schemas.openxmlformats.org/officeDocument/2006/relationships" xmlns:p="http://schemas.openxmlformats.org/presentationml/2006/main">
+  <p:cSld>
+    <p:spTree>
+      <p:nvGrpSpPr>
+        <p:cNvPr id="1" name=""/>
+        <p:cNvGrpSpPr/>
+        <p:nvPr/>
+      </p:nvGrpSpPr>
+      <p:grpSpPr>
+        <a:xfrm>
+          <a:off x="0" y="0"/>
+          <a:ext cx="0" cy="0"/>
+          <a:chOff x="0" y="0"/>
+          <a:chExt cx="0" cy="0"/>
+        </a:xfrm>
+      </p:grpSpPr>
+      <p:sp>
+        <p:nvSpPr>
+          <p:cNvPr id="2" name="Title 1">
+            <a:extLst>
+              <a:ext uri="{FF2B5EF4-FFF2-40B4-BE49-F238E27FC236}">
+                <a16:creationId xmlns:a16="http://schemas.microsoft.com/office/drawing/2014/main" id="{BC1DCA67-47C8-7FFB-3D52-D2B1BC333AB0}"/>
+              </a:ext>
+            </a:extLst>
+          </p:cNvPr>
+          <p:cNvSpPr>
+            <a:spLocks noGrp="1"/>
+          </p:cNvSpPr>
+          <p:nvPr>
+            <p:ph type="title"/>
+          </p:nvPr>
+        </p:nvSpPr>
+        <p:spPr/>
+        <p:txBody>
+          <a:bodyPr/>
+          <a:lstStyle/>
+          <a:p>
+            <a:r>
+              <a:rPr lang="en-GB" dirty="0"/>
+              <a:t>SGD</a:t>
+            </a:r>
+          </a:p>
+        </p:txBody>
+      </p:sp>
+      <p:sp>
+        <p:nvSpPr>
+          <p:cNvPr id="4" name="Slide Number Placeholder 3">
+            <a:extLst>
+              <a:ext uri="{FF2B5EF4-FFF2-40B4-BE49-F238E27FC236}">
+                <a16:creationId xmlns:a16="http://schemas.microsoft.com/office/drawing/2014/main" id="{CBE784DF-0D4C-4D2B-D531-1D7BA9A597C6}"/>
+              </a:ext>
+            </a:extLst>
+          </p:cNvPr>
+          <p:cNvSpPr>
+            <a:spLocks noGrp="1"/>
+          </p:cNvSpPr>
+          <p:nvPr>
+            <p:ph type="sldNum" sz="quarter" idx="12"/>
+          </p:nvPr>
+        </p:nvSpPr>
+        <p:spPr/>
+        <p:txBody>
+          <a:bodyPr/>
+          <a:lstStyle/>
+          <a:p>
+            <a:fld id="{44E22EE9-B8A0-0641-9265-052CFE9B95A7}" type="slidenum">
+              <a:rPr lang="en-GB" altLang="en-US" smtClean="0"/>
+              <a:pPr/>
+              <a:t>42</a:t>
+            </a:fld>
+            <a:endParaRPr lang="en-GB" altLang="en-US" dirty="0"/>
+          </a:p>
+        </p:txBody>
+      </p:sp>
+      <p:pic>
+        <p:nvPicPr>
+          <p:cNvPr id="6" name="Picture 5" descr="Text&#10;&#10;Description automatically generated">
+            <a:extLst>
+              <a:ext uri="{FF2B5EF4-FFF2-40B4-BE49-F238E27FC236}">
+                <a16:creationId xmlns:a16="http://schemas.microsoft.com/office/drawing/2014/main" id="{E0F9E4B8-5089-8AA0-EC82-ACA6EE215E03}"/>
+              </a:ext>
+            </a:extLst>
+          </p:cNvPr>
+          <p:cNvPicPr>
+            <a:picLocks noChangeAspect="1"/>
+          </p:cNvPicPr>
+          <p:nvPr/>
+        </p:nvPicPr>
+        <p:blipFill>
+          <a:blip r:embed="rId2">
+            <a:extLst>
+              <a:ext uri="{28A0092B-C50C-407E-A947-70E740481C1C}">
+                <a14:useLocalDpi xmlns:a14="http://schemas.microsoft.com/office/drawing/2010/main" val="0"/>
+              </a:ext>
+            </a:extLst>
+          </a:blip>
+          <a:stretch>
+            <a:fillRect/>
+          </a:stretch>
+        </p:blipFill>
+        <p:spPr>
+          <a:xfrm>
+            <a:off x="827584" y="934099"/>
+            <a:ext cx="7772400" cy="3255871"/>
+          </a:xfrm>
+          <a:prstGeom prst="rect">
+            <a:avLst/>
+          </a:prstGeom>
+        </p:spPr>
+      </p:pic>
+      <p:sp>
+        <p:nvSpPr>
+          <p:cNvPr id="7" name="TextBox 6">
+            <a:extLst>
+              <a:ext uri="{FF2B5EF4-FFF2-40B4-BE49-F238E27FC236}">
+                <a16:creationId xmlns:a16="http://schemas.microsoft.com/office/drawing/2014/main" id="{4B9B2A7A-2EA2-3976-51F9-757502D868B3}"/>
+              </a:ext>
+            </a:extLst>
+          </p:cNvPr>
+          <p:cNvSpPr txBox="1"/>
+          <p:nvPr/>
+        </p:nvSpPr>
+        <p:spPr>
+          <a:xfrm>
+            <a:off x="611560" y="5344262"/>
+            <a:ext cx="7416824" cy="230832"/>
+          </a:xfrm>
+          <a:prstGeom prst="rect">
+            <a:avLst/>
+          </a:prstGeom>
+          <a:noFill/>
+        </p:spPr>
+        <p:txBody>
+          <a:bodyPr wrap="square">
+            <a:spAutoFit/>
+          </a:bodyPr>
+          <a:lstStyle/>
+          <a:p>
+            <a:r>
+              <a:rPr lang="en-GB" sz="900" dirty="0"/>
+              <a:t>Source: Goodfellow et al., deep Learning, https://</a:t>
+            </a:r>
+            <a:r>
+              <a:rPr lang="en-GB" sz="900" dirty="0" err="1"/>
+              <a:t>www.deeplearningbook.org</a:t>
+            </a:r>
+            <a:r>
+              <a:rPr lang="en-GB" sz="900" dirty="0"/>
+              <a:t>/contents/</a:t>
+            </a:r>
+            <a:r>
+              <a:rPr lang="en-GB" sz="900" dirty="0" err="1"/>
+              <a:t>optimization.html</a:t>
+            </a:r>
+            <a:endParaRPr lang="en-GB" sz="900" dirty="0"/>
+          </a:p>
+        </p:txBody>
+      </p:sp>
+    </p:spTree>
+    <p:extLst>
+      <p:ext uri="{BB962C8B-B14F-4D97-AF65-F5344CB8AC3E}">
+        <p14:creationId xmlns:p14="http://schemas.microsoft.com/office/powerpoint/2010/main" val="371550535"/>
+      </p:ext>
+    </p:extLst>
+  </p:cSld>
+  <p:clrMapOvr>
+    <a:masterClrMapping/>
+  </p:clrMapOvr>
+</p:sld>
+</file>
+
+<file path=ppt/slides/slide43.xml><?xml version="1.0" encoding="utf-8"?>
+<p:sld xmlns:a="http://schemas.openxmlformats.org/drawingml/2006/main" xmlns:r="http://schemas.openxmlformats.org/officeDocument/2006/relationships" xmlns:p="http://schemas.openxmlformats.org/presentationml/2006/main">
+  <p:cSld>
+    <p:spTree>
+      <p:nvGrpSpPr>
+        <p:cNvPr id="1" name=""/>
+        <p:cNvGrpSpPr/>
+        <p:nvPr/>
+      </p:nvGrpSpPr>
+      <p:grpSpPr>
+        <a:xfrm>
+          <a:off x="0" y="0"/>
+          <a:ext cx="0" cy="0"/>
+          <a:chOff x="0" y="0"/>
+          <a:chExt cx="0" cy="0"/>
+        </a:xfrm>
+      </p:grpSpPr>
+      <p:sp>
+        <p:nvSpPr>
+          <p:cNvPr id="2" name="Title 1">
+            <a:extLst>
+              <a:ext uri="{FF2B5EF4-FFF2-40B4-BE49-F238E27FC236}">
+                <a16:creationId xmlns:a16="http://schemas.microsoft.com/office/drawing/2014/main" id="{CCB069E6-C546-6F2A-B812-9629E40D1779}"/>
+              </a:ext>
+            </a:extLst>
+          </p:cNvPr>
+          <p:cNvSpPr>
+            <a:spLocks noGrp="1"/>
+          </p:cNvSpPr>
+          <p:nvPr>
+            <p:ph type="title"/>
+          </p:nvPr>
+        </p:nvSpPr>
+        <p:spPr/>
+        <p:txBody>
+          <a:bodyPr/>
+          <a:lstStyle/>
+          <a:p>
+            <a:r>
+              <a:rPr lang="en-GB" dirty="0"/>
+              <a:t>SGD with momentum</a:t>
+            </a:r>
+          </a:p>
+        </p:txBody>
+      </p:sp>
+      <p:sp>
+        <p:nvSpPr>
+          <p:cNvPr id="3" name="Slide Number Placeholder 2">
+            <a:extLst>
+              <a:ext uri="{FF2B5EF4-FFF2-40B4-BE49-F238E27FC236}">
+                <a16:creationId xmlns:a16="http://schemas.microsoft.com/office/drawing/2014/main" id="{F65A7361-E5E7-6D30-E8CF-6B450BFF0EFB}"/>
+              </a:ext>
+            </a:extLst>
+          </p:cNvPr>
+          <p:cNvSpPr>
+            <a:spLocks noGrp="1"/>
+          </p:cNvSpPr>
+          <p:nvPr>
+            <p:ph type="sldNum" sz="quarter" idx="12"/>
+          </p:nvPr>
+        </p:nvSpPr>
+        <p:spPr/>
+        <p:txBody>
+          <a:bodyPr/>
+          <a:lstStyle/>
+          <a:p>
+            <a:fld id="{BB98F552-A29D-2D4E-8192-F20670493719}" type="slidenum">
+              <a:rPr lang="en-GB" altLang="en-US" smtClean="0"/>
+              <a:pPr/>
+              <a:t>43</a:t>
+            </a:fld>
+            <a:endParaRPr lang="en-GB" altLang="en-US" dirty="0"/>
+          </a:p>
+        </p:txBody>
+      </p:sp>
+      <p:pic>
+        <p:nvPicPr>
+          <p:cNvPr id="5" name="Picture 4" descr="Text&#10;&#10;Description automatically generated">
+            <a:extLst>
+              <a:ext uri="{FF2B5EF4-FFF2-40B4-BE49-F238E27FC236}">
+                <a16:creationId xmlns:a16="http://schemas.microsoft.com/office/drawing/2014/main" id="{C23EE55B-82DB-08B4-A506-448547B4D1E4}"/>
+              </a:ext>
+            </a:extLst>
+          </p:cNvPr>
+          <p:cNvPicPr>
+            <a:picLocks noChangeAspect="1"/>
+          </p:cNvPicPr>
+          <p:nvPr/>
+        </p:nvPicPr>
+        <p:blipFill>
+          <a:blip r:embed="rId2">
+            <a:extLst>
+              <a:ext uri="{28A0092B-C50C-407E-A947-70E740481C1C}">
+                <a14:useLocalDpi xmlns:a14="http://schemas.microsoft.com/office/drawing/2010/main" val="0"/>
+              </a:ext>
+            </a:extLst>
+          </a:blip>
+          <a:stretch>
+            <a:fillRect/>
+          </a:stretch>
+        </p:blipFill>
+        <p:spPr>
+          <a:xfrm>
+            <a:off x="755576" y="1129308"/>
+            <a:ext cx="7772400" cy="3060905"/>
+          </a:xfrm>
+          <a:prstGeom prst="rect">
+            <a:avLst/>
+          </a:prstGeom>
+        </p:spPr>
+      </p:pic>
+      <p:sp>
+        <p:nvSpPr>
+          <p:cNvPr id="6" name="TextBox 5">
+            <a:extLst>
+              <a:ext uri="{FF2B5EF4-FFF2-40B4-BE49-F238E27FC236}">
+                <a16:creationId xmlns:a16="http://schemas.microsoft.com/office/drawing/2014/main" id="{B6BD8A50-ADD0-A833-E957-7F4F9DA9CD45}"/>
+              </a:ext>
+            </a:extLst>
+          </p:cNvPr>
+          <p:cNvSpPr txBox="1"/>
+          <p:nvPr/>
+        </p:nvSpPr>
+        <p:spPr>
+          <a:xfrm>
+            <a:off x="611560" y="5344262"/>
+            <a:ext cx="7416824" cy="230832"/>
+          </a:xfrm>
+          <a:prstGeom prst="rect">
+            <a:avLst/>
+          </a:prstGeom>
+          <a:noFill/>
+        </p:spPr>
+        <p:txBody>
+          <a:bodyPr wrap="square">
+            <a:spAutoFit/>
+          </a:bodyPr>
+          <a:lstStyle/>
+          <a:p>
+            <a:r>
+              <a:rPr lang="en-GB" sz="900" dirty="0"/>
+              <a:t>Source: Goodfellow et al., deep Learning, https://</a:t>
+            </a:r>
+            <a:r>
+              <a:rPr lang="en-GB" sz="900" dirty="0" err="1"/>
+              <a:t>www.deeplearningbook.org</a:t>
+            </a:r>
+            <a:r>
+              <a:rPr lang="en-GB" sz="900" dirty="0"/>
+              <a:t>/contents/</a:t>
+            </a:r>
+            <a:r>
+              <a:rPr lang="en-GB" sz="900" dirty="0" err="1"/>
+              <a:t>optimization.html</a:t>
+            </a:r>
+            <a:endParaRPr lang="en-GB" sz="900" dirty="0"/>
+          </a:p>
+        </p:txBody>
+      </p:sp>
+    </p:spTree>
+    <p:extLst>
+      <p:ext uri="{BB962C8B-B14F-4D97-AF65-F5344CB8AC3E}">
+        <p14:creationId xmlns:p14="http://schemas.microsoft.com/office/powerpoint/2010/main" val="1779096654"/>
+      </p:ext>
+    </p:extLst>
+  </p:cSld>
+  <p:clrMapOvr>
+    <a:masterClrMapping/>
+  </p:clrMapOvr>
+</p:sld>
+</file>
+
+<file path=ppt/slides/slide44.xml><?xml version="1.0" encoding="utf-8"?>
+<p:sld xmlns:a="http://schemas.openxmlformats.org/drawingml/2006/main" xmlns:r="http://schemas.openxmlformats.org/officeDocument/2006/relationships" xmlns:p="http://schemas.openxmlformats.org/presentationml/2006/main">
+  <p:cSld>
+    <p:spTree>
+      <p:nvGrpSpPr>
+        <p:cNvPr id="1" name=""/>
+        <p:cNvGrpSpPr/>
+        <p:nvPr/>
+      </p:nvGrpSpPr>
+      <p:grpSpPr>
+        <a:xfrm>
+          <a:off x="0" y="0"/>
+          <a:ext cx="0" cy="0"/>
+          <a:chOff x="0" y="0"/>
+          <a:chExt cx="0" cy="0"/>
+        </a:xfrm>
+      </p:grpSpPr>
+      <p:sp>
+        <p:nvSpPr>
+          <p:cNvPr id="2" name="Title 1">
+            <a:extLst>
+              <a:ext uri="{FF2B5EF4-FFF2-40B4-BE49-F238E27FC236}">
+                <a16:creationId xmlns:a16="http://schemas.microsoft.com/office/drawing/2014/main" id="{C50D50FC-0361-B5A3-B6E0-7324DEDBC879}"/>
+              </a:ext>
+            </a:extLst>
+          </p:cNvPr>
+          <p:cNvSpPr>
+            <a:spLocks noGrp="1"/>
+          </p:cNvSpPr>
+          <p:nvPr>
+            <p:ph type="title"/>
+          </p:nvPr>
+        </p:nvSpPr>
+        <p:spPr/>
+        <p:txBody>
+          <a:bodyPr/>
+          <a:lstStyle/>
+          <a:p>
+            <a:r>
+              <a:rPr lang="en-GB" dirty="0"/>
+              <a:t>Momentum*</a:t>
+            </a:r>
+          </a:p>
+        </p:txBody>
+      </p:sp>
+      <mc:AlternateContent xmlns:mc="http://schemas.openxmlformats.org/markup-compatibility/2006">
+        <mc:Choice xmlns:a14="http://schemas.microsoft.com/office/drawing/2010/main" Requires="a14">
           <p:sp>
             <p:nvSpPr>
               <p:cNvPr id="3" name="Content Placeholder 2">
@@ -24156,7 +24823,7 @@
                         <a:latin typeface="Cambria Math" panose="02040503050406030204" pitchFamily="18" charset="0"/>
                         <a:ea typeface="Cambria Math" panose="02040503050406030204" pitchFamily="18" charset="0"/>
                       </a:rPr>
-                      <m:t>𝛽</m:t>
+                      <m:t>𝛼</m:t>
                     </m:r>
                     <m:r>
                       <a:rPr lang="en-GB" b="0" i="1" smtClean="0">
@@ -24181,7 +24848,7 @@
             </p:txBody>
           </p:sp>
         </mc:Choice>
-        <mc:Fallback xmlns="">
+        <mc:Fallback>
           <p:sp>
             <p:nvSpPr>
               <p:cNvPr id="3" name="Content Placeholder 2">
@@ -24245,693 +24912,150 @@
             <a:fld id="{44E22EE9-B8A0-0641-9265-052CFE9B95A7}" type="slidenum">
               <a:rPr lang="en-GB" altLang="en-US" smtClean="0"/>
               <a:pPr/>
-              <a:t>41</a:t>
+              <a:t>44</a:t>
             </a:fld>
             <a:endParaRPr lang="en-GB" altLang="en-US" dirty="0"/>
           </a:p>
         </p:txBody>
       </p:sp>
+      <p:pic>
+        <p:nvPicPr>
+          <p:cNvPr id="7" name="Picture 6" descr="Diagram, engineering drawing&#10;&#10;Description automatically generated">
+            <a:extLst>
+              <a:ext uri="{FF2B5EF4-FFF2-40B4-BE49-F238E27FC236}">
+                <a16:creationId xmlns:a16="http://schemas.microsoft.com/office/drawing/2014/main" id="{9286CA93-600A-5C7C-2386-C265C79E4CC2}"/>
+              </a:ext>
+            </a:extLst>
+          </p:cNvPr>
+          <p:cNvPicPr>
+            <a:picLocks noChangeAspect="1"/>
+          </p:cNvPicPr>
+          <p:nvPr/>
+        </p:nvPicPr>
+        <p:blipFill>
+          <a:blip r:embed="rId3">
+            <a:extLst>
+              <a:ext uri="{28A0092B-C50C-407E-A947-70E740481C1C}">
+                <a14:useLocalDpi xmlns:a14="http://schemas.microsoft.com/office/drawing/2010/main" val="0"/>
+              </a:ext>
+            </a:extLst>
+          </a:blip>
+          <a:stretch>
+            <a:fillRect/>
+          </a:stretch>
+        </p:blipFill>
+        <p:spPr>
+          <a:xfrm>
+            <a:off x="5040572" y="2738197"/>
+            <a:ext cx="2781300" cy="2519736"/>
+          </a:xfrm>
+          <a:prstGeom prst="rect">
+            <a:avLst/>
+          </a:prstGeom>
+        </p:spPr>
+      </p:pic>
+      <mc:AlternateContent xmlns:mc="http://schemas.openxmlformats.org/markup-compatibility/2006">
+        <mc:Choice xmlns:a14="http://schemas.microsoft.com/office/drawing/2010/main" Requires="a14">
+          <p:sp>
+            <p:nvSpPr>
+              <p:cNvPr id="8" name="TextBox 7">
+                <a:extLst>
+                  <a:ext uri="{FF2B5EF4-FFF2-40B4-BE49-F238E27FC236}">
+                    <a16:creationId xmlns:a16="http://schemas.microsoft.com/office/drawing/2014/main" id="{D6C2B548-2A77-BC6D-D7C7-1BEBCC049A6E}"/>
+                  </a:ext>
+                </a:extLst>
+              </p:cNvPr>
+              <p:cNvSpPr txBox="1"/>
+              <p:nvPr/>
+            </p:nvSpPr>
+            <p:spPr>
+              <a:xfrm>
+                <a:off x="804670" y="3361556"/>
+                <a:ext cx="3888432" cy="369332"/>
+              </a:xfrm>
+              <a:prstGeom prst="rect">
+                <a:avLst/>
+              </a:prstGeom>
+              <a:noFill/>
+            </p:spPr>
+            <p:txBody>
+              <a:bodyPr wrap="square" rtlCol="0">
+                <a:spAutoFit/>
+              </a:bodyPr>
+              <a:lstStyle/>
+              <a:p>
+                <a:r>
+                  <a:rPr lang="en-GB" dirty="0"/>
+                  <a:t>An example  with a non-zero </a:t>
+                </a:r>
+                <a14:m>
+                  <m:oMath xmlns:m="http://schemas.openxmlformats.org/officeDocument/2006/math">
+                    <m:r>
+                      <m:rPr>
+                        <m:sty m:val="p"/>
+                      </m:rPr>
+                      <a:rPr lang="el-GR" i="1" smtClean="0">
+                        <a:latin typeface="Cambria Math" panose="02040503050406030204" pitchFamily="18" charset="0"/>
+                        <a:ea typeface="Cambria Math" panose="02040503050406030204" pitchFamily="18" charset="0"/>
+                      </a:rPr>
+                      <m:t>α</m:t>
+                    </m:r>
+                  </m:oMath>
+                </a14:m>
+                <a:endParaRPr lang="en-GB" dirty="0"/>
+              </a:p>
+            </p:txBody>
+          </p:sp>
+        </mc:Choice>
+        <mc:Fallback>
+          <p:sp>
+            <p:nvSpPr>
+              <p:cNvPr id="8" name="TextBox 7">
+                <a:extLst>
+                  <a:ext uri="{FF2B5EF4-FFF2-40B4-BE49-F238E27FC236}">
+                    <a16:creationId xmlns:a16="http://schemas.microsoft.com/office/drawing/2014/main" id="{D6C2B548-2A77-BC6D-D7C7-1BEBCC049A6E}"/>
+                  </a:ext>
+                </a:extLst>
+              </p:cNvPr>
+              <p:cNvSpPr txBox="1">
+                <a:spLocks noRot="1" noChangeAspect="1" noMove="1" noResize="1" noEditPoints="1" noAdjustHandles="1" noChangeArrowheads="1" noChangeShapeType="1" noTextEdit="1"/>
+              </p:cNvSpPr>
+              <p:nvPr/>
+            </p:nvSpPr>
+            <p:spPr>
+              <a:xfrm>
+                <a:off x="804670" y="3361556"/>
+                <a:ext cx="3888432" cy="369332"/>
+              </a:xfrm>
+              <a:prstGeom prst="rect">
+                <a:avLst/>
+              </a:prstGeom>
+              <a:blipFill>
+                <a:blip r:embed="rId4"/>
+                <a:stretch>
+                  <a:fillRect l="-1303" t="-6667" b="-26667"/>
+                </a:stretch>
+              </a:blipFill>
+            </p:spPr>
+            <p:txBody>
+              <a:bodyPr/>
+              <a:lstStyle/>
+              <a:p>
+                <a:r>
+                  <a:rPr lang="en-GB">
+                    <a:noFill/>
+                  </a:rPr>
+                  <a:t> </a:t>
+                </a:r>
+              </a:p>
+            </p:txBody>
+          </p:sp>
+        </mc:Fallback>
+      </mc:AlternateContent>
     </p:spTree>
     <p:extLst>
       <p:ext uri="{BB962C8B-B14F-4D97-AF65-F5344CB8AC3E}">
         <p14:creationId xmlns:p14="http://schemas.microsoft.com/office/powerpoint/2010/main" val="3805659930"/>
-      </p:ext>
-    </p:extLst>
-  </p:cSld>
-  <p:clrMapOvr>
-    <a:masterClrMapping/>
-  </p:clrMapOvr>
-</p:sld>
-</file>
-
-<file path=ppt/slides/slide42.xml><?xml version="1.0" encoding="utf-8"?>
-<p:sld xmlns:a="http://schemas.openxmlformats.org/drawingml/2006/main" xmlns:r="http://schemas.openxmlformats.org/officeDocument/2006/relationships" xmlns:p="http://schemas.openxmlformats.org/presentationml/2006/main">
-  <p:cSld>
-    <p:spTree>
-      <p:nvGrpSpPr>
-        <p:cNvPr id="1" name=""/>
-        <p:cNvGrpSpPr/>
-        <p:nvPr/>
-      </p:nvGrpSpPr>
-      <p:grpSpPr>
-        <a:xfrm>
-          <a:off x="0" y="0"/>
-          <a:ext cx="0" cy="0"/>
-          <a:chOff x="0" y="0"/>
-          <a:chExt cx="0" cy="0"/>
-        </a:xfrm>
-      </p:grpSpPr>
-      <p:sp>
-        <p:nvSpPr>
-          <p:cNvPr id="2" name="Title 1">
-            <a:extLst>
-              <a:ext uri="{FF2B5EF4-FFF2-40B4-BE49-F238E27FC236}">
-                <a16:creationId xmlns:a16="http://schemas.microsoft.com/office/drawing/2014/main" id="{9BFA913B-648D-61AD-5F36-05D0708482A4}"/>
-              </a:ext>
-            </a:extLst>
-          </p:cNvPr>
-          <p:cNvSpPr>
-            <a:spLocks noGrp="1"/>
-          </p:cNvSpPr>
-          <p:nvPr>
-            <p:ph type="title"/>
-          </p:nvPr>
-        </p:nvSpPr>
-        <p:spPr/>
-        <p:txBody>
-          <a:bodyPr/>
-          <a:lstStyle/>
-          <a:p>
-            <a:r>
-              <a:rPr lang="en-GB" dirty="0"/>
-              <a:t>Algorithms with adaptive learning rate</a:t>
-            </a:r>
-          </a:p>
-        </p:txBody>
-      </p:sp>
-      <p:sp>
-        <p:nvSpPr>
-          <p:cNvPr id="3" name="Content Placeholder 2">
-            <a:extLst>
-              <a:ext uri="{FF2B5EF4-FFF2-40B4-BE49-F238E27FC236}">
-                <a16:creationId xmlns:a16="http://schemas.microsoft.com/office/drawing/2014/main" id="{2F34B843-7332-E984-074C-1808F9FAE8E6}"/>
-              </a:ext>
-            </a:extLst>
-          </p:cNvPr>
-          <p:cNvSpPr>
-            <a:spLocks noGrp="1"/>
-          </p:cNvSpPr>
-          <p:nvPr>
-            <p:ph idx="1"/>
-          </p:nvPr>
-        </p:nvSpPr>
-        <p:spPr/>
-        <p:txBody>
-          <a:bodyPr/>
-          <a:lstStyle/>
-          <a:p>
-            <a:pPr algn="l"/>
-            <a:r>
-              <a:rPr lang="en-GB" b="0" i="0" u="none" strike="noStrike" dirty="0">
-                <a:effectLst/>
-              </a:rPr>
-              <a:t>The </a:t>
-            </a:r>
-            <a:r>
-              <a:rPr lang="en-GB" u="none" strike="noStrike" dirty="0" err="1">
-                <a:solidFill>
-                  <a:srgbClr val="C00000"/>
-                </a:solidFill>
-                <a:effectLst/>
-              </a:rPr>
-              <a:t>AdaGrad</a:t>
-            </a:r>
-            <a:r>
-              <a:rPr lang="en-GB" dirty="0"/>
-              <a:t> </a:t>
-            </a:r>
-            <a:r>
-              <a:rPr lang="en-GB" b="0" i="0" u="none" strike="noStrike" dirty="0">
-                <a:effectLst/>
-              </a:rPr>
-              <a:t>algorithm adapts the learning rates of all model parameters by scaling them inversely proportional to the square root of the sum of all the historical squared values of the gradient (</a:t>
-            </a:r>
-            <a:r>
-              <a:rPr lang="en-GB" b="0" i="0" u="none" strike="noStrike" dirty="0" err="1">
-                <a:effectLst/>
-              </a:rPr>
-              <a:t>Duchi</a:t>
-            </a:r>
-            <a:r>
-              <a:rPr lang="en-GB" b="0" i="0" u="none" strike="noStrike" dirty="0">
-                <a:effectLst/>
-              </a:rPr>
-              <a:t> et al.,2011).</a:t>
-            </a:r>
-          </a:p>
-          <a:p>
-            <a:endParaRPr lang="en-GB" dirty="0"/>
-          </a:p>
-        </p:txBody>
-      </p:sp>
-      <p:sp>
-        <p:nvSpPr>
-          <p:cNvPr id="4" name="Slide Number Placeholder 3">
-            <a:extLst>
-              <a:ext uri="{FF2B5EF4-FFF2-40B4-BE49-F238E27FC236}">
-                <a16:creationId xmlns:a16="http://schemas.microsoft.com/office/drawing/2014/main" id="{66549B2B-9FB5-BDC5-3EB1-6EFC0D35EF4A}"/>
-              </a:ext>
-            </a:extLst>
-          </p:cNvPr>
-          <p:cNvSpPr>
-            <a:spLocks noGrp="1"/>
-          </p:cNvSpPr>
-          <p:nvPr>
-            <p:ph type="sldNum" sz="quarter" idx="12"/>
-          </p:nvPr>
-        </p:nvSpPr>
-        <p:spPr/>
-        <p:txBody>
-          <a:bodyPr/>
-          <a:lstStyle/>
-          <a:p>
-            <a:fld id="{44E22EE9-B8A0-0641-9265-052CFE9B95A7}" type="slidenum">
-              <a:rPr lang="en-GB" altLang="en-US" smtClean="0"/>
-              <a:pPr/>
-              <a:t>42</a:t>
-            </a:fld>
-            <a:endParaRPr lang="en-GB" altLang="en-US" dirty="0"/>
-          </a:p>
-        </p:txBody>
-      </p:sp>
-      <p:sp>
-        <p:nvSpPr>
-          <p:cNvPr id="5" name="TextBox 4">
-            <a:extLst>
-              <a:ext uri="{FF2B5EF4-FFF2-40B4-BE49-F238E27FC236}">
-                <a16:creationId xmlns:a16="http://schemas.microsoft.com/office/drawing/2014/main" id="{64DEE007-41D1-E7AD-C57A-6BB307250326}"/>
-              </a:ext>
-            </a:extLst>
-          </p:cNvPr>
-          <p:cNvSpPr txBox="1"/>
-          <p:nvPr/>
-        </p:nvSpPr>
-        <p:spPr>
-          <a:xfrm>
-            <a:off x="611560" y="5344262"/>
-            <a:ext cx="7416824" cy="230832"/>
-          </a:xfrm>
-          <a:prstGeom prst="rect">
-            <a:avLst/>
-          </a:prstGeom>
-          <a:noFill/>
-        </p:spPr>
-        <p:txBody>
-          <a:bodyPr wrap="square">
-            <a:spAutoFit/>
-          </a:bodyPr>
-          <a:lstStyle/>
-          <a:p>
-            <a:r>
-              <a:rPr lang="en-GB" sz="900" dirty="0"/>
-              <a:t>Source: Adapted from Goodfellow et al., deep Learning, https://</a:t>
-            </a:r>
-            <a:r>
-              <a:rPr lang="en-GB" sz="900" dirty="0" err="1"/>
-              <a:t>www.deeplearningbook.org</a:t>
-            </a:r>
-            <a:r>
-              <a:rPr lang="en-GB" sz="900" dirty="0"/>
-              <a:t>/contents/</a:t>
-            </a:r>
-            <a:r>
-              <a:rPr lang="en-GB" sz="900" dirty="0" err="1"/>
-              <a:t>optimization.html</a:t>
-            </a:r>
-            <a:endParaRPr lang="en-GB" sz="900" dirty="0"/>
-          </a:p>
-        </p:txBody>
-      </p:sp>
-    </p:spTree>
-    <p:extLst>
-      <p:ext uri="{BB962C8B-B14F-4D97-AF65-F5344CB8AC3E}">
-        <p14:creationId xmlns:p14="http://schemas.microsoft.com/office/powerpoint/2010/main" val="2885043422"/>
-      </p:ext>
-    </p:extLst>
-  </p:cSld>
-  <p:clrMapOvr>
-    <a:masterClrMapping/>
-  </p:clrMapOvr>
-</p:sld>
-</file>
-
-<file path=ppt/slides/slide43.xml><?xml version="1.0" encoding="utf-8"?>
-<p:sld xmlns:a="http://schemas.openxmlformats.org/drawingml/2006/main" xmlns:r="http://schemas.openxmlformats.org/officeDocument/2006/relationships" xmlns:p="http://schemas.openxmlformats.org/presentationml/2006/main">
-  <p:cSld>
-    <p:spTree>
-      <p:nvGrpSpPr>
-        <p:cNvPr id="1" name=""/>
-        <p:cNvGrpSpPr/>
-        <p:nvPr/>
-      </p:nvGrpSpPr>
-      <p:grpSpPr>
-        <a:xfrm>
-          <a:off x="0" y="0"/>
-          <a:ext cx="0" cy="0"/>
-          <a:chOff x="0" y="0"/>
-          <a:chExt cx="0" cy="0"/>
-        </a:xfrm>
-      </p:grpSpPr>
-      <p:sp>
-        <p:nvSpPr>
-          <p:cNvPr id="2" name="Title 1">
-            <a:extLst>
-              <a:ext uri="{FF2B5EF4-FFF2-40B4-BE49-F238E27FC236}">
-                <a16:creationId xmlns:a16="http://schemas.microsoft.com/office/drawing/2014/main" id="{E952260E-BB58-D5CA-BFE8-857364A9BB81}"/>
-              </a:ext>
-            </a:extLst>
-          </p:cNvPr>
-          <p:cNvSpPr>
-            <a:spLocks noGrp="1"/>
-          </p:cNvSpPr>
-          <p:nvPr>
-            <p:ph type="title"/>
-          </p:nvPr>
-        </p:nvSpPr>
-        <p:spPr/>
-        <p:txBody>
-          <a:bodyPr/>
-          <a:lstStyle/>
-          <a:p>
-            <a:r>
-              <a:rPr lang="en-GB" dirty="0" err="1"/>
-              <a:t>RMSProp</a:t>
-            </a:r>
-            <a:endParaRPr lang="en-GB" dirty="0"/>
-          </a:p>
-        </p:txBody>
-      </p:sp>
-      <p:sp>
-        <p:nvSpPr>
-          <p:cNvPr id="3" name="Content Placeholder 2">
-            <a:extLst>
-              <a:ext uri="{FF2B5EF4-FFF2-40B4-BE49-F238E27FC236}">
-                <a16:creationId xmlns:a16="http://schemas.microsoft.com/office/drawing/2014/main" id="{BE93631B-D2CC-3C2C-F96E-83387A31BB81}"/>
-              </a:ext>
-            </a:extLst>
-          </p:cNvPr>
-          <p:cNvSpPr>
-            <a:spLocks noGrp="1"/>
-          </p:cNvSpPr>
-          <p:nvPr>
-            <p:ph idx="1"/>
-          </p:nvPr>
-        </p:nvSpPr>
-        <p:spPr/>
-        <p:txBody>
-          <a:bodyPr/>
-          <a:lstStyle/>
-          <a:p>
-            <a:pPr algn="l"/>
-            <a:r>
-              <a:rPr lang="en-GB" b="0" i="0" u="none" strike="noStrike" dirty="0">
-                <a:effectLst/>
-              </a:rPr>
-              <a:t>The </a:t>
-            </a:r>
-            <a:r>
-              <a:rPr lang="en-GB" b="0" i="0" u="none" strike="noStrike" dirty="0" err="1">
-                <a:solidFill>
-                  <a:srgbClr val="C00000"/>
-                </a:solidFill>
-                <a:effectLst/>
-              </a:rPr>
-              <a:t>RMSProp</a:t>
-            </a:r>
-            <a:r>
-              <a:rPr lang="en-GB" dirty="0"/>
-              <a:t> </a:t>
-            </a:r>
-            <a:r>
-              <a:rPr lang="en-GB" b="0" i="0" u="none" strike="noStrike" dirty="0">
-                <a:effectLst/>
-              </a:rPr>
-              <a:t>algorithm (Hinton, 2012) modiﬁes </a:t>
-            </a:r>
-            <a:r>
-              <a:rPr lang="en-GB" b="0" i="0" u="none" strike="noStrike" dirty="0" err="1">
-                <a:effectLst/>
-              </a:rPr>
-              <a:t>AdaGrad</a:t>
-            </a:r>
-            <a:r>
-              <a:rPr lang="en-GB" b="0" i="0" u="none" strike="noStrike" dirty="0">
-                <a:effectLst/>
-              </a:rPr>
-              <a:t> to perform better in the nonconvex setting by changing the gradient accumulation into an exponentially weighted moving average.</a:t>
-            </a:r>
-          </a:p>
-          <a:p>
-            <a:pPr algn="l"/>
-            <a:r>
-              <a:rPr lang="en-GB" b="0" i="0" u="none" strike="noStrike" dirty="0" err="1">
-                <a:effectLst/>
-              </a:rPr>
-              <a:t>AdaGrad</a:t>
-            </a:r>
-            <a:r>
-              <a:rPr lang="en-GB" b="0" i="0" u="none" strike="noStrike" dirty="0">
-                <a:effectLst/>
-              </a:rPr>
-              <a:t> shrinks the learning rate according to the entire history of the squared gradient and may have made the learning rate too small before arriving at such a convex structure. </a:t>
-            </a:r>
-          </a:p>
-          <a:p>
-            <a:pPr algn="l"/>
-            <a:r>
-              <a:rPr lang="en-GB" b="0" i="0" u="none" strike="noStrike" dirty="0" err="1">
-                <a:effectLst/>
-              </a:rPr>
-              <a:t>RMSProp</a:t>
-            </a:r>
-            <a:r>
-              <a:rPr lang="en-GB" b="0" i="0" u="none" strike="noStrike" dirty="0">
-                <a:effectLst/>
-              </a:rPr>
-              <a:t> uses an exponentially decaying average to discard history from the extreme past so that it can converge rapidly.</a:t>
-            </a:r>
-          </a:p>
-          <a:p>
-            <a:pPr algn="l"/>
-            <a:r>
-              <a:rPr lang="en-GB" dirty="0"/>
-              <a:t>It has a decay rate parameter. </a:t>
-            </a:r>
-            <a:endParaRPr lang="en-GB" b="0" i="0" u="none" strike="noStrike" dirty="0">
-              <a:effectLst/>
-            </a:endParaRPr>
-          </a:p>
-          <a:p>
-            <a:pPr algn="l"/>
-            <a:endParaRPr lang="en-GB" b="0" i="0" u="none" strike="noStrike" dirty="0">
-              <a:effectLst/>
-            </a:endParaRPr>
-          </a:p>
-          <a:p>
-            <a:endParaRPr lang="en-GB" dirty="0"/>
-          </a:p>
-        </p:txBody>
-      </p:sp>
-      <p:sp>
-        <p:nvSpPr>
-          <p:cNvPr id="4" name="Slide Number Placeholder 3">
-            <a:extLst>
-              <a:ext uri="{FF2B5EF4-FFF2-40B4-BE49-F238E27FC236}">
-                <a16:creationId xmlns:a16="http://schemas.microsoft.com/office/drawing/2014/main" id="{09B09B26-6B81-DA97-0C9B-618D829D88AC}"/>
-              </a:ext>
-            </a:extLst>
-          </p:cNvPr>
-          <p:cNvSpPr>
-            <a:spLocks noGrp="1"/>
-          </p:cNvSpPr>
-          <p:nvPr>
-            <p:ph type="sldNum" sz="quarter" idx="12"/>
-          </p:nvPr>
-        </p:nvSpPr>
-        <p:spPr/>
-        <p:txBody>
-          <a:bodyPr/>
-          <a:lstStyle/>
-          <a:p>
-            <a:fld id="{44E22EE9-B8A0-0641-9265-052CFE9B95A7}" type="slidenum">
-              <a:rPr lang="en-GB" altLang="en-US" smtClean="0"/>
-              <a:pPr/>
-              <a:t>43</a:t>
-            </a:fld>
-            <a:endParaRPr lang="en-GB" altLang="en-US" dirty="0"/>
-          </a:p>
-        </p:txBody>
-      </p:sp>
-      <p:sp>
-        <p:nvSpPr>
-          <p:cNvPr id="5" name="TextBox 4">
-            <a:extLst>
-              <a:ext uri="{FF2B5EF4-FFF2-40B4-BE49-F238E27FC236}">
-                <a16:creationId xmlns:a16="http://schemas.microsoft.com/office/drawing/2014/main" id="{85A67021-FF1F-9828-7D7E-4F076C3D01FC}"/>
-              </a:ext>
-            </a:extLst>
-          </p:cNvPr>
-          <p:cNvSpPr txBox="1"/>
-          <p:nvPr/>
-        </p:nvSpPr>
-        <p:spPr>
-          <a:xfrm>
-            <a:off x="611560" y="5344262"/>
-            <a:ext cx="7416824" cy="230832"/>
-          </a:xfrm>
-          <a:prstGeom prst="rect">
-            <a:avLst/>
-          </a:prstGeom>
-          <a:noFill/>
-        </p:spPr>
-        <p:txBody>
-          <a:bodyPr wrap="square">
-            <a:spAutoFit/>
-          </a:bodyPr>
-          <a:lstStyle/>
-          <a:p>
-            <a:r>
-              <a:rPr lang="en-GB" sz="900" dirty="0"/>
-              <a:t>Source: Adapted from Goodfellow et al., deep Learning, https://</a:t>
-            </a:r>
-            <a:r>
-              <a:rPr lang="en-GB" sz="900" dirty="0" err="1"/>
-              <a:t>www.deeplearningbook.org</a:t>
-            </a:r>
-            <a:r>
-              <a:rPr lang="en-GB" sz="900" dirty="0"/>
-              <a:t>/contents/</a:t>
-            </a:r>
-            <a:r>
-              <a:rPr lang="en-GB" sz="900" dirty="0" err="1"/>
-              <a:t>optimization.html</a:t>
-            </a:r>
-            <a:endParaRPr lang="en-GB" sz="900" dirty="0"/>
-          </a:p>
-        </p:txBody>
-      </p:sp>
-    </p:spTree>
-    <p:extLst>
-      <p:ext uri="{BB962C8B-B14F-4D97-AF65-F5344CB8AC3E}">
-        <p14:creationId xmlns:p14="http://schemas.microsoft.com/office/powerpoint/2010/main" val="3140368991"/>
-      </p:ext>
-    </p:extLst>
-  </p:cSld>
-  <p:clrMapOvr>
-    <a:masterClrMapping/>
-  </p:clrMapOvr>
-</p:sld>
-</file>
-
-<file path=ppt/slides/slide44.xml><?xml version="1.0" encoding="utf-8"?>
-<p:sld xmlns:a="http://schemas.openxmlformats.org/drawingml/2006/main" xmlns:r="http://schemas.openxmlformats.org/officeDocument/2006/relationships" xmlns:p="http://schemas.openxmlformats.org/presentationml/2006/main">
-  <p:cSld>
-    <p:spTree>
-      <p:nvGrpSpPr>
-        <p:cNvPr id="1" name=""/>
-        <p:cNvGrpSpPr/>
-        <p:nvPr/>
-      </p:nvGrpSpPr>
-      <p:grpSpPr>
-        <a:xfrm>
-          <a:off x="0" y="0"/>
-          <a:ext cx="0" cy="0"/>
-          <a:chOff x="0" y="0"/>
-          <a:chExt cx="0" cy="0"/>
-        </a:xfrm>
-      </p:grpSpPr>
-      <p:sp>
-        <p:nvSpPr>
-          <p:cNvPr id="2" name="Title 1">
-            <a:extLst>
-              <a:ext uri="{FF2B5EF4-FFF2-40B4-BE49-F238E27FC236}">
-                <a16:creationId xmlns:a16="http://schemas.microsoft.com/office/drawing/2014/main" id="{A4875CE3-94CA-EBF7-EE00-B378B01AE0DB}"/>
-              </a:ext>
-            </a:extLst>
-          </p:cNvPr>
-          <p:cNvSpPr>
-            <a:spLocks noGrp="1"/>
-          </p:cNvSpPr>
-          <p:nvPr>
-            <p:ph type="title"/>
-          </p:nvPr>
-        </p:nvSpPr>
-        <p:spPr/>
-        <p:txBody>
-          <a:bodyPr/>
-          <a:lstStyle/>
-          <a:p>
-            <a:r>
-              <a:rPr lang="en-GB" dirty="0"/>
-              <a:t>Adam</a:t>
-            </a:r>
-          </a:p>
-        </p:txBody>
-      </p:sp>
-      <p:sp>
-        <p:nvSpPr>
-          <p:cNvPr id="3" name="Content Placeholder 2">
-            <a:extLst>
-              <a:ext uri="{FF2B5EF4-FFF2-40B4-BE49-F238E27FC236}">
-                <a16:creationId xmlns:a16="http://schemas.microsoft.com/office/drawing/2014/main" id="{CCCD690F-D4E4-0E1F-6F55-F77E15076322}"/>
-              </a:ext>
-            </a:extLst>
-          </p:cNvPr>
-          <p:cNvSpPr>
-            <a:spLocks noGrp="1"/>
-          </p:cNvSpPr>
-          <p:nvPr>
-            <p:ph idx="1"/>
-          </p:nvPr>
-        </p:nvSpPr>
-        <p:spPr/>
-        <p:txBody>
-          <a:bodyPr/>
-          <a:lstStyle/>
-          <a:p>
-            <a:pPr algn="l"/>
-            <a:r>
-              <a:rPr lang="en-GB" b="0" i="0" u="none" strike="noStrike" dirty="0">
-                <a:effectLst/>
-              </a:rPr>
-              <a:t>Adam (</a:t>
-            </a:r>
-            <a:r>
-              <a:rPr lang="en-GB" b="0" i="0" u="none" strike="noStrike" dirty="0" err="1">
-                <a:effectLst/>
-              </a:rPr>
-              <a:t>Kingma</a:t>
-            </a:r>
-            <a:r>
-              <a:rPr lang="en-GB" b="0" i="0" u="none" strike="noStrike" dirty="0">
-                <a:effectLst/>
-              </a:rPr>
-              <a:t> and Ba, 2014) is another adaptive learning rate optimization algorithm. </a:t>
-            </a:r>
-          </a:p>
-          <a:p>
-            <a:pPr algn="l"/>
-            <a:r>
-              <a:rPr lang="en-GB" dirty="0"/>
-              <a:t>The name “Adam” derives from the phrase “adaptive moments.”</a:t>
-            </a:r>
-          </a:p>
-          <a:p>
-            <a:pPr algn="l"/>
-            <a:r>
-              <a:rPr lang="en-GB" dirty="0"/>
-              <a:t>In Adam, momentum is incorporated directly as an estimate of the ﬁrst-order moment (with exponential weighting) of the gradient. </a:t>
-            </a:r>
-          </a:p>
-          <a:p>
-            <a:pPr algn="l"/>
-            <a:r>
-              <a:rPr lang="en-GB" dirty="0"/>
-              <a:t>The most straightforward way to add momentum to </a:t>
-            </a:r>
-            <a:r>
-              <a:rPr lang="en-GB" dirty="0" err="1"/>
-              <a:t>RMSProp</a:t>
-            </a:r>
-            <a:r>
-              <a:rPr lang="en-GB" dirty="0"/>
-              <a:t> is to apply momentum to the rescaled gradients.</a:t>
-            </a:r>
-          </a:p>
-          <a:p>
-            <a:pPr algn="l"/>
-            <a:r>
-              <a:rPr lang="en-GB" dirty="0"/>
-              <a:t>Adam includes bias corrections to the estimates of both the ﬁrst-order moments (the momentum term) and the (uncentered) second-order moments to account for their initialization at the origin.</a:t>
-            </a:r>
-          </a:p>
-          <a:p>
-            <a:pPr algn="l"/>
-            <a:endParaRPr lang="en-GB" dirty="0"/>
-          </a:p>
-          <a:p>
-            <a:pPr algn="l"/>
-            <a:endParaRPr lang="en-GB" b="0" i="0" u="none" strike="noStrike" dirty="0">
-              <a:effectLst/>
-            </a:endParaRPr>
-          </a:p>
-          <a:p>
-            <a:endParaRPr lang="en-GB" dirty="0"/>
-          </a:p>
-        </p:txBody>
-      </p:sp>
-      <p:sp>
-        <p:nvSpPr>
-          <p:cNvPr id="4" name="Slide Number Placeholder 3">
-            <a:extLst>
-              <a:ext uri="{FF2B5EF4-FFF2-40B4-BE49-F238E27FC236}">
-                <a16:creationId xmlns:a16="http://schemas.microsoft.com/office/drawing/2014/main" id="{4F0CDD0D-5A03-0691-6C79-53748A90D1B2}"/>
-              </a:ext>
-            </a:extLst>
-          </p:cNvPr>
-          <p:cNvSpPr>
-            <a:spLocks noGrp="1"/>
-          </p:cNvSpPr>
-          <p:nvPr>
-            <p:ph type="sldNum" sz="quarter" idx="12"/>
-          </p:nvPr>
-        </p:nvSpPr>
-        <p:spPr/>
-        <p:txBody>
-          <a:bodyPr/>
-          <a:lstStyle/>
-          <a:p>
-            <a:fld id="{44E22EE9-B8A0-0641-9265-052CFE9B95A7}" type="slidenum">
-              <a:rPr lang="en-GB" altLang="en-US" smtClean="0"/>
-              <a:pPr/>
-              <a:t>44</a:t>
-            </a:fld>
-            <a:endParaRPr lang="en-GB" altLang="en-US" dirty="0"/>
-          </a:p>
-        </p:txBody>
-      </p:sp>
-      <p:sp>
-        <p:nvSpPr>
-          <p:cNvPr id="5" name="TextBox 4">
-            <a:extLst>
-              <a:ext uri="{FF2B5EF4-FFF2-40B4-BE49-F238E27FC236}">
-                <a16:creationId xmlns:a16="http://schemas.microsoft.com/office/drawing/2014/main" id="{273CF3E6-BD6E-B40E-0300-57D144E79C0A}"/>
-              </a:ext>
-            </a:extLst>
-          </p:cNvPr>
-          <p:cNvSpPr txBox="1"/>
-          <p:nvPr/>
-        </p:nvSpPr>
-        <p:spPr>
-          <a:xfrm>
-            <a:off x="611560" y="5344262"/>
-            <a:ext cx="7416824" cy="230832"/>
-          </a:xfrm>
-          <a:prstGeom prst="rect">
-            <a:avLst/>
-          </a:prstGeom>
-          <a:noFill/>
-        </p:spPr>
-        <p:txBody>
-          <a:bodyPr wrap="square">
-            <a:spAutoFit/>
-          </a:bodyPr>
-          <a:lstStyle/>
-          <a:p>
-            <a:r>
-              <a:rPr lang="en-GB" sz="900" dirty="0"/>
-              <a:t>Source: Adapted from Goodfellow et al., deep Learning, https://</a:t>
-            </a:r>
-            <a:r>
-              <a:rPr lang="en-GB" sz="900" dirty="0" err="1"/>
-              <a:t>www.deeplearningbook.org</a:t>
-            </a:r>
-            <a:r>
-              <a:rPr lang="en-GB" sz="900" dirty="0"/>
-              <a:t>/contents/</a:t>
-            </a:r>
-            <a:r>
-              <a:rPr lang="en-GB" sz="900" dirty="0" err="1"/>
-              <a:t>optimization.html</a:t>
-            </a:r>
-            <a:endParaRPr lang="en-GB" sz="900" dirty="0"/>
-          </a:p>
-        </p:txBody>
-      </p:sp>
-    </p:spTree>
-    <p:extLst>
-      <p:ext uri="{BB962C8B-B14F-4D97-AF65-F5344CB8AC3E}">
-        <p14:creationId xmlns:p14="http://schemas.microsoft.com/office/powerpoint/2010/main" val="158054130"/>
       </p:ext>
     </p:extLst>
   </p:cSld>
@@ -24963,7 +25087,7 @@
           <p:cNvPr id="2" name="Title 1">
             <a:extLst>
               <a:ext uri="{FF2B5EF4-FFF2-40B4-BE49-F238E27FC236}">
-                <a16:creationId xmlns:a16="http://schemas.microsoft.com/office/drawing/2014/main" id="{19C519B9-3CA5-0840-D139-3FDA7762FDE2}"/>
+                <a16:creationId xmlns:a16="http://schemas.microsoft.com/office/drawing/2014/main" id="{9BFA913B-648D-61AD-5F36-05D0708482A4}"/>
               </a:ext>
             </a:extLst>
           </p:cNvPr>
@@ -24981,17 +25105,82 @@
           <a:p>
             <a:r>
               <a:rPr lang="en-GB" dirty="0"/>
-              <a:t>Adam*</a:t>
+              <a:t>Algorithms with adaptive learning rate</a:t>
             </a:r>
           </a:p>
         </p:txBody>
       </p:sp>
       <p:sp>
         <p:nvSpPr>
-          <p:cNvPr id="3" name="Slide Number Placeholder 2">
-            <a:extLst>
-              <a:ext uri="{FF2B5EF4-FFF2-40B4-BE49-F238E27FC236}">
-                <a16:creationId xmlns:a16="http://schemas.microsoft.com/office/drawing/2014/main" id="{ED58DB6D-C962-36FD-5B1A-7A635DCB7F1D}"/>
+          <p:cNvPr id="3" name="Content Placeholder 2">
+            <a:extLst>
+              <a:ext uri="{FF2B5EF4-FFF2-40B4-BE49-F238E27FC236}">
+                <a16:creationId xmlns:a16="http://schemas.microsoft.com/office/drawing/2014/main" id="{2F34B843-7332-E984-074C-1808F9FAE8E6}"/>
+              </a:ext>
+            </a:extLst>
+          </p:cNvPr>
+          <p:cNvSpPr>
+            <a:spLocks noGrp="1"/>
+          </p:cNvSpPr>
+          <p:nvPr>
+            <p:ph idx="1"/>
+          </p:nvPr>
+        </p:nvSpPr>
+        <p:spPr/>
+        <p:txBody>
+          <a:bodyPr/>
+          <a:lstStyle/>
+          <a:p>
+            <a:pPr algn="l"/>
+            <a:r>
+              <a:rPr lang="en-GB" b="0" i="0" u="none" strike="noStrike" dirty="0">
+                <a:effectLst/>
+              </a:rPr>
+              <a:t>The </a:t>
+            </a:r>
+            <a:r>
+              <a:rPr lang="en-GB" u="none" strike="noStrike" dirty="0" err="1">
+                <a:solidFill>
+                  <a:srgbClr val="C00000"/>
+                </a:solidFill>
+                <a:effectLst/>
+              </a:rPr>
+              <a:t>AdaGrad</a:t>
+            </a:r>
+            <a:r>
+              <a:rPr lang="en-GB" dirty="0"/>
+              <a:t> </a:t>
+            </a:r>
+            <a:r>
+              <a:rPr lang="en-GB" b="0" i="0" u="none" strike="noStrike" dirty="0">
+                <a:effectLst/>
+              </a:rPr>
+              <a:t>algorithm adapts the learning rates of all model parameters by scaling them inversely proportional to the square root of the sum of all the historical squared values of the gradient (</a:t>
+            </a:r>
+            <a:r>
+              <a:rPr lang="en-GB" b="0" i="0" u="none" strike="noStrike" dirty="0" err="1">
+                <a:effectLst/>
+              </a:rPr>
+              <a:t>Duchi</a:t>
+            </a:r>
+            <a:r>
+              <a:rPr lang="en-GB" b="0" i="0" u="none" strike="noStrike" dirty="0">
+                <a:effectLst/>
+              </a:rPr>
+              <a:t> et al.,2011).</a:t>
+            </a:r>
+          </a:p>
+          <a:p>
+            <a:endParaRPr lang="en-GB" dirty="0"/>
+          </a:p>
+        </p:txBody>
+      </p:sp>
+      <p:sp>
+        <p:nvSpPr>
+          <p:cNvPr id="4" name="Slide Number Placeholder 3">
+            <a:extLst>
+              <a:ext uri="{FF2B5EF4-FFF2-40B4-BE49-F238E27FC236}">
+                <a16:creationId xmlns:a16="http://schemas.microsoft.com/office/drawing/2014/main" id="{66549B2B-9FB5-BDC5-3EB1-6EFC0D35EF4A}"/>
               </a:ext>
             </a:extLst>
           </p:cNvPr>
@@ -25007,7 +25196,7 @@
           <a:bodyPr/>
           <a:lstStyle/>
           <a:p>
-            <a:fld id="{BB98F552-A29D-2D4E-8192-F20670493719}" type="slidenum">
+            <a:fld id="{44E22EE9-B8A0-0641-9265-052CFE9B95A7}" type="slidenum">
               <a:rPr lang="en-GB" altLang="en-US" smtClean="0"/>
               <a:pPr/>
               <a:t>45</a:t>
@@ -25016,48 +25205,12 @@
           </a:p>
         </p:txBody>
       </p:sp>
-      <p:pic>
-        <p:nvPicPr>
-          <p:cNvPr id="5" name="Picture 4" descr="Diagram&#10;&#10;Description automatically generated with medium confidence">
-            <a:extLst>
-              <a:ext uri="{FF2B5EF4-FFF2-40B4-BE49-F238E27FC236}">
-                <a16:creationId xmlns:a16="http://schemas.microsoft.com/office/drawing/2014/main" id="{088F0D1D-43F4-5ED7-D2CB-7C45A3702B4C}"/>
-              </a:ext>
-            </a:extLst>
-          </p:cNvPr>
-          <p:cNvPicPr>
-            <a:picLocks noChangeAspect="1"/>
-          </p:cNvPicPr>
-          <p:nvPr/>
-        </p:nvPicPr>
-        <p:blipFill>
-          <a:blip r:embed="rId2">
-            <a:extLst>
-              <a:ext uri="{28A0092B-C50C-407E-A947-70E740481C1C}">
-                <a14:useLocalDpi xmlns:a14="http://schemas.microsoft.com/office/drawing/2010/main" val="0"/>
-              </a:ext>
-            </a:extLst>
-          </a:blip>
-          <a:stretch>
-            <a:fillRect/>
-          </a:stretch>
-        </p:blipFill>
-        <p:spPr>
-          <a:xfrm>
-            <a:off x="2699792" y="3808491"/>
-            <a:ext cx="3251200" cy="952500"/>
-          </a:xfrm>
-          <a:prstGeom prst="rect">
-            <a:avLst/>
-          </a:prstGeom>
-        </p:spPr>
-      </p:pic>
       <p:sp>
         <p:nvSpPr>
-          <p:cNvPr id="13" name="TextBox 12">
-            <a:extLst>
-              <a:ext uri="{FF2B5EF4-FFF2-40B4-BE49-F238E27FC236}">
-                <a16:creationId xmlns:a16="http://schemas.microsoft.com/office/drawing/2014/main" id="{4D19A81C-4F0F-9220-F3BA-408C15C6687D}"/>
+          <p:cNvPr id="5" name="TextBox 4">
+            <a:extLst>
+              <a:ext uri="{FF2B5EF4-FFF2-40B4-BE49-F238E27FC236}">
+                <a16:creationId xmlns:a16="http://schemas.microsoft.com/office/drawing/2014/main" id="{64DEE007-41D1-E7AD-C57A-6BB307250326}"/>
               </a:ext>
             </a:extLst>
           </p:cNvPr>
@@ -25066,8 +25219,8 @@
         </p:nvSpPr>
         <p:spPr>
           <a:xfrm>
-            <a:off x="457200" y="930011"/>
-            <a:ext cx="8435280" cy="1015663"/>
+            <a:off x="611560" y="5344262"/>
+            <a:ext cx="7416824" cy="230832"/>
           </a:xfrm>
           <a:prstGeom prst="rect">
             <a:avLst/>
@@ -25081,120 +25234,29 @@
           <a:lstStyle/>
           <a:p>
             <a:r>
-              <a:rPr lang="en-GB" sz="2000" b="0" i="0" u="none" strike="noStrike" dirty="0">
-                <a:effectLst/>
-                <a:latin typeface="Gill Sans MT" panose="020B0502020104020203" pitchFamily="34" charset="77"/>
-              </a:rPr>
-              <a:t>Adam uses exponential weighted moving averages (also known as leaky averaging) to obtain an estimate of both the momentum and also the second moment of the gradient. </a:t>
-            </a:r>
-            <a:endParaRPr lang="en-GB" sz="2000" dirty="0">
-              <a:latin typeface="Gill Sans MT" panose="020B0502020104020203" pitchFamily="34" charset="77"/>
-            </a:endParaRPr>
-          </a:p>
-        </p:txBody>
-      </p:sp>
-      <p:sp>
-        <p:nvSpPr>
-          <p:cNvPr id="15" name="TextBox 14">
-            <a:extLst>
-              <a:ext uri="{FF2B5EF4-FFF2-40B4-BE49-F238E27FC236}">
-                <a16:creationId xmlns:a16="http://schemas.microsoft.com/office/drawing/2014/main" id="{DB86F63B-EB2F-7C26-BE95-10E03F672CDE}"/>
-              </a:ext>
-            </a:extLst>
-          </p:cNvPr>
-          <p:cNvSpPr txBox="1"/>
-          <p:nvPr/>
-        </p:nvSpPr>
-        <p:spPr>
-          <a:xfrm>
-            <a:off x="457200" y="2295315"/>
-            <a:ext cx="6096000" cy="923330"/>
-          </a:xfrm>
-          <a:prstGeom prst="rect">
-            <a:avLst/>
-          </a:prstGeom>
-          <a:noFill/>
-        </p:spPr>
-        <p:txBody>
-          <a:bodyPr wrap="square">
-            <a:spAutoFit/>
-          </a:bodyPr>
-          <a:lstStyle/>
-          <a:p>
-            <a:r>
-              <a:rPr lang="el-GR" b="0" i="0" u="none" strike="noStrike" dirty="0">
-                <a:effectLst/>
-                <a:latin typeface="Roboto" panose="02000000000000000000" pitchFamily="2" charset="0"/>
-              </a:rPr>
-              <a:t>β1 </a:t>
-            </a:r>
-            <a:r>
-              <a:rPr lang="en-GB" b="0" i="0" u="none" strike="noStrike" dirty="0">
-                <a:effectLst/>
-                <a:latin typeface="Gill Sans MT" panose="020B0502020104020203" pitchFamily="34" charset="77"/>
-              </a:rPr>
-              <a:t>and </a:t>
-            </a:r>
-            <a:r>
-              <a:rPr lang="el-GR" b="0" i="0" u="none" strike="noStrike" dirty="0">
-                <a:effectLst/>
-                <a:latin typeface="Roboto" panose="02000000000000000000" pitchFamily="2" charset="0"/>
-              </a:rPr>
-              <a:t>β2 </a:t>
-            </a:r>
-            <a:r>
-              <a:rPr lang="en-GB" b="0" i="0" u="none" strike="noStrike" dirty="0">
-                <a:effectLst/>
-                <a:latin typeface="Gill Sans MT" panose="020B0502020104020203" pitchFamily="34" charset="77"/>
-              </a:rPr>
-              <a:t>are nonnegative weighting parameters. </a:t>
-            </a:r>
-          </a:p>
-          <a:p>
-            <a:endParaRPr lang="en-GB" b="0" i="0" u="none" strike="noStrike" dirty="0">
-              <a:effectLst/>
-              <a:latin typeface="Gill Sans MT" panose="020B0502020104020203" pitchFamily="34" charset="77"/>
-            </a:endParaRPr>
-          </a:p>
-          <a:p>
-            <a:r>
-              <a:rPr lang="en-GB" b="0" i="0" u="none" strike="noStrike" dirty="0">
-                <a:effectLst/>
-                <a:latin typeface="Gill Sans MT" panose="020B0502020104020203" pitchFamily="34" charset="77"/>
-              </a:rPr>
-              <a:t>Common choices for them are </a:t>
-            </a:r>
-            <a:r>
-              <a:rPr lang="el-GR" b="0" i="0" u="none" strike="noStrike" dirty="0">
-                <a:effectLst/>
-                <a:latin typeface="Roboto" panose="02000000000000000000" pitchFamily="2" charset="0"/>
-              </a:rPr>
-              <a:t>β1=0.9 </a:t>
-            </a:r>
-            <a:r>
-              <a:rPr lang="en-GB" b="0" i="0" u="none" strike="noStrike" dirty="0">
-                <a:effectLst/>
-                <a:latin typeface="Gill Sans MT" panose="020B0502020104020203" pitchFamily="34" charset="77"/>
-              </a:rPr>
-              <a:t>and </a:t>
-            </a:r>
-            <a:r>
-              <a:rPr lang="el-GR" b="0" i="0" u="none" strike="noStrike" dirty="0">
-                <a:effectLst/>
-                <a:latin typeface="Roboto" panose="02000000000000000000" pitchFamily="2" charset="0"/>
-              </a:rPr>
-              <a:t>β2=0.999. </a:t>
-            </a:r>
-            <a:endParaRPr lang="en-GB" dirty="0">
-              <a:latin typeface="Gill Sans MT" panose="020B0502020104020203" pitchFamily="34" charset="77"/>
-            </a:endParaRPr>
+              <a:rPr lang="en-GB" sz="900" dirty="0"/>
+              <a:t>Source: Adapted from Goodfellow et al., deep Learning, https://</a:t>
+            </a:r>
+            <a:r>
+              <a:rPr lang="en-GB" sz="900" dirty="0" err="1"/>
+              <a:t>www.deeplearningbook.org</a:t>
+            </a:r>
+            <a:r>
+              <a:rPr lang="en-GB" sz="900" dirty="0"/>
+              <a:t>/contents/</a:t>
+            </a:r>
+            <a:r>
+              <a:rPr lang="en-GB" sz="900" dirty="0" err="1"/>
+              <a:t>optimization.html</a:t>
+            </a:r>
+            <a:endParaRPr lang="en-GB" sz="900" dirty="0"/>
           </a:p>
         </p:txBody>
       </p:sp>
     </p:spTree>
     <p:extLst>
       <p:ext uri="{BB962C8B-B14F-4D97-AF65-F5344CB8AC3E}">
-        <p14:creationId xmlns:p14="http://schemas.microsoft.com/office/powerpoint/2010/main" val="124833109"/>
+        <p14:creationId xmlns:p14="http://schemas.microsoft.com/office/powerpoint/2010/main" val="2885043422"/>
       </p:ext>
     </p:extLst>
   </p:cSld>
@@ -25226,7 +25288,7 @@
           <p:cNvPr id="2" name="Title 1">
             <a:extLst>
               <a:ext uri="{FF2B5EF4-FFF2-40B4-BE49-F238E27FC236}">
-                <a16:creationId xmlns:a16="http://schemas.microsoft.com/office/drawing/2014/main" id="{2B85ABA5-5C81-B9BD-8302-DDAF10AAB0B1}"/>
+                <a16:creationId xmlns:a16="http://schemas.microsoft.com/office/drawing/2014/main" id="{E952260E-BB58-D5CA-BFE8-857364A9BB81}"/>
               </a:ext>
             </a:extLst>
           </p:cNvPr>
@@ -25243,18 +25305,130 @@
           <a:lstStyle/>
           <a:p>
             <a:r>
-              <a:rPr lang="en-GB" dirty="0"/>
-              <a:t>Adam*</a:t>
-            </a:r>
+              <a:rPr lang="en-GB" dirty="0" err="1"/>
+              <a:t>RMSProp</a:t>
+            </a:r>
+            <a:endParaRPr lang="en-GB" dirty="0"/>
           </a:p>
         </p:txBody>
       </p:sp>
       <p:sp>
         <p:nvSpPr>
-          <p:cNvPr id="3" name="Slide Number Placeholder 2">
-            <a:extLst>
-              <a:ext uri="{FF2B5EF4-FFF2-40B4-BE49-F238E27FC236}">
-                <a16:creationId xmlns:a16="http://schemas.microsoft.com/office/drawing/2014/main" id="{228B11F6-36DB-B6EF-2822-85DCDC12E30E}"/>
+          <p:cNvPr id="3" name="Content Placeholder 2">
+            <a:extLst>
+              <a:ext uri="{FF2B5EF4-FFF2-40B4-BE49-F238E27FC236}">
+                <a16:creationId xmlns:a16="http://schemas.microsoft.com/office/drawing/2014/main" id="{BE93631B-D2CC-3C2C-F96E-83387A31BB81}"/>
+              </a:ext>
+            </a:extLst>
+          </p:cNvPr>
+          <p:cNvSpPr>
+            <a:spLocks noGrp="1"/>
+          </p:cNvSpPr>
+          <p:nvPr>
+            <p:ph idx="1"/>
+          </p:nvPr>
+        </p:nvSpPr>
+        <p:spPr/>
+        <p:txBody>
+          <a:bodyPr/>
+          <a:lstStyle/>
+          <a:p>
+            <a:pPr algn="l"/>
+            <a:r>
+              <a:rPr lang="en-GB" b="0" i="0" u="none" strike="noStrike" dirty="0">
+                <a:effectLst/>
+              </a:rPr>
+              <a:t>The </a:t>
+            </a:r>
+            <a:r>
+              <a:rPr lang="en-GB" b="0" i="0" u="none" strike="noStrike" dirty="0" err="1">
+                <a:solidFill>
+                  <a:srgbClr val="C00000"/>
+                </a:solidFill>
+                <a:effectLst/>
+              </a:rPr>
+              <a:t>RMSProp</a:t>
+            </a:r>
+            <a:r>
+              <a:rPr lang="en-GB" dirty="0"/>
+              <a:t> </a:t>
+            </a:r>
+            <a:r>
+              <a:rPr lang="en-GB" b="0" i="0" u="none" strike="noStrike" dirty="0">
+                <a:effectLst/>
+              </a:rPr>
+              <a:t>algorithm (Hinton, 2012) modiﬁes </a:t>
+            </a:r>
+            <a:r>
+              <a:rPr lang="en-GB" b="0" i="0" u="none" strike="noStrike" dirty="0" err="1">
+                <a:effectLst/>
+              </a:rPr>
+              <a:t>AdaGrad</a:t>
+            </a:r>
+            <a:r>
+              <a:rPr lang="en-GB" b="0" i="0" u="none" strike="noStrike" dirty="0">
+                <a:effectLst/>
+              </a:rPr>
+              <a:t> to perform better in the nonconvex setting by changing the gradient accumulation into an exponentially weighted moving average.</a:t>
+            </a:r>
+          </a:p>
+          <a:p>
+            <a:pPr algn="l"/>
+            <a:r>
+              <a:rPr lang="en-GB" b="0" i="0" u="none" strike="noStrike" dirty="0" err="1">
+                <a:effectLst/>
+              </a:rPr>
+              <a:t>AdaGrad</a:t>
+            </a:r>
+            <a:r>
+              <a:rPr lang="en-GB" b="0" i="0" u="none" strike="noStrike" dirty="0">
+                <a:effectLst/>
+              </a:rPr>
+              <a:t> shrinks the learning rate according to the entire history of the squared gradient and may have made the learning rate too small before arriving at such a convex structure. </a:t>
+            </a:r>
+          </a:p>
+          <a:p>
+            <a:pPr algn="l"/>
+            <a:r>
+              <a:rPr lang="en-GB" b="0" i="0" u="none" strike="noStrike" dirty="0" err="1">
+                <a:effectLst/>
+              </a:rPr>
+              <a:t>RMSProp</a:t>
+            </a:r>
+            <a:r>
+              <a:rPr lang="en-GB" b="0" i="0" u="none" strike="noStrike" dirty="0">
+                <a:effectLst/>
+              </a:rPr>
+              <a:t> uses an exponentially decaying average to discard history from the extreme past so that it can converge rapidly.</a:t>
+            </a:r>
+          </a:p>
+          <a:p>
+            <a:pPr algn="l"/>
+            <a:r>
+              <a:rPr lang="en-GB" dirty="0"/>
+              <a:t>It has a decay rate parameter. </a:t>
+            </a:r>
+            <a:endParaRPr lang="en-GB" b="0" i="0" u="none" strike="noStrike" dirty="0">
+              <a:effectLst/>
+            </a:endParaRPr>
+          </a:p>
+          <a:p>
+            <a:pPr algn="l"/>
+            <a:endParaRPr lang="en-GB" b="0" i="0" u="none" strike="noStrike" dirty="0">
+              <a:effectLst/>
+            </a:endParaRPr>
+          </a:p>
+          <a:p>
+            <a:endParaRPr lang="en-GB" dirty="0"/>
+          </a:p>
+        </p:txBody>
+      </p:sp>
+      <p:sp>
+        <p:nvSpPr>
+          <p:cNvPr id="4" name="Slide Number Placeholder 3">
+            <a:extLst>
+              <a:ext uri="{FF2B5EF4-FFF2-40B4-BE49-F238E27FC236}">
+                <a16:creationId xmlns:a16="http://schemas.microsoft.com/office/drawing/2014/main" id="{09B09B26-6B81-DA97-0C9B-618D829D88AC}"/>
               </a:ext>
             </a:extLst>
           </p:cNvPr>
@@ -25270,7 +25444,7 @@
           <a:bodyPr/>
           <a:lstStyle/>
           <a:p>
-            <a:fld id="{BB98F552-A29D-2D4E-8192-F20670493719}" type="slidenum">
+            <a:fld id="{44E22EE9-B8A0-0641-9265-052CFE9B95A7}" type="slidenum">
               <a:rPr lang="en-GB" altLang="en-US" smtClean="0"/>
               <a:pPr/>
               <a:t>46</a:t>
@@ -25279,154 +25453,58 @@
           </a:p>
         </p:txBody>
       </p:sp>
-      <p:pic>
-        <p:nvPicPr>
-          <p:cNvPr id="4" name="Picture 3" descr="Diagram&#10;&#10;Description automatically generated with medium confidence">
-            <a:extLst>
-              <a:ext uri="{FF2B5EF4-FFF2-40B4-BE49-F238E27FC236}">
-                <a16:creationId xmlns:a16="http://schemas.microsoft.com/office/drawing/2014/main" id="{3A0D1E0A-0258-B0D2-B541-0D6A6CF93385}"/>
-              </a:ext>
-            </a:extLst>
-          </p:cNvPr>
-          <p:cNvPicPr>
-            <a:picLocks noChangeAspect="1"/>
-          </p:cNvPicPr>
+      <p:sp>
+        <p:nvSpPr>
+          <p:cNvPr id="5" name="TextBox 4">
+            <a:extLst>
+              <a:ext uri="{FF2B5EF4-FFF2-40B4-BE49-F238E27FC236}">
+                <a16:creationId xmlns:a16="http://schemas.microsoft.com/office/drawing/2014/main" id="{85A67021-FF1F-9828-7D7E-4F076C3D01FC}"/>
+              </a:ext>
+            </a:extLst>
+          </p:cNvPr>
+          <p:cNvSpPr txBox="1"/>
           <p:nvPr/>
-        </p:nvPicPr>
-        <p:blipFill>
-          <a:blip r:embed="rId2">
-            <a:extLst>
-              <a:ext uri="{28A0092B-C50C-407E-A947-70E740481C1C}">
-                <a14:useLocalDpi xmlns:a14="http://schemas.microsoft.com/office/drawing/2010/main" val="0"/>
-              </a:ext>
-            </a:extLst>
-          </a:blip>
-          <a:stretch>
-            <a:fillRect/>
-          </a:stretch>
-        </p:blipFill>
+        </p:nvSpPr>
         <p:spPr>
           <a:xfrm>
-            <a:off x="2946400" y="919163"/>
-            <a:ext cx="3251200" cy="952500"/>
+            <a:off x="611560" y="5344262"/>
+            <a:ext cx="7416824" cy="230832"/>
           </a:xfrm>
           <a:prstGeom prst="rect">
             <a:avLst/>
           </a:prstGeom>
+          <a:noFill/>
         </p:spPr>
-      </p:pic>
-      <p:pic>
-        <p:nvPicPr>
-          <p:cNvPr id="5" name="Picture 4" descr="Text&#10;&#10;Description automatically generated with low confidence">
-            <a:extLst>
-              <a:ext uri="{FF2B5EF4-FFF2-40B4-BE49-F238E27FC236}">
-                <a16:creationId xmlns:a16="http://schemas.microsoft.com/office/drawing/2014/main" id="{3AA59881-EEFC-B004-0A7C-F20CEDA11BA2}"/>
-              </a:ext>
-            </a:extLst>
-          </p:cNvPr>
-          <p:cNvPicPr>
-            <a:picLocks noChangeAspect="1"/>
-          </p:cNvPicPr>
-          <p:nvPr/>
-        </p:nvPicPr>
-        <p:blipFill>
-          <a:blip r:embed="rId3">
-            <a:extLst>
-              <a:ext uri="{28A0092B-C50C-407E-A947-70E740481C1C}">
-                <a14:useLocalDpi xmlns:a14="http://schemas.microsoft.com/office/drawing/2010/main" val="0"/>
-              </a:ext>
-            </a:extLst>
-          </a:blip>
-          <a:stretch>
-            <a:fillRect/>
-          </a:stretch>
-        </p:blipFill>
-        <p:spPr>
-          <a:xfrm>
-            <a:off x="2946400" y="2187125"/>
-            <a:ext cx="3797300" cy="901700"/>
-          </a:xfrm>
-          <a:prstGeom prst="rect">
-            <a:avLst/>
-          </a:prstGeom>
-        </p:spPr>
-      </p:pic>
-      <p:pic>
-        <p:nvPicPr>
-          <p:cNvPr id="6" name="Picture 5" descr="A picture containing text, clock, gauge&#10;&#10;Description automatically generated">
-            <a:extLst>
-              <a:ext uri="{FF2B5EF4-FFF2-40B4-BE49-F238E27FC236}">
-                <a16:creationId xmlns:a16="http://schemas.microsoft.com/office/drawing/2014/main" id="{66805C6E-6783-BD03-33FB-E9BA38CD4DC5}"/>
-              </a:ext>
-            </a:extLst>
-          </p:cNvPr>
-          <p:cNvPicPr>
-            <a:picLocks noChangeAspect="1"/>
-          </p:cNvPicPr>
-          <p:nvPr/>
-        </p:nvPicPr>
-        <p:blipFill>
-          <a:blip r:embed="rId4">
-            <a:extLst>
-              <a:ext uri="{28A0092B-C50C-407E-A947-70E740481C1C}">
-                <a14:useLocalDpi xmlns:a14="http://schemas.microsoft.com/office/drawing/2010/main" val="0"/>
-              </a:ext>
-            </a:extLst>
-          </a:blip>
-          <a:stretch>
-            <a:fillRect/>
-          </a:stretch>
-        </p:blipFill>
-        <p:spPr>
-          <a:xfrm>
-            <a:off x="2946400" y="3377975"/>
-            <a:ext cx="2032000" cy="825500"/>
-          </a:xfrm>
-          <a:prstGeom prst="rect">
-            <a:avLst/>
-          </a:prstGeom>
-        </p:spPr>
-      </p:pic>
-      <p:pic>
-        <p:nvPicPr>
-          <p:cNvPr id="7" name="Picture 6" descr="Diagram&#10;&#10;Description automatically generated">
-            <a:extLst>
-              <a:ext uri="{FF2B5EF4-FFF2-40B4-BE49-F238E27FC236}">
-                <a16:creationId xmlns:a16="http://schemas.microsoft.com/office/drawing/2014/main" id="{AC114944-2A95-69ED-1ADE-9E8DC913FB27}"/>
-              </a:ext>
-            </a:extLst>
-          </p:cNvPr>
-          <p:cNvPicPr>
-            <a:picLocks noChangeAspect="1"/>
-          </p:cNvPicPr>
-          <p:nvPr/>
-        </p:nvPicPr>
-        <p:blipFill>
-          <a:blip r:embed="rId5">
-            <a:extLst>
-              <a:ext uri="{28A0092B-C50C-407E-A947-70E740481C1C}">
-                <a14:useLocalDpi xmlns:a14="http://schemas.microsoft.com/office/drawing/2010/main" val="0"/>
-              </a:ext>
-            </a:extLst>
-          </a:blip>
-          <a:stretch>
-            <a:fillRect/>
-          </a:stretch>
-        </p:blipFill>
-        <p:spPr>
-          <a:xfrm>
-            <a:off x="2970599" y="4659653"/>
-            <a:ext cx="2133600" cy="584200"/>
-          </a:xfrm>
-          <a:prstGeom prst="rect">
-            <a:avLst/>
-          </a:prstGeom>
-        </p:spPr>
-      </p:pic>
+        <p:txBody>
+          <a:bodyPr wrap="square">
+            <a:spAutoFit/>
+          </a:bodyPr>
+          <a:lstStyle/>
+          <a:p>
+            <a:r>
+              <a:rPr lang="en-GB" sz="900" dirty="0"/>
+              <a:t>Source: Adapted from Goodfellow et al., deep Learning, https://</a:t>
+            </a:r>
+            <a:r>
+              <a:rPr lang="en-GB" sz="900" dirty="0" err="1"/>
+              <a:t>www.deeplearningbook.org</a:t>
+            </a:r>
+            <a:r>
+              <a:rPr lang="en-GB" sz="900" dirty="0"/>
+              <a:t>/contents/</a:t>
+            </a:r>
+            <a:r>
+              <a:rPr lang="en-GB" sz="900" dirty="0" err="1"/>
+              <a:t>optimization.html</a:t>
+            </a:r>
+            <a:endParaRPr lang="en-GB" sz="900" dirty="0"/>
+          </a:p>
+        </p:txBody>
+      </p:sp>
     </p:spTree>
     <p:extLst>
       <p:ext uri="{BB962C8B-B14F-4D97-AF65-F5344CB8AC3E}">
-        <p14:creationId xmlns:p14="http://schemas.microsoft.com/office/powerpoint/2010/main" val="1355505584"/>
+        <p14:creationId xmlns:p14="http://schemas.microsoft.com/office/powerpoint/2010/main" val="3140368991"/>
       </p:ext>
     </p:extLst>
   </p:cSld>
@@ -25458,7 +25536,7 @@
           <p:cNvPr id="2" name="Title 1">
             <a:extLst>
               <a:ext uri="{FF2B5EF4-FFF2-40B4-BE49-F238E27FC236}">
-                <a16:creationId xmlns:a16="http://schemas.microsoft.com/office/drawing/2014/main" id="{91333766-FE10-9FEE-3399-FA9A94A5C328}"/>
+                <a16:creationId xmlns:a16="http://schemas.microsoft.com/office/drawing/2014/main" id="{A4875CE3-94CA-EBF7-EE00-B378B01AE0DB}"/>
               </a:ext>
             </a:extLst>
           </p:cNvPr>
@@ -25476,17 +25554,109 @@
           <a:p>
             <a:r>
               <a:rPr lang="en-GB" dirty="0"/>
-              <a:t>Adam*</a:t>
+              <a:t>Adam</a:t>
             </a:r>
           </a:p>
         </p:txBody>
       </p:sp>
       <p:sp>
         <p:nvSpPr>
-          <p:cNvPr id="3" name="Slide Number Placeholder 2">
-            <a:extLst>
-              <a:ext uri="{FF2B5EF4-FFF2-40B4-BE49-F238E27FC236}">
-                <a16:creationId xmlns:a16="http://schemas.microsoft.com/office/drawing/2014/main" id="{C3C5712F-C7A5-3B52-4AC5-DA1CF39611B5}"/>
+          <p:cNvPr id="3" name="Content Placeholder 2">
+            <a:extLst>
+              <a:ext uri="{FF2B5EF4-FFF2-40B4-BE49-F238E27FC236}">
+                <a16:creationId xmlns:a16="http://schemas.microsoft.com/office/drawing/2014/main" id="{CCCD690F-D4E4-0E1F-6F55-F77E15076322}"/>
+              </a:ext>
+            </a:extLst>
+          </p:cNvPr>
+          <p:cNvSpPr>
+            <a:spLocks noGrp="1"/>
+          </p:cNvSpPr>
+          <p:nvPr>
+            <p:ph idx="1"/>
+          </p:nvPr>
+        </p:nvSpPr>
+        <p:spPr/>
+        <p:txBody>
+          <a:bodyPr/>
+          <a:lstStyle/>
+          <a:p>
+            <a:pPr algn="l"/>
+            <a:r>
+              <a:rPr lang="en-GB" b="0" i="0" u="none" strike="noStrike" dirty="0">
+                <a:effectLst/>
+              </a:rPr>
+              <a:t>Adam (</a:t>
+            </a:r>
+            <a:r>
+              <a:rPr lang="en-GB" b="0" i="0" u="none" strike="noStrike" dirty="0" err="1">
+                <a:effectLst/>
+              </a:rPr>
+              <a:t>Kingma</a:t>
+            </a:r>
+            <a:r>
+              <a:rPr lang="en-GB" b="0" i="0" u="none" strike="noStrike" dirty="0">
+                <a:effectLst/>
+              </a:rPr>
+              <a:t> and Ba, 2014) is another adaptive learning rate optimization algorithm. </a:t>
+            </a:r>
+          </a:p>
+          <a:p>
+            <a:pPr algn="l"/>
+            <a:r>
+              <a:rPr lang="en-GB" dirty="0"/>
+              <a:t>The name “Adam” derives from the phrase “adaptive moments.”</a:t>
+            </a:r>
+          </a:p>
+          <a:p>
+            <a:pPr algn="l"/>
+            <a:r>
+              <a:rPr lang="en-GB" dirty="0"/>
+              <a:t>In Adam, momentum is incorporated directly as an estimate of the ﬁrst-order moment (with exponential weighting) of the gradient. </a:t>
+            </a:r>
+          </a:p>
+          <a:p>
+            <a:pPr algn="l"/>
+            <a:r>
+              <a:rPr lang="en-GB" dirty="0"/>
+              <a:t>The most straightforward way to add momentum to </a:t>
+            </a:r>
+            <a:r>
+              <a:rPr lang="en-GB" dirty="0" err="1"/>
+              <a:t>RMSProp</a:t>
+            </a:r>
+            <a:r>
+              <a:rPr lang="en-GB" dirty="0"/>
+              <a:t> is to apply momentum to the rescaled gradients.</a:t>
+            </a:r>
+          </a:p>
+          <a:p>
+            <a:pPr algn="l"/>
+            <a:r>
+              <a:rPr lang="en-GB" dirty="0"/>
+              <a:t>Adam includes bias corrections to the estimates of both the ﬁrst-order moments (the momentum term) and the (uncentered) second-order moments to account for their initialization at the origin.</a:t>
+            </a:r>
+          </a:p>
+          <a:p>
+            <a:pPr algn="l"/>
+            <a:endParaRPr lang="en-GB" dirty="0"/>
+          </a:p>
+          <a:p>
+            <a:pPr algn="l"/>
+            <a:endParaRPr lang="en-GB" b="0" i="0" u="none" strike="noStrike" dirty="0">
+              <a:effectLst/>
+            </a:endParaRPr>
+          </a:p>
+          <a:p>
+            <a:endParaRPr lang="en-GB" dirty="0"/>
+          </a:p>
+        </p:txBody>
+      </p:sp>
+      <p:sp>
+        <p:nvSpPr>
+          <p:cNvPr id="4" name="Slide Number Placeholder 3">
+            <a:extLst>
+              <a:ext uri="{FF2B5EF4-FFF2-40B4-BE49-F238E27FC236}">
+                <a16:creationId xmlns:a16="http://schemas.microsoft.com/office/drawing/2014/main" id="{4F0CDD0D-5A03-0691-6C79-53748A90D1B2}"/>
               </a:ext>
             </a:extLst>
           </p:cNvPr>
@@ -25502,7 +25672,7 @@
           <a:bodyPr/>
           <a:lstStyle/>
           <a:p>
-            <a:fld id="{BB98F552-A29D-2D4E-8192-F20670493719}" type="slidenum">
+            <a:fld id="{44E22EE9-B8A0-0641-9265-052CFE9B95A7}" type="slidenum">
               <a:rPr lang="en-GB" altLang="en-US" smtClean="0"/>
               <a:pPr/>
               <a:t>47</a:t>
@@ -25511,48 +25681,12 @@
           </a:p>
         </p:txBody>
       </p:sp>
-      <p:pic>
-        <p:nvPicPr>
-          <p:cNvPr id="7" name="Picture 6" descr="Graphical user interface, text, application&#10;&#10;Description automatically generated">
-            <a:extLst>
-              <a:ext uri="{FF2B5EF4-FFF2-40B4-BE49-F238E27FC236}">
-                <a16:creationId xmlns:a16="http://schemas.microsoft.com/office/drawing/2014/main" id="{49F23DFC-D6CE-CDDD-D9A8-E5C6C98EBE64}"/>
-              </a:ext>
-            </a:extLst>
-          </p:cNvPr>
-          <p:cNvPicPr>
-            <a:picLocks noChangeAspect="1"/>
-          </p:cNvPicPr>
-          <p:nvPr/>
-        </p:nvPicPr>
-        <p:blipFill>
-          <a:blip r:embed="rId2">
-            <a:extLst>
-              <a:ext uri="{28A0092B-C50C-407E-A947-70E740481C1C}">
-                <a14:useLocalDpi xmlns:a14="http://schemas.microsoft.com/office/drawing/2010/main" val="0"/>
-              </a:ext>
-            </a:extLst>
-          </a:blip>
-          <a:stretch>
-            <a:fillRect/>
-          </a:stretch>
-        </p:blipFill>
-        <p:spPr>
-          <a:xfrm>
-            <a:off x="1928464" y="137778"/>
-            <a:ext cx="5287071" cy="5321900"/>
-          </a:xfrm>
-          <a:prstGeom prst="rect">
-            <a:avLst/>
-          </a:prstGeom>
-        </p:spPr>
-      </p:pic>
       <p:sp>
         <p:nvSpPr>
-          <p:cNvPr id="9" name="TextBox 8">
-            <a:extLst>
-              <a:ext uri="{FF2B5EF4-FFF2-40B4-BE49-F238E27FC236}">
-                <a16:creationId xmlns:a16="http://schemas.microsoft.com/office/drawing/2014/main" id="{390B251D-0B5D-A4F2-5FC9-BE81D8A6AEEA}"/>
+          <p:cNvPr id="5" name="TextBox 4">
+            <a:extLst>
+              <a:ext uri="{FF2B5EF4-FFF2-40B4-BE49-F238E27FC236}">
+                <a16:creationId xmlns:a16="http://schemas.microsoft.com/office/drawing/2014/main" id="{273CF3E6-BD6E-B40E-0300-57D144E79C0A}"/>
               </a:ext>
             </a:extLst>
           </p:cNvPr>
@@ -25561,8 +25695,8 @@
         </p:nvSpPr>
         <p:spPr>
           <a:xfrm>
-            <a:off x="251520" y="5470425"/>
-            <a:ext cx="6534472" cy="261610"/>
+            <a:off x="611560" y="5344262"/>
+            <a:ext cx="7416824" cy="230832"/>
           </a:xfrm>
           <a:prstGeom prst="rect">
             <a:avLst/>
@@ -25576,29 +25710,29 @@
           <a:lstStyle/>
           <a:p>
             <a:r>
-              <a:rPr lang="en-GB" sz="1050" dirty="0"/>
-              <a:t>See: https://</a:t>
-            </a:r>
-            <a:r>
-              <a:rPr lang="en-GB" sz="1050" dirty="0" err="1"/>
-              <a:t>pytorch.org</a:t>
-            </a:r>
-            <a:r>
-              <a:rPr lang="en-GB" sz="1050" dirty="0"/>
-              <a:t>/docs/stable/generated/</a:t>
-            </a:r>
-            <a:r>
-              <a:rPr lang="en-GB" sz="1050" dirty="0" err="1"/>
-              <a:t>torch.optim.Adam.html</a:t>
-            </a:r>
-            <a:endParaRPr lang="en-GB" sz="1050" dirty="0"/>
+              <a:rPr lang="en-GB" sz="900" dirty="0"/>
+              <a:t>Source: Adapted from Goodfellow et al., deep Learning, https://</a:t>
+            </a:r>
+            <a:r>
+              <a:rPr lang="en-GB" sz="900" dirty="0" err="1"/>
+              <a:t>www.deeplearningbook.org</a:t>
+            </a:r>
+            <a:r>
+              <a:rPr lang="en-GB" sz="900" dirty="0"/>
+              <a:t>/contents/</a:t>
+            </a:r>
+            <a:r>
+              <a:rPr lang="en-GB" sz="900" dirty="0" err="1"/>
+              <a:t>optimization.html</a:t>
+            </a:r>
+            <a:endParaRPr lang="en-GB" sz="900" dirty="0"/>
           </a:p>
         </p:txBody>
       </p:sp>
     </p:spTree>
     <p:extLst>
       <p:ext uri="{BB962C8B-B14F-4D97-AF65-F5344CB8AC3E}">
-        <p14:creationId xmlns:p14="http://schemas.microsoft.com/office/powerpoint/2010/main" val="758628971"/>
+        <p14:creationId xmlns:p14="http://schemas.microsoft.com/office/powerpoint/2010/main" val="158054130"/>
       </p:ext>
     </p:extLst>
   </p:cSld>
@@ -25630,7 +25764,7 @@
           <p:cNvPr id="2" name="Title 1">
             <a:extLst>
               <a:ext uri="{FF2B5EF4-FFF2-40B4-BE49-F238E27FC236}">
-                <a16:creationId xmlns:a16="http://schemas.microsoft.com/office/drawing/2014/main" id="{E994EDC9-1FB1-56DB-50C4-C6F53570C96D}"/>
+                <a16:creationId xmlns:a16="http://schemas.microsoft.com/office/drawing/2014/main" id="{19C519B9-3CA5-0840-D139-3FDA7762FDE2}"/>
               </a:ext>
             </a:extLst>
           </p:cNvPr>
@@ -25648,69 +25782,17 @@
           <a:p>
             <a:r>
               <a:rPr lang="en-GB" dirty="0"/>
-              <a:t>How to choose the number of hidden layers</a:t>
+              <a:t>Adam*</a:t>
             </a:r>
           </a:p>
         </p:txBody>
       </p:sp>
       <p:sp>
         <p:nvSpPr>
-          <p:cNvPr id="3" name="Content Placeholder 2">
-            <a:extLst>
-              <a:ext uri="{FF2B5EF4-FFF2-40B4-BE49-F238E27FC236}">
-                <a16:creationId xmlns:a16="http://schemas.microsoft.com/office/drawing/2014/main" id="{1F7C7359-681B-9616-D015-A0DE3E93B5EB}"/>
-              </a:ext>
-            </a:extLst>
-          </p:cNvPr>
-          <p:cNvSpPr>
-            <a:spLocks noGrp="1"/>
-          </p:cNvSpPr>
-          <p:nvPr>
-            <p:ph idx="1"/>
-          </p:nvPr>
-        </p:nvSpPr>
-        <p:spPr/>
-        <p:txBody>
-          <a:bodyPr/>
-          <a:lstStyle/>
-          <a:p>
-            <a:r>
-              <a:rPr lang="en-GB" dirty="0"/>
-              <a:t>This depends on the complexity of the data and the decision boundaries (i.e. how separable the data is).</a:t>
-            </a:r>
-          </a:p>
-          <a:p>
-            <a:r>
-              <a:rPr lang="en-GB" dirty="0"/>
-              <a:t>This could also depend on the number of features/dimension. </a:t>
-            </a:r>
-          </a:p>
-          <a:p>
-            <a:r>
-              <a:rPr lang="en-GB" dirty="0"/>
-              <a:t>A very basic recommendation, for less complex problems, 2 to 3 hidden layers and for more complex problems 3 to 5 hidden layers could be used.</a:t>
-            </a:r>
-          </a:p>
-          <a:p>
-            <a:r>
-              <a:rPr lang="en-GB" dirty="0"/>
-              <a:t>Several deep learning architectures use more layers; the more layers you add, the more hyperparameters to train and optimise. This adds to the complexity of your network and would impact the convergence (and overfitting) of your network. </a:t>
-            </a:r>
-          </a:p>
-          <a:p>
-            <a:r>
-              <a:rPr lang="en-GB" dirty="0"/>
-              <a:t>The number of neurons in hidden layers is also important (width) of the network. </a:t>
-            </a:r>
-          </a:p>
-        </p:txBody>
-      </p:sp>
-      <p:sp>
-        <p:nvSpPr>
-          <p:cNvPr id="4" name="Slide Number Placeholder 3">
-            <a:extLst>
-              <a:ext uri="{FF2B5EF4-FFF2-40B4-BE49-F238E27FC236}">
-                <a16:creationId xmlns:a16="http://schemas.microsoft.com/office/drawing/2014/main" id="{2C5465D0-D4A4-DEF3-9F16-7FA9A13565B5}"/>
+          <p:cNvPr id="3" name="Slide Number Placeholder 2">
+            <a:extLst>
+              <a:ext uri="{FF2B5EF4-FFF2-40B4-BE49-F238E27FC236}">
+                <a16:creationId xmlns:a16="http://schemas.microsoft.com/office/drawing/2014/main" id="{ED58DB6D-C962-36FD-5B1A-7A635DCB7F1D}"/>
               </a:ext>
             </a:extLst>
           </p:cNvPr>
@@ -25726,7 +25808,7 @@
           <a:bodyPr/>
           <a:lstStyle/>
           <a:p>
-            <a:fld id="{44E22EE9-B8A0-0641-9265-052CFE9B95A7}" type="slidenum">
+            <a:fld id="{BB98F552-A29D-2D4E-8192-F20670493719}" type="slidenum">
               <a:rPr lang="en-GB" altLang="en-US" smtClean="0"/>
               <a:pPr/>
               <a:t>48</a:t>
@@ -25735,10 +25817,51 @@
           </a:p>
         </p:txBody>
       </p:sp>
+      <p:sp>
+        <p:nvSpPr>
+          <p:cNvPr id="13" name="TextBox 12">
+            <a:extLst>
+              <a:ext uri="{FF2B5EF4-FFF2-40B4-BE49-F238E27FC236}">
+                <a16:creationId xmlns:a16="http://schemas.microsoft.com/office/drawing/2014/main" id="{4D19A81C-4F0F-9220-F3BA-408C15C6687D}"/>
+              </a:ext>
+            </a:extLst>
+          </p:cNvPr>
+          <p:cNvSpPr txBox="1"/>
+          <p:nvPr/>
+        </p:nvSpPr>
+        <p:spPr>
+          <a:xfrm>
+            <a:off x="457200" y="930011"/>
+            <a:ext cx="8435280" cy="1015663"/>
+          </a:xfrm>
+          <a:prstGeom prst="rect">
+            <a:avLst/>
+          </a:prstGeom>
+          <a:noFill/>
+        </p:spPr>
+        <p:txBody>
+          <a:bodyPr wrap="square">
+            <a:spAutoFit/>
+          </a:bodyPr>
+          <a:lstStyle/>
+          <a:p>
+            <a:r>
+              <a:rPr lang="en-GB" sz="2000" b="0" i="0" u="none" strike="noStrike" dirty="0">
+                <a:effectLst/>
+                <a:latin typeface="Gill Sans MT" panose="020B0502020104020203" pitchFamily="34" charset="77"/>
+              </a:rPr>
+              <a:t>Adam uses exponential weighted moving averages (also known as leaky averaging) to obtain an estimate of both the momentum and also the second moment of the gradient. </a:t>
+            </a:r>
+            <a:endParaRPr lang="en-GB" sz="2000" dirty="0">
+              <a:latin typeface="Gill Sans MT" panose="020B0502020104020203" pitchFamily="34" charset="77"/>
+            </a:endParaRPr>
+          </a:p>
+        </p:txBody>
+      </p:sp>
     </p:spTree>
     <p:extLst>
       <p:ext uri="{BB962C8B-B14F-4D97-AF65-F5344CB8AC3E}">
-        <p14:creationId xmlns:p14="http://schemas.microsoft.com/office/powerpoint/2010/main" val="925935974"/>
+        <p14:creationId xmlns:p14="http://schemas.microsoft.com/office/powerpoint/2010/main" val="124833109"/>
       </p:ext>
     </p:extLst>
   </p:cSld>
@@ -25770,7 +25893,7 @@
           <p:cNvPr id="2" name="Title 1">
             <a:extLst>
               <a:ext uri="{FF2B5EF4-FFF2-40B4-BE49-F238E27FC236}">
-                <a16:creationId xmlns:a16="http://schemas.microsoft.com/office/drawing/2014/main" id="{15D1A8DE-2C1E-6DD1-57E7-8A36003CD83B}"/>
+                <a16:creationId xmlns:a16="http://schemas.microsoft.com/office/drawing/2014/main" id="{2B85ABA5-5C81-B9BD-8302-DDAF10AAB0B1}"/>
               </a:ext>
             </a:extLst>
           </p:cNvPr>
@@ -25788,57 +25911,17 @@
           <a:p>
             <a:r>
               <a:rPr lang="en-GB" dirty="0"/>
-              <a:t>Dropouts</a:t>
+              <a:t>Adam*</a:t>
             </a:r>
           </a:p>
         </p:txBody>
       </p:sp>
       <p:sp>
         <p:nvSpPr>
-          <p:cNvPr id="3" name="Content Placeholder 2">
-            <a:extLst>
-              <a:ext uri="{FF2B5EF4-FFF2-40B4-BE49-F238E27FC236}">
-                <a16:creationId xmlns:a16="http://schemas.microsoft.com/office/drawing/2014/main" id="{DD573F29-A55F-B7FD-B367-576E9520D8DE}"/>
-              </a:ext>
-            </a:extLst>
-          </p:cNvPr>
-          <p:cNvSpPr>
-            <a:spLocks noGrp="1"/>
-          </p:cNvSpPr>
-          <p:nvPr>
-            <p:ph idx="1"/>
-          </p:nvPr>
-        </p:nvSpPr>
-        <p:spPr/>
-        <p:txBody>
-          <a:bodyPr/>
-          <a:lstStyle/>
-          <a:p>
-            <a:r>
-              <a:rPr lang="en-GB" dirty="0"/>
-              <a:t>Dropout is a regularisation technique to reduce the risk of overfitting in neural networks. </a:t>
-            </a:r>
-          </a:p>
-          <a:p>
-            <a:r>
-              <a:rPr lang="en-GB" dirty="0"/>
-              <a:t>In neural networks it refers to dropping input and hidden layer nodes temporarily. </a:t>
-            </a:r>
-          </a:p>
-          <a:p>
-            <a:r>
-              <a:rPr lang="en-GB" dirty="0"/>
-              <a:t>This creates a new temporary architecture by randomly dropping a percentage of the nodes during the training process.  </a:t>
-            </a:r>
-          </a:p>
-        </p:txBody>
-      </p:sp>
-      <p:sp>
-        <p:nvSpPr>
-          <p:cNvPr id="4" name="Slide Number Placeholder 3">
-            <a:extLst>
-              <a:ext uri="{FF2B5EF4-FFF2-40B4-BE49-F238E27FC236}">
-                <a16:creationId xmlns:a16="http://schemas.microsoft.com/office/drawing/2014/main" id="{5BFB722E-4157-7FCE-67BF-341FE0A193F0}"/>
+          <p:cNvPr id="3" name="Slide Number Placeholder 2">
+            <a:extLst>
+              <a:ext uri="{FF2B5EF4-FFF2-40B4-BE49-F238E27FC236}">
+                <a16:creationId xmlns:a16="http://schemas.microsoft.com/office/drawing/2014/main" id="{228B11F6-36DB-B6EF-2822-85DCDC12E30E}"/>
               </a:ext>
             </a:extLst>
           </p:cNvPr>
@@ -25854,7 +25937,7 @@
           <a:bodyPr/>
           <a:lstStyle/>
           <a:p>
-            <a:fld id="{44E22EE9-B8A0-0641-9265-052CFE9B95A7}" type="slidenum">
+            <a:fld id="{BB98F552-A29D-2D4E-8192-F20670493719}" type="slidenum">
               <a:rPr lang="en-GB" altLang="en-US" smtClean="0"/>
               <a:pPr/>
               <a:t>49</a:t>
@@ -25863,10 +25946,94 @@
           </a:p>
         </p:txBody>
       </p:sp>
+      <p:pic>
+        <p:nvPicPr>
+          <p:cNvPr id="9" name="Picture 8" descr="Text&#10;&#10;Description automatically generated">
+            <a:extLst>
+              <a:ext uri="{FF2B5EF4-FFF2-40B4-BE49-F238E27FC236}">
+                <a16:creationId xmlns:a16="http://schemas.microsoft.com/office/drawing/2014/main" id="{E1042FF3-06F1-D667-308D-DF3C463D4F99}"/>
+              </a:ext>
+            </a:extLst>
+          </p:cNvPr>
+          <p:cNvPicPr>
+            <a:picLocks noChangeAspect="1"/>
+          </p:cNvPicPr>
+          <p:nvPr/>
+        </p:nvPicPr>
+        <p:blipFill>
+          <a:blip r:embed="rId2">
+            <a:extLst>
+              <a:ext uri="{28A0092B-C50C-407E-A947-70E740481C1C}">
+                <a14:useLocalDpi xmlns:a14="http://schemas.microsoft.com/office/drawing/2010/main" val="0"/>
+              </a:ext>
+            </a:extLst>
+          </a:blip>
+          <a:stretch>
+            <a:fillRect/>
+          </a:stretch>
+        </p:blipFill>
+        <p:spPr>
+          <a:xfrm>
+            <a:off x="1115616" y="639464"/>
+            <a:ext cx="6178025" cy="4643561"/>
+          </a:xfrm>
+          <a:prstGeom prst="rect">
+            <a:avLst/>
+          </a:prstGeom>
+        </p:spPr>
+      </p:pic>
+      <p:sp>
+        <p:nvSpPr>
+          <p:cNvPr id="10" name="TextBox 9">
+            <a:extLst>
+              <a:ext uri="{FF2B5EF4-FFF2-40B4-BE49-F238E27FC236}">
+                <a16:creationId xmlns:a16="http://schemas.microsoft.com/office/drawing/2014/main" id="{68648DC7-73C9-57A3-A04F-06FB02DB43F0}"/>
+              </a:ext>
+            </a:extLst>
+          </p:cNvPr>
+          <p:cNvSpPr txBox="1"/>
+          <p:nvPr/>
+        </p:nvSpPr>
+        <p:spPr>
+          <a:xfrm>
+            <a:off x="611560" y="5344262"/>
+            <a:ext cx="7416824" cy="230832"/>
+          </a:xfrm>
+          <a:prstGeom prst="rect">
+            <a:avLst/>
+          </a:prstGeom>
+          <a:noFill/>
+        </p:spPr>
+        <p:txBody>
+          <a:bodyPr wrap="square">
+            <a:spAutoFit/>
+          </a:bodyPr>
+          <a:lstStyle/>
+          <a:p>
+            <a:r>
+              <a:rPr lang="en-GB" sz="900" dirty="0"/>
+              <a:t>Source: Goodfellow et al., deep Learning, https://</a:t>
+            </a:r>
+            <a:r>
+              <a:rPr lang="en-GB" sz="900" dirty="0" err="1"/>
+              <a:t>www.deeplearningbook.org</a:t>
+            </a:r>
+            <a:r>
+              <a:rPr lang="en-GB" sz="900" dirty="0"/>
+              <a:t>/contents/</a:t>
+            </a:r>
+            <a:r>
+              <a:rPr lang="en-GB" sz="900" dirty="0" err="1"/>
+              <a:t>optimization.html</a:t>
+            </a:r>
+            <a:endParaRPr lang="en-GB" sz="900" dirty="0"/>
+          </a:p>
+        </p:txBody>
+      </p:sp>
     </p:spTree>
     <p:extLst>
       <p:ext uri="{BB962C8B-B14F-4D97-AF65-F5344CB8AC3E}">
-        <p14:creationId xmlns:p14="http://schemas.microsoft.com/office/powerpoint/2010/main" val="2284764444"/>
+        <p14:creationId xmlns:p14="http://schemas.microsoft.com/office/powerpoint/2010/main" val="1355505584"/>
       </p:ext>
     </p:extLst>
   </p:cSld>
@@ -27471,7 +27638,7 @@
           <p:cNvPr id="2" name="Title 1">
             <a:extLst>
               <a:ext uri="{FF2B5EF4-FFF2-40B4-BE49-F238E27FC236}">
-                <a16:creationId xmlns:a16="http://schemas.microsoft.com/office/drawing/2014/main" id="{E417C415-CD99-1C4A-A0DE-7D0BF31D9A22}"/>
+                <a16:creationId xmlns:a16="http://schemas.microsoft.com/office/drawing/2014/main" id="{91333766-FE10-9FEE-3399-FA9A94A5C328}"/>
               </a:ext>
             </a:extLst>
           </p:cNvPr>
@@ -27488,70 +27655,18 @@
           <a:lstStyle/>
           <a:p>
             <a:r>
-              <a:rPr lang="en-US" dirty="0"/>
-              <a:t>Dropout – philosophy </a:t>
+              <a:rPr lang="en-GB" dirty="0"/>
+              <a:t>Adam**</a:t>
             </a:r>
           </a:p>
         </p:txBody>
       </p:sp>
       <p:sp>
         <p:nvSpPr>
-          <p:cNvPr id="3" name="Content Placeholder 2">
-            <a:extLst>
-              <a:ext uri="{FF2B5EF4-FFF2-40B4-BE49-F238E27FC236}">
-                <a16:creationId xmlns:a16="http://schemas.microsoft.com/office/drawing/2014/main" id="{2069F820-089D-C846-A018-B35AF74BD8E7}"/>
-              </a:ext>
-            </a:extLst>
-          </p:cNvPr>
-          <p:cNvSpPr>
-            <a:spLocks noGrp="1"/>
-          </p:cNvSpPr>
-          <p:nvPr>
-            <p:ph idx="1"/>
-          </p:nvPr>
-        </p:nvSpPr>
-        <p:spPr/>
-        <p:txBody>
-          <a:bodyPr/>
-          <a:lstStyle/>
-          <a:p>
-            <a:r>
-              <a:rPr lang="en-US" dirty="0"/>
-              <a:t>A key idea behind applying dropout is that training a neural network with adding a stochastic </a:t>
-            </a:r>
-            <a:r>
-              <a:rPr lang="en-US" dirty="0" err="1"/>
-              <a:t>behaviour</a:t>
-            </a:r>
-            <a:r>
-              <a:rPr lang="en-US" dirty="0"/>
-              <a:t> and making predictions and averaging over multiple stochastic decisions simulate a from of bagging with parameter sharing. </a:t>
-            </a:r>
-            <a:br>
-              <a:rPr lang="en-US" dirty="0"/>
-            </a:br>
-            <a:endParaRPr lang="en-US" dirty="0"/>
-          </a:p>
-          <a:p>
-            <a:r>
-              <a:rPr lang="en-US" dirty="0"/>
-              <a:t>In Bagging (i.e., bootstrap aggregation) several models are combined to reduce the generalization error. </a:t>
-            </a:r>
-          </a:p>
-          <a:p>
-            <a:r>
-              <a:rPr lang="en-US" dirty="0"/>
-              <a:t>The idea of Bagging is to train multiple models separately, then use all the models to vote on the output for the test example. </a:t>
-            </a:r>
-          </a:p>
-        </p:txBody>
-      </p:sp>
-      <p:sp>
-        <p:nvSpPr>
-          <p:cNvPr id="4" name="Slide Number Placeholder 3">
-            <a:extLst>
-              <a:ext uri="{FF2B5EF4-FFF2-40B4-BE49-F238E27FC236}">
-                <a16:creationId xmlns:a16="http://schemas.microsoft.com/office/drawing/2014/main" id="{BB392E95-10A7-FE45-86AE-B8B534FF88D5}"/>
+          <p:cNvPr id="3" name="Slide Number Placeholder 2">
+            <a:extLst>
+              <a:ext uri="{FF2B5EF4-FFF2-40B4-BE49-F238E27FC236}">
+                <a16:creationId xmlns:a16="http://schemas.microsoft.com/office/drawing/2014/main" id="{C3C5712F-C7A5-3B52-4AC5-DA1CF39611B5}"/>
               </a:ext>
             </a:extLst>
           </p:cNvPr>
@@ -27567,19 +27682,139 @@
           <a:bodyPr/>
           <a:lstStyle/>
           <a:p>
-            <a:fld id="{44E22EE9-B8A0-0641-9265-052CFE9B95A7}" type="slidenum">
+            <a:fld id="{BB98F552-A29D-2D4E-8192-F20670493719}" type="slidenum">
               <a:rPr lang="en-GB" altLang="en-US" smtClean="0"/>
               <a:pPr/>
               <a:t>50</a:t>
             </a:fld>
-            <a:endParaRPr lang="en-GB" altLang="en-US"/>
+            <a:endParaRPr lang="en-GB" altLang="en-US" dirty="0"/>
+          </a:p>
+        </p:txBody>
+      </p:sp>
+      <p:pic>
+        <p:nvPicPr>
+          <p:cNvPr id="7" name="Picture 6" descr="Graphical user interface, text, application&#10;&#10;Description automatically generated">
+            <a:extLst>
+              <a:ext uri="{FF2B5EF4-FFF2-40B4-BE49-F238E27FC236}">
+                <a16:creationId xmlns:a16="http://schemas.microsoft.com/office/drawing/2014/main" id="{49F23DFC-D6CE-CDDD-D9A8-E5C6C98EBE64}"/>
+              </a:ext>
+            </a:extLst>
+          </p:cNvPr>
+          <p:cNvPicPr>
+            <a:picLocks noChangeAspect="1"/>
+          </p:cNvPicPr>
+          <p:nvPr/>
+        </p:nvPicPr>
+        <p:blipFill rotWithShape="1">
+          <a:blip r:embed="rId2">
+            <a:extLst>
+              <a:ext uri="{28A0092B-C50C-407E-A947-70E740481C1C}">
+                <a14:useLocalDpi xmlns:a14="http://schemas.microsoft.com/office/drawing/2010/main" val="0"/>
+              </a:ext>
+            </a:extLst>
+          </a:blip>
+          <a:srcRect r="12681"/>
+          <a:stretch/>
+        </p:blipFill>
+        <p:spPr>
+          <a:xfrm>
+            <a:off x="2843808" y="201243"/>
+            <a:ext cx="4608512" cy="5312514"/>
+          </a:xfrm>
+          <a:prstGeom prst="rect">
+            <a:avLst/>
+          </a:prstGeom>
+        </p:spPr>
+      </p:pic>
+      <p:sp>
+        <p:nvSpPr>
+          <p:cNvPr id="9" name="TextBox 8">
+            <a:extLst>
+              <a:ext uri="{FF2B5EF4-FFF2-40B4-BE49-F238E27FC236}">
+                <a16:creationId xmlns:a16="http://schemas.microsoft.com/office/drawing/2014/main" id="{390B251D-0B5D-A4F2-5FC9-BE81D8A6AEEA}"/>
+              </a:ext>
+            </a:extLst>
+          </p:cNvPr>
+          <p:cNvSpPr txBox="1"/>
+          <p:nvPr/>
+        </p:nvSpPr>
+        <p:spPr>
+          <a:xfrm>
+            <a:off x="251520" y="5470425"/>
+            <a:ext cx="6534472" cy="261610"/>
+          </a:xfrm>
+          <a:prstGeom prst="rect">
+            <a:avLst/>
+          </a:prstGeom>
+          <a:noFill/>
+        </p:spPr>
+        <p:txBody>
+          <a:bodyPr wrap="square">
+            <a:spAutoFit/>
+          </a:bodyPr>
+          <a:lstStyle/>
+          <a:p>
+            <a:r>
+              <a:rPr lang="en-GB" sz="1050" dirty="0"/>
+              <a:t>See: https://</a:t>
+            </a:r>
+            <a:r>
+              <a:rPr lang="en-GB" sz="1050" dirty="0" err="1"/>
+              <a:t>pytorch.org</a:t>
+            </a:r>
+            <a:r>
+              <a:rPr lang="en-GB" sz="1050" dirty="0"/>
+              <a:t>/docs/stable/generated/</a:t>
+            </a:r>
+            <a:r>
+              <a:rPr lang="en-GB" sz="1050" dirty="0" err="1"/>
+              <a:t>torch.optim.Adam.html</a:t>
+            </a:r>
+            <a:endParaRPr lang="en-GB" sz="1050" dirty="0"/>
+          </a:p>
+        </p:txBody>
+      </p:sp>
+      <p:sp>
+        <p:nvSpPr>
+          <p:cNvPr id="4" name="TextBox 3">
+            <a:extLst>
+              <a:ext uri="{FF2B5EF4-FFF2-40B4-BE49-F238E27FC236}">
+                <a16:creationId xmlns:a16="http://schemas.microsoft.com/office/drawing/2014/main" id="{D9A59A67-D6E1-B40D-A784-D24C012F0B42}"/>
+              </a:ext>
+            </a:extLst>
+          </p:cNvPr>
+          <p:cNvSpPr txBox="1"/>
+          <p:nvPr/>
+        </p:nvSpPr>
+        <p:spPr>
+          <a:xfrm>
+            <a:off x="251520" y="1322898"/>
+            <a:ext cx="2811610" cy="1200329"/>
+          </a:xfrm>
+          <a:prstGeom prst="rect">
+            <a:avLst/>
+          </a:prstGeom>
+          <a:noFill/>
+        </p:spPr>
+        <p:txBody>
+          <a:bodyPr wrap="square" rtlCol="0">
+            <a:spAutoFit/>
+          </a:bodyPr>
+          <a:lstStyle/>
+          <a:p>
+            <a:r>
+              <a:rPr lang="en-GB" dirty="0">
+                <a:latin typeface="Gill Sans MT" panose="020B0502020104020203" pitchFamily="34" charset="77"/>
+              </a:rPr>
+              <a:t>Same as the previous slide with just different notations to show the variables and parameters.</a:t>
+            </a:r>
           </a:p>
         </p:txBody>
       </p:sp>
     </p:spTree>
     <p:extLst>
       <p:ext uri="{BB962C8B-B14F-4D97-AF65-F5344CB8AC3E}">
-        <p14:creationId xmlns:p14="http://schemas.microsoft.com/office/powerpoint/2010/main" val="161025796"/>
+        <p14:creationId xmlns:p14="http://schemas.microsoft.com/office/powerpoint/2010/main" val="758628971"/>
       </p:ext>
     </p:extLst>
   </p:cSld>
@@ -27611,7 +27846,7 @@
           <p:cNvPr id="2" name="Title 1">
             <a:extLst>
               <a:ext uri="{FF2B5EF4-FFF2-40B4-BE49-F238E27FC236}">
-                <a16:creationId xmlns:a16="http://schemas.microsoft.com/office/drawing/2014/main" id="{F47D11AA-1D7C-3946-95CF-74F16E24AD33}"/>
+                <a16:creationId xmlns:a16="http://schemas.microsoft.com/office/drawing/2014/main" id="{E994EDC9-1FB1-56DB-50C4-C6F53570C96D}"/>
               </a:ext>
             </a:extLst>
           </p:cNvPr>
@@ -27628,8 +27863,8 @@
           <a:lstStyle/>
           <a:p>
             <a:r>
-              <a:rPr lang="en-US" dirty="0"/>
-              <a:t>Dropouts – practical notes</a:t>
+              <a:rPr lang="en-GB" dirty="0"/>
+              <a:t>How to choose the number of hidden layers</a:t>
             </a:r>
           </a:p>
         </p:txBody>
@@ -27639,7 +27874,7 @@
           <p:cNvPr id="3" name="Content Placeholder 2">
             <a:extLst>
               <a:ext uri="{FF2B5EF4-FFF2-40B4-BE49-F238E27FC236}">
-                <a16:creationId xmlns:a16="http://schemas.microsoft.com/office/drawing/2014/main" id="{4B9A335C-5133-B14E-999A-7E0AB18725CF}"/>
+                <a16:creationId xmlns:a16="http://schemas.microsoft.com/office/drawing/2014/main" id="{1F7C7359-681B-9616-D015-A0DE3E93B5EB}"/>
               </a:ext>
             </a:extLst>
           </p:cNvPr>
@@ -27656,14 +27891,32 @@
           <a:lstStyle/>
           <a:p>
             <a:r>
-              <a:rPr lang="en-US" dirty="0"/>
-              <a:t>When the training sample is very small, dropout method is not very effective. </a:t>
-            </a:r>
-          </a:p>
-          <a:p>
-            <a:r>
-              <a:rPr lang="en-US" dirty="0"/>
-              <a:t>When additional unlabeled samples are available,  unsupervised feature learning can improve the performance better than dropout. </a:t>
+              <a:rPr lang="en-GB" dirty="0"/>
+              <a:t>This depends on the complexity of the data and the decision boundaries (i.e. how separable the data is).</a:t>
+            </a:r>
+          </a:p>
+          <a:p>
+            <a:r>
+              <a:rPr lang="en-GB" dirty="0"/>
+              <a:t>This could also depend on the number of features/dimension. </a:t>
+            </a:r>
+          </a:p>
+          <a:p>
+            <a:r>
+              <a:rPr lang="en-GB" dirty="0"/>
+              <a:t>A very basic recommendation, for less complex problems, 2 to 3 hidden layers and for more complex problems 3 to 5 hidden layers could be used.</a:t>
+            </a:r>
+          </a:p>
+          <a:p>
+            <a:r>
+              <a:rPr lang="en-GB" dirty="0"/>
+              <a:t>Several deep learning architectures use more layers; the more layers you add, the more hyperparameters to train and optimise. This adds to the complexity of your network and would impact the convergence (and overfitting) of your network. </a:t>
+            </a:r>
+          </a:p>
+          <a:p>
+            <a:r>
+              <a:rPr lang="en-GB" dirty="0"/>
+              <a:t>The number of neurons in hidden layers is also important (width) of the network. </a:t>
             </a:r>
           </a:p>
         </p:txBody>
@@ -27673,7 +27926,7 @@
           <p:cNvPr id="4" name="Slide Number Placeholder 3">
             <a:extLst>
               <a:ext uri="{FF2B5EF4-FFF2-40B4-BE49-F238E27FC236}">
-                <a16:creationId xmlns:a16="http://schemas.microsoft.com/office/drawing/2014/main" id="{1ACE8931-EB8D-CD41-A57D-53DE989BFFA6}"/>
+                <a16:creationId xmlns:a16="http://schemas.microsoft.com/office/drawing/2014/main" id="{2C5465D0-D4A4-DEF3-9F16-7FA9A13565B5}"/>
               </a:ext>
             </a:extLst>
           </p:cNvPr>
@@ -27694,14 +27947,14 @@
               <a:pPr/>
               <a:t>51</a:t>
             </a:fld>
-            <a:endParaRPr lang="en-GB" altLang="en-US"/>
+            <a:endParaRPr lang="en-GB" altLang="en-US" dirty="0"/>
           </a:p>
         </p:txBody>
       </p:sp>
     </p:spTree>
     <p:extLst>
       <p:ext uri="{BB962C8B-B14F-4D97-AF65-F5344CB8AC3E}">
-        <p14:creationId xmlns:p14="http://schemas.microsoft.com/office/powerpoint/2010/main" val="249466988"/>
+        <p14:creationId xmlns:p14="http://schemas.microsoft.com/office/powerpoint/2010/main" val="925935974"/>
       </p:ext>
     </p:extLst>
   </p:cSld>
@@ -27733,7 +27986,7 @@
           <p:cNvPr id="2" name="Title 1">
             <a:extLst>
               <a:ext uri="{FF2B5EF4-FFF2-40B4-BE49-F238E27FC236}">
-                <a16:creationId xmlns:a16="http://schemas.microsoft.com/office/drawing/2014/main" id="{78616E43-D9E7-EAFB-B262-A31B30E918AF}"/>
+                <a16:creationId xmlns:a16="http://schemas.microsoft.com/office/drawing/2014/main" id="{15D1A8DE-2C1E-6DD1-57E7-8A36003CD83B}"/>
               </a:ext>
             </a:extLst>
           </p:cNvPr>
@@ -27751,7 +28004,47 @@
           <a:p>
             <a:r>
               <a:rPr lang="en-GB" dirty="0"/>
-              <a:t>Example - 1</a:t>
+              <a:t>Dropouts</a:t>
+            </a:r>
+          </a:p>
+        </p:txBody>
+      </p:sp>
+      <p:sp>
+        <p:nvSpPr>
+          <p:cNvPr id="3" name="Content Placeholder 2">
+            <a:extLst>
+              <a:ext uri="{FF2B5EF4-FFF2-40B4-BE49-F238E27FC236}">
+                <a16:creationId xmlns:a16="http://schemas.microsoft.com/office/drawing/2014/main" id="{DD573F29-A55F-B7FD-B367-576E9520D8DE}"/>
+              </a:ext>
+            </a:extLst>
+          </p:cNvPr>
+          <p:cNvSpPr>
+            <a:spLocks noGrp="1"/>
+          </p:cNvSpPr>
+          <p:nvPr>
+            <p:ph idx="1"/>
+          </p:nvPr>
+        </p:nvSpPr>
+        <p:spPr/>
+        <p:txBody>
+          <a:bodyPr/>
+          <a:lstStyle/>
+          <a:p>
+            <a:r>
+              <a:rPr lang="en-GB" dirty="0"/>
+              <a:t>Dropout is a regularisation technique to reduce the risk of overfitting in neural networks. </a:t>
+            </a:r>
+          </a:p>
+          <a:p>
+            <a:r>
+              <a:rPr lang="en-GB" dirty="0"/>
+              <a:t>In neural networks it refers to dropping input and hidden layer nodes temporarily. </a:t>
+            </a:r>
+          </a:p>
+          <a:p>
+            <a:r>
+              <a:rPr lang="en-GB" dirty="0"/>
+              <a:t>This creates a new temporary architecture by randomly dropping a percentage of the nodes during the training process.  </a:t>
             </a:r>
           </a:p>
         </p:txBody>
@@ -27761,7 +28054,7 @@
           <p:cNvPr id="4" name="Slide Number Placeholder 3">
             <a:extLst>
               <a:ext uri="{FF2B5EF4-FFF2-40B4-BE49-F238E27FC236}">
-                <a16:creationId xmlns:a16="http://schemas.microsoft.com/office/drawing/2014/main" id="{4864D2B5-AE09-EBF0-4970-14A56F072F71}"/>
+                <a16:creationId xmlns:a16="http://schemas.microsoft.com/office/drawing/2014/main" id="{5BFB722E-4157-7FCE-67BF-341FE0A193F0}"/>
               </a:ext>
             </a:extLst>
           </p:cNvPr>
@@ -27786,46 +28079,10 @@
           </a:p>
         </p:txBody>
       </p:sp>
-      <p:pic>
-        <p:nvPicPr>
-          <p:cNvPr id="6" name="Picture 5" descr="Diagram&#10;&#10;Description automatically generated">
-            <a:extLst>
-              <a:ext uri="{FF2B5EF4-FFF2-40B4-BE49-F238E27FC236}">
-                <a16:creationId xmlns:a16="http://schemas.microsoft.com/office/drawing/2014/main" id="{A44E03E5-18C4-DDFA-77C6-DFCA035E494B}"/>
-              </a:ext>
-            </a:extLst>
-          </p:cNvPr>
-          <p:cNvPicPr>
-            <a:picLocks noChangeAspect="1"/>
-          </p:cNvPicPr>
-          <p:nvPr/>
-        </p:nvPicPr>
-        <p:blipFill>
-          <a:blip r:embed="rId2">
-            <a:extLst>
-              <a:ext uri="{28A0092B-C50C-407E-A947-70E740481C1C}">
-                <a14:useLocalDpi xmlns:a14="http://schemas.microsoft.com/office/drawing/2010/main" val="0"/>
-              </a:ext>
-            </a:extLst>
-          </a:blip>
-          <a:stretch>
-            <a:fillRect/>
-          </a:stretch>
-        </p:blipFill>
-        <p:spPr>
-          <a:xfrm>
-            <a:off x="685800" y="1417340"/>
-            <a:ext cx="7772400" cy="2303284"/>
-          </a:xfrm>
-          <a:prstGeom prst="rect">
-            <a:avLst/>
-          </a:prstGeom>
-        </p:spPr>
-      </p:pic>
     </p:spTree>
     <p:extLst>
       <p:ext uri="{BB962C8B-B14F-4D97-AF65-F5344CB8AC3E}">
-        <p14:creationId xmlns:p14="http://schemas.microsoft.com/office/powerpoint/2010/main" val="240174982"/>
+        <p14:creationId xmlns:p14="http://schemas.microsoft.com/office/powerpoint/2010/main" val="2284764444"/>
       </p:ext>
     </p:extLst>
   </p:cSld>
@@ -27857,7 +28114,7 @@
           <p:cNvPr id="2" name="Title 1">
             <a:extLst>
               <a:ext uri="{FF2B5EF4-FFF2-40B4-BE49-F238E27FC236}">
-                <a16:creationId xmlns:a16="http://schemas.microsoft.com/office/drawing/2014/main" id="{6559DECC-2000-3CD9-3EA1-DD3CF1A76BAC}"/>
+                <a16:creationId xmlns:a16="http://schemas.microsoft.com/office/drawing/2014/main" id="{E417C415-CD99-1C4A-A0DE-7D0BF31D9A22}"/>
               </a:ext>
             </a:extLst>
           </p:cNvPr>
@@ -27874,18 +28131,70 @@
           <a:lstStyle/>
           <a:p>
             <a:r>
-              <a:rPr lang="en-GB" dirty="0"/>
-              <a:t>Example -2</a:t>
+              <a:rPr lang="en-US" dirty="0"/>
+              <a:t>Dropout – philosophy </a:t>
             </a:r>
           </a:p>
         </p:txBody>
       </p:sp>
       <p:sp>
         <p:nvSpPr>
-          <p:cNvPr id="3" name="Slide Number Placeholder 2">
-            <a:extLst>
-              <a:ext uri="{FF2B5EF4-FFF2-40B4-BE49-F238E27FC236}">
-                <a16:creationId xmlns:a16="http://schemas.microsoft.com/office/drawing/2014/main" id="{140944EA-A188-89FB-9F9D-2230006EF847}"/>
+          <p:cNvPr id="3" name="Content Placeholder 2">
+            <a:extLst>
+              <a:ext uri="{FF2B5EF4-FFF2-40B4-BE49-F238E27FC236}">
+                <a16:creationId xmlns:a16="http://schemas.microsoft.com/office/drawing/2014/main" id="{2069F820-089D-C846-A018-B35AF74BD8E7}"/>
+              </a:ext>
+            </a:extLst>
+          </p:cNvPr>
+          <p:cNvSpPr>
+            <a:spLocks noGrp="1"/>
+          </p:cNvSpPr>
+          <p:nvPr>
+            <p:ph idx="1"/>
+          </p:nvPr>
+        </p:nvSpPr>
+        <p:spPr/>
+        <p:txBody>
+          <a:bodyPr/>
+          <a:lstStyle/>
+          <a:p>
+            <a:r>
+              <a:rPr lang="en-US" dirty="0"/>
+              <a:t>A key idea behind applying dropout is that training a neural network with adding a stochastic </a:t>
+            </a:r>
+            <a:r>
+              <a:rPr lang="en-US" dirty="0" err="1"/>
+              <a:t>behaviour</a:t>
+            </a:r>
+            <a:r>
+              <a:rPr lang="en-US" dirty="0"/>
+              <a:t> and making predictions and averaging over multiple stochastic decisions simulate a from of bagging with parameter sharing. </a:t>
+            </a:r>
+            <a:br>
+              <a:rPr lang="en-US" dirty="0"/>
+            </a:br>
+            <a:endParaRPr lang="en-US" dirty="0"/>
+          </a:p>
+          <a:p>
+            <a:r>
+              <a:rPr lang="en-US" dirty="0"/>
+              <a:t>In Bagging (i.e., bootstrap aggregation) several models are combined to reduce the generalization error. </a:t>
+            </a:r>
+          </a:p>
+          <a:p>
+            <a:r>
+              <a:rPr lang="en-US" dirty="0"/>
+              <a:t>The idea of Bagging is to train multiple models separately, then use all the models to vote on the output for the test example. </a:t>
+            </a:r>
+          </a:p>
+        </p:txBody>
+      </p:sp>
+      <p:sp>
+        <p:nvSpPr>
+          <p:cNvPr id="4" name="Slide Number Placeholder 3">
+            <a:extLst>
+              <a:ext uri="{FF2B5EF4-FFF2-40B4-BE49-F238E27FC236}">
+                <a16:creationId xmlns:a16="http://schemas.microsoft.com/office/drawing/2014/main" id="{BB392E95-10A7-FE45-86AE-B8B534FF88D5}"/>
               </a:ext>
             </a:extLst>
           </p:cNvPr>
@@ -27901,55 +28210,19 @@
           <a:bodyPr/>
           <a:lstStyle/>
           <a:p>
-            <a:fld id="{BB98F552-A29D-2D4E-8192-F20670493719}" type="slidenum">
+            <a:fld id="{44E22EE9-B8A0-0641-9265-052CFE9B95A7}" type="slidenum">
               <a:rPr lang="en-GB" altLang="en-US" smtClean="0"/>
               <a:pPr/>
               <a:t>53</a:t>
             </a:fld>
-            <a:endParaRPr lang="en-GB" altLang="en-US" dirty="0"/>
+            <a:endParaRPr lang="en-GB" altLang="en-US"/>
           </a:p>
         </p:txBody>
       </p:sp>
-      <p:pic>
-        <p:nvPicPr>
-          <p:cNvPr id="4" name="Picture 3" descr="Diagram&#10;&#10;Description automatically generated">
-            <a:extLst>
-              <a:ext uri="{FF2B5EF4-FFF2-40B4-BE49-F238E27FC236}">
-                <a16:creationId xmlns:a16="http://schemas.microsoft.com/office/drawing/2014/main" id="{BB3D4226-A77B-ED36-9701-4BDEA821D450}"/>
-              </a:ext>
-            </a:extLst>
-          </p:cNvPr>
-          <p:cNvPicPr>
-            <a:picLocks noChangeAspect="1"/>
-          </p:cNvPicPr>
-          <p:nvPr/>
-        </p:nvPicPr>
-        <p:blipFill>
-          <a:blip r:embed="rId2">
-            <a:extLst>
-              <a:ext uri="{28A0092B-C50C-407E-A947-70E740481C1C}">
-                <a14:useLocalDpi xmlns:a14="http://schemas.microsoft.com/office/drawing/2010/main" val="0"/>
-              </a:ext>
-            </a:extLst>
-          </a:blip>
-          <a:stretch>
-            <a:fillRect/>
-          </a:stretch>
-        </p:blipFill>
-        <p:spPr>
-          <a:xfrm>
-            <a:off x="884997" y="646002"/>
-            <a:ext cx="7772400" cy="4672124"/>
-          </a:xfrm>
-          <a:prstGeom prst="rect">
-            <a:avLst/>
-          </a:prstGeom>
-        </p:spPr>
-      </p:pic>
     </p:spTree>
     <p:extLst>
       <p:ext uri="{BB962C8B-B14F-4D97-AF65-F5344CB8AC3E}">
-        <p14:creationId xmlns:p14="http://schemas.microsoft.com/office/powerpoint/2010/main" val="3748472536"/>
+        <p14:creationId xmlns:p14="http://schemas.microsoft.com/office/powerpoint/2010/main" val="161025796"/>
       </p:ext>
     </p:extLst>
   </p:cSld>
@@ -27981,7 +28254,7 @@
           <p:cNvPr id="2" name="Title 1">
             <a:extLst>
               <a:ext uri="{FF2B5EF4-FFF2-40B4-BE49-F238E27FC236}">
-                <a16:creationId xmlns:a16="http://schemas.microsoft.com/office/drawing/2014/main" id="{734F6EA2-14BC-76D1-379F-525047DC6695}"/>
+                <a16:creationId xmlns:a16="http://schemas.microsoft.com/office/drawing/2014/main" id="{F47D11AA-1D7C-3946-95CF-74F16E24AD33}"/>
               </a:ext>
             </a:extLst>
           </p:cNvPr>
@@ -27992,29 +28265,58 @@
             <p:ph type="title"/>
           </p:nvPr>
         </p:nvSpPr>
-        <p:spPr>
-          <a:xfrm>
-            <a:off x="683568" y="1904999"/>
-            <a:ext cx="8229600" cy="952501"/>
-          </a:xfrm>
-        </p:spPr>
+        <p:spPr/>
         <p:txBody>
           <a:bodyPr/>
           <a:lstStyle/>
           <a:p>
             <a:r>
-              <a:rPr lang="en-GB" dirty="0"/>
-              <a:t>Review questions</a:t>
+              <a:rPr lang="en-US" dirty="0"/>
+              <a:t>Dropouts – practical notes</a:t>
             </a:r>
           </a:p>
         </p:txBody>
       </p:sp>
       <p:sp>
         <p:nvSpPr>
-          <p:cNvPr id="3" name="Slide Number Placeholder 2">
-            <a:extLst>
-              <a:ext uri="{FF2B5EF4-FFF2-40B4-BE49-F238E27FC236}">
-                <a16:creationId xmlns:a16="http://schemas.microsoft.com/office/drawing/2014/main" id="{C6CCE4F5-FE1F-EFA2-7A2E-4EEC1B2D06B4}"/>
+          <p:cNvPr id="3" name="Content Placeholder 2">
+            <a:extLst>
+              <a:ext uri="{FF2B5EF4-FFF2-40B4-BE49-F238E27FC236}">
+                <a16:creationId xmlns:a16="http://schemas.microsoft.com/office/drawing/2014/main" id="{4B9A335C-5133-B14E-999A-7E0AB18725CF}"/>
+              </a:ext>
+            </a:extLst>
+          </p:cNvPr>
+          <p:cNvSpPr>
+            <a:spLocks noGrp="1"/>
+          </p:cNvSpPr>
+          <p:nvPr>
+            <p:ph idx="1"/>
+          </p:nvPr>
+        </p:nvSpPr>
+        <p:spPr/>
+        <p:txBody>
+          <a:bodyPr/>
+          <a:lstStyle/>
+          <a:p>
+            <a:r>
+              <a:rPr lang="en-US" dirty="0"/>
+              <a:t>When the training sample is very small, dropout method is not very effective. </a:t>
+            </a:r>
+          </a:p>
+          <a:p>
+            <a:r>
+              <a:rPr lang="en-US" dirty="0"/>
+              <a:t>When additional unlabeled samples are available,  unsupervised feature learning can improve the performance better than dropout. </a:t>
+            </a:r>
+          </a:p>
+        </p:txBody>
+      </p:sp>
+      <p:sp>
+        <p:nvSpPr>
+          <p:cNvPr id="4" name="Slide Number Placeholder 3">
+            <a:extLst>
+              <a:ext uri="{FF2B5EF4-FFF2-40B4-BE49-F238E27FC236}">
+                <a16:creationId xmlns:a16="http://schemas.microsoft.com/office/drawing/2014/main" id="{1ACE8931-EB8D-CD41-A57D-53DE989BFFA6}"/>
               </a:ext>
             </a:extLst>
           </p:cNvPr>
@@ -28030,108 +28332,19 @@
           <a:bodyPr/>
           <a:lstStyle/>
           <a:p>
-            <a:fld id="{BB98F552-A29D-2D4E-8192-F20670493719}" type="slidenum">
+            <a:fld id="{44E22EE9-B8A0-0641-9265-052CFE9B95A7}" type="slidenum">
               <a:rPr lang="en-GB" altLang="en-US" smtClean="0"/>
               <a:pPr/>
               <a:t>54</a:t>
             </a:fld>
-            <a:endParaRPr lang="en-GB" altLang="en-US" dirty="0"/>
+            <a:endParaRPr lang="en-GB" altLang="en-US"/>
           </a:p>
         </p:txBody>
       </p:sp>
-      <p:sp>
-        <p:nvSpPr>
-          <p:cNvPr id="4" name="TextBox 3">
-            <a:extLst>
-              <a:ext uri="{FF2B5EF4-FFF2-40B4-BE49-F238E27FC236}">
-                <a16:creationId xmlns:a16="http://schemas.microsoft.com/office/drawing/2014/main" id="{8314E32F-EC5E-BD2C-CA3D-3FA8B318C09D}"/>
-              </a:ext>
-            </a:extLst>
-          </p:cNvPr>
-          <p:cNvSpPr txBox="1"/>
-          <p:nvPr/>
-        </p:nvSpPr>
-        <p:spPr>
-          <a:xfrm>
-            <a:off x="683568" y="3903147"/>
-            <a:ext cx="2885085" cy="369332"/>
-          </a:xfrm>
-          <a:prstGeom prst="rect">
-            <a:avLst/>
-          </a:prstGeom>
-          <a:noFill/>
-        </p:spPr>
-        <p:txBody>
-          <a:bodyPr wrap="none" rtlCol="0">
-            <a:spAutoFit/>
-          </a:bodyPr>
-          <a:lstStyle/>
-          <a:p>
-            <a:r>
-              <a:rPr lang="en-GB" dirty="0" err="1">
-                <a:solidFill>
-                  <a:srgbClr val="003D7D"/>
-                </a:solidFill>
-                <a:latin typeface="Gill Sans MT" panose="020B0502020104020203" pitchFamily="34" charset="77"/>
-                <a:ea typeface="ＭＳ Ｐゴシック" charset="0"/>
-                <a:cs typeface="+mj-cs"/>
-              </a:rPr>
-              <a:t>Mentimeter</a:t>
-            </a:r>
-            <a:r>
-              <a:rPr lang="en-GB" dirty="0">
-                <a:solidFill>
-                  <a:srgbClr val="003D7D"/>
-                </a:solidFill>
-                <a:latin typeface="Gill Sans MT" panose="020B0502020104020203" pitchFamily="34" charset="77"/>
-                <a:ea typeface="ＭＳ Ｐゴシック" charset="0"/>
-                <a:cs typeface="+mj-cs"/>
-              </a:rPr>
-              <a:t> code: 5825 9955</a:t>
-            </a:r>
-          </a:p>
-        </p:txBody>
-      </p:sp>
-      <p:pic>
-        <p:nvPicPr>
-          <p:cNvPr id="6" name="Picture 5" descr="Qr code&#10;&#10;Description automatically generated">
-            <a:extLst>
-              <a:ext uri="{FF2B5EF4-FFF2-40B4-BE49-F238E27FC236}">
-                <a16:creationId xmlns:a16="http://schemas.microsoft.com/office/drawing/2014/main" id="{52F5BE60-0106-7B0F-EA15-75070BC2AFB7}"/>
-              </a:ext>
-            </a:extLst>
-          </p:cNvPr>
-          <p:cNvPicPr>
-            <a:picLocks noChangeAspect="1"/>
-          </p:cNvPicPr>
-          <p:nvPr/>
-        </p:nvPicPr>
-        <p:blipFill>
-          <a:blip r:embed="rId2">
-            <a:extLst>
-              <a:ext uri="{28A0092B-C50C-407E-A947-70E740481C1C}">
-                <a14:useLocalDpi xmlns:a14="http://schemas.microsoft.com/office/drawing/2010/main" val="0"/>
-              </a:ext>
-            </a:extLst>
-          </a:blip>
-          <a:stretch>
-            <a:fillRect/>
-          </a:stretch>
-        </p:blipFill>
-        <p:spPr>
-          <a:xfrm>
-            <a:off x="5594994" y="1959098"/>
-            <a:ext cx="2698602" cy="2698602"/>
-          </a:xfrm>
-          <a:prstGeom prst="rect">
-            <a:avLst/>
-          </a:prstGeom>
-        </p:spPr>
-      </p:pic>
     </p:spTree>
     <p:extLst>
       <p:ext uri="{BB962C8B-B14F-4D97-AF65-F5344CB8AC3E}">
-        <p14:creationId xmlns:p14="http://schemas.microsoft.com/office/powerpoint/2010/main" val="433404740"/>
+        <p14:creationId xmlns:p14="http://schemas.microsoft.com/office/powerpoint/2010/main" val="249466988"/>
       </p:ext>
     </p:extLst>
   </p:cSld>
@@ -28163,7 +28376,7 @@
           <p:cNvPr id="2" name="Title 1">
             <a:extLst>
               <a:ext uri="{FF2B5EF4-FFF2-40B4-BE49-F238E27FC236}">
-                <a16:creationId xmlns:a16="http://schemas.microsoft.com/office/drawing/2014/main" id="{8021B0F2-3821-CD3D-B330-CD4F2421D36A}"/>
+                <a16:creationId xmlns:a16="http://schemas.microsoft.com/office/drawing/2014/main" id="{78616E43-D9E7-EAFB-B262-A31B30E918AF}"/>
               </a:ext>
             </a:extLst>
           </p:cNvPr>
@@ -28181,35 +28394,7 @@
           <a:p>
             <a:r>
               <a:rPr lang="en-GB" dirty="0"/>
-              <a:t>Q1</a:t>
-            </a:r>
-          </a:p>
-        </p:txBody>
-      </p:sp>
-      <p:sp>
-        <p:nvSpPr>
-          <p:cNvPr id="3" name="Content Placeholder 2">
-            <a:extLst>
-              <a:ext uri="{FF2B5EF4-FFF2-40B4-BE49-F238E27FC236}">
-                <a16:creationId xmlns:a16="http://schemas.microsoft.com/office/drawing/2014/main" id="{DCC699EC-FACD-9F52-BC28-40113A709968}"/>
-              </a:ext>
-            </a:extLst>
-          </p:cNvPr>
-          <p:cNvSpPr>
-            <a:spLocks noGrp="1"/>
-          </p:cNvSpPr>
-          <p:nvPr>
-            <p:ph idx="1"/>
-          </p:nvPr>
-        </p:nvSpPr>
-        <p:spPr/>
-        <p:txBody>
-          <a:bodyPr/>
-          <a:lstStyle/>
-          <a:p>
-            <a:r>
-              <a:rPr lang="en-GB" dirty="0"/>
-              <a:t>What could be the purpose of a NN architecture like this? </a:t>
+              <a:t>Example - 1</a:t>
             </a:r>
           </a:p>
         </p:txBody>
@@ -28219,7 +28404,7 @@
           <p:cNvPr id="4" name="Slide Number Placeholder 3">
             <a:extLst>
               <a:ext uri="{FF2B5EF4-FFF2-40B4-BE49-F238E27FC236}">
-                <a16:creationId xmlns:a16="http://schemas.microsoft.com/office/drawing/2014/main" id="{76D314E9-EACD-0287-4107-3D552A2EEA66}"/>
+                <a16:creationId xmlns:a16="http://schemas.microsoft.com/office/drawing/2014/main" id="{4864D2B5-AE09-EBF0-4970-14A56F072F71}"/>
               </a:ext>
             </a:extLst>
           </p:cNvPr>
@@ -28246,10 +28431,10 @@
       </p:sp>
       <p:pic>
         <p:nvPicPr>
-          <p:cNvPr id="8" name="Picture 7" descr="Diagram&#10;&#10;Description automatically generated">
-            <a:extLst>
-              <a:ext uri="{FF2B5EF4-FFF2-40B4-BE49-F238E27FC236}">
-                <a16:creationId xmlns:a16="http://schemas.microsoft.com/office/drawing/2014/main" id="{C97288C9-9E88-B6B0-F7F8-6C441D2B8B85}"/>
+          <p:cNvPr id="6" name="Picture 5" descr="Diagram&#10;&#10;Description automatically generated">
+            <a:extLst>
+              <a:ext uri="{FF2B5EF4-FFF2-40B4-BE49-F238E27FC236}">
+                <a16:creationId xmlns:a16="http://schemas.microsoft.com/office/drawing/2014/main" id="{A44E03E5-18C4-DDFA-77C6-DFCA035E494B}"/>
               </a:ext>
             </a:extLst>
           </p:cNvPr>
@@ -28272,8 +28457,8 @@
         </p:blipFill>
         <p:spPr>
           <a:xfrm>
-            <a:off x="611560" y="1417340"/>
-            <a:ext cx="7772400" cy="3139314"/>
+            <a:off x="685800" y="1417340"/>
+            <a:ext cx="7772400" cy="2303284"/>
           </a:xfrm>
           <a:prstGeom prst="rect">
             <a:avLst/>
@@ -28283,7 +28468,7 @@
     </p:spTree>
     <p:extLst>
       <p:ext uri="{BB962C8B-B14F-4D97-AF65-F5344CB8AC3E}">
-        <p14:creationId xmlns:p14="http://schemas.microsoft.com/office/powerpoint/2010/main" val="4202234545"/>
+        <p14:creationId xmlns:p14="http://schemas.microsoft.com/office/powerpoint/2010/main" val="240174982"/>
       </p:ext>
     </p:extLst>
   </p:cSld>
@@ -28315,7 +28500,7 @@
           <p:cNvPr id="2" name="Title 1">
             <a:extLst>
               <a:ext uri="{FF2B5EF4-FFF2-40B4-BE49-F238E27FC236}">
-                <a16:creationId xmlns:a16="http://schemas.microsoft.com/office/drawing/2014/main" id="{814CF8EF-3CAD-00AF-7B8A-A1D562022048}"/>
+                <a16:creationId xmlns:a16="http://schemas.microsoft.com/office/drawing/2014/main" id="{6559DECC-2000-3CD9-3EA1-DD3CF1A76BAC}"/>
               </a:ext>
             </a:extLst>
           </p:cNvPr>
@@ -28333,73 +28518,17 @@
           <a:p>
             <a:r>
               <a:rPr lang="en-GB" dirty="0"/>
-              <a:t>Q2</a:t>
+              <a:t>Example -2</a:t>
             </a:r>
           </a:p>
         </p:txBody>
       </p:sp>
       <p:sp>
         <p:nvSpPr>
-          <p:cNvPr id="3" name="Content Placeholder 2">
-            <a:extLst>
-              <a:ext uri="{FF2B5EF4-FFF2-40B4-BE49-F238E27FC236}">
-                <a16:creationId xmlns:a16="http://schemas.microsoft.com/office/drawing/2014/main" id="{FCF7E818-E523-E292-D896-F6A80494E7E2}"/>
-              </a:ext>
-            </a:extLst>
-          </p:cNvPr>
-          <p:cNvSpPr>
-            <a:spLocks noGrp="1"/>
-          </p:cNvSpPr>
-          <p:nvPr>
-            <p:ph idx="1"/>
-          </p:nvPr>
-        </p:nvSpPr>
-        <p:spPr/>
-        <p:txBody>
-          <a:bodyPr/>
-          <a:lstStyle/>
-          <a:p>
-            <a:r>
-              <a:rPr lang="en-GB" dirty="0"/>
-              <a:t>Which of these will not improve the convergence of a neural networks model?</a:t>
-            </a:r>
-          </a:p>
-          <a:p>
-            <a:pPr lvl="1"/>
-            <a:r>
-              <a:rPr lang="en-GB" dirty="0"/>
-              <a:t>Adaptive learning rate</a:t>
-            </a:r>
-          </a:p>
-          <a:p>
-            <a:pPr lvl="1"/>
-            <a:r>
-              <a:rPr lang="en-GB" dirty="0"/>
-              <a:t>Data normalisation</a:t>
-            </a:r>
-          </a:p>
-          <a:p>
-            <a:pPr lvl="1"/>
-            <a:r>
-              <a:rPr lang="en-GB" dirty="0"/>
-              <a:t>Using an optimiser method</a:t>
-            </a:r>
-          </a:p>
-          <a:p>
-            <a:pPr lvl="1"/>
-            <a:r>
-              <a:rPr lang="en-GB" dirty="0"/>
-              <a:t>Initialising all the weights to zero (zero initialisation)</a:t>
-            </a:r>
-          </a:p>
-        </p:txBody>
-      </p:sp>
-      <p:sp>
-        <p:nvSpPr>
-          <p:cNvPr id="4" name="Slide Number Placeholder 3">
-            <a:extLst>
-              <a:ext uri="{FF2B5EF4-FFF2-40B4-BE49-F238E27FC236}">
-                <a16:creationId xmlns:a16="http://schemas.microsoft.com/office/drawing/2014/main" id="{A0B2D7BF-80DB-160C-C9DE-D82E4E21E51E}"/>
+          <p:cNvPr id="3" name="Slide Number Placeholder 2">
+            <a:extLst>
+              <a:ext uri="{FF2B5EF4-FFF2-40B4-BE49-F238E27FC236}">
+                <a16:creationId xmlns:a16="http://schemas.microsoft.com/office/drawing/2014/main" id="{140944EA-A188-89FB-9F9D-2230006EF847}"/>
               </a:ext>
             </a:extLst>
           </p:cNvPr>
@@ -28415,7 +28544,7 @@
           <a:bodyPr/>
           <a:lstStyle/>
           <a:p>
-            <a:fld id="{44E22EE9-B8A0-0641-9265-052CFE9B95A7}" type="slidenum">
+            <a:fld id="{BB98F552-A29D-2D4E-8192-F20670493719}" type="slidenum">
               <a:rPr lang="en-GB" altLang="en-US" smtClean="0"/>
               <a:pPr/>
               <a:t>56</a:t>
@@ -28424,10 +28553,46 @@
           </a:p>
         </p:txBody>
       </p:sp>
+      <p:pic>
+        <p:nvPicPr>
+          <p:cNvPr id="4" name="Picture 3" descr="Diagram&#10;&#10;Description automatically generated">
+            <a:extLst>
+              <a:ext uri="{FF2B5EF4-FFF2-40B4-BE49-F238E27FC236}">
+                <a16:creationId xmlns:a16="http://schemas.microsoft.com/office/drawing/2014/main" id="{BB3D4226-A77B-ED36-9701-4BDEA821D450}"/>
+              </a:ext>
+            </a:extLst>
+          </p:cNvPr>
+          <p:cNvPicPr>
+            <a:picLocks noChangeAspect="1"/>
+          </p:cNvPicPr>
+          <p:nvPr/>
+        </p:nvPicPr>
+        <p:blipFill>
+          <a:blip r:embed="rId2">
+            <a:extLst>
+              <a:ext uri="{28A0092B-C50C-407E-A947-70E740481C1C}">
+                <a14:useLocalDpi xmlns:a14="http://schemas.microsoft.com/office/drawing/2010/main" val="0"/>
+              </a:ext>
+            </a:extLst>
+          </a:blip>
+          <a:stretch>
+            <a:fillRect/>
+          </a:stretch>
+        </p:blipFill>
+        <p:spPr>
+          <a:xfrm>
+            <a:off x="884997" y="646002"/>
+            <a:ext cx="7772400" cy="4672124"/>
+          </a:xfrm>
+          <a:prstGeom prst="rect">
+            <a:avLst/>
+          </a:prstGeom>
+        </p:spPr>
+      </p:pic>
     </p:spTree>
     <p:extLst>
       <p:ext uri="{BB962C8B-B14F-4D97-AF65-F5344CB8AC3E}">
-        <p14:creationId xmlns:p14="http://schemas.microsoft.com/office/powerpoint/2010/main" val="1779124528"/>
+        <p14:creationId xmlns:p14="http://schemas.microsoft.com/office/powerpoint/2010/main" val="3748472536"/>
       </p:ext>
     </p:extLst>
   </p:cSld>
@@ -28459,7 +28624,7 @@
           <p:cNvPr id="2" name="Title 1">
             <a:extLst>
               <a:ext uri="{FF2B5EF4-FFF2-40B4-BE49-F238E27FC236}">
-                <a16:creationId xmlns:a16="http://schemas.microsoft.com/office/drawing/2014/main" id="{6C947F4E-9B94-F5CB-203A-DCC969CCA43A}"/>
+                <a16:creationId xmlns:a16="http://schemas.microsoft.com/office/drawing/2014/main" id="{734F6EA2-14BC-76D1-379F-525047DC6695}"/>
               </a:ext>
             </a:extLst>
           </p:cNvPr>
@@ -28470,60 +28635,29 @@
             <p:ph type="title"/>
           </p:nvPr>
         </p:nvSpPr>
-        <p:spPr/>
+        <p:spPr>
+          <a:xfrm>
+            <a:off x="683568" y="1904999"/>
+            <a:ext cx="8229600" cy="952501"/>
+          </a:xfrm>
+        </p:spPr>
         <p:txBody>
           <a:bodyPr/>
           <a:lstStyle/>
           <a:p>
             <a:r>
               <a:rPr lang="en-GB" dirty="0"/>
-              <a:t>Acknowledgments</a:t>
+              <a:t>Review questions</a:t>
             </a:r>
           </a:p>
         </p:txBody>
       </p:sp>
       <p:sp>
         <p:nvSpPr>
-          <p:cNvPr id="3" name="Content Placeholder 2">
-            <a:extLst>
-              <a:ext uri="{FF2B5EF4-FFF2-40B4-BE49-F238E27FC236}">
-                <a16:creationId xmlns:a16="http://schemas.microsoft.com/office/drawing/2014/main" id="{95878951-2515-EE74-D7C0-67A8C7FA66CC}"/>
-              </a:ext>
-            </a:extLst>
-          </p:cNvPr>
-          <p:cNvSpPr>
-            <a:spLocks noGrp="1"/>
-          </p:cNvSpPr>
-          <p:nvPr>
-            <p:ph idx="1"/>
-          </p:nvPr>
-        </p:nvSpPr>
-        <p:spPr/>
-        <p:txBody>
-          <a:bodyPr/>
-          <a:lstStyle/>
-          <a:p>
-            <a:r>
-              <a:rPr lang="en-GB" sz="1800" dirty="0"/>
-              <a:t>Several slides are adapted from Dive into Deep Learning by Aston Zhang et al., https://d2l.ai/</a:t>
-            </a:r>
-            <a:r>
-              <a:rPr lang="en-GB" sz="1800" dirty="0" err="1"/>
-              <a:t>index.html</a:t>
-            </a:r>
-            <a:r>
-              <a:rPr lang="en-GB" sz="1800" dirty="0"/>
-              <a:t> </a:t>
-            </a:r>
-          </a:p>
-        </p:txBody>
-      </p:sp>
-      <p:sp>
-        <p:nvSpPr>
-          <p:cNvPr id="4" name="Slide Number Placeholder 3">
-            <a:extLst>
-              <a:ext uri="{FF2B5EF4-FFF2-40B4-BE49-F238E27FC236}">
-                <a16:creationId xmlns:a16="http://schemas.microsoft.com/office/drawing/2014/main" id="{9168C321-C8FD-6B4F-73D6-4A04023A70E9}"/>
+          <p:cNvPr id="3" name="Slide Number Placeholder 2">
+            <a:extLst>
+              <a:ext uri="{FF2B5EF4-FFF2-40B4-BE49-F238E27FC236}">
+                <a16:creationId xmlns:a16="http://schemas.microsoft.com/office/drawing/2014/main" id="{C6CCE4F5-FE1F-EFA2-7A2E-4EEC1B2D06B4}"/>
               </a:ext>
             </a:extLst>
           </p:cNvPr>
@@ -28539,7 +28673,7 @@
           <a:bodyPr/>
           <a:lstStyle/>
           <a:p>
-            <a:fld id="{44E22EE9-B8A0-0641-9265-052CFE9B95A7}" type="slidenum">
+            <a:fld id="{BB98F552-A29D-2D4E-8192-F20670493719}" type="slidenum">
               <a:rPr lang="en-GB" altLang="en-US" smtClean="0"/>
               <a:pPr/>
               <a:t>57</a:t>
@@ -28548,10 +28682,99 @@
           </a:p>
         </p:txBody>
       </p:sp>
+      <p:sp>
+        <p:nvSpPr>
+          <p:cNvPr id="4" name="TextBox 3">
+            <a:extLst>
+              <a:ext uri="{FF2B5EF4-FFF2-40B4-BE49-F238E27FC236}">
+                <a16:creationId xmlns:a16="http://schemas.microsoft.com/office/drawing/2014/main" id="{8314E32F-EC5E-BD2C-CA3D-3FA8B318C09D}"/>
+              </a:ext>
+            </a:extLst>
+          </p:cNvPr>
+          <p:cNvSpPr txBox="1"/>
+          <p:nvPr/>
+        </p:nvSpPr>
+        <p:spPr>
+          <a:xfrm>
+            <a:off x="683568" y="3903147"/>
+            <a:ext cx="2885085" cy="369332"/>
+          </a:xfrm>
+          <a:prstGeom prst="rect">
+            <a:avLst/>
+          </a:prstGeom>
+          <a:noFill/>
+        </p:spPr>
+        <p:txBody>
+          <a:bodyPr wrap="none" rtlCol="0">
+            <a:spAutoFit/>
+          </a:bodyPr>
+          <a:lstStyle/>
+          <a:p>
+            <a:r>
+              <a:rPr lang="en-GB" dirty="0" err="1">
+                <a:solidFill>
+                  <a:srgbClr val="003D7D"/>
+                </a:solidFill>
+                <a:latin typeface="Gill Sans MT" panose="020B0502020104020203" pitchFamily="34" charset="77"/>
+                <a:ea typeface="ＭＳ Ｐゴシック" charset="0"/>
+                <a:cs typeface="+mj-cs"/>
+              </a:rPr>
+              <a:t>Mentimeter</a:t>
+            </a:r>
+            <a:r>
+              <a:rPr lang="en-GB" dirty="0">
+                <a:solidFill>
+                  <a:srgbClr val="003D7D"/>
+                </a:solidFill>
+                <a:latin typeface="Gill Sans MT" panose="020B0502020104020203" pitchFamily="34" charset="77"/>
+                <a:ea typeface="ＭＳ Ｐゴシック" charset="0"/>
+                <a:cs typeface="+mj-cs"/>
+              </a:rPr>
+              <a:t> code: 5825 9955</a:t>
+            </a:r>
+          </a:p>
+        </p:txBody>
+      </p:sp>
+      <p:pic>
+        <p:nvPicPr>
+          <p:cNvPr id="6" name="Picture 5" descr="Qr code&#10;&#10;Description automatically generated">
+            <a:extLst>
+              <a:ext uri="{FF2B5EF4-FFF2-40B4-BE49-F238E27FC236}">
+                <a16:creationId xmlns:a16="http://schemas.microsoft.com/office/drawing/2014/main" id="{52F5BE60-0106-7B0F-EA15-75070BC2AFB7}"/>
+              </a:ext>
+            </a:extLst>
+          </p:cNvPr>
+          <p:cNvPicPr>
+            <a:picLocks noChangeAspect="1"/>
+          </p:cNvPicPr>
+          <p:nvPr/>
+        </p:nvPicPr>
+        <p:blipFill>
+          <a:blip r:embed="rId2">
+            <a:extLst>
+              <a:ext uri="{28A0092B-C50C-407E-A947-70E740481C1C}">
+                <a14:useLocalDpi xmlns:a14="http://schemas.microsoft.com/office/drawing/2010/main" val="0"/>
+              </a:ext>
+            </a:extLst>
+          </a:blip>
+          <a:stretch>
+            <a:fillRect/>
+          </a:stretch>
+        </p:blipFill>
+        <p:spPr>
+          <a:xfrm>
+            <a:off x="5594994" y="1959098"/>
+            <a:ext cx="2698602" cy="2698602"/>
+          </a:xfrm>
+          <a:prstGeom prst="rect">
+            <a:avLst/>
+          </a:prstGeom>
+        </p:spPr>
+      </p:pic>
     </p:spTree>
     <p:extLst>
       <p:ext uri="{BB962C8B-B14F-4D97-AF65-F5344CB8AC3E}">
-        <p14:creationId xmlns:p14="http://schemas.microsoft.com/office/powerpoint/2010/main" val="2653526672"/>
+        <p14:creationId xmlns:p14="http://schemas.microsoft.com/office/powerpoint/2010/main" val="433404740"/>
       </p:ext>
     </p:extLst>
   </p:cSld>
@@ -28583,7 +28806,7 @@
           <p:cNvPr id="2" name="Title 1">
             <a:extLst>
               <a:ext uri="{FF2B5EF4-FFF2-40B4-BE49-F238E27FC236}">
-                <a16:creationId xmlns:a16="http://schemas.microsoft.com/office/drawing/2014/main" id="{4A0D4B0E-EC4B-AF65-F5A6-6C77B84E688D}"/>
+                <a16:creationId xmlns:a16="http://schemas.microsoft.com/office/drawing/2014/main" id="{8021B0F2-3821-CD3D-B330-CD4F2421D36A}"/>
               </a:ext>
             </a:extLst>
           </p:cNvPr>
@@ -28600,8 +28823,8 @@
           <a:lstStyle/>
           <a:p>
             <a:r>
-              <a:rPr lang="en-US" dirty="0"/>
-              <a:t>If you have any questions </a:t>
+              <a:rPr lang="en-GB" dirty="0"/>
+              <a:t>Q1</a:t>
             </a:r>
           </a:p>
         </p:txBody>
@@ -28611,7 +28834,7 @@
           <p:cNvPr id="3" name="Content Placeholder 2">
             <a:extLst>
               <a:ext uri="{FF2B5EF4-FFF2-40B4-BE49-F238E27FC236}">
-                <a16:creationId xmlns:a16="http://schemas.microsoft.com/office/drawing/2014/main" id="{F37C2CD0-A4E6-0FCE-E04C-C1C1CB0C3E1D}"/>
+                <a16:creationId xmlns:a16="http://schemas.microsoft.com/office/drawing/2014/main" id="{DCC699EC-FACD-9F52-BC28-40113A709968}"/>
               </a:ext>
             </a:extLst>
           </p:cNvPr>
@@ -28628,20 +28851,9 @@
           <a:lstStyle/>
           <a:p>
             <a:r>
-              <a:rPr lang="en-US" dirty="0"/>
-              <a:t>Please feel free to come and see me (9</a:t>
-            </a:r>
-            <a:r>
-              <a:rPr lang="en-US" baseline="30000" dirty="0"/>
-              <a:t>th</a:t>
-            </a:r>
-            <a:r>
-              <a:rPr lang="en-US" dirty="0"/>
-              <a:t> Floor, Sir Michael Uren Research Hub, White City Campus) or email (p.barnaghi@imperial.ac.uk). </a:t>
-            </a:r>
-          </a:p>
-          <a:p>
-            <a:endParaRPr lang="en-US" dirty="0"/>
+              <a:rPr lang="en-GB" dirty="0"/>
+              <a:t>What could be the purpose of a NN architecture like this? </a:t>
+            </a:r>
           </a:p>
         </p:txBody>
       </p:sp>
@@ -28650,7 +28862,7 @@
           <p:cNvPr id="4" name="Slide Number Placeholder 3">
             <a:extLst>
               <a:ext uri="{FF2B5EF4-FFF2-40B4-BE49-F238E27FC236}">
-                <a16:creationId xmlns:a16="http://schemas.microsoft.com/office/drawing/2014/main" id="{5871F661-CD16-4A1E-EAB3-76CFDCC66AF4}"/>
+                <a16:creationId xmlns:a16="http://schemas.microsoft.com/office/drawing/2014/main" id="{76D314E9-EACD-0287-4107-3D552A2EEA66}"/>
               </a:ext>
             </a:extLst>
           </p:cNvPr>
@@ -28675,10 +28887,46 @@
           </a:p>
         </p:txBody>
       </p:sp>
+      <p:pic>
+        <p:nvPicPr>
+          <p:cNvPr id="8" name="Picture 7" descr="Diagram&#10;&#10;Description automatically generated">
+            <a:extLst>
+              <a:ext uri="{FF2B5EF4-FFF2-40B4-BE49-F238E27FC236}">
+                <a16:creationId xmlns:a16="http://schemas.microsoft.com/office/drawing/2014/main" id="{C97288C9-9E88-B6B0-F7F8-6C441D2B8B85}"/>
+              </a:ext>
+            </a:extLst>
+          </p:cNvPr>
+          <p:cNvPicPr>
+            <a:picLocks noChangeAspect="1"/>
+          </p:cNvPicPr>
+          <p:nvPr/>
+        </p:nvPicPr>
+        <p:blipFill>
+          <a:blip r:embed="rId2">
+            <a:extLst>
+              <a:ext uri="{28A0092B-C50C-407E-A947-70E740481C1C}">
+                <a14:useLocalDpi xmlns:a14="http://schemas.microsoft.com/office/drawing/2010/main" val="0"/>
+              </a:ext>
+            </a:extLst>
+          </a:blip>
+          <a:stretch>
+            <a:fillRect/>
+          </a:stretch>
+        </p:blipFill>
+        <p:spPr>
+          <a:xfrm>
+            <a:off x="611560" y="1417340"/>
+            <a:ext cx="7772400" cy="3139314"/>
+          </a:xfrm>
+          <a:prstGeom prst="rect">
+            <a:avLst/>
+          </a:prstGeom>
+        </p:spPr>
+      </p:pic>
     </p:spTree>
     <p:extLst>
       <p:ext uri="{BB962C8B-B14F-4D97-AF65-F5344CB8AC3E}">
-        <p14:creationId xmlns:p14="http://schemas.microsoft.com/office/powerpoint/2010/main" val="339632004"/>
+        <p14:creationId xmlns:p14="http://schemas.microsoft.com/office/powerpoint/2010/main" val="4202234545"/>
       </p:ext>
     </p:extLst>
   </p:cSld>
@@ -28710,7 +28958,7 @@
           <p:cNvPr id="2" name="Title 1">
             <a:extLst>
               <a:ext uri="{FF2B5EF4-FFF2-40B4-BE49-F238E27FC236}">
-                <a16:creationId xmlns:a16="http://schemas.microsoft.com/office/drawing/2014/main" id="{D1054D05-FE96-EDFD-05C6-8D929E43D4D0}"/>
+                <a16:creationId xmlns:a16="http://schemas.microsoft.com/office/drawing/2014/main" id="{814CF8EF-3CAD-00AF-7B8A-A1D562022048}"/>
               </a:ext>
             </a:extLst>
           </p:cNvPr>
@@ -28721,19 +28969,70 @@
             <p:ph type="title"/>
           </p:nvPr>
         </p:nvSpPr>
-        <p:spPr>
-          <a:xfrm>
-            <a:off x="755576" y="2381249"/>
-            <a:ext cx="8229600" cy="952501"/>
-          </a:xfrm>
-        </p:spPr>
+        <p:spPr/>
         <p:txBody>
           <a:bodyPr/>
           <a:lstStyle/>
           <a:p>
             <a:r>
               <a:rPr lang="en-GB" dirty="0"/>
-              <a:t>Further reading</a:t>
+              <a:t>Q2</a:t>
+            </a:r>
+          </a:p>
+        </p:txBody>
+      </p:sp>
+      <p:sp>
+        <p:nvSpPr>
+          <p:cNvPr id="3" name="Content Placeholder 2">
+            <a:extLst>
+              <a:ext uri="{FF2B5EF4-FFF2-40B4-BE49-F238E27FC236}">
+                <a16:creationId xmlns:a16="http://schemas.microsoft.com/office/drawing/2014/main" id="{FCF7E818-E523-E292-D896-F6A80494E7E2}"/>
+              </a:ext>
+            </a:extLst>
+          </p:cNvPr>
+          <p:cNvSpPr>
+            <a:spLocks noGrp="1"/>
+          </p:cNvSpPr>
+          <p:nvPr>
+            <p:ph idx="1"/>
+          </p:nvPr>
+        </p:nvSpPr>
+        <p:spPr/>
+        <p:txBody>
+          <a:bodyPr/>
+          <a:lstStyle/>
+          <a:p>
+            <a:r>
+              <a:rPr lang="en-GB" dirty="0"/>
+              <a:t>Which of these will not improve the convergence of a neural networks model?</a:t>
+            </a:r>
+          </a:p>
+          <a:p>
+            <a:pPr lvl="1"/>
+            <a:r>
+              <a:rPr lang="en-GB" dirty="0"/>
+              <a:t>Adaptive learning rate</a:t>
+            </a:r>
+          </a:p>
+          <a:p>
+            <a:pPr lvl="1"/>
+            <a:r>
+              <a:rPr lang="en-GB" dirty="0"/>
+              <a:t>Data normalisation</a:t>
+            </a:r>
+          </a:p>
+          <a:p>
+            <a:pPr lvl="1"/>
+            <a:r>
+              <a:rPr lang="en-GB" dirty="0"/>
+              <a:t>Using an optimiser method</a:t>
+            </a:r>
+          </a:p>
+          <a:p>
+            <a:pPr lvl="1"/>
+            <a:r>
+              <a:rPr lang="en-GB" dirty="0"/>
+              <a:t>Initialising all the weights to zero (zero initialisation)</a:t>
             </a:r>
           </a:p>
         </p:txBody>
@@ -28743,7 +29042,7 @@
           <p:cNvPr id="4" name="Slide Number Placeholder 3">
             <a:extLst>
               <a:ext uri="{FF2B5EF4-FFF2-40B4-BE49-F238E27FC236}">
-                <a16:creationId xmlns:a16="http://schemas.microsoft.com/office/drawing/2014/main" id="{82F2CBC6-DBC3-1E50-C147-F67DB2215EEE}"/>
+                <a16:creationId xmlns:a16="http://schemas.microsoft.com/office/drawing/2014/main" id="{A0B2D7BF-80DB-160C-C9DE-D82E4E21E51E}"/>
               </a:ext>
             </a:extLst>
           </p:cNvPr>
@@ -28771,7 +29070,7 @@
     </p:spTree>
     <p:extLst>
       <p:ext uri="{BB962C8B-B14F-4D97-AF65-F5344CB8AC3E}">
-        <p14:creationId xmlns:p14="http://schemas.microsoft.com/office/powerpoint/2010/main" val="2198604453"/>
+        <p14:creationId xmlns:p14="http://schemas.microsoft.com/office/powerpoint/2010/main" val="1779124528"/>
       </p:ext>
     </p:extLst>
   </p:cSld>
@@ -30400,7 +30699,7 @@
           <p:cNvPr id="2" name="Title 1">
             <a:extLst>
               <a:ext uri="{FF2B5EF4-FFF2-40B4-BE49-F238E27FC236}">
-                <a16:creationId xmlns:a16="http://schemas.microsoft.com/office/drawing/2014/main" id="{7A60B60A-A8A4-F82E-F90F-372A336B8946}"/>
+                <a16:creationId xmlns:a16="http://schemas.microsoft.com/office/drawing/2014/main" id="{6C947F4E-9B94-F5CB-203A-DCC969CCA43A}"/>
               </a:ext>
             </a:extLst>
           </p:cNvPr>
@@ -30418,7 +30717,43 @@
           <a:p>
             <a:r>
               <a:rPr lang="en-GB" dirty="0"/>
-              <a:t>Derivative of Sigmoid function</a:t>
+              <a:t>Acknowledgments</a:t>
+            </a:r>
+          </a:p>
+        </p:txBody>
+      </p:sp>
+      <p:sp>
+        <p:nvSpPr>
+          <p:cNvPr id="3" name="Content Placeholder 2">
+            <a:extLst>
+              <a:ext uri="{FF2B5EF4-FFF2-40B4-BE49-F238E27FC236}">
+                <a16:creationId xmlns:a16="http://schemas.microsoft.com/office/drawing/2014/main" id="{95878951-2515-EE74-D7C0-67A8C7FA66CC}"/>
+              </a:ext>
+            </a:extLst>
+          </p:cNvPr>
+          <p:cNvSpPr>
+            <a:spLocks noGrp="1"/>
+          </p:cNvSpPr>
+          <p:nvPr>
+            <p:ph idx="1"/>
+          </p:nvPr>
+        </p:nvSpPr>
+        <p:spPr/>
+        <p:txBody>
+          <a:bodyPr/>
+          <a:lstStyle/>
+          <a:p>
+            <a:r>
+              <a:rPr lang="en-GB" sz="1800" dirty="0"/>
+              <a:t>Several slides are adapted from Dive into Deep Learning by Aston Zhang et al., https://d2l.ai/</a:t>
+            </a:r>
+            <a:r>
+              <a:rPr lang="en-GB" sz="1800" dirty="0" err="1"/>
+              <a:t>index.html</a:t>
+            </a:r>
+            <a:r>
+              <a:rPr lang="en-GB" sz="1800" dirty="0"/>
+              <a:t> </a:t>
             </a:r>
           </a:p>
         </p:txBody>
@@ -30428,7 +30763,7 @@
           <p:cNvPr id="4" name="Slide Number Placeholder 3">
             <a:extLst>
               <a:ext uri="{FF2B5EF4-FFF2-40B4-BE49-F238E27FC236}">
-                <a16:creationId xmlns:a16="http://schemas.microsoft.com/office/drawing/2014/main" id="{EE507A28-C1D7-A6F3-E2B4-F772C30EB44B}"/>
+                <a16:creationId xmlns:a16="http://schemas.microsoft.com/office/drawing/2014/main" id="{9168C321-C8FD-6B4F-73D6-4A04023A70E9}"/>
               </a:ext>
             </a:extLst>
           </p:cNvPr>
@@ -30453,82 +30788,10 @@
           </a:p>
         </p:txBody>
       </p:sp>
-      <p:pic>
-        <p:nvPicPr>
-          <p:cNvPr id="6" name="Picture 5" descr="Text&#10;&#10;Description automatically generated with medium confidence">
-            <a:extLst>
-              <a:ext uri="{FF2B5EF4-FFF2-40B4-BE49-F238E27FC236}">
-                <a16:creationId xmlns:a16="http://schemas.microsoft.com/office/drawing/2014/main" id="{63708E42-7032-E8EC-9C1A-B0D75EA138FC}"/>
-              </a:ext>
-            </a:extLst>
-          </p:cNvPr>
-          <p:cNvPicPr>
-            <a:picLocks noChangeAspect="1"/>
-          </p:cNvPicPr>
-          <p:nvPr/>
-        </p:nvPicPr>
-        <p:blipFill>
-          <a:blip r:embed="rId2">
-            <a:extLst>
-              <a:ext uri="{28A0092B-C50C-407E-A947-70E740481C1C}">
-                <a14:useLocalDpi xmlns:a14="http://schemas.microsoft.com/office/drawing/2010/main" val="0"/>
-              </a:ext>
-            </a:extLst>
-          </a:blip>
-          <a:stretch>
-            <a:fillRect/>
-          </a:stretch>
-        </p:blipFill>
-        <p:spPr>
-          <a:xfrm>
-            <a:off x="990600" y="3073524"/>
-            <a:ext cx="7162800" cy="939800"/>
-          </a:xfrm>
-          <a:prstGeom prst="rect">
-            <a:avLst/>
-          </a:prstGeom>
-        </p:spPr>
-      </p:pic>
-      <p:pic>
-        <p:nvPicPr>
-          <p:cNvPr id="8" name="Picture 7" descr="Diagram&#10;&#10;Description automatically generated">
-            <a:extLst>
-              <a:ext uri="{FF2B5EF4-FFF2-40B4-BE49-F238E27FC236}">
-                <a16:creationId xmlns:a16="http://schemas.microsoft.com/office/drawing/2014/main" id="{6AAFA948-A7FD-41D9-C08F-A0EE91CFD737}"/>
-              </a:ext>
-            </a:extLst>
-          </p:cNvPr>
-          <p:cNvPicPr>
-            <a:picLocks noChangeAspect="1"/>
-          </p:cNvPicPr>
-          <p:nvPr/>
-        </p:nvPicPr>
-        <p:blipFill>
-          <a:blip r:embed="rId3">
-            <a:extLst>
-              <a:ext uri="{28A0092B-C50C-407E-A947-70E740481C1C}">
-                <a14:useLocalDpi xmlns:a14="http://schemas.microsoft.com/office/drawing/2010/main" val="0"/>
-              </a:ext>
-            </a:extLst>
-          </a:blip>
-          <a:stretch>
-            <a:fillRect/>
-          </a:stretch>
-        </p:blipFill>
-        <p:spPr>
-          <a:xfrm>
-            <a:off x="990600" y="2216026"/>
-            <a:ext cx="3251200" cy="850900"/>
-          </a:xfrm>
-          <a:prstGeom prst="rect">
-            <a:avLst/>
-          </a:prstGeom>
-        </p:spPr>
-      </p:pic>
     </p:spTree>
     <p:extLst>
       <p:ext uri="{BB962C8B-B14F-4D97-AF65-F5344CB8AC3E}">
-        <p14:creationId xmlns:p14="http://schemas.microsoft.com/office/powerpoint/2010/main" val="1071395646"/>
+        <p14:creationId xmlns:p14="http://schemas.microsoft.com/office/powerpoint/2010/main" val="2653526672"/>
       </p:ext>
     </p:extLst>
   </p:cSld>
@@ -30560,7 +30823,7 @@
           <p:cNvPr id="2" name="Title 1">
             <a:extLst>
               <a:ext uri="{FF2B5EF4-FFF2-40B4-BE49-F238E27FC236}">
-                <a16:creationId xmlns:a16="http://schemas.microsoft.com/office/drawing/2014/main" id="{7489F18F-A11E-FE9E-0CF1-8B12DD5420D7}"/>
+                <a16:creationId xmlns:a16="http://schemas.microsoft.com/office/drawing/2014/main" id="{4A0D4B0E-EC4B-AF65-F5A6-6C77B84E688D}"/>
               </a:ext>
             </a:extLst>
           </p:cNvPr>
@@ -30577,23 +30840,57 @@
           <a:lstStyle/>
           <a:p>
             <a:r>
-              <a:rPr lang="en-GB" dirty="0"/>
-              <a:t>Gradient of </a:t>
-            </a:r>
-            <a:r>
-              <a:rPr lang="en-GB" dirty="0" err="1"/>
-              <a:t>ReLU</a:t>
-            </a:r>
-            <a:endParaRPr lang="en-GB" dirty="0"/>
+              <a:rPr lang="en-US" dirty="0"/>
+              <a:t>If you have any questions </a:t>
+            </a:r>
           </a:p>
         </p:txBody>
       </p:sp>
       <p:sp>
         <p:nvSpPr>
-          <p:cNvPr id="3" name="Slide Number Placeholder 2">
-            <a:extLst>
-              <a:ext uri="{FF2B5EF4-FFF2-40B4-BE49-F238E27FC236}">
-                <a16:creationId xmlns:a16="http://schemas.microsoft.com/office/drawing/2014/main" id="{DAEBE678-EA12-C153-6C91-C7B7C3909631}"/>
+          <p:cNvPr id="3" name="Content Placeholder 2">
+            <a:extLst>
+              <a:ext uri="{FF2B5EF4-FFF2-40B4-BE49-F238E27FC236}">
+                <a16:creationId xmlns:a16="http://schemas.microsoft.com/office/drawing/2014/main" id="{F37C2CD0-A4E6-0FCE-E04C-C1C1CB0C3E1D}"/>
+              </a:ext>
+            </a:extLst>
+          </p:cNvPr>
+          <p:cNvSpPr>
+            <a:spLocks noGrp="1"/>
+          </p:cNvSpPr>
+          <p:nvPr>
+            <p:ph idx="1"/>
+          </p:nvPr>
+        </p:nvSpPr>
+        <p:spPr/>
+        <p:txBody>
+          <a:bodyPr/>
+          <a:lstStyle/>
+          <a:p>
+            <a:r>
+              <a:rPr lang="en-US" dirty="0"/>
+              <a:t>Please feel free to come and see me (9</a:t>
+            </a:r>
+            <a:r>
+              <a:rPr lang="en-US" baseline="30000" dirty="0"/>
+              <a:t>th</a:t>
+            </a:r>
+            <a:r>
+              <a:rPr lang="en-US" dirty="0"/>
+              <a:t> Floor, Sir Michael Uren Research Hub, White City Campus) or email (p.barnaghi@imperial.ac.uk). </a:t>
+            </a:r>
+          </a:p>
+          <a:p>
+            <a:endParaRPr lang="en-US" dirty="0"/>
+          </a:p>
+        </p:txBody>
+      </p:sp>
+      <p:sp>
+        <p:nvSpPr>
+          <p:cNvPr id="4" name="Slide Number Placeholder 3">
+            <a:extLst>
+              <a:ext uri="{FF2B5EF4-FFF2-40B4-BE49-F238E27FC236}">
+                <a16:creationId xmlns:a16="http://schemas.microsoft.com/office/drawing/2014/main" id="{5871F661-CD16-4A1E-EAB3-76CFDCC66AF4}"/>
               </a:ext>
             </a:extLst>
           </p:cNvPr>
@@ -30609,10 +30906,582 @@
           <a:bodyPr/>
           <a:lstStyle/>
           <a:p>
+            <a:fld id="{44E22EE9-B8A0-0641-9265-052CFE9B95A7}" type="slidenum">
+              <a:rPr lang="en-GB" altLang="en-US" smtClean="0"/>
+              <a:pPr/>
+              <a:t>61</a:t>
+            </a:fld>
+            <a:endParaRPr lang="en-GB" altLang="en-US" dirty="0"/>
+          </a:p>
+        </p:txBody>
+      </p:sp>
+    </p:spTree>
+    <p:extLst>
+      <p:ext uri="{BB962C8B-B14F-4D97-AF65-F5344CB8AC3E}">
+        <p14:creationId xmlns:p14="http://schemas.microsoft.com/office/powerpoint/2010/main" val="339632004"/>
+      </p:ext>
+    </p:extLst>
+  </p:cSld>
+  <p:clrMapOvr>
+    <a:masterClrMapping/>
+  </p:clrMapOvr>
+</p:sld>
+</file>
+
+<file path=ppt/slides/slide62.xml><?xml version="1.0" encoding="utf-8"?>
+<p:sld xmlns:a="http://schemas.openxmlformats.org/drawingml/2006/main" xmlns:r="http://schemas.openxmlformats.org/officeDocument/2006/relationships" xmlns:p="http://schemas.openxmlformats.org/presentationml/2006/main">
+  <p:cSld>
+    <p:spTree>
+      <p:nvGrpSpPr>
+        <p:cNvPr id="1" name=""/>
+        <p:cNvGrpSpPr/>
+        <p:nvPr/>
+      </p:nvGrpSpPr>
+      <p:grpSpPr>
+        <a:xfrm>
+          <a:off x="0" y="0"/>
+          <a:ext cx="0" cy="0"/>
+          <a:chOff x="0" y="0"/>
+          <a:chExt cx="0" cy="0"/>
+        </a:xfrm>
+      </p:grpSpPr>
+      <p:sp>
+        <p:nvSpPr>
+          <p:cNvPr id="2" name="Title 1">
+            <a:extLst>
+              <a:ext uri="{FF2B5EF4-FFF2-40B4-BE49-F238E27FC236}">
+                <a16:creationId xmlns:a16="http://schemas.microsoft.com/office/drawing/2014/main" id="{D1054D05-FE96-EDFD-05C6-8D929E43D4D0}"/>
+              </a:ext>
+            </a:extLst>
+          </p:cNvPr>
+          <p:cNvSpPr>
+            <a:spLocks noGrp="1"/>
+          </p:cNvSpPr>
+          <p:nvPr>
+            <p:ph type="title"/>
+          </p:nvPr>
+        </p:nvSpPr>
+        <p:spPr>
+          <a:xfrm>
+            <a:off x="755576" y="2381249"/>
+            <a:ext cx="8229600" cy="952501"/>
+          </a:xfrm>
+        </p:spPr>
+        <p:txBody>
+          <a:bodyPr/>
+          <a:lstStyle/>
+          <a:p>
+            <a:r>
+              <a:rPr lang="en-GB" dirty="0"/>
+              <a:t>Further reading</a:t>
+            </a:r>
+          </a:p>
+        </p:txBody>
+      </p:sp>
+      <p:sp>
+        <p:nvSpPr>
+          <p:cNvPr id="4" name="Slide Number Placeholder 3">
+            <a:extLst>
+              <a:ext uri="{FF2B5EF4-FFF2-40B4-BE49-F238E27FC236}">
+                <a16:creationId xmlns:a16="http://schemas.microsoft.com/office/drawing/2014/main" id="{82F2CBC6-DBC3-1E50-C147-F67DB2215EEE}"/>
+              </a:ext>
+            </a:extLst>
+          </p:cNvPr>
+          <p:cNvSpPr>
+            <a:spLocks noGrp="1"/>
+          </p:cNvSpPr>
+          <p:nvPr>
+            <p:ph type="sldNum" sz="quarter" idx="12"/>
+          </p:nvPr>
+        </p:nvSpPr>
+        <p:spPr/>
+        <p:txBody>
+          <a:bodyPr/>
+          <a:lstStyle/>
+          <a:p>
+            <a:fld id="{44E22EE9-B8A0-0641-9265-052CFE9B95A7}" type="slidenum">
+              <a:rPr lang="en-GB" altLang="en-US" smtClean="0"/>
+              <a:pPr/>
+              <a:t>62</a:t>
+            </a:fld>
+            <a:endParaRPr lang="en-GB" altLang="en-US" dirty="0"/>
+          </a:p>
+        </p:txBody>
+      </p:sp>
+    </p:spTree>
+    <p:extLst>
+      <p:ext uri="{BB962C8B-B14F-4D97-AF65-F5344CB8AC3E}">
+        <p14:creationId xmlns:p14="http://schemas.microsoft.com/office/powerpoint/2010/main" val="2198604453"/>
+      </p:ext>
+    </p:extLst>
+  </p:cSld>
+  <p:clrMapOvr>
+    <a:masterClrMapping/>
+  </p:clrMapOvr>
+</p:sld>
+</file>
+
+<file path=ppt/slides/slide63.xml><?xml version="1.0" encoding="utf-8"?>
+<p:sld xmlns:a="http://schemas.openxmlformats.org/drawingml/2006/main" xmlns:r="http://schemas.openxmlformats.org/officeDocument/2006/relationships" xmlns:p="http://schemas.openxmlformats.org/presentationml/2006/main">
+  <p:cSld>
+    <p:spTree>
+      <p:nvGrpSpPr>
+        <p:cNvPr id="1" name=""/>
+        <p:cNvGrpSpPr/>
+        <p:nvPr/>
+      </p:nvGrpSpPr>
+      <p:grpSpPr>
+        <a:xfrm>
+          <a:off x="0" y="0"/>
+          <a:ext cx="0" cy="0"/>
+          <a:chOff x="0" y="0"/>
+          <a:chExt cx="0" cy="0"/>
+        </a:xfrm>
+      </p:grpSpPr>
+      <p:sp>
+        <p:nvSpPr>
+          <p:cNvPr id="2" name="Title 1">
+            <a:extLst>
+              <a:ext uri="{FF2B5EF4-FFF2-40B4-BE49-F238E27FC236}">
+                <a16:creationId xmlns:a16="http://schemas.microsoft.com/office/drawing/2014/main" id="{7A60B60A-A8A4-F82E-F90F-372A336B8946}"/>
+              </a:ext>
+            </a:extLst>
+          </p:cNvPr>
+          <p:cNvSpPr>
+            <a:spLocks noGrp="1"/>
+          </p:cNvSpPr>
+          <p:nvPr>
+            <p:ph type="title"/>
+          </p:nvPr>
+        </p:nvSpPr>
+        <p:spPr/>
+        <p:txBody>
+          <a:bodyPr/>
+          <a:lstStyle/>
+          <a:p>
+            <a:r>
+              <a:rPr lang="en-GB" dirty="0"/>
+              <a:t>Derivative of Sigmoid function</a:t>
+            </a:r>
+          </a:p>
+        </p:txBody>
+      </p:sp>
+      <p:sp>
+        <p:nvSpPr>
+          <p:cNvPr id="4" name="Slide Number Placeholder 3">
+            <a:extLst>
+              <a:ext uri="{FF2B5EF4-FFF2-40B4-BE49-F238E27FC236}">
+                <a16:creationId xmlns:a16="http://schemas.microsoft.com/office/drawing/2014/main" id="{EE507A28-C1D7-A6F3-E2B4-F772C30EB44B}"/>
+              </a:ext>
+            </a:extLst>
+          </p:cNvPr>
+          <p:cNvSpPr>
+            <a:spLocks noGrp="1"/>
+          </p:cNvSpPr>
+          <p:nvPr>
+            <p:ph type="sldNum" sz="quarter" idx="12"/>
+          </p:nvPr>
+        </p:nvSpPr>
+        <p:spPr/>
+        <p:txBody>
+          <a:bodyPr/>
+          <a:lstStyle/>
+          <a:p>
+            <a:fld id="{44E22EE9-B8A0-0641-9265-052CFE9B95A7}" type="slidenum">
+              <a:rPr lang="en-GB" altLang="en-US" smtClean="0"/>
+              <a:pPr/>
+              <a:t>63</a:t>
+            </a:fld>
+            <a:endParaRPr lang="en-GB" altLang="en-US" dirty="0"/>
+          </a:p>
+        </p:txBody>
+      </p:sp>
+      <p:pic>
+        <p:nvPicPr>
+          <p:cNvPr id="6" name="Picture 5" descr="Text&#10;&#10;Description automatically generated with medium confidence">
+            <a:extLst>
+              <a:ext uri="{FF2B5EF4-FFF2-40B4-BE49-F238E27FC236}">
+                <a16:creationId xmlns:a16="http://schemas.microsoft.com/office/drawing/2014/main" id="{63708E42-7032-E8EC-9C1A-B0D75EA138FC}"/>
+              </a:ext>
+            </a:extLst>
+          </p:cNvPr>
+          <p:cNvPicPr>
+            <a:picLocks noChangeAspect="1"/>
+          </p:cNvPicPr>
+          <p:nvPr/>
+        </p:nvPicPr>
+        <p:blipFill>
+          <a:blip r:embed="rId2">
+            <a:extLst>
+              <a:ext uri="{28A0092B-C50C-407E-A947-70E740481C1C}">
+                <a14:useLocalDpi xmlns:a14="http://schemas.microsoft.com/office/drawing/2010/main" val="0"/>
+              </a:ext>
+            </a:extLst>
+          </a:blip>
+          <a:stretch>
+            <a:fillRect/>
+          </a:stretch>
+        </p:blipFill>
+        <p:spPr>
+          <a:xfrm>
+            <a:off x="990600" y="1894632"/>
+            <a:ext cx="7162800" cy="939800"/>
+          </a:xfrm>
+          <a:prstGeom prst="rect">
+            <a:avLst/>
+          </a:prstGeom>
+        </p:spPr>
+      </p:pic>
+      <p:pic>
+        <p:nvPicPr>
+          <p:cNvPr id="8" name="Picture 7" descr="Diagram&#10;&#10;Description automatically generated">
+            <a:extLst>
+              <a:ext uri="{FF2B5EF4-FFF2-40B4-BE49-F238E27FC236}">
+                <a16:creationId xmlns:a16="http://schemas.microsoft.com/office/drawing/2014/main" id="{6AAFA948-A7FD-41D9-C08F-A0EE91CFD737}"/>
+              </a:ext>
+            </a:extLst>
+          </p:cNvPr>
+          <p:cNvPicPr>
+            <a:picLocks noChangeAspect="1"/>
+          </p:cNvPicPr>
+          <p:nvPr/>
+        </p:nvPicPr>
+        <p:blipFill>
+          <a:blip r:embed="rId3">
+            <a:extLst>
+              <a:ext uri="{28A0092B-C50C-407E-A947-70E740481C1C}">
+                <a14:useLocalDpi xmlns:a14="http://schemas.microsoft.com/office/drawing/2010/main" val="0"/>
+              </a:ext>
+            </a:extLst>
+          </a:blip>
+          <a:stretch>
+            <a:fillRect/>
+          </a:stretch>
+        </p:blipFill>
+        <p:spPr>
+          <a:xfrm>
+            <a:off x="1035164" y="1043732"/>
+            <a:ext cx="3251200" cy="850900"/>
+          </a:xfrm>
+          <a:prstGeom prst="rect">
+            <a:avLst/>
+          </a:prstGeom>
+        </p:spPr>
+      </p:pic>
+      <p:sp>
+        <p:nvSpPr>
+          <p:cNvPr id="5" name="TextBox 4">
+            <a:extLst>
+              <a:ext uri="{FF2B5EF4-FFF2-40B4-BE49-F238E27FC236}">
+                <a16:creationId xmlns:a16="http://schemas.microsoft.com/office/drawing/2014/main" id="{38C0E3CF-81A8-927D-BBBE-A2F4E5C9C5B2}"/>
+              </a:ext>
+            </a:extLst>
+          </p:cNvPr>
+          <p:cNvSpPr txBox="1"/>
+          <p:nvPr/>
+        </p:nvSpPr>
+        <p:spPr>
+          <a:xfrm>
+            <a:off x="683568" y="5164237"/>
+            <a:ext cx="6400800" cy="523220"/>
+          </a:xfrm>
+          <a:prstGeom prst="rect">
+            <a:avLst/>
+          </a:prstGeom>
+          <a:noFill/>
+        </p:spPr>
+        <p:txBody>
+          <a:bodyPr wrap="square">
+            <a:spAutoFit/>
+          </a:bodyPr>
+          <a:lstStyle/>
+          <a:p>
+            <a:r>
+              <a:rPr lang="en-GB" sz="1400" dirty="0"/>
+              <a:t>Source for the formula: Dive into Deep Learning by Aston Zhang </a:t>
+            </a:r>
+            <a:r>
+              <a:rPr lang="en-GB" sz="1400" i="1" dirty="0"/>
+              <a:t>et al</a:t>
+            </a:r>
+            <a:r>
+              <a:rPr lang="en-GB" sz="1400" dirty="0"/>
+              <a:t>., https://d2l.ai/</a:t>
+            </a:r>
+            <a:r>
+              <a:rPr lang="en-GB" sz="1400" dirty="0" err="1"/>
+              <a:t>index.html</a:t>
+            </a:r>
+            <a:r>
+              <a:rPr lang="en-GB" sz="1400" dirty="0"/>
+              <a:t> </a:t>
+            </a:r>
+          </a:p>
+        </p:txBody>
+      </p:sp>
+      <mc:AlternateContent xmlns:mc="http://schemas.openxmlformats.org/markup-compatibility/2006">
+        <mc:Choice xmlns:a14="http://schemas.microsoft.com/office/drawing/2010/main" Requires="a14">
+          <p:sp>
+            <p:nvSpPr>
+              <p:cNvPr id="7" name="TextBox 6">
+                <a:extLst>
+                  <a:ext uri="{FF2B5EF4-FFF2-40B4-BE49-F238E27FC236}">
+                    <a16:creationId xmlns:a16="http://schemas.microsoft.com/office/drawing/2014/main" id="{A4816963-5EDC-1615-83B5-5DA477B6E7E9}"/>
+                  </a:ext>
+                </a:extLst>
+              </p:cNvPr>
+              <p:cNvSpPr txBox="1"/>
+              <p:nvPr/>
+            </p:nvSpPr>
+            <p:spPr>
+              <a:xfrm>
+                <a:off x="1035164" y="3199116"/>
+                <a:ext cx="7425267" cy="1754326"/>
+              </a:xfrm>
+              <a:prstGeom prst="rect">
+                <a:avLst/>
+              </a:prstGeom>
+              <a:noFill/>
+            </p:spPr>
+            <p:txBody>
+              <a:bodyPr wrap="square" rtlCol="0">
+                <a:spAutoFit/>
+              </a:bodyPr>
+              <a:lstStyle/>
+              <a:p>
+                <a:r>
+                  <a:rPr lang="en-GB" sz="1600" dirty="0">
+                    <a:latin typeface="Gill Sans MT" panose="020B0502020104020203" pitchFamily="34" charset="77"/>
+                  </a:rPr>
+                  <a:t>If you are interested in the proof on how this is derived, see: </a:t>
+                </a:r>
+              </a:p>
+              <a:p>
+                <a:r>
+                  <a:rPr lang="en-GB" sz="1400" dirty="0"/>
+                  <a:t>Lin (2019, Jan. 12). Data science: Data science tutorials. </a:t>
+                </a:r>
+              </a:p>
+              <a:p>
+                <a:r>
+                  <a:rPr lang="en-GB" sz="1600" dirty="0">
+                    <a:latin typeface="Gill Sans MT" panose="020B0502020104020203" pitchFamily="34" charset="77"/>
+                  </a:rPr>
+                  <a:t>https://</a:t>
+                </a:r>
+                <a:r>
+                  <a:rPr lang="en-GB" sz="1600" dirty="0" err="1">
+                    <a:latin typeface="Gill Sans MT" panose="020B0502020104020203" pitchFamily="34" charset="77"/>
+                  </a:rPr>
+                  <a:t>hausetutorials.netlify.app</a:t>
+                </a:r>
+                <a:r>
+                  <a:rPr lang="en-GB" sz="1600" dirty="0">
+                    <a:latin typeface="Gill Sans MT" panose="020B0502020104020203" pitchFamily="34" charset="77"/>
+                  </a:rPr>
+                  <a:t>/posts/2019-12-01-neural-networks-deriving-the-sigmoid-derivative/</a:t>
+                </a:r>
+              </a:p>
+              <a:p>
+                <a:endParaRPr lang="en-GB" sz="1600" dirty="0">
+                  <a:latin typeface="Gill Sans MT" panose="020B0502020104020203" pitchFamily="34" charset="77"/>
+                </a:endParaRPr>
+              </a:p>
+              <a:p>
+                <a:r>
+                  <a:rPr lang="en-GB" sz="1600" dirty="0">
+                    <a:latin typeface="Gill Sans MT" panose="020B0502020104020203" pitchFamily="34" charset="77"/>
+                  </a:rPr>
+                  <a:t>For more information of </a:t>
+                </a:r>
+                <a14:m>
+                  <m:oMath xmlns:m="http://schemas.openxmlformats.org/officeDocument/2006/math">
+                    <m:r>
+                      <a:rPr lang="en-GB" sz="1600" i="1" dirty="0" smtClean="0">
+                        <a:latin typeface="Cambria Math" panose="02040503050406030204" pitchFamily="18" charset="0"/>
+                      </a:rPr>
+                      <m:t>𝑒</m:t>
+                    </m:r>
+                    <m:r>
+                      <a:rPr lang="en-GB" sz="1600" i="1" baseline="30000" dirty="0" smtClean="0">
+                        <a:latin typeface="Cambria Math" panose="02040503050406030204" pitchFamily="18" charset="0"/>
+                      </a:rPr>
+                      <m:t>𝑥</m:t>
+                    </m:r>
+                  </m:oMath>
+                </a14:m>
+                <a:r>
+                  <a:rPr lang="en-GB" sz="1600" dirty="0">
+                    <a:latin typeface="Gill Sans MT" panose="020B0502020104020203" pitchFamily="34" charset="77"/>
+                  </a:rPr>
+                  <a:t> derivative, see: </a:t>
+                </a:r>
+              </a:p>
+              <a:p>
+                <a:r>
+                  <a:rPr lang="en-GB" sz="1400" dirty="0">
+                    <a:latin typeface="Gill Sans MT" panose="020B0502020104020203" pitchFamily="34" charset="77"/>
+                  </a:rPr>
+                  <a:t>http://</a:t>
+                </a:r>
+                <a:r>
+                  <a:rPr lang="en-GB" sz="1400" dirty="0" err="1">
+                    <a:latin typeface="Gill Sans MT" panose="020B0502020104020203" pitchFamily="34" charset="77"/>
+                  </a:rPr>
+                  <a:t>www.intuitive-calculus.com</a:t>
+                </a:r>
+                <a:r>
+                  <a:rPr lang="en-GB" sz="1400" dirty="0">
+                    <a:latin typeface="Gill Sans MT" panose="020B0502020104020203" pitchFamily="34" charset="77"/>
+                  </a:rPr>
+                  <a:t>/derivative-of-e-</a:t>
+                </a:r>
+                <a:r>
+                  <a:rPr lang="en-GB" sz="1400" dirty="0" err="1">
+                    <a:latin typeface="Gill Sans MT" panose="020B0502020104020203" pitchFamily="34" charset="77"/>
+                  </a:rPr>
+                  <a:t>x.html</a:t>
+                </a:r>
+                <a:endParaRPr lang="en-GB" sz="1400" dirty="0">
+                  <a:latin typeface="Gill Sans MT" panose="020B0502020104020203" pitchFamily="34" charset="77"/>
+                </a:endParaRPr>
+              </a:p>
+            </p:txBody>
+          </p:sp>
+        </mc:Choice>
+        <mc:Fallback>
+          <p:sp>
+            <p:nvSpPr>
+              <p:cNvPr id="7" name="TextBox 6">
+                <a:extLst>
+                  <a:ext uri="{FF2B5EF4-FFF2-40B4-BE49-F238E27FC236}">
+                    <a16:creationId xmlns:a16="http://schemas.microsoft.com/office/drawing/2014/main" id="{A4816963-5EDC-1615-83B5-5DA477B6E7E9}"/>
+                  </a:ext>
+                </a:extLst>
+              </p:cNvPr>
+              <p:cNvSpPr txBox="1">
+                <a:spLocks noRot="1" noChangeAspect="1" noMove="1" noResize="1" noEditPoints="1" noAdjustHandles="1" noChangeArrowheads="1" noChangeShapeType="1" noTextEdit="1"/>
+              </p:cNvSpPr>
+              <p:nvPr/>
+            </p:nvSpPr>
+            <p:spPr>
+              <a:xfrm>
+                <a:off x="1035164" y="3199116"/>
+                <a:ext cx="7425267" cy="1754326"/>
+              </a:xfrm>
+              <a:prstGeom prst="rect">
+                <a:avLst/>
+              </a:prstGeom>
+              <a:blipFill>
+                <a:blip r:embed="rId4"/>
+                <a:stretch>
+                  <a:fillRect l="-341" t="-1439" b="-2158"/>
+                </a:stretch>
+              </a:blipFill>
+            </p:spPr>
+            <p:txBody>
+              <a:bodyPr/>
+              <a:lstStyle/>
+              <a:p>
+                <a:r>
+                  <a:rPr lang="en-GB">
+                    <a:noFill/>
+                  </a:rPr>
+                  <a:t> </a:t>
+                </a:r>
+              </a:p>
+            </p:txBody>
+          </p:sp>
+        </mc:Fallback>
+      </mc:AlternateContent>
+    </p:spTree>
+    <p:extLst>
+      <p:ext uri="{BB962C8B-B14F-4D97-AF65-F5344CB8AC3E}">
+        <p14:creationId xmlns:p14="http://schemas.microsoft.com/office/powerpoint/2010/main" val="1071395646"/>
+      </p:ext>
+    </p:extLst>
+  </p:cSld>
+  <p:clrMapOvr>
+    <a:masterClrMapping/>
+  </p:clrMapOvr>
+</p:sld>
+</file>
+
+<file path=ppt/slides/slide64.xml><?xml version="1.0" encoding="utf-8"?>
+<p:sld xmlns:a="http://schemas.openxmlformats.org/drawingml/2006/main" xmlns:r="http://schemas.openxmlformats.org/officeDocument/2006/relationships" xmlns:p="http://schemas.openxmlformats.org/presentationml/2006/main">
+  <p:cSld>
+    <p:spTree>
+      <p:nvGrpSpPr>
+        <p:cNvPr id="1" name=""/>
+        <p:cNvGrpSpPr/>
+        <p:nvPr/>
+      </p:nvGrpSpPr>
+      <p:grpSpPr>
+        <a:xfrm>
+          <a:off x="0" y="0"/>
+          <a:ext cx="0" cy="0"/>
+          <a:chOff x="0" y="0"/>
+          <a:chExt cx="0" cy="0"/>
+        </a:xfrm>
+      </p:grpSpPr>
+      <p:sp>
+        <p:nvSpPr>
+          <p:cNvPr id="2" name="Title 1">
+            <a:extLst>
+              <a:ext uri="{FF2B5EF4-FFF2-40B4-BE49-F238E27FC236}">
+                <a16:creationId xmlns:a16="http://schemas.microsoft.com/office/drawing/2014/main" id="{7489F18F-A11E-FE9E-0CF1-8B12DD5420D7}"/>
+              </a:ext>
+            </a:extLst>
+          </p:cNvPr>
+          <p:cNvSpPr>
+            <a:spLocks noGrp="1"/>
+          </p:cNvSpPr>
+          <p:nvPr>
+            <p:ph type="title"/>
+          </p:nvPr>
+        </p:nvSpPr>
+        <p:spPr/>
+        <p:txBody>
+          <a:bodyPr/>
+          <a:lstStyle/>
+          <a:p>
+            <a:r>
+              <a:rPr lang="en-GB" dirty="0"/>
+              <a:t>Gradient of </a:t>
+            </a:r>
+            <a:r>
+              <a:rPr lang="en-GB" dirty="0" err="1"/>
+              <a:t>ReLU</a:t>
+            </a:r>
+            <a:endParaRPr lang="en-GB" dirty="0"/>
+          </a:p>
+        </p:txBody>
+      </p:sp>
+      <p:sp>
+        <p:nvSpPr>
+          <p:cNvPr id="3" name="Slide Number Placeholder 2">
+            <a:extLst>
+              <a:ext uri="{FF2B5EF4-FFF2-40B4-BE49-F238E27FC236}">
+                <a16:creationId xmlns:a16="http://schemas.microsoft.com/office/drawing/2014/main" id="{DAEBE678-EA12-C153-6C91-C7B7C3909631}"/>
+              </a:ext>
+            </a:extLst>
+          </p:cNvPr>
+          <p:cNvSpPr>
+            <a:spLocks noGrp="1"/>
+          </p:cNvSpPr>
+          <p:nvPr>
+            <p:ph type="sldNum" sz="quarter" idx="12"/>
+          </p:nvPr>
+        </p:nvSpPr>
+        <p:spPr/>
+        <p:txBody>
+          <a:bodyPr/>
+          <a:lstStyle/>
+          <a:p>
             <a:fld id="{BB98F552-A29D-2D4E-8192-F20670493719}" type="slidenum">
               <a:rPr lang="en-GB" altLang="en-US" smtClean="0"/>
               <a:pPr/>
-              <a:t>61</a:t>
+              <a:t>64</a:t>
             </a:fld>
             <a:endParaRPr lang="en-GB" altLang="en-US" dirty="0"/>
           </a:p>
@@ -30953,10 +31822,1010 @@
           </a:p>
         </p:txBody>
       </p:sp>
+      <p:sp>
+        <p:nvSpPr>
+          <p:cNvPr id="6" name="TextBox 5">
+            <a:extLst>
+              <a:ext uri="{FF2B5EF4-FFF2-40B4-BE49-F238E27FC236}">
+                <a16:creationId xmlns:a16="http://schemas.microsoft.com/office/drawing/2014/main" id="{4E7FAD7C-2470-61CB-C21C-1903FF1643F5}"/>
+              </a:ext>
+            </a:extLst>
+          </p:cNvPr>
+          <p:cNvSpPr txBox="1"/>
+          <p:nvPr/>
+        </p:nvSpPr>
+        <p:spPr>
+          <a:xfrm>
+            <a:off x="683568" y="5164237"/>
+            <a:ext cx="6400800" cy="307777"/>
+          </a:xfrm>
+          <a:prstGeom prst="rect">
+            <a:avLst/>
+          </a:prstGeom>
+          <a:noFill/>
+        </p:spPr>
+        <p:txBody>
+          <a:bodyPr wrap="square">
+            <a:spAutoFit/>
+          </a:bodyPr>
+          <a:lstStyle/>
+          <a:p>
+            <a:r>
+              <a:rPr lang="en-GB" sz="1400" dirty="0"/>
+              <a:t>Source: Dive into Deep Learning by Aston Zhang et al., https://d2l.ai/</a:t>
+            </a:r>
+            <a:r>
+              <a:rPr lang="en-GB" sz="1400" dirty="0" err="1"/>
+              <a:t>index.html</a:t>
+            </a:r>
+            <a:r>
+              <a:rPr lang="en-GB" sz="1400" dirty="0"/>
+              <a:t> </a:t>
+            </a:r>
+          </a:p>
+        </p:txBody>
+      </p:sp>
     </p:spTree>
     <p:extLst>
       <p:ext uri="{BB962C8B-B14F-4D97-AF65-F5344CB8AC3E}">
         <p14:creationId xmlns:p14="http://schemas.microsoft.com/office/powerpoint/2010/main" val="1727762696"/>
+      </p:ext>
+    </p:extLst>
+  </p:cSld>
+  <p:clrMapOvr>
+    <a:masterClrMapping/>
+  </p:clrMapOvr>
+</p:sld>
+</file>
+
+<file path=ppt/slides/slide65.xml><?xml version="1.0" encoding="utf-8"?>
+<p:sld xmlns:a="http://schemas.openxmlformats.org/drawingml/2006/main" xmlns:r="http://schemas.openxmlformats.org/officeDocument/2006/relationships" xmlns:p="http://schemas.openxmlformats.org/presentationml/2006/main">
+  <p:cSld>
+    <p:spTree>
+      <p:nvGrpSpPr>
+        <p:cNvPr id="1" name=""/>
+        <p:cNvGrpSpPr/>
+        <p:nvPr/>
+      </p:nvGrpSpPr>
+      <p:grpSpPr>
+        <a:xfrm>
+          <a:off x="0" y="0"/>
+          <a:ext cx="0" cy="0"/>
+          <a:chOff x="0" y="0"/>
+          <a:chExt cx="0" cy="0"/>
+        </a:xfrm>
+      </p:grpSpPr>
+      <p:sp>
+        <p:nvSpPr>
+          <p:cNvPr id="2" name="Title 1">
+            <a:extLst>
+              <a:ext uri="{FF2B5EF4-FFF2-40B4-BE49-F238E27FC236}">
+                <a16:creationId xmlns:a16="http://schemas.microsoft.com/office/drawing/2014/main" id="{0F328F21-5AEA-3149-F47E-30440D080CFA}"/>
+              </a:ext>
+            </a:extLst>
+          </p:cNvPr>
+          <p:cNvSpPr>
+            <a:spLocks noGrp="1"/>
+          </p:cNvSpPr>
+          <p:nvPr>
+            <p:ph type="title"/>
+          </p:nvPr>
+        </p:nvSpPr>
+        <p:spPr/>
+        <p:txBody>
+          <a:bodyPr/>
+          <a:lstStyle/>
+          <a:p>
+            <a:r>
+              <a:rPr lang="en-GB" dirty="0"/>
+              <a:t>Newton’s method</a:t>
+            </a:r>
+          </a:p>
+        </p:txBody>
+      </p:sp>
+      <mc:AlternateContent xmlns:mc="http://schemas.openxmlformats.org/markup-compatibility/2006">
+        <mc:Choice xmlns:a14="http://schemas.microsoft.com/office/drawing/2010/main" Requires="a14">
+          <p:sp>
+            <p:nvSpPr>
+              <p:cNvPr id="3" name="Content Placeholder 2">
+                <a:extLst>
+                  <a:ext uri="{FF2B5EF4-FFF2-40B4-BE49-F238E27FC236}">
+                    <a16:creationId xmlns:a16="http://schemas.microsoft.com/office/drawing/2014/main" id="{A35C03D0-BB5A-6B8A-A336-7332F9DD7B2F}"/>
+                  </a:ext>
+                </a:extLst>
+              </p:cNvPr>
+              <p:cNvSpPr>
+                <a:spLocks noGrp="1"/>
+              </p:cNvSpPr>
+              <p:nvPr>
+                <p:ph idx="1"/>
+              </p:nvPr>
+            </p:nvSpPr>
+            <p:spPr/>
+            <p:txBody>
+              <a:bodyPr/>
+              <a:lstStyle/>
+              <a:p>
+                <a:pPr algn="l"/>
+                <a:r>
+                  <a:rPr lang="en-GB" b="0" i="0" u="none" strike="noStrike" dirty="0">
+                    <a:solidFill>
+                      <a:srgbClr val="000000"/>
+                    </a:solidFill>
+                    <a:effectLst/>
+                  </a:rPr>
+                  <a:t>Newton’s method is an optimization scheme based on using a second-order Taylor series expansion to approximate </a:t>
+                </a:r>
+                <a14:m>
+                  <m:oMath xmlns:m="http://schemas.openxmlformats.org/officeDocument/2006/math">
+                    <m:r>
+                      <a:rPr lang="en-GB" b="0" i="1" u="none" strike="noStrike" dirty="0" smtClean="0">
+                        <a:solidFill>
+                          <a:srgbClr val="000000"/>
+                        </a:solidFill>
+                        <a:effectLst/>
+                        <a:latin typeface="Cambria Math" panose="02040503050406030204" pitchFamily="18" charset="0"/>
+                      </a:rPr>
+                      <m:t>𝐽</m:t>
+                    </m:r>
+                    <m:r>
+                      <a:rPr lang="en-GB" b="0" i="1" u="none" strike="noStrike" dirty="0" smtClean="0">
+                        <a:solidFill>
+                          <a:srgbClr val="000000"/>
+                        </a:solidFill>
+                        <a:effectLst/>
+                        <a:latin typeface="Cambria Math" panose="02040503050406030204" pitchFamily="18" charset="0"/>
+                      </a:rPr>
+                      <m:t>(</m:t>
+                    </m:r>
+                    <m:r>
+                      <a:rPr lang="el-GR" b="0" i="1" u="none" strike="noStrike" dirty="0" smtClean="0">
+                        <a:solidFill>
+                          <a:srgbClr val="000000"/>
+                        </a:solidFill>
+                        <a:effectLst/>
+                        <a:latin typeface="Cambria Math" panose="02040503050406030204" pitchFamily="18" charset="0"/>
+                      </a:rPr>
+                      <m:t>𝜃</m:t>
+                    </m:r>
+                    <m:r>
+                      <a:rPr lang="el-GR" b="0" i="1" u="none" strike="noStrike" dirty="0" smtClean="0">
+                        <a:solidFill>
+                          <a:srgbClr val="000000"/>
+                        </a:solidFill>
+                        <a:effectLst/>
+                        <a:latin typeface="Cambria Math" panose="02040503050406030204" pitchFamily="18" charset="0"/>
+                      </a:rPr>
+                      <m:t>)</m:t>
+                    </m:r>
+                  </m:oMath>
+                </a14:m>
+                <a:r>
+                  <a:rPr lang="el-GR" b="0" i="0" u="none" strike="noStrike" dirty="0">
+                    <a:solidFill>
+                      <a:srgbClr val="000000"/>
+                    </a:solidFill>
+                    <a:effectLst/>
+                    <a:latin typeface="ff6"/>
+                  </a:rPr>
+                  <a:t> </a:t>
+                </a:r>
+                <a:r>
+                  <a:rPr lang="en-GB" b="0" i="0" u="none" strike="noStrike" dirty="0">
+                    <a:solidFill>
+                      <a:srgbClr val="000000"/>
+                    </a:solidFill>
+                    <a:effectLst/>
+                  </a:rPr>
+                  <a:t>near some point</a:t>
+                </a:r>
+                <a:r>
+                  <a:rPr lang="en-GB" dirty="0">
+                    <a:solidFill>
+                      <a:srgbClr val="000000"/>
+                    </a:solidFill>
+                  </a:rPr>
+                  <a:t> </a:t>
+                </a:r>
+                <a14:m>
+                  <m:oMath xmlns:m="http://schemas.openxmlformats.org/officeDocument/2006/math">
+                    <m:r>
+                      <a:rPr lang="el-GR" b="0" i="1" u="none" strike="noStrike" dirty="0" smtClean="0">
+                        <a:solidFill>
+                          <a:srgbClr val="000000"/>
+                        </a:solidFill>
+                        <a:effectLst/>
+                        <a:latin typeface="Cambria Math" panose="02040503050406030204" pitchFamily="18" charset="0"/>
+                      </a:rPr>
+                      <m:t>𝜃</m:t>
+                    </m:r>
+                    <m:r>
+                      <a:rPr lang="el-GR" b="0" i="1" u="none" strike="noStrike" baseline="-25000" dirty="0" smtClean="0">
+                        <a:solidFill>
+                          <a:srgbClr val="000000"/>
+                        </a:solidFill>
+                        <a:effectLst/>
+                        <a:latin typeface="Cambria Math" panose="02040503050406030204" pitchFamily="18" charset="0"/>
+                      </a:rPr>
+                      <m:t>0</m:t>
+                    </m:r>
+                    <m:r>
+                      <a:rPr lang="en-GB" b="0" i="1" u="none" strike="noStrike" baseline="-25000" dirty="0" smtClean="0">
+                        <a:solidFill>
+                          <a:srgbClr val="000000"/>
+                        </a:solidFill>
+                        <a:effectLst/>
+                        <a:latin typeface="Cambria Math" panose="02040503050406030204" pitchFamily="18" charset="0"/>
+                      </a:rPr>
+                      <m:t> </m:t>
+                    </m:r>
+                  </m:oMath>
+                </a14:m>
+                <a:r>
+                  <a:rPr lang="en-GB" b="0" i="0" u="none" strike="noStrike" dirty="0">
+                    <a:solidFill>
+                      <a:srgbClr val="000000"/>
+                    </a:solidFill>
+                    <a:effectLst/>
+                  </a:rPr>
+                  <a:t>ignoring derivatives of higher order:</a:t>
+                </a:r>
+              </a:p>
+              <a:p>
+                <a:pPr algn="l"/>
+                <a:endParaRPr lang="en-GB" dirty="0">
+                  <a:solidFill>
+                    <a:srgbClr val="000000"/>
+                  </a:solidFill>
+                </a:endParaRPr>
+              </a:p>
+              <a:p>
+                <a:pPr algn="l"/>
+                <a:endParaRPr lang="en-GB" b="0" i="0" u="none" strike="noStrike" dirty="0">
+                  <a:solidFill>
+                    <a:srgbClr val="000000"/>
+                  </a:solidFill>
+                  <a:effectLst/>
+                </a:endParaRPr>
+              </a:p>
+              <a:p>
+                <a:pPr algn="l"/>
+                <a:r>
+                  <a:rPr lang="en-GB" dirty="0">
+                    <a:solidFill>
+                      <a:srgbClr val="000000"/>
+                    </a:solidFill>
+                  </a:rPr>
+                  <a:t>Where </a:t>
+                </a:r>
+                <a14:m>
+                  <m:oMath xmlns:m="http://schemas.openxmlformats.org/officeDocument/2006/math">
+                    <m:r>
+                      <a:rPr lang="en-GB" i="1" dirty="0" smtClean="0">
+                        <a:solidFill>
+                          <a:srgbClr val="000000"/>
+                        </a:solidFill>
+                        <a:latin typeface="Cambria Math" panose="02040503050406030204" pitchFamily="18" charset="0"/>
+                      </a:rPr>
+                      <m:t>𝐻</m:t>
+                    </m:r>
+                  </m:oMath>
+                </a14:m>
+                <a:r>
+                  <a:rPr lang="en-GB" dirty="0">
+                    <a:solidFill>
+                      <a:srgbClr val="000000"/>
+                    </a:solidFill>
+                  </a:rPr>
+                  <a:t> is the </a:t>
+                </a:r>
+                <a14:m>
+                  <m:oMath xmlns:m="http://schemas.openxmlformats.org/officeDocument/2006/math">
+                    <m:r>
+                      <a:rPr lang="en-GB" i="1" dirty="0" smtClean="0">
+                        <a:solidFill>
+                          <a:srgbClr val="000000"/>
+                        </a:solidFill>
+                        <a:latin typeface="Cambria Math" panose="02040503050406030204" pitchFamily="18" charset="0"/>
+                      </a:rPr>
+                      <m:t>𝐻𝑒𝑠𝑠𝑖𝑎𝑛</m:t>
+                    </m:r>
+                  </m:oMath>
+                </a14:m>
+                <a:r>
+                  <a:rPr lang="en-GB" dirty="0">
+                    <a:solidFill>
+                      <a:srgbClr val="000000"/>
+                    </a:solidFill>
+                  </a:rPr>
+                  <a:t> of </a:t>
+                </a:r>
+                <a14:m>
+                  <m:oMath xmlns:m="http://schemas.openxmlformats.org/officeDocument/2006/math">
+                    <m:r>
+                      <a:rPr lang="en-GB" i="1" dirty="0" smtClean="0">
+                        <a:solidFill>
+                          <a:srgbClr val="000000"/>
+                        </a:solidFill>
+                        <a:latin typeface="Cambria Math" panose="02040503050406030204" pitchFamily="18" charset="0"/>
+                      </a:rPr>
+                      <m:t>𝐽</m:t>
+                    </m:r>
+                  </m:oMath>
+                </a14:m>
+                <a:r>
+                  <a:rPr lang="en-GB" dirty="0">
+                    <a:solidFill>
+                      <a:srgbClr val="000000"/>
+                    </a:solidFill>
+                  </a:rPr>
+                  <a:t> with respect to </a:t>
+                </a:r>
+                <a:r>
+                  <a:rPr lang="el-GR" dirty="0">
+                    <a:solidFill>
+                      <a:srgbClr val="000000"/>
+                    </a:solidFill>
+                  </a:rPr>
+                  <a:t>θ</a:t>
+                </a:r>
+                <a:r>
+                  <a:rPr lang="en-GB" dirty="0">
+                    <a:solidFill>
+                      <a:srgbClr val="000000"/>
+                    </a:solidFill>
+                  </a:rPr>
+                  <a:t> evaluated at </a:t>
+                </a:r>
+                <a:r>
+                  <a:rPr lang="el-GR" dirty="0">
+                    <a:solidFill>
+                      <a:srgbClr val="000000"/>
+                    </a:solidFill>
+                  </a:rPr>
+                  <a:t>θ</a:t>
+                </a:r>
+                <a:r>
+                  <a:rPr lang="el-GR" baseline="-25000" dirty="0">
+                    <a:solidFill>
+                      <a:srgbClr val="000000"/>
+                    </a:solidFill>
+                  </a:rPr>
+                  <a:t>0</a:t>
+                </a:r>
+                <a:r>
+                  <a:rPr lang="en-GB" dirty="0">
+                    <a:solidFill>
+                      <a:srgbClr val="000000"/>
+                    </a:solidFill>
+                  </a:rPr>
+                  <a:t> If we then solve for the critical point of this function, we obtain the Newton parameter update rule:</a:t>
+                </a:r>
+              </a:p>
+              <a:p>
+                <a:pPr algn="l"/>
+                <a:endParaRPr lang="en-GB" b="0" i="0" u="none" strike="noStrike" dirty="0">
+                  <a:solidFill>
+                    <a:srgbClr val="000000"/>
+                  </a:solidFill>
+                  <a:effectLst/>
+                </a:endParaRPr>
+              </a:p>
+              <a:p>
+                <a:endParaRPr lang="en-GB" dirty="0"/>
+              </a:p>
+            </p:txBody>
+          </p:sp>
+        </mc:Choice>
+        <mc:Fallback>
+          <p:sp>
+            <p:nvSpPr>
+              <p:cNvPr id="3" name="Content Placeholder 2">
+                <a:extLst>
+                  <a:ext uri="{FF2B5EF4-FFF2-40B4-BE49-F238E27FC236}">
+                    <a16:creationId xmlns:a16="http://schemas.microsoft.com/office/drawing/2014/main" id="{A35C03D0-BB5A-6B8A-A336-7332F9DD7B2F}"/>
+                  </a:ext>
+                </a:extLst>
+              </p:cNvPr>
+              <p:cNvSpPr>
+                <a:spLocks noGrp="1" noRot="1" noChangeAspect="1" noMove="1" noResize="1" noEditPoints="1" noAdjustHandles="1" noChangeArrowheads="1" noChangeShapeType="1" noTextEdit="1"/>
+              </p:cNvSpPr>
+              <p:nvPr>
+                <p:ph idx="1"/>
+              </p:nvPr>
+            </p:nvSpPr>
+            <p:spPr>
+              <a:blipFill>
+                <a:blip r:embed="rId2"/>
+                <a:stretch>
+                  <a:fillRect l="-772" t="-1223"/>
+                </a:stretch>
+              </a:blipFill>
+            </p:spPr>
+            <p:txBody>
+              <a:bodyPr/>
+              <a:lstStyle/>
+              <a:p>
+                <a:r>
+                  <a:rPr lang="en-GB">
+                    <a:noFill/>
+                  </a:rPr>
+                  <a:t> </a:t>
+                </a:r>
+              </a:p>
+            </p:txBody>
+          </p:sp>
+        </mc:Fallback>
+      </mc:AlternateContent>
+      <p:sp>
+        <p:nvSpPr>
+          <p:cNvPr id="4" name="Slide Number Placeholder 3">
+            <a:extLst>
+              <a:ext uri="{FF2B5EF4-FFF2-40B4-BE49-F238E27FC236}">
+                <a16:creationId xmlns:a16="http://schemas.microsoft.com/office/drawing/2014/main" id="{C812D188-70C7-FCA1-78E3-3A763BE581BC}"/>
+              </a:ext>
+            </a:extLst>
+          </p:cNvPr>
+          <p:cNvSpPr>
+            <a:spLocks noGrp="1"/>
+          </p:cNvSpPr>
+          <p:nvPr>
+            <p:ph type="sldNum" sz="quarter" idx="12"/>
+          </p:nvPr>
+        </p:nvSpPr>
+        <p:spPr/>
+        <p:txBody>
+          <a:bodyPr/>
+          <a:lstStyle/>
+          <a:p>
+            <a:fld id="{44E22EE9-B8A0-0641-9265-052CFE9B95A7}" type="slidenum">
+              <a:rPr lang="en-GB" altLang="en-US" smtClean="0"/>
+              <a:pPr/>
+              <a:t>65</a:t>
+            </a:fld>
+            <a:endParaRPr lang="en-GB" altLang="en-US" dirty="0"/>
+          </a:p>
+        </p:txBody>
+      </p:sp>
+      <p:sp>
+        <p:nvSpPr>
+          <p:cNvPr id="6" name="TextBox 5">
+            <a:extLst>
+              <a:ext uri="{FF2B5EF4-FFF2-40B4-BE49-F238E27FC236}">
+                <a16:creationId xmlns:a16="http://schemas.microsoft.com/office/drawing/2014/main" id="{783237BC-1400-14DA-3F5A-1CE55CF82D1B}"/>
+              </a:ext>
+            </a:extLst>
+          </p:cNvPr>
+          <p:cNvSpPr txBox="1"/>
+          <p:nvPr/>
+        </p:nvSpPr>
+        <p:spPr>
+          <a:xfrm>
+            <a:off x="611560" y="5197740"/>
+            <a:ext cx="7416824" cy="369332"/>
+          </a:xfrm>
+          <a:prstGeom prst="rect">
+            <a:avLst/>
+          </a:prstGeom>
+          <a:noFill/>
+        </p:spPr>
+        <p:txBody>
+          <a:bodyPr wrap="square">
+            <a:spAutoFit/>
+          </a:bodyPr>
+          <a:lstStyle/>
+          <a:p>
+            <a:r>
+              <a:rPr lang="en-GB" sz="900" dirty="0"/>
+              <a:t>Source: Adapted from Goodfellow et al., deep Learning, https://www.deeplearningbook.org/contents/optimization.html</a:t>
+            </a:r>
+          </a:p>
+          <a:p>
+            <a:r>
+              <a:rPr lang="en-GB" sz="900" dirty="0">
+                <a:solidFill>
+                  <a:srgbClr val="7030A0"/>
+                </a:solidFill>
+              </a:rPr>
+              <a:t>For more information see Chapter 8 of Goodfellow et al.’s book. </a:t>
+            </a:r>
+          </a:p>
+        </p:txBody>
+      </p:sp>
+      <p:pic>
+        <p:nvPicPr>
+          <p:cNvPr id="8" name="Picture 7">
+            <a:extLst>
+              <a:ext uri="{FF2B5EF4-FFF2-40B4-BE49-F238E27FC236}">
+                <a16:creationId xmlns:a16="http://schemas.microsoft.com/office/drawing/2014/main" id="{4DB1114E-35AE-5CC3-6C92-C351AADB595D}"/>
+              </a:ext>
+            </a:extLst>
+          </p:cNvPr>
+          <p:cNvPicPr>
+            <a:picLocks noChangeAspect="1"/>
+          </p:cNvPicPr>
+          <p:nvPr/>
+        </p:nvPicPr>
+        <p:blipFill>
+          <a:blip r:embed="rId3">
+            <a:extLst>
+              <a:ext uri="{28A0092B-C50C-407E-A947-70E740481C1C}">
+                <a14:useLocalDpi xmlns:a14="http://schemas.microsoft.com/office/drawing/2010/main" val="0"/>
+              </a:ext>
+            </a:extLst>
+          </a:blip>
+          <a:stretch>
+            <a:fillRect/>
+          </a:stretch>
+        </p:blipFill>
+        <p:spPr>
+          <a:xfrm>
+            <a:off x="1238250" y="2234609"/>
+            <a:ext cx="6667500" cy="609600"/>
+          </a:xfrm>
+          <a:prstGeom prst="rect">
+            <a:avLst/>
+          </a:prstGeom>
+        </p:spPr>
+      </p:pic>
+      <p:pic>
+        <p:nvPicPr>
+          <p:cNvPr id="10" name="Picture 9" descr="Text, logo&#10;&#10;Description automatically generated">
+            <a:extLst>
+              <a:ext uri="{FF2B5EF4-FFF2-40B4-BE49-F238E27FC236}">
+                <a16:creationId xmlns:a16="http://schemas.microsoft.com/office/drawing/2014/main" id="{4D345B66-F4C0-885F-42EA-17086F20A1DF}"/>
+              </a:ext>
+            </a:extLst>
+          </p:cNvPr>
+          <p:cNvPicPr>
+            <a:picLocks noChangeAspect="1"/>
+          </p:cNvPicPr>
+          <p:nvPr/>
+        </p:nvPicPr>
+        <p:blipFill>
+          <a:blip r:embed="rId4">
+            <a:extLst>
+              <a:ext uri="{28A0092B-C50C-407E-A947-70E740481C1C}">
+                <a14:useLocalDpi xmlns:a14="http://schemas.microsoft.com/office/drawing/2010/main" val="0"/>
+              </a:ext>
+            </a:extLst>
+          </a:blip>
+          <a:stretch>
+            <a:fillRect/>
+          </a:stretch>
+        </p:blipFill>
+        <p:spPr>
+          <a:xfrm>
+            <a:off x="3059832" y="4053466"/>
+            <a:ext cx="2819400" cy="622300"/>
+          </a:xfrm>
+          <a:prstGeom prst="rect">
+            <a:avLst/>
+          </a:prstGeom>
+        </p:spPr>
+      </p:pic>
+    </p:spTree>
+    <p:extLst>
+      <p:ext uri="{BB962C8B-B14F-4D97-AF65-F5344CB8AC3E}">
+        <p14:creationId xmlns:p14="http://schemas.microsoft.com/office/powerpoint/2010/main" val="1260871968"/>
+      </p:ext>
+    </p:extLst>
+  </p:cSld>
+  <p:clrMapOvr>
+    <a:masterClrMapping/>
+  </p:clrMapOvr>
+</p:sld>
+</file>
+
+<file path=ppt/slides/slide66.xml><?xml version="1.0" encoding="utf-8"?>
+<p:sld xmlns:a="http://schemas.openxmlformats.org/drawingml/2006/main" xmlns:r="http://schemas.openxmlformats.org/officeDocument/2006/relationships" xmlns:p="http://schemas.openxmlformats.org/presentationml/2006/main">
+  <p:cSld>
+    <p:spTree>
+      <p:nvGrpSpPr>
+        <p:cNvPr id="1" name=""/>
+        <p:cNvGrpSpPr/>
+        <p:nvPr/>
+      </p:nvGrpSpPr>
+      <p:grpSpPr>
+        <a:xfrm>
+          <a:off x="0" y="0"/>
+          <a:ext cx="0" cy="0"/>
+          <a:chOff x="0" y="0"/>
+          <a:chExt cx="0" cy="0"/>
+        </a:xfrm>
+      </p:grpSpPr>
+      <p:sp>
+        <p:nvSpPr>
+          <p:cNvPr id="2" name="Title 1">
+            <a:extLst>
+              <a:ext uri="{FF2B5EF4-FFF2-40B4-BE49-F238E27FC236}">
+                <a16:creationId xmlns:a16="http://schemas.microsoft.com/office/drawing/2014/main" id="{B1A1ECE8-C6EF-F525-7694-F321D68D513F}"/>
+              </a:ext>
+            </a:extLst>
+          </p:cNvPr>
+          <p:cNvSpPr>
+            <a:spLocks noGrp="1"/>
+          </p:cNvSpPr>
+          <p:nvPr>
+            <p:ph type="title"/>
+          </p:nvPr>
+        </p:nvSpPr>
+        <p:spPr/>
+        <p:txBody>
+          <a:bodyPr/>
+          <a:lstStyle/>
+          <a:p>
+            <a:r>
+              <a:rPr lang="en-GB" dirty="0"/>
+              <a:t>Newton’s method – the algorithm</a:t>
+            </a:r>
+          </a:p>
+        </p:txBody>
+      </p:sp>
+      <p:sp>
+        <p:nvSpPr>
+          <p:cNvPr id="3" name="Content Placeholder 2">
+            <a:extLst>
+              <a:ext uri="{FF2B5EF4-FFF2-40B4-BE49-F238E27FC236}">
+                <a16:creationId xmlns:a16="http://schemas.microsoft.com/office/drawing/2014/main" id="{AA84BE93-CC03-0310-806F-8D1E9788C1AE}"/>
+              </a:ext>
+            </a:extLst>
+          </p:cNvPr>
+          <p:cNvSpPr>
+            <a:spLocks noGrp="1"/>
+          </p:cNvSpPr>
+          <p:nvPr>
+            <p:ph idx="1"/>
+          </p:nvPr>
+        </p:nvSpPr>
+        <p:spPr/>
+        <p:txBody>
+          <a:bodyPr/>
+          <a:lstStyle/>
+          <a:p>
+            <a:pPr algn="l"/>
+            <a:r>
+              <a:rPr lang="en-GB" b="0" i="0" u="none" strike="noStrike" dirty="0">
+                <a:solidFill>
+                  <a:srgbClr val="000000"/>
+                </a:solidFill>
+                <a:effectLst/>
+              </a:rPr>
+              <a:t>If the objective function is convex but not quadratic (there are higher-order terms), this update can be iterated, yielding the training algorithm associated with Newton’s method, given in algorithm</a:t>
+            </a:r>
+          </a:p>
+          <a:p>
+            <a:endParaRPr lang="en-GB" dirty="0"/>
+          </a:p>
+        </p:txBody>
+      </p:sp>
+      <p:sp>
+        <p:nvSpPr>
+          <p:cNvPr id="4" name="Slide Number Placeholder 3">
+            <a:extLst>
+              <a:ext uri="{FF2B5EF4-FFF2-40B4-BE49-F238E27FC236}">
+                <a16:creationId xmlns:a16="http://schemas.microsoft.com/office/drawing/2014/main" id="{C3C87471-641D-6B25-C82B-C9A65EA8E1AC}"/>
+              </a:ext>
+            </a:extLst>
+          </p:cNvPr>
+          <p:cNvSpPr>
+            <a:spLocks noGrp="1"/>
+          </p:cNvSpPr>
+          <p:nvPr>
+            <p:ph type="sldNum" sz="quarter" idx="12"/>
+          </p:nvPr>
+        </p:nvSpPr>
+        <p:spPr/>
+        <p:txBody>
+          <a:bodyPr/>
+          <a:lstStyle/>
+          <a:p>
+            <a:fld id="{44E22EE9-B8A0-0641-9265-052CFE9B95A7}" type="slidenum">
+              <a:rPr lang="en-GB" altLang="en-US" smtClean="0"/>
+              <a:pPr/>
+              <a:t>66</a:t>
+            </a:fld>
+            <a:endParaRPr lang="en-GB" altLang="en-US" dirty="0"/>
+          </a:p>
+        </p:txBody>
+      </p:sp>
+      <p:sp>
+        <p:nvSpPr>
+          <p:cNvPr id="5" name="TextBox 4">
+            <a:extLst>
+              <a:ext uri="{FF2B5EF4-FFF2-40B4-BE49-F238E27FC236}">
+                <a16:creationId xmlns:a16="http://schemas.microsoft.com/office/drawing/2014/main" id="{D9BF0928-A051-36C9-13B5-6D95191246BC}"/>
+              </a:ext>
+            </a:extLst>
+          </p:cNvPr>
+          <p:cNvSpPr txBox="1"/>
+          <p:nvPr/>
+        </p:nvSpPr>
+        <p:spPr>
+          <a:xfrm>
+            <a:off x="611560" y="5344262"/>
+            <a:ext cx="7416824" cy="230832"/>
+          </a:xfrm>
+          <a:prstGeom prst="rect">
+            <a:avLst/>
+          </a:prstGeom>
+          <a:noFill/>
+        </p:spPr>
+        <p:txBody>
+          <a:bodyPr wrap="square">
+            <a:spAutoFit/>
+          </a:bodyPr>
+          <a:lstStyle/>
+          <a:p>
+            <a:r>
+              <a:rPr lang="en-GB" sz="900" dirty="0"/>
+              <a:t>Source: Adapted from Goodfellow et al., deep Learning, https://</a:t>
+            </a:r>
+            <a:r>
+              <a:rPr lang="en-GB" sz="900" dirty="0" err="1"/>
+              <a:t>www.deeplearningbook.org</a:t>
+            </a:r>
+            <a:r>
+              <a:rPr lang="en-GB" sz="900" dirty="0"/>
+              <a:t>/contents/</a:t>
+            </a:r>
+            <a:r>
+              <a:rPr lang="en-GB" sz="900" dirty="0" err="1"/>
+              <a:t>optimization.html</a:t>
+            </a:r>
+            <a:endParaRPr lang="en-GB" sz="900" dirty="0"/>
+          </a:p>
+        </p:txBody>
+      </p:sp>
+      <p:pic>
+        <p:nvPicPr>
+          <p:cNvPr id="7" name="Picture 6" descr="Text, letter&#10;&#10;Description automatically generated">
+            <a:extLst>
+              <a:ext uri="{FF2B5EF4-FFF2-40B4-BE49-F238E27FC236}">
+                <a16:creationId xmlns:a16="http://schemas.microsoft.com/office/drawing/2014/main" id="{EDCB2F3E-251B-5AF4-9594-9559F2FCC996}"/>
+              </a:ext>
+            </a:extLst>
+          </p:cNvPr>
+          <p:cNvPicPr>
+            <a:picLocks noChangeAspect="1"/>
+          </p:cNvPicPr>
+          <p:nvPr/>
+        </p:nvPicPr>
+        <p:blipFill rotWithShape="1">
+          <a:blip r:embed="rId2">
+            <a:extLst>
+              <a:ext uri="{28A0092B-C50C-407E-A947-70E740481C1C}">
+                <a14:useLocalDpi xmlns:a14="http://schemas.microsoft.com/office/drawing/2010/main" val="0"/>
+              </a:ext>
+            </a:extLst>
+          </a:blip>
+          <a:srcRect t="7829"/>
+          <a:stretch/>
+        </p:blipFill>
+        <p:spPr>
+          <a:xfrm>
+            <a:off x="1043608" y="2353444"/>
+            <a:ext cx="6864081" cy="2576598"/>
+          </a:xfrm>
+          <a:prstGeom prst="rect">
+            <a:avLst/>
+          </a:prstGeom>
+        </p:spPr>
+      </p:pic>
+    </p:spTree>
+    <p:extLst>
+      <p:ext uri="{BB962C8B-B14F-4D97-AF65-F5344CB8AC3E}">
+        <p14:creationId xmlns:p14="http://schemas.microsoft.com/office/powerpoint/2010/main" val="2347089"/>
+      </p:ext>
+    </p:extLst>
+  </p:cSld>
+  <p:clrMapOvr>
+    <a:masterClrMapping/>
+  </p:clrMapOvr>
+</p:sld>
+</file>
+
+<file path=ppt/slides/slide67.xml><?xml version="1.0" encoding="utf-8"?>
+<p:sld xmlns:a="http://schemas.openxmlformats.org/drawingml/2006/main" xmlns:r="http://schemas.openxmlformats.org/officeDocument/2006/relationships" xmlns:p="http://schemas.openxmlformats.org/presentationml/2006/main">
+  <p:cSld>
+    <p:spTree>
+      <p:nvGrpSpPr>
+        <p:cNvPr id="1" name=""/>
+        <p:cNvGrpSpPr/>
+        <p:nvPr/>
+      </p:nvGrpSpPr>
+      <p:grpSpPr>
+        <a:xfrm>
+          <a:off x="0" y="0"/>
+          <a:ext cx="0" cy="0"/>
+          <a:chOff x="0" y="0"/>
+          <a:chExt cx="0" cy="0"/>
+        </a:xfrm>
+      </p:grpSpPr>
+      <mc:AlternateContent xmlns:mc="http://schemas.openxmlformats.org/markup-compatibility/2006">
+        <mc:Choice xmlns:a14="http://schemas.microsoft.com/office/drawing/2010/main" Requires="a14">
+          <p:sp>
+            <p:nvSpPr>
+              <p:cNvPr id="2" name="Title 1">
+                <a:extLst>
+                  <a:ext uri="{FF2B5EF4-FFF2-40B4-BE49-F238E27FC236}">
+                    <a16:creationId xmlns:a16="http://schemas.microsoft.com/office/drawing/2014/main" id="{F7029584-4E15-0292-99F1-221978567A86}"/>
+                  </a:ext>
+                </a:extLst>
+              </p:cNvPr>
+              <p:cNvSpPr>
+                <a:spLocks noGrp="1"/>
+              </p:cNvSpPr>
+              <p:nvPr>
+                <p:ph type="title"/>
+              </p:nvPr>
+            </p:nvSpPr>
+            <p:spPr/>
+            <p:txBody>
+              <a:bodyPr/>
+              <a:lstStyle/>
+              <a:p>
+                <a:r>
+                  <a:rPr lang="en-GB" dirty="0"/>
+                  <a:t>The </a:t>
+                </a:r>
+                <a14:m>
+                  <m:oMath xmlns:m="http://schemas.openxmlformats.org/officeDocument/2006/math">
+                    <m:r>
+                      <a:rPr lang="en-GB" i="1" dirty="0" smtClean="0">
+                        <a:latin typeface="Cambria Math" panose="02040503050406030204" pitchFamily="18" charset="0"/>
+                      </a:rPr>
+                      <m:t>𝐻𝑒𝑠𝑠𝑖𝑎𝑛</m:t>
+                    </m:r>
+                    <m:r>
+                      <a:rPr lang="en-GB" i="1" dirty="0" smtClean="0">
+                        <a:latin typeface="Cambria Math" panose="02040503050406030204" pitchFamily="18" charset="0"/>
+                      </a:rPr>
+                      <m:t> </m:t>
+                    </m:r>
+                  </m:oMath>
+                </a14:m>
+                <a:r>
+                  <a:rPr lang="en-GB" dirty="0"/>
+                  <a:t>Matrix (</a:t>
+                </a:r>
+                <a14:m>
+                  <m:oMath xmlns:m="http://schemas.openxmlformats.org/officeDocument/2006/math">
+                    <m:r>
+                      <a:rPr lang="en-GB" i="1" dirty="0" smtClean="0">
+                        <a:latin typeface="Cambria Math" panose="02040503050406030204" pitchFamily="18" charset="0"/>
+                      </a:rPr>
+                      <m:t>𝐻</m:t>
+                    </m:r>
+                  </m:oMath>
+                </a14:m>
+                <a:r>
+                  <a:rPr lang="en-GB" dirty="0"/>
+                  <a:t>)</a:t>
+                </a:r>
+              </a:p>
+            </p:txBody>
+          </p:sp>
+        </mc:Choice>
+        <mc:Fallback>
+          <p:sp>
+            <p:nvSpPr>
+              <p:cNvPr id="2" name="Title 1">
+                <a:extLst>
+                  <a:ext uri="{FF2B5EF4-FFF2-40B4-BE49-F238E27FC236}">
+                    <a16:creationId xmlns:a16="http://schemas.microsoft.com/office/drawing/2014/main" id="{F7029584-4E15-0292-99F1-221978567A86}"/>
+                  </a:ext>
+                </a:extLst>
+              </p:cNvPr>
+              <p:cNvSpPr>
+                <a:spLocks noGrp="1" noRot="1" noChangeAspect="1" noMove="1" noResize="1" noEditPoints="1" noAdjustHandles="1" noChangeArrowheads="1" noChangeShapeType="1" noTextEdit="1"/>
+              </p:cNvSpPr>
+              <p:nvPr>
+                <p:ph type="title"/>
+              </p:nvPr>
+            </p:nvSpPr>
+            <p:spPr>
+              <a:blipFill>
+                <a:blip r:embed="rId2"/>
+                <a:stretch>
+                  <a:fillRect l="-1235"/>
+                </a:stretch>
+              </a:blipFill>
+            </p:spPr>
+            <p:txBody>
+              <a:bodyPr/>
+              <a:lstStyle/>
+              <a:p>
+                <a:r>
+                  <a:rPr lang="en-GB">
+                    <a:noFill/>
+                  </a:rPr>
+                  <a:t> </a:t>
+                </a:r>
+              </a:p>
+            </p:txBody>
+          </p:sp>
+        </mc:Fallback>
+      </mc:AlternateContent>
+      <p:sp>
+        <p:nvSpPr>
+          <p:cNvPr id="3" name="Content Placeholder 2">
+            <a:extLst>
+              <a:ext uri="{FF2B5EF4-FFF2-40B4-BE49-F238E27FC236}">
+                <a16:creationId xmlns:a16="http://schemas.microsoft.com/office/drawing/2014/main" id="{E5A716B3-D39C-9DE6-D406-6F1B8356D114}"/>
+              </a:ext>
+            </a:extLst>
+          </p:cNvPr>
+          <p:cNvSpPr>
+            <a:spLocks noGrp="1"/>
+          </p:cNvSpPr>
+          <p:nvPr>
+            <p:ph idx="1"/>
+          </p:nvPr>
+        </p:nvSpPr>
+        <p:spPr/>
+        <p:txBody>
+          <a:bodyPr/>
+          <a:lstStyle/>
+          <a:p>
+            <a:r>
+              <a:rPr lang="en-GB" dirty="0"/>
+              <a:t>For more information on Hessian matrix and how to derive it, see:</a:t>
+            </a:r>
+          </a:p>
+          <a:p>
+            <a:pPr marL="0" indent="0">
+              <a:buNone/>
+            </a:pPr>
+            <a:r>
+              <a:rPr lang="en-GB" dirty="0"/>
+              <a:t>https://</a:t>
+            </a:r>
+            <a:r>
+              <a:rPr lang="en-GB" dirty="0" err="1"/>
+              <a:t>www.khanacademy.org</a:t>
+            </a:r>
+            <a:r>
+              <a:rPr lang="en-GB" dirty="0"/>
+              <a:t>/math/multivariable-calculus/applications-of-multivariable-derivatives/quadratic-approximations/a/the-hessian</a:t>
+            </a:r>
+          </a:p>
+        </p:txBody>
+      </p:sp>
+      <p:sp>
+        <p:nvSpPr>
+          <p:cNvPr id="4" name="Slide Number Placeholder 3">
+            <a:extLst>
+              <a:ext uri="{FF2B5EF4-FFF2-40B4-BE49-F238E27FC236}">
+                <a16:creationId xmlns:a16="http://schemas.microsoft.com/office/drawing/2014/main" id="{A5EB5FEB-032F-EE76-16C2-5507A1A75704}"/>
+              </a:ext>
+            </a:extLst>
+          </p:cNvPr>
+          <p:cNvSpPr>
+            <a:spLocks noGrp="1"/>
+          </p:cNvSpPr>
+          <p:nvPr>
+            <p:ph type="sldNum" sz="quarter" idx="12"/>
+          </p:nvPr>
+        </p:nvSpPr>
+        <p:spPr/>
+        <p:txBody>
+          <a:bodyPr/>
+          <a:lstStyle/>
+          <a:p>
+            <a:fld id="{44E22EE9-B8A0-0641-9265-052CFE9B95A7}" type="slidenum">
+              <a:rPr lang="en-GB" altLang="en-US" smtClean="0"/>
+              <a:pPr/>
+              <a:t>67</a:t>
+            </a:fld>
+            <a:endParaRPr lang="en-GB" altLang="en-US" dirty="0"/>
+          </a:p>
+        </p:txBody>
+      </p:sp>
+    </p:spTree>
+    <p:extLst>
+      <p:ext uri="{BB962C8B-B14F-4D97-AF65-F5344CB8AC3E}">
+        <p14:creationId xmlns:p14="http://schemas.microsoft.com/office/powerpoint/2010/main" val="2053768682"/>
       </p:ext>
     </p:extLst>
   </p:cSld>

--- a/06- Neural Networks/ML4NuerScience_NeuralNets.pptx
+++ b/06- Neural Networks/ML4NuerScience_NeuralNets.pptx
@@ -5,10 +5,10 @@
     <p:sldMasterId id="2147483685" r:id="rId1"/>
   </p:sldMasterIdLst>
   <p:notesMasterIdLst>
-    <p:notesMasterId r:id="rId69"/>
+    <p:notesMasterId r:id="rId71"/>
   </p:notesMasterIdLst>
   <p:handoutMasterIdLst>
-    <p:handoutMasterId r:id="rId70"/>
+    <p:handoutMasterId r:id="rId72"/>
   </p:handoutMasterIdLst>
   <p:sldIdLst>
     <p:sldId id="297" r:id="rId2"/>
@@ -37,47 +37,49 @@
     <p:sldId id="1288" r:id="rId25"/>
     <p:sldId id="1289" r:id="rId26"/>
     <p:sldId id="1296" r:id="rId27"/>
-    <p:sldId id="1293" r:id="rId28"/>
-    <p:sldId id="1297" r:id="rId29"/>
-    <p:sldId id="1295" r:id="rId30"/>
-    <p:sldId id="1290" r:id="rId31"/>
-    <p:sldId id="1316" r:id="rId32"/>
-    <p:sldId id="1300" r:id="rId33"/>
-    <p:sldId id="1299" r:id="rId34"/>
-    <p:sldId id="1301" r:id="rId35"/>
-    <p:sldId id="1302" r:id="rId36"/>
-    <p:sldId id="1303" r:id="rId37"/>
-    <p:sldId id="1304" r:id="rId38"/>
-    <p:sldId id="1298" r:id="rId39"/>
-    <p:sldId id="1305" r:id="rId40"/>
-    <p:sldId id="1322" r:id="rId41"/>
-    <p:sldId id="1306" r:id="rId42"/>
-    <p:sldId id="1323" r:id="rId43"/>
-    <p:sldId id="1324" r:id="rId44"/>
-    <p:sldId id="1307" r:id="rId45"/>
-    <p:sldId id="1308" r:id="rId46"/>
-    <p:sldId id="1309" r:id="rId47"/>
-    <p:sldId id="1310" r:id="rId48"/>
-    <p:sldId id="1311" r:id="rId49"/>
-    <p:sldId id="1312" r:id="rId50"/>
-    <p:sldId id="1321" r:id="rId51"/>
-    <p:sldId id="1313" r:id="rId52"/>
-    <p:sldId id="1319" r:id="rId53"/>
-    <p:sldId id="756" r:id="rId54"/>
-    <p:sldId id="755" r:id="rId55"/>
-    <p:sldId id="1314" r:id="rId56"/>
-    <p:sldId id="1315" r:id="rId57"/>
-    <p:sldId id="1294" r:id="rId58"/>
-    <p:sldId id="1317" r:id="rId59"/>
-    <p:sldId id="1318" r:id="rId60"/>
-    <p:sldId id="1229" r:id="rId61"/>
-    <p:sldId id="1149" r:id="rId62"/>
-    <p:sldId id="1274" r:id="rId63"/>
-    <p:sldId id="1291" r:id="rId64"/>
-    <p:sldId id="1320" r:id="rId65"/>
-    <p:sldId id="1325" r:id="rId66"/>
-    <p:sldId id="1326" r:id="rId67"/>
-    <p:sldId id="1327" r:id="rId68"/>
+    <p:sldId id="1328" r:id="rId28"/>
+    <p:sldId id="1293" r:id="rId29"/>
+    <p:sldId id="1297" r:id="rId30"/>
+    <p:sldId id="1295" r:id="rId31"/>
+    <p:sldId id="1290" r:id="rId32"/>
+    <p:sldId id="1316" r:id="rId33"/>
+    <p:sldId id="1300" r:id="rId34"/>
+    <p:sldId id="1299" r:id="rId35"/>
+    <p:sldId id="1301" r:id="rId36"/>
+    <p:sldId id="1302" r:id="rId37"/>
+    <p:sldId id="1303" r:id="rId38"/>
+    <p:sldId id="1304" r:id="rId39"/>
+    <p:sldId id="1298" r:id="rId40"/>
+    <p:sldId id="1305" r:id="rId41"/>
+    <p:sldId id="1322" r:id="rId42"/>
+    <p:sldId id="1306" r:id="rId43"/>
+    <p:sldId id="1323" r:id="rId44"/>
+    <p:sldId id="1324" r:id="rId45"/>
+    <p:sldId id="1307" r:id="rId46"/>
+    <p:sldId id="1308" r:id="rId47"/>
+    <p:sldId id="1309" r:id="rId48"/>
+    <p:sldId id="1310" r:id="rId49"/>
+    <p:sldId id="1311" r:id="rId50"/>
+    <p:sldId id="1312" r:id="rId51"/>
+    <p:sldId id="1321" r:id="rId52"/>
+    <p:sldId id="1313" r:id="rId53"/>
+    <p:sldId id="1319" r:id="rId54"/>
+    <p:sldId id="756" r:id="rId55"/>
+    <p:sldId id="755" r:id="rId56"/>
+    <p:sldId id="1314" r:id="rId57"/>
+    <p:sldId id="1315" r:id="rId58"/>
+    <p:sldId id="1294" r:id="rId59"/>
+    <p:sldId id="1317" r:id="rId60"/>
+    <p:sldId id="1318" r:id="rId61"/>
+    <p:sldId id="1229" r:id="rId62"/>
+    <p:sldId id="1149" r:id="rId63"/>
+    <p:sldId id="1274" r:id="rId64"/>
+    <p:sldId id="1291" r:id="rId65"/>
+    <p:sldId id="1320" r:id="rId66"/>
+    <p:sldId id="1329" r:id="rId67"/>
+    <p:sldId id="1325" r:id="rId68"/>
+    <p:sldId id="1326" r:id="rId69"/>
+    <p:sldId id="1327" r:id="rId70"/>
   </p:sldIdLst>
   <p:sldSz cx="9144000" cy="5715000" type="screen16x10"/>
   <p:notesSz cx="7099300" cy="10234613"/>
@@ -9375,7 +9377,7 @@
           <p:cNvPr id="2" name="Title 1">
             <a:extLst>
               <a:ext uri="{FF2B5EF4-FFF2-40B4-BE49-F238E27FC236}">
-                <a16:creationId xmlns:a16="http://schemas.microsoft.com/office/drawing/2014/main" id="{7543D4B2-A4B3-69DF-FB08-294072179FA1}"/>
+                <a16:creationId xmlns:a16="http://schemas.microsoft.com/office/drawing/2014/main" id="{EFA2F4B4-42F2-5E6E-8025-CDB4BB904F0B}"/>
               </a:ext>
             </a:extLst>
           </p:cNvPr>
@@ -9393,7 +9395,7 @@
           <a:p>
             <a:r>
               <a:rPr lang="en-GB" dirty="0"/>
-              <a:t>Training neural networks</a:t>
+              <a:t>Random initialisation*</a:t>
             </a:r>
           </a:p>
         </p:txBody>
@@ -9403,7 +9405,7 @@
           <p:cNvPr id="3" name="Content Placeholder 2">
             <a:extLst>
               <a:ext uri="{FF2B5EF4-FFF2-40B4-BE49-F238E27FC236}">
-                <a16:creationId xmlns:a16="http://schemas.microsoft.com/office/drawing/2014/main" id="{567A4A37-1C3B-957F-5626-9A71D1A20F70}"/>
+                <a16:creationId xmlns:a16="http://schemas.microsoft.com/office/drawing/2014/main" id="{B1C82106-337D-2C69-0FF9-94E4E4CEED55}"/>
               </a:ext>
             </a:extLst>
           </p:cNvPr>
@@ -9420,27 +9422,113 @@
           <a:lstStyle/>
           <a:p>
             <a:r>
+              <a:rPr lang="en-GB" dirty="0"/>
+              <a:t>If you are interested in the effect of initialisation parameters, see:</a:t>
+            </a:r>
+          </a:p>
+          <a:p>
+            <a:r>
+              <a:rPr lang="en-GB" dirty="0"/>
+              <a:t>https://stackoverflow.com/questions/49433936/how-do-i-initialize-weights-in-pytorch</a:t>
+            </a:r>
+          </a:p>
+          <a:p>
+            <a:endParaRPr lang="en-GB" dirty="0"/>
+          </a:p>
+          <a:p>
+            <a:r>
+              <a:rPr lang="en-GB" dirty="0"/>
+              <a:t>https://pytorch.org/docs/stable/nn.init.html</a:t>
+            </a:r>
+          </a:p>
+          <a:p>
+            <a:endParaRPr lang="en-GB" dirty="0"/>
+          </a:p>
+          <a:p>
+            <a:r>
+              <a:rPr lang="en-GB" b="0" i="1" u="none" strike="noStrike" dirty="0">
+                <a:solidFill>
+                  <a:srgbClr val="DD1144"/>
+                </a:solidFill>
+                <a:effectLst/>
+                <a:latin typeface="IBMPlexMono"/>
+              </a:rPr>
+              <a:t>Understanding the difficulty of training deep feedforward</a:t>
+            </a:r>
+            <a:r>
               <a:rPr lang="en-GB" b="0" i="0" u="none" strike="noStrike" dirty="0">
+                <a:solidFill>
+                  <a:srgbClr val="212529"/>
+                </a:solidFill>
                 <a:effectLst/>
+                <a:latin typeface="IBMPlexMono"/>
               </a:rPr>
-              <a:t>When training neural networks, forward and backward propagation depend on each other. </a:t>
-            </a:r>
-          </a:p>
-          <a:p>
-            <a:r>
-              <a:rPr lang="en-GB" b="0" i="0" u="none" strike="noStrike" dirty="0">
+              <a:t> </a:t>
+            </a:r>
+            <a:r>
+              <a:rPr lang="en-GB" b="0" i="1" u="none" strike="noStrike" dirty="0">
+                <a:solidFill>
+                  <a:srgbClr val="DD1144"/>
+                </a:solidFill>
                 <a:effectLst/>
+                <a:latin typeface="IBMPlexMono"/>
               </a:rPr>
-              <a:t>In forward propagation, we traverse the computational graph in the direction of dependencies and compute all the variables on its path. </a:t>
-            </a:r>
-          </a:p>
-          <a:p>
-            <a:r>
-              <a:rPr lang="en-GB" b="0" i="0" u="none" strike="noStrike" dirty="0">
+              <a:t>neural networks` - </a:t>
+            </a:r>
+            <a:r>
+              <a:rPr lang="en-GB" b="0" i="1" u="none" strike="noStrike" dirty="0" err="1">
+                <a:solidFill>
+                  <a:srgbClr val="DD1144"/>
+                </a:solidFill>
                 <a:effectLst/>
+                <a:latin typeface="IBMPlexMono"/>
               </a:rPr>
-              <a:t>These are then used for backpropagation where the compute order on the graph is reversed.</a:t>
-            </a:r>
+              <a:t>Glorot</a:t>
+            </a:r>
+            <a:r>
+              <a:rPr lang="en-GB" b="0" i="1" u="none" strike="noStrike" dirty="0">
+                <a:solidFill>
+                  <a:srgbClr val="DD1144"/>
+                </a:solidFill>
+                <a:effectLst/>
+                <a:latin typeface="IBMPlexMono"/>
+              </a:rPr>
+              <a:t>, X. &amp; </a:t>
+            </a:r>
+            <a:r>
+              <a:rPr lang="en-GB" b="0" i="1" u="none" strike="noStrike" dirty="0" err="1">
+                <a:solidFill>
+                  <a:srgbClr val="DD1144"/>
+                </a:solidFill>
+                <a:effectLst/>
+                <a:latin typeface="IBMPlexMono"/>
+              </a:rPr>
+              <a:t>Bengio</a:t>
+            </a:r>
+            <a:r>
+              <a:rPr lang="en-GB" b="0" i="1" u="none" strike="noStrike" dirty="0">
+                <a:solidFill>
+                  <a:srgbClr val="DD1144"/>
+                </a:solidFill>
+                <a:effectLst/>
+                <a:latin typeface="IBMPlexMono"/>
+              </a:rPr>
+              <a:t>, Y. (2010) </a:t>
+            </a:r>
+            <a:r>
+              <a:rPr lang="en-GB" dirty="0"/>
+              <a:t>https://</a:t>
+            </a:r>
+            <a:r>
+              <a:rPr lang="en-GB" dirty="0" err="1"/>
+              <a:t>proceedings.mlr.press</a:t>
+            </a:r>
+            <a:r>
+              <a:rPr lang="en-GB" dirty="0"/>
+              <a:t>/v9/glorot10a/glorot10a.pdf</a:t>
+            </a:r>
+          </a:p>
+          <a:p>
             <a:endParaRPr lang="en-GB" dirty="0"/>
           </a:p>
         </p:txBody>
@@ -9450,7 +9538,7 @@
           <p:cNvPr id="4" name="Slide Number Placeholder 3">
             <a:extLst>
               <a:ext uri="{FF2B5EF4-FFF2-40B4-BE49-F238E27FC236}">
-                <a16:creationId xmlns:a16="http://schemas.microsoft.com/office/drawing/2014/main" id="{7A64B971-CAF6-60BA-42E1-0B44BE739724}"/>
+                <a16:creationId xmlns:a16="http://schemas.microsoft.com/office/drawing/2014/main" id="{FFA368B6-3C10-137C-9960-EA6E838B8862}"/>
               </a:ext>
             </a:extLst>
           </p:cNvPr>
@@ -9478,7 +9566,7 @@
     </p:spTree>
     <p:extLst>
       <p:ext uri="{BB962C8B-B14F-4D97-AF65-F5344CB8AC3E}">
-        <p14:creationId xmlns:p14="http://schemas.microsoft.com/office/powerpoint/2010/main" val="412061160"/>
+        <p14:creationId xmlns:p14="http://schemas.microsoft.com/office/powerpoint/2010/main" val="820210955"/>
       </p:ext>
     </p:extLst>
   </p:cSld>
@@ -9510,7 +9598,7 @@
           <p:cNvPr id="2" name="Title 1">
             <a:extLst>
               <a:ext uri="{FF2B5EF4-FFF2-40B4-BE49-F238E27FC236}">
-                <a16:creationId xmlns:a16="http://schemas.microsoft.com/office/drawing/2014/main" id="{85B80352-4E0D-AB95-AF31-FD4554911F5A}"/>
+                <a16:creationId xmlns:a16="http://schemas.microsoft.com/office/drawing/2014/main" id="{7543D4B2-A4B3-69DF-FB08-294072179FA1}"/>
               </a:ext>
             </a:extLst>
           </p:cNvPr>
@@ -9528,7 +9616,7 @@
           <a:p>
             <a:r>
               <a:rPr lang="en-GB" dirty="0"/>
-              <a:t>Training a neural network - 1</a:t>
+              <a:t>Training neural networks</a:t>
             </a:r>
           </a:p>
         </p:txBody>
@@ -9538,7 +9626,7 @@
           <p:cNvPr id="3" name="Content Placeholder 2">
             <a:extLst>
               <a:ext uri="{FF2B5EF4-FFF2-40B4-BE49-F238E27FC236}">
-                <a16:creationId xmlns:a16="http://schemas.microsoft.com/office/drawing/2014/main" id="{6F2744D6-BE4E-CCDF-C645-D3D791052440}"/>
+                <a16:creationId xmlns:a16="http://schemas.microsoft.com/office/drawing/2014/main" id="{567A4A37-1C3B-957F-5626-9A71D1A20F70}"/>
               </a:ext>
             </a:extLst>
           </p:cNvPr>
@@ -9555,29 +9643,28 @@
           <a:lstStyle/>
           <a:p>
             <a:r>
-              <a:rPr lang="en-GB" dirty="0"/>
-              <a:t>Now the question is how to update the weights to optimise the model to obtain less error/loss.</a:t>
-            </a:r>
-          </a:p>
-          <a:p>
-            <a:r>
-              <a:rPr lang="en-GB" dirty="0"/>
-              <a:t>We need a way to calculate the intermediary values for backpropagation and updating the weights. </a:t>
-            </a:r>
-          </a:p>
-          <a:p>
-            <a:r>
-              <a:rPr lang="en-GB" dirty="0"/>
-              <a:t>We need a hyperparameter to control the rate of change. This is often done by a hyperparameter called  “</a:t>
-            </a:r>
-            <a:r>
-              <a:rPr lang="en-GB" i="1" dirty="0"/>
-              <a:t>learning rate</a:t>
-            </a:r>
-            <a:r>
-              <a:rPr lang="en-GB" dirty="0"/>
-              <a:t>”.</a:t>
-            </a:r>
+              <a:rPr lang="en-GB" b="0" i="0" u="none" strike="noStrike" dirty="0">
+                <a:effectLst/>
+              </a:rPr>
+              <a:t>When training neural networks, forward and backward propagation depend on each other. </a:t>
+            </a:r>
+          </a:p>
+          <a:p>
+            <a:r>
+              <a:rPr lang="en-GB" b="0" i="0" u="none" strike="noStrike" dirty="0">
+                <a:effectLst/>
+              </a:rPr>
+              <a:t>In forward propagation, we traverse the computational graph in the direction of dependencies and compute all the variables on its path. </a:t>
+            </a:r>
+          </a:p>
+          <a:p>
+            <a:r>
+              <a:rPr lang="en-GB" b="0" i="0" u="none" strike="noStrike" dirty="0">
+                <a:effectLst/>
+              </a:rPr>
+              <a:t>These are then used for backpropagation where the compute order on the graph is reversed.</a:t>
+            </a:r>
+            <a:endParaRPr lang="en-GB" dirty="0"/>
           </a:p>
         </p:txBody>
       </p:sp>
@@ -9586,7 +9673,7 @@
           <p:cNvPr id="4" name="Slide Number Placeholder 3">
             <a:extLst>
               <a:ext uri="{FF2B5EF4-FFF2-40B4-BE49-F238E27FC236}">
-                <a16:creationId xmlns:a16="http://schemas.microsoft.com/office/drawing/2014/main" id="{DFC2CFD3-5412-9FB8-5033-48FB2B331D99}"/>
+                <a16:creationId xmlns:a16="http://schemas.microsoft.com/office/drawing/2014/main" id="{7A64B971-CAF6-60BA-42E1-0B44BE739724}"/>
               </a:ext>
             </a:extLst>
           </p:cNvPr>
@@ -9614,7 +9701,7 @@
     </p:spTree>
     <p:extLst>
       <p:ext uri="{BB962C8B-B14F-4D97-AF65-F5344CB8AC3E}">
-        <p14:creationId xmlns:p14="http://schemas.microsoft.com/office/powerpoint/2010/main" val="2374310114"/>
+        <p14:creationId xmlns:p14="http://schemas.microsoft.com/office/powerpoint/2010/main" val="412061160"/>
       </p:ext>
     </p:extLst>
   </p:cSld>
@@ -9646,7 +9733,7 @@
           <p:cNvPr id="2" name="Title 1">
             <a:extLst>
               <a:ext uri="{FF2B5EF4-FFF2-40B4-BE49-F238E27FC236}">
-                <a16:creationId xmlns:a16="http://schemas.microsoft.com/office/drawing/2014/main" id="{9744D04B-63E2-2102-E151-FA24237B42FC}"/>
+                <a16:creationId xmlns:a16="http://schemas.microsoft.com/office/drawing/2014/main" id="{85B80352-4E0D-AB95-AF31-FD4554911F5A}"/>
               </a:ext>
             </a:extLst>
           </p:cNvPr>
@@ -9664,17 +9751,65 @@
           <a:p>
             <a:r>
               <a:rPr lang="en-GB" dirty="0"/>
-              <a:t>Forward propagation – Loss function (l)</a:t>
+              <a:t>Training a neural network - 1</a:t>
             </a:r>
           </a:p>
         </p:txBody>
       </p:sp>
       <p:sp>
         <p:nvSpPr>
-          <p:cNvPr id="3" name="Slide Number Placeholder 2">
-            <a:extLst>
-              <a:ext uri="{FF2B5EF4-FFF2-40B4-BE49-F238E27FC236}">
-                <a16:creationId xmlns:a16="http://schemas.microsoft.com/office/drawing/2014/main" id="{FC98111A-C574-1A6E-5B30-13CB1C391C59}"/>
+          <p:cNvPr id="3" name="Content Placeholder 2">
+            <a:extLst>
+              <a:ext uri="{FF2B5EF4-FFF2-40B4-BE49-F238E27FC236}">
+                <a16:creationId xmlns:a16="http://schemas.microsoft.com/office/drawing/2014/main" id="{6F2744D6-BE4E-CCDF-C645-D3D791052440}"/>
+              </a:ext>
+            </a:extLst>
+          </p:cNvPr>
+          <p:cNvSpPr>
+            <a:spLocks noGrp="1"/>
+          </p:cNvSpPr>
+          <p:nvPr>
+            <p:ph idx="1"/>
+          </p:nvPr>
+        </p:nvSpPr>
+        <p:spPr/>
+        <p:txBody>
+          <a:bodyPr/>
+          <a:lstStyle/>
+          <a:p>
+            <a:r>
+              <a:rPr lang="en-GB" dirty="0"/>
+              <a:t>Now the question is how to update the weights to optimise the model to obtain less error/loss.</a:t>
+            </a:r>
+          </a:p>
+          <a:p>
+            <a:r>
+              <a:rPr lang="en-GB" dirty="0"/>
+              <a:t>We need a way to calculate the intermediary values for backpropagation and updating the weights. </a:t>
+            </a:r>
+          </a:p>
+          <a:p>
+            <a:r>
+              <a:rPr lang="en-GB" dirty="0"/>
+              <a:t>We need a hyperparameter to control the rate of change. This is often done by a hyperparameter called  “</a:t>
+            </a:r>
+            <a:r>
+              <a:rPr lang="en-GB" i="1" dirty="0"/>
+              <a:t>learning rate</a:t>
+            </a:r>
+            <a:r>
+              <a:rPr lang="en-GB" dirty="0"/>
+              <a:t>”.</a:t>
+            </a:r>
+          </a:p>
+        </p:txBody>
+      </p:sp>
+      <p:sp>
+        <p:nvSpPr>
+          <p:cNvPr id="4" name="Slide Number Placeholder 3">
+            <a:extLst>
+              <a:ext uri="{FF2B5EF4-FFF2-40B4-BE49-F238E27FC236}">
+                <a16:creationId xmlns:a16="http://schemas.microsoft.com/office/drawing/2014/main" id="{DFC2CFD3-5412-9FB8-5033-48FB2B331D99}"/>
               </a:ext>
             </a:extLst>
           </p:cNvPr>
@@ -9690,7 +9825,7 @@
           <a:bodyPr/>
           <a:lstStyle/>
           <a:p>
-            <a:fld id="{BB98F552-A29D-2D4E-8192-F20670493719}" type="slidenum">
+            <a:fld id="{44E22EE9-B8A0-0641-9265-052CFE9B95A7}" type="slidenum">
               <a:rPr lang="en-GB" altLang="en-US" smtClean="0"/>
               <a:pPr/>
               <a:t>29</a:t>
@@ -9699,401 +9834,10 @@
           </a:p>
         </p:txBody>
       </p:sp>
-      <p:pic>
-        <p:nvPicPr>
-          <p:cNvPr id="7" name="Picture 6" descr="Diagram&#10;&#10;Description automatically generated">
-            <a:extLst>
-              <a:ext uri="{FF2B5EF4-FFF2-40B4-BE49-F238E27FC236}">
-                <a16:creationId xmlns:a16="http://schemas.microsoft.com/office/drawing/2014/main" id="{9F89EB65-BB8E-083D-16B9-CE8FFF8DF695}"/>
-              </a:ext>
-            </a:extLst>
-          </p:cNvPr>
-          <p:cNvPicPr>
-            <a:picLocks noChangeAspect="1"/>
-          </p:cNvPicPr>
-          <p:nvPr/>
-        </p:nvPicPr>
-        <p:blipFill rotWithShape="1">
-          <a:blip r:embed="rId2">
-            <a:extLst>
-              <a:ext uri="{28A0092B-C50C-407E-A947-70E740481C1C}">
-                <a14:useLocalDpi xmlns:a14="http://schemas.microsoft.com/office/drawing/2010/main" val="0"/>
-              </a:ext>
-            </a:extLst>
-          </a:blip>
-          <a:srcRect t="16287"/>
-          <a:stretch/>
-        </p:blipFill>
-        <p:spPr>
-          <a:xfrm>
-            <a:off x="679748" y="1298923"/>
-            <a:ext cx="6241256" cy="1896059"/>
-          </a:xfrm>
-          <a:prstGeom prst="rect">
-            <a:avLst/>
-          </a:prstGeom>
-        </p:spPr>
-      </p:pic>
-      <p:pic>
-        <p:nvPicPr>
-          <p:cNvPr id="9" name="Picture 8" descr="Text, logo&#10;&#10;Description automatically generated">
-            <a:extLst>
-              <a:ext uri="{FF2B5EF4-FFF2-40B4-BE49-F238E27FC236}">
-                <a16:creationId xmlns:a16="http://schemas.microsoft.com/office/drawing/2014/main" id="{E2ED8857-8FFB-032F-1D57-E590ABC2B424}"/>
-              </a:ext>
-            </a:extLst>
-          </p:cNvPr>
-          <p:cNvPicPr>
-            <a:picLocks noChangeAspect="1"/>
-          </p:cNvPicPr>
-          <p:nvPr/>
-        </p:nvPicPr>
-        <p:blipFill>
-          <a:blip r:embed="rId3">
-            <a:extLst>
-              <a:ext uri="{28A0092B-C50C-407E-A947-70E740481C1C}">
-                <a14:useLocalDpi xmlns:a14="http://schemas.microsoft.com/office/drawing/2010/main" val="0"/>
-              </a:ext>
-            </a:extLst>
-          </a:blip>
-          <a:stretch>
-            <a:fillRect/>
-          </a:stretch>
-        </p:blipFill>
-        <p:spPr>
-          <a:xfrm>
-            <a:off x="1403648" y="3682640"/>
-            <a:ext cx="1384300" cy="482600"/>
-          </a:xfrm>
-          <a:prstGeom prst="rect">
-            <a:avLst/>
-          </a:prstGeom>
-        </p:spPr>
-      </p:pic>
-      <p:sp>
-        <p:nvSpPr>
-          <p:cNvPr id="10" name="Left Brace 9">
-            <a:extLst>
-              <a:ext uri="{FF2B5EF4-FFF2-40B4-BE49-F238E27FC236}">
-                <a16:creationId xmlns:a16="http://schemas.microsoft.com/office/drawing/2014/main" id="{F4F43EC9-6914-1059-71DB-91BFDDD5073E}"/>
-              </a:ext>
-            </a:extLst>
-          </p:cNvPr>
-          <p:cNvSpPr/>
-          <p:nvPr/>
-        </p:nvSpPr>
-        <p:spPr>
-          <a:xfrm rot="16200000">
-            <a:off x="1947929" y="2177644"/>
-            <a:ext cx="567623" cy="2376266"/>
-          </a:xfrm>
-          <a:prstGeom prst="leftBrace">
-            <a:avLst>
-              <a:gd name="adj1" fmla="val 8333"/>
-              <a:gd name="adj2" fmla="val 46663"/>
-            </a:avLst>
-          </a:prstGeom>
-          <a:ln w="12700">
-            <a:solidFill>
-              <a:srgbClr val="FF0000"/>
-            </a:solidFill>
-            <a:prstDash val="lgDash"/>
-          </a:ln>
-        </p:spPr>
-        <p:style>
-          <a:lnRef idx="1">
-            <a:schemeClr val="accent1"/>
-          </a:lnRef>
-          <a:fillRef idx="0">
-            <a:schemeClr val="accent1"/>
-          </a:fillRef>
-          <a:effectRef idx="0">
-            <a:schemeClr val="accent1"/>
-          </a:effectRef>
-          <a:fontRef idx="minor">
-            <a:schemeClr val="tx1"/>
-          </a:fontRef>
-        </p:style>
-        <p:txBody>
-          <a:bodyPr rtlCol="0" anchor="ctr"/>
-          <a:lstStyle/>
-          <a:p>
-            <a:pPr algn="ctr"/>
-            <a:endParaRPr lang="en-GB"/>
-          </a:p>
-        </p:txBody>
-      </p:sp>
-      <p:sp>
-        <p:nvSpPr>
-          <p:cNvPr id="4" name="Left Brace 3">
-            <a:extLst>
-              <a:ext uri="{FF2B5EF4-FFF2-40B4-BE49-F238E27FC236}">
-                <a16:creationId xmlns:a16="http://schemas.microsoft.com/office/drawing/2014/main" id="{1B7391B1-C787-411C-8718-0612FBDAD72C}"/>
-              </a:ext>
-            </a:extLst>
-          </p:cNvPr>
-          <p:cNvSpPr/>
-          <p:nvPr/>
-        </p:nvSpPr>
-        <p:spPr>
-          <a:xfrm rot="16200000">
-            <a:off x="3399494" y="3125154"/>
-            <a:ext cx="567623" cy="481248"/>
-          </a:xfrm>
-          <a:prstGeom prst="leftBrace">
-            <a:avLst>
-              <a:gd name="adj1" fmla="val 8333"/>
-              <a:gd name="adj2" fmla="val 46663"/>
-            </a:avLst>
-          </a:prstGeom>
-          <a:ln w="12700">
-            <a:solidFill>
-              <a:srgbClr val="00B050"/>
-            </a:solidFill>
-            <a:prstDash val="lgDash"/>
-          </a:ln>
-        </p:spPr>
-        <p:style>
-          <a:lnRef idx="1">
-            <a:schemeClr val="accent1"/>
-          </a:lnRef>
-          <a:fillRef idx="0">
-            <a:schemeClr val="accent1"/>
-          </a:fillRef>
-          <a:effectRef idx="0">
-            <a:schemeClr val="accent1"/>
-          </a:effectRef>
-          <a:fontRef idx="minor">
-            <a:schemeClr val="tx1"/>
-          </a:fontRef>
-        </p:style>
-        <p:txBody>
-          <a:bodyPr rtlCol="0" anchor="ctr"/>
-          <a:lstStyle/>
-          <a:p>
-            <a:pPr algn="ctr"/>
-            <a:endParaRPr lang="en-GB"/>
-          </a:p>
-        </p:txBody>
-      </p:sp>
-      <p:pic>
-        <p:nvPicPr>
-          <p:cNvPr id="6" name="Picture 5" descr="Text&#10;&#10;Description automatically generated">
-            <a:extLst>
-              <a:ext uri="{FF2B5EF4-FFF2-40B4-BE49-F238E27FC236}">
-                <a16:creationId xmlns:a16="http://schemas.microsoft.com/office/drawing/2014/main" id="{06EBA783-5108-3133-DCCA-21A68655912C}"/>
-              </a:ext>
-            </a:extLst>
-          </p:cNvPr>
-          <p:cNvPicPr>
-            <a:picLocks noChangeAspect="1"/>
-          </p:cNvPicPr>
-          <p:nvPr/>
-        </p:nvPicPr>
-        <p:blipFill>
-          <a:blip r:embed="rId4">
-            <a:extLst>
-              <a:ext uri="{28A0092B-C50C-407E-A947-70E740481C1C}">
-                <a14:useLocalDpi xmlns:a14="http://schemas.microsoft.com/office/drawing/2010/main" val="0"/>
-              </a:ext>
-            </a:extLst>
-          </a:blip>
-          <a:stretch>
-            <a:fillRect/>
-          </a:stretch>
-        </p:blipFill>
-        <p:spPr>
-          <a:xfrm>
-            <a:off x="3088669" y="3717652"/>
-            <a:ext cx="1143000" cy="508000"/>
-          </a:xfrm>
-          <a:prstGeom prst="rect">
-            <a:avLst/>
-          </a:prstGeom>
-        </p:spPr>
-      </p:pic>
-      <p:pic>
-        <p:nvPicPr>
-          <p:cNvPr id="8" name="Picture 7" descr="Text, logo&#10;&#10;Description automatically generated">
-            <a:extLst>
-              <a:ext uri="{FF2B5EF4-FFF2-40B4-BE49-F238E27FC236}">
-                <a16:creationId xmlns:a16="http://schemas.microsoft.com/office/drawing/2014/main" id="{F8F2DA33-4E29-6CCE-8EE2-03181BF1844B}"/>
-              </a:ext>
-            </a:extLst>
-          </p:cNvPr>
-          <p:cNvPicPr>
-            <a:picLocks noChangeAspect="1"/>
-          </p:cNvPicPr>
-          <p:nvPr/>
-        </p:nvPicPr>
-        <p:blipFill>
-          <a:blip r:embed="rId5">
-            <a:extLst>
-              <a:ext uri="{28A0092B-C50C-407E-A947-70E740481C1C}">
-                <a14:useLocalDpi xmlns:a14="http://schemas.microsoft.com/office/drawing/2010/main" val="0"/>
-              </a:ext>
-            </a:extLst>
-          </a:blip>
-          <a:stretch>
-            <a:fillRect/>
-          </a:stretch>
-        </p:blipFill>
-        <p:spPr>
-          <a:xfrm>
-            <a:off x="4532391" y="3715748"/>
-            <a:ext cx="1346200" cy="431800"/>
-          </a:xfrm>
-          <a:prstGeom prst="rect">
-            <a:avLst/>
-          </a:prstGeom>
-        </p:spPr>
-      </p:pic>
-      <p:sp>
-        <p:nvSpPr>
-          <p:cNvPr id="11" name="Left Brace 10">
-            <a:extLst>
-              <a:ext uri="{FF2B5EF4-FFF2-40B4-BE49-F238E27FC236}">
-                <a16:creationId xmlns:a16="http://schemas.microsoft.com/office/drawing/2014/main" id="{985E0CA5-DC1F-7448-84DE-A5F1CF884698}"/>
-              </a:ext>
-            </a:extLst>
-          </p:cNvPr>
-          <p:cNvSpPr/>
-          <p:nvPr/>
-        </p:nvSpPr>
-        <p:spPr>
-          <a:xfrm rot="16200000">
-            <a:off x="4783852" y="2284915"/>
-            <a:ext cx="567623" cy="2177027"/>
-          </a:xfrm>
-          <a:prstGeom prst="leftBrace">
-            <a:avLst>
-              <a:gd name="adj1" fmla="val 8333"/>
-              <a:gd name="adj2" fmla="val 46663"/>
-            </a:avLst>
-          </a:prstGeom>
-          <a:ln w="12700">
-            <a:solidFill>
-              <a:srgbClr val="7030A0"/>
-            </a:solidFill>
-            <a:prstDash val="lgDash"/>
-          </a:ln>
-        </p:spPr>
-        <p:style>
-          <a:lnRef idx="1">
-            <a:schemeClr val="accent1"/>
-          </a:lnRef>
-          <a:fillRef idx="0">
-            <a:schemeClr val="accent1"/>
-          </a:fillRef>
-          <a:effectRef idx="0">
-            <a:schemeClr val="accent1"/>
-          </a:effectRef>
-          <a:fontRef idx="minor">
-            <a:schemeClr val="tx1"/>
-          </a:fontRef>
-        </p:style>
-        <p:txBody>
-          <a:bodyPr rtlCol="0" anchor="ctr"/>
-          <a:lstStyle/>
-          <a:p>
-            <a:pPr algn="ctr"/>
-            <a:endParaRPr lang="en-GB"/>
-          </a:p>
-        </p:txBody>
-      </p:sp>
-      <p:pic>
-        <p:nvPicPr>
-          <p:cNvPr id="12" name="Picture 11" descr="Text&#10;&#10;Description automatically generated">
-            <a:extLst>
-              <a:ext uri="{FF2B5EF4-FFF2-40B4-BE49-F238E27FC236}">
-                <a16:creationId xmlns:a16="http://schemas.microsoft.com/office/drawing/2014/main" id="{8FE17017-0733-62B4-6E60-71377F2F465E}"/>
-              </a:ext>
-            </a:extLst>
-          </p:cNvPr>
-          <p:cNvPicPr>
-            <a:picLocks noChangeAspect="1"/>
-          </p:cNvPicPr>
-          <p:nvPr/>
-        </p:nvPicPr>
-        <p:blipFill>
-          <a:blip r:embed="rId6">
-            <a:extLst>
-              <a:ext uri="{28A0092B-C50C-407E-A947-70E740481C1C}">
-                <a14:useLocalDpi xmlns:a14="http://schemas.microsoft.com/office/drawing/2010/main" val="0"/>
-              </a:ext>
-            </a:extLst>
-          </a:blip>
-          <a:stretch>
-            <a:fillRect/>
-          </a:stretch>
-        </p:blipFill>
-        <p:spPr>
-          <a:xfrm>
-            <a:off x="6036003" y="3563894"/>
-            <a:ext cx="1358900" cy="647700"/>
-          </a:xfrm>
-          <a:prstGeom prst="rect">
-            <a:avLst/>
-          </a:prstGeom>
-        </p:spPr>
-      </p:pic>
-      <p:sp>
-        <p:nvSpPr>
-          <p:cNvPr id="13" name="Left Brace 12">
-            <a:extLst>
-              <a:ext uri="{FF2B5EF4-FFF2-40B4-BE49-F238E27FC236}">
-                <a16:creationId xmlns:a16="http://schemas.microsoft.com/office/drawing/2014/main" id="{38B29EE8-A631-FDA4-F56B-878CDEFFC3FE}"/>
-              </a:ext>
-            </a:extLst>
-          </p:cNvPr>
-          <p:cNvSpPr/>
-          <p:nvPr/>
-        </p:nvSpPr>
-        <p:spPr>
-          <a:xfrm rot="16200000">
-            <a:off x="6133377" y="3125154"/>
-            <a:ext cx="567623" cy="481248"/>
-          </a:xfrm>
-          <a:prstGeom prst="leftBrace">
-            <a:avLst>
-              <a:gd name="adj1" fmla="val 8333"/>
-              <a:gd name="adj2" fmla="val 46663"/>
-            </a:avLst>
-          </a:prstGeom>
-          <a:ln w="12700">
-            <a:solidFill>
-              <a:srgbClr val="C00000"/>
-            </a:solidFill>
-            <a:prstDash val="lgDash"/>
-          </a:ln>
-        </p:spPr>
-        <p:style>
-          <a:lnRef idx="1">
-            <a:schemeClr val="accent1"/>
-          </a:lnRef>
-          <a:fillRef idx="0">
-            <a:schemeClr val="accent1"/>
-          </a:fillRef>
-          <a:effectRef idx="0">
-            <a:schemeClr val="accent1"/>
-          </a:effectRef>
-          <a:fontRef idx="minor">
-            <a:schemeClr val="tx1"/>
-          </a:fontRef>
-        </p:style>
-        <p:txBody>
-          <a:bodyPr rtlCol="0" anchor="ctr"/>
-          <a:lstStyle/>
-          <a:p>
-            <a:pPr algn="ctr"/>
-            <a:endParaRPr lang="en-GB"/>
-          </a:p>
-        </p:txBody>
-      </p:sp>
     </p:spTree>
     <p:extLst>
       <p:ext uri="{BB962C8B-B14F-4D97-AF65-F5344CB8AC3E}">
-        <p14:creationId xmlns:p14="http://schemas.microsoft.com/office/powerpoint/2010/main" val="1800845419"/>
+        <p14:creationId xmlns:p14="http://schemas.microsoft.com/office/powerpoint/2010/main" val="2374310114"/>
       </p:ext>
     </p:extLst>
   </p:cSld>
@@ -11598,7 +11342,7 @@
           <p:cNvPr id="2" name="Title 1">
             <a:extLst>
               <a:ext uri="{FF2B5EF4-FFF2-40B4-BE49-F238E27FC236}">
-                <a16:creationId xmlns:a16="http://schemas.microsoft.com/office/drawing/2014/main" id="{F0A54E6A-0B2A-D973-6341-04890660BFB2}"/>
+                <a16:creationId xmlns:a16="http://schemas.microsoft.com/office/drawing/2014/main" id="{9744D04B-63E2-2102-E151-FA24237B42FC}"/>
               </a:ext>
             </a:extLst>
           </p:cNvPr>
@@ -11615,61 +11359,18 @@
           <a:lstStyle/>
           <a:p>
             <a:r>
-              <a:rPr lang="en-GB" b="0" i="0" u="none" strike="noStrike" dirty="0">
-                <a:effectLst/>
-              </a:rPr>
-              <a:t>Gradient in neural network</a:t>
-            </a:r>
-            <a:endParaRPr lang="en-GB" dirty="0"/>
+              <a:rPr lang="en-GB" dirty="0"/>
+              <a:t>Forward propagation – Loss function (l)</a:t>
+            </a:r>
           </a:p>
         </p:txBody>
       </p:sp>
       <p:sp>
         <p:nvSpPr>
-          <p:cNvPr id="3" name="Content Placeholder 2">
-            <a:extLst>
-              <a:ext uri="{FF2B5EF4-FFF2-40B4-BE49-F238E27FC236}">
-                <a16:creationId xmlns:a16="http://schemas.microsoft.com/office/drawing/2014/main" id="{3C45950B-0D48-D2E3-FD99-25D6B113A795}"/>
-              </a:ext>
-            </a:extLst>
-          </p:cNvPr>
-          <p:cNvSpPr>
-            <a:spLocks noGrp="1"/>
-          </p:cNvSpPr>
-          <p:nvPr>
-            <p:ph idx="1"/>
-          </p:nvPr>
-        </p:nvSpPr>
-        <p:spPr/>
-        <p:txBody>
-          <a:bodyPr/>
-          <a:lstStyle/>
-          <a:p>
-            <a:r>
-              <a:rPr lang="en-GB" dirty="0"/>
-              <a:t>Or more precisely </a:t>
-            </a:r>
-            <a:r>
-              <a:rPr lang="en-GB" b="0" i="0" u="none" strike="noStrike" dirty="0">
-                <a:effectLst/>
-              </a:rPr>
-              <a:t>gradient of neural network parameters. </a:t>
-            </a:r>
-          </a:p>
-          <a:p>
-            <a:r>
-              <a:rPr lang="en-GB" dirty="0"/>
-              <a:t>In backpropagation, we need to calculate the partial derivates of variables with respect to some parameters.  </a:t>
-            </a:r>
-          </a:p>
-        </p:txBody>
-      </p:sp>
-      <p:sp>
-        <p:nvSpPr>
-          <p:cNvPr id="4" name="Slide Number Placeholder 3">
-            <a:extLst>
-              <a:ext uri="{FF2B5EF4-FFF2-40B4-BE49-F238E27FC236}">
-                <a16:creationId xmlns:a16="http://schemas.microsoft.com/office/drawing/2014/main" id="{F6EAADFF-A798-3BA5-2F1C-8422E69ABDA5}"/>
+          <p:cNvPr id="3" name="Slide Number Placeholder 2">
+            <a:extLst>
+              <a:ext uri="{FF2B5EF4-FFF2-40B4-BE49-F238E27FC236}">
+                <a16:creationId xmlns:a16="http://schemas.microsoft.com/office/drawing/2014/main" id="{FC98111A-C574-1A6E-5B30-13CB1C391C59}"/>
               </a:ext>
             </a:extLst>
           </p:cNvPr>
@@ -11685,297 +11386,10 @@
           <a:bodyPr/>
           <a:lstStyle/>
           <a:p>
-            <a:fld id="{44E22EE9-B8A0-0641-9265-052CFE9B95A7}" type="slidenum">
+            <a:fld id="{BB98F552-A29D-2D4E-8192-F20670493719}" type="slidenum">
               <a:rPr lang="en-GB" altLang="en-US" smtClean="0"/>
               <a:pPr/>
               <a:t>30</a:t>
-            </a:fld>
-            <a:endParaRPr lang="en-GB" altLang="en-US" dirty="0"/>
-          </a:p>
-        </p:txBody>
-      </p:sp>
-    </p:spTree>
-    <p:extLst>
-      <p:ext uri="{BB962C8B-B14F-4D97-AF65-F5344CB8AC3E}">
-        <p14:creationId xmlns:p14="http://schemas.microsoft.com/office/powerpoint/2010/main" val="778869623"/>
-      </p:ext>
-    </p:extLst>
-  </p:cSld>
-  <p:clrMapOvr>
-    <a:masterClrMapping/>
-  </p:clrMapOvr>
-</p:sld>
-</file>
-
-<file path=ppt/slides/slide31.xml><?xml version="1.0" encoding="utf-8"?>
-<p:sld xmlns:a="http://schemas.openxmlformats.org/drawingml/2006/main" xmlns:r="http://schemas.openxmlformats.org/officeDocument/2006/relationships" xmlns:p="http://schemas.openxmlformats.org/presentationml/2006/main">
-  <p:cSld>
-    <p:spTree>
-      <p:nvGrpSpPr>
-        <p:cNvPr id="1" name=""/>
-        <p:cNvGrpSpPr/>
-        <p:nvPr/>
-      </p:nvGrpSpPr>
-      <p:grpSpPr>
-        <a:xfrm>
-          <a:off x="0" y="0"/>
-          <a:ext cx="0" cy="0"/>
-          <a:chOff x="0" y="0"/>
-          <a:chExt cx="0" cy="0"/>
-        </a:xfrm>
-      </p:grpSpPr>
-      <p:sp>
-        <p:nvSpPr>
-          <p:cNvPr id="2" name="Title 1">
-            <a:extLst>
-              <a:ext uri="{FF2B5EF4-FFF2-40B4-BE49-F238E27FC236}">
-                <a16:creationId xmlns:a16="http://schemas.microsoft.com/office/drawing/2014/main" id="{E4FE2BEF-4240-0076-A8E8-FF156DF561AC}"/>
-              </a:ext>
-            </a:extLst>
-          </p:cNvPr>
-          <p:cNvSpPr>
-            <a:spLocks noGrp="1"/>
-          </p:cNvSpPr>
-          <p:nvPr>
-            <p:ph type="title"/>
-          </p:nvPr>
-        </p:nvSpPr>
-        <p:spPr/>
-        <p:txBody>
-          <a:bodyPr/>
-          <a:lstStyle/>
-          <a:p>
-            <a:r>
-              <a:rPr lang="en-GB" dirty="0"/>
-              <a:t>Derivatives and Differentiation</a:t>
-            </a:r>
-          </a:p>
-        </p:txBody>
-      </p:sp>
-      <p:sp>
-        <p:nvSpPr>
-          <p:cNvPr id="3" name="Content Placeholder 2">
-            <a:extLst>
-              <a:ext uri="{FF2B5EF4-FFF2-40B4-BE49-F238E27FC236}">
-                <a16:creationId xmlns:a16="http://schemas.microsoft.com/office/drawing/2014/main" id="{530B5EC8-688D-778D-9E57-50D1D9A0124B}"/>
-              </a:ext>
-            </a:extLst>
-          </p:cNvPr>
-          <p:cNvSpPr>
-            <a:spLocks noGrp="1"/>
-          </p:cNvSpPr>
-          <p:nvPr>
-            <p:ph idx="1"/>
-          </p:nvPr>
-        </p:nvSpPr>
-        <p:spPr/>
-        <p:txBody>
-          <a:bodyPr/>
-          <a:lstStyle/>
-          <a:p>
-            <a:r>
-              <a:rPr lang="en-GB" b="0" i="0" u="none" strike="noStrike" dirty="0">
-                <a:effectLst/>
-              </a:rPr>
-              <a:t>A </a:t>
-            </a:r>
-            <a:r>
-              <a:rPr lang="en-GB" b="0" i="1" u="none" strike="noStrike" dirty="0">
-                <a:effectLst/>
-              </a:rPr>
-              <a:t>derivative</a:t>
-            </a:r>
-            <a:r>
-              <a:rPr lang="en-GB" b="0" i="0" u="none" strike="noStrike" dirty="0">
-                <a:effectLst/>
-              </a:rPr>
-              <a:t> is the rate of change in a function with respect to changes in its arguments. </a:t>
-            </a:r>
-          </a:p>
-          <a:p>
-            <a:r>
-              <a:rPr lang="en-GB" b="0" i="0" u="none" strike="noStrike" dirty="0">
-                <a:effectLst/>
-              </a:rPr>
-              <a:t>Derivatives can tell us how rapidly a loss function would increase or decrease were we to </a:t>
-            </a:r>
-            <a:r>
-              <a:rPr lang="en-GB" b="0" i="1" u="none" strike="noStrike" dirty="0">
-                <a:effectLst/>
-              </a:rPr>
-              <a:t>increase</a:t>
-            </a:r>
-            <a:r>
-              <a:rPr lang="en-GB" b="0" i="0" u="none" strike="noStrike" dirty="0">
-                <a:effectLst/>
-              </a:rPr>
-              <a:t> or </a:t>
-            </a:r>
-            <a:r>
-              <a:rPr lang="en-GB" b="0" i="1" u="none" strike="noStrike" dirty="0">
-                <a:effectLst/>
-              </a:rPr>
-              <a:t>decrease</a:t>
-            </a:r>
-            <a:r>
-              <a:rPr lang="en-GB" b="0" i="0" u="none" strike="noStrike" dirty="0">
-                <a:effectLst/>
-              </a:rPr>
-              <a:t> each parameter by an infinitesimally small amount. </a:t>
-            </a:r>
-            <a:endParaRPr lang="en-GB" dirty="0"/>
-          </a:p>
-        </p:txBody>
-      </p:sp>
-      <p:sp>
-        <p:nvSpPr>
-          <p:cNvPr id="4" name="Slide Number Placeholder 3">
-            <a:extLst>
-              <a:ext uri="{FF2B5EF4-FFF2-40B4-BE49-F238E27FC236}">
-                <a16:creationId xmlns:a16="http://schemas.microsoft.com/office/drawing/2014/main" id="{37C2E9FD-6772-010D-C3D0-3681A40A334C}"/>
-              </a:ext>
-            </a:extLst>
-          </p:cNvPr>
-          <p:cNvSpPr>
-            <a:spLocks noGrp="1"/>
-          </p:cNvSpPr>
-          <p:nvPr>
-            <p:ph type="sldNum" sz="quarter" idx="12"/>
-          </p:nvPr>
-        </p:nvSpPr>
-        <p:spPr/>
-        <p:txBody>
-          <a:bodyPr/>
-          <a:lstStyle/>
-          <a:p>
-            <a:fld id="{44E22EE9-B8A0-0641-9265-052CFE9B95A7}" type="slidenum">
-              <a:rPr lang="en-GB" altLang="en-US" smtClean="0"/>
-              <a:pPr/>
-              <a:t>31</a:t>
-            </a:fld>
-            <a:endParaRPr lang="en-GB" altLang="en-US" dirty="0"/>
-          </a:p>
-        </p:txBody>
-      </p:sp>
-      <p:pic>
-        <p:nvPicPr>
-          <p:cNvPr id="6" name="Picture 5" descr="Table&#10;&#10;Description automatically generated">
-            <a:extLst>
-              <a:ext uri="{FF2B5EF4-FFF2-40B4-BE49-F238E27FC236}">
-                <a16:creationId xmlns:a16="http://schemas.microsoft.com/office/drawing/2014/main" id="{998A8FA2-8AB4-5298-7C70-18FC81E615A9}"/>
-              </a:ext>
-            </a:extLst>
-          </p:cNvPr>
-          <p:cNvPicPr>
-            <a:picLocks noChangeAspect="1"/>
-          </p:cNvPicPr>
-          <p:nvPr/>
-        </p:nvPicPr>
-        <p:blipFill>
-          <a:blip r:embed="rId2">
-            <a:extLst>
-              <a:ext uri="{28A0092B-C50C-407E-A947-70E740481C1C}">
-                <a14:useLocalDpi xmlns:a14="http://schemas.microsoft.com/office/drawing/2010/main" val="0"/>
-              </a:ext>
-            </a:extLst>
-          </a:blip>
-          <a:stretch>
-            <a:fillRect/>
-          </a:stretch>
-        </p:blipFill>
-        <p:spPr>
-          <a:xfrm>
-            <a:off x="2411760" y="2857500"/>
-            <a:ext cx="3594100" cy="1092200"/>
-          </a:xfrm>
-          <a:prstGeom prst="rect">
-            <a:avLst/>
-          </a:prstGeom>
-        </p:spPr>
-      </p:pic>
-    </p:spTree>
-    <p:extLst>
-      <p:ext uri="{BB962C8B-B14F-4D97-AF65-F5344CB8AC3E}">
-        <p14:creationId xmlns:p14="http://schemas.microsoft.com/office/powerpoint/2010/main" val="3304300024"/>
-      </p:ext>
-    </p:extLst>
-  </p:cSld>
-  <p:clrMapOvr>
-    <a:masterClrMapping/>
-  </p:clrMapOvr>
-</p:sld>
-</file>
-
-<file path=ppt/slides/slide32.xml><?xml version="1.0" encoding="utf-8"?>
-<p:sld xmlns:a="http://schemas.openxmlformats.org/drawingml/2006/main" xmlns:r="http://schemas.openxmlformats.org/officeDocument/2006/relationships" xmlns:p="http://schemas.openxmlformats.org/presentationml/2006/main">
-  <p:cSld>
-    <p:spTree>
-      <p:nvGrpSpPr>
-        <p:cNvPr id="1" name=""/>
-        <p:cNvGrpSpPr/>
-        <p:nvPr/>
-      </p:nvGrpSpPr>
-      <p:grpSpPr>
-        <a:xfrm>
-          <a:off x="0" y="0"/>
-          <a:ext cx="0" cy="0"/>
-          <a:chOff x="0" y="0"/>
-          <a:chExt cx="0" cy="0"/>
-        </a:xfrm>
-      </p:grpSpPr>
-      <p:sp>
-        <p:nvSpPr>
-          <p:cNvPr id="2" name="Title 1">
-            <a:extLst>
-              <a:ext uri="{FF2B5EF4-FFF2-40B4-BE49-F238E27FC236}">
-                <a16:creationId xmlns:a16="http://schemas.microsoft.com/office/drawing/2014/main" id="{9744D04B-63E2-2102-E151-FA24237B42FC}"/>
-              </a:ext>
-            </a:extLst>
-          </p:cNvPr>
-          <p:cNvSpPr>
-            <a:spLocks noGrp="1"/>
-          </p:cNvSpPr>
-          <p:nvPr>
-            <p:ph type="title"/>
-          </p:nvPr>
-        </p:nvSpPr>
-        <p:spPr/>
-        <p:txBody>
-          <a:bodyPr/>
-          <a:lstStyle/>
-          <a:p>
-            <a:r>
-              <a:rPr lang="en-GB" dirty="0"/>
-              <a:t>Example - 1</a:t>
-            </a:r>
-          </a:p>
-        </p:txBody>
-      </p:sp>
-      <p:sp>
-        <p:nvSpPr>
-          <p:cNvPr id="3" name="Slide Number Placeholder 2">
-            <a:extLst>
-              <a:ext uri="{FF2B5EF4-FFF2-40B4-BE49-F238E27FC236}">
-                <a16:creationId xmlns:a16="http://schemas.microsoft.com/office/drawing/2014/main" id="{FC98111A-C574-1A6E-5B30-13CB1C391C59}"/>
-              </a:ext>
-            </a:extLst>
-          </p:cNvPr>
-          <p:cNvSpPr>
-            <a:spLocks noGrp="1"/>
-          </p:cNvSpPr>
-          <p:nvPr>
-            <p:ph type="sldNum" sz="quarter" idx="12"/>
-          </p:nvPr>
-        </p:nvSpPr>
-        <p:spPr/>
-        <p:txBody>
-          <a:bodyPr/>
-          <a:lstStyle/>
-          <a:p>
-            <a:fld id="{BB98F552-A29D-2D4E-8192-F20670493719}" type="slidenum">
-              <a:rPr lang="en-GB" altLang="en-US" smtClean="0"/>
-              <a:pPr/>
-              <a:t>32</a:t>
             </a:fld>
             <a:endParaRPr lang="en-GB" altLang="en-US" dirty="0"/>
           </a:p>
@@ -12375,7 +11789,337 @@
     </p:spTree>
     <p:extLst>
       <p:ext uri="{BB962C8B-B14F-4D97-AF65-F5344CB8AC3E}">
-        <p14:creationId xmlns:p14="http://schemas.microsoft.com/office/powerpoint/2010/main" val="777036592"/>
+        <p14:creationId xmlns:p14="http://schemas.microsoft.com/office/powerpoint/2010/main" val="1800845419"/>
+      </p:ext>
+    </p:extLst>
+  </p:cSld>
+  <p:clrMapOvr>
+    <a:masterClrMapping/>
+  </p:clrMapOvr>
+</p:sld>
+</file>
+
+<file path=ppt/slides/slide31.xml><?xml version="1.0" encoding="utf-8"?>
+<p:sld xmlns:a="http://schemas.openxmlformats.org/drawingml/2006/main" xmlns:r="http://schemas.openxmlformats.org/officeDocument/2006/relationships" xmlns:p="http://schemas.openxmlformats.org/presentationml/2006/main">
+  <p:cSld>
+    <p:spTree>
+      <p:nvGrpSpPr>
+        <p:cNvPr id="1" name=""/>
+        <p:cNvGrpSpPr/>
+        <p:nvPr/>
+      </p:nvGrpSpPr>
+      <p:grpSpPr>
+        <a:xfrm>
+          <a:off x="0" y="0"/>
+          <a:ext cx="0" cy="0"/>
+          <a:chOff x="0" y="0"/>
+          <a:chExt cx="0" cy="0"/>
+        </a:xfrm>
+      </p:grpSpPr>
+      <p:sp>
+        <p:nvSpPr>
+          <p:cNvPr id="2" name="Title 1">
+            <a:extLst>
+              <a:ext uri="{FF2B5EF4-FFF2-40B4-BE49-F238E27FC236}">
+                <a16:creationId xmlns:a16="http://schemas.microsoft.com/office/drawing/2014/main" id="{F0A54E6A-0B2A-D973-6341-04890660BFB2}"/>
+              </a:ext>
+            </a:extLst>
+          </p:cNvPr>
+          <p:cNvSpPr>
+            <a:spLocks noGrp="1"/>
+          </p:cNvSpPr>
+          <p:nvPr>
+            <p:ph type="title"/>
+          </p:nvPr>
+        </p:nvSpPr>
+        <p:spPr/>
+        <p:txBody>
+          <a:bodyPr/>
+          <a:lstStyle/>
+          <a:p>
+            <a:r>
+              <a:rPr lang="en-GB" b="0" i="0" u="none" strike="noStrike" dirty="0">
+                <a:effectLst/>
+              </a:rPr>
+              <a:t>Gradient in neural network</a:t>
+            </a:r>
+            <a:endParaRPr lang="en-GB" dirty="0"/>
+          </a:p>
+        </p:txBody>
+      </p:sp>
+      <p:sp>
+        <p:nvSpPr>
+          <p:cNvPr id="3" name="Content Placeholder 2">
+            <a:extLst>
+              <a:ext uri="{FF2B5EF4-FFF2-40B4-BE49-F238E27FC236}">
+                <a16:creationId xmlns:a16="http://schemas.microsoft.com/office/drawing/2014/main" id="{3C45950B-0D48-D2E3-FD99-25D6B113A795}"/>
+              </a:ext>
+            </a:extLst>
+          </p:cNvPr>
+          <p:cNvSpPr>
+            <a:spLocks noGrp="1"/>
+          </p:cNvSpPr>
+          <p:nvPr>
+            <p:ph idx="1"/>
+          </p:nvPr>
+        </p:nvSpPr>
+        <p:spPr/>
+        <p:txBody>
+          <a:bodyPr/>
+          <a:lstStyle/>
+          <a:p>
+            <a:r>
+              <a:rPr lang="en-GB" dirty="0"/>
+              <a:t>Or more precisely </a:t>
+            </a:r>
+            <a:r>
+              <a:rPr lang="en-GB" b="0" i="0" u="none" strike="noStrike" dirty="0">
+                <a:effectLst/>
+              </a:rPr>
+              <a:t>gradient of neural network parameters. </a:t>
+            </a:r>
+          </a:p>
+          <a:p>
+            <a:r>
+              <a:rPr lang="en-GB" dirty="0"/>
+              <a:t>In backpropagation, we need to calculate the partial derivates of variables with respect to some parameters.  </a:t>
+            </a:r>
+          </a:p>
+        </p:txBody>
+      </p:sp>
+      <p:sp>
+        <p:nvSpPr>
+          <p:cNvPr id="4" name="Slide Number Placeholder 3">
+            <a:extLst>
+              <a:ext uri="{FF2B5EF4-FFF2-40B4-BE49-F238E27FC236}">
+                <a16:creationId xmlns:a16="http://schemas.microsoft.com/office/drawing/2014/main" id="{F6EAADFF-A798-3BA5-2F1C-8422E69ABDA5}"/>
+              </a:ext>
+            </a:extLst>
+          </p:cNvPr>
+          <p:cNvSpPr>
+            <a:spLocks noGrp="1"/>
+          </p:cNvSpPr>
+          <p:nvPr>
+            <p:ph type="sldNum" sz="quarter" idx="12"/>
+          </p:nvPr>
+        </p:nvSpPr>
+        <p:spPr/>
+        <p:txBody>
+          <a:bodyPr/>
+          <a:lstStyle/>
+          <a:p>
+            <a:fld id="{44E22EE9-B8A0-0641-9265-052CFE9B95A7}" type="slidenum">
+              <a:rPr lang="en-GB" altLang="en-US" smtClean="0"/>
+              <a:pPr/>
+              <a:t>31</a:t>
+            </a:fld>
+            <a:endParaRPr lang="en-GB" altLang="en-US" dirty="0"/>
+          </a:p>
+        </p:txBody>
+      </p:sp>
+    </p:spTree>
+    <p:extLst>
+      <p:ext uri="{BB962C8B-B14F-4D97-AF65-F5344CB8AC3E}">
+        <p14:creationId xmlns:p14="http://schemas.microsoft.com/office/powerpoint/2010/main" val="778869623"/>
+      </p:ext>
+    </p:extLst>
+  </p:cSld>
+  <p:clrMapOvr>
+    <a:masterClrMapping/>
+  </p:clrMapOvr>
+</p:sld>
+</file>
+
+<file path=ppt/slides/slide32.xml><?xml version="1.0" encoding="utf-8"?>
+<p:sld xmlns:a="http://schemas.openxmlformats.org/drawingml/2006/main" xmlns:r="http://schemas.openxmlformats.org/officeDocument/2006/relationships" xmlns:p="http://schemas.openxmlformats.org/presentationml/2006/main">
+  <p:cSld>
+    <p:spTree>
+      <p:nvGrpSpPr>
+        <p:cNvPr id="1" name=""/>
+        <p:cNvGrpSpPr/>
+        <p:nvPr/>
+      </p:nvGrpSpPr>
+      <p:grpSpPr>
+        <a:xfrm>
+          <a:off x="0" y="0"/>
+          <a:ext cx="0" cy="0"/>
+          <a:chOff x="0" y="0"/>
+          <a:chExt cx="0" cy="0"/>
+        </a:xfrm>
+      </p:grpSpPr>
+      <p:sp>
+        <p:nvSpPr>
+          <p:cNvPr id="2" name="Title 1">
+            <a:extLst>
+              <a:ext uri="{FF2B5EF4-FFF2-40B4-BE49-F238E27FC236}">
+                <a16:creationId xmlns:a16="http://schemas.microsoft.com/office/drawing/2014/main" id="{E4FE2BEF-4240-0076-A8E8-FF156DF561AC}"/>
+              </a:ext>
+            </a:extLst>
+          </p:cNvPr>
+          <p:cNvSpPr>
+            <a:spLocks noGrp="1"/>
+          </p:cNvSpPr>
+          <p:nvPr>
+            <p:ph type="title"/>
+          </p:nvPr>
+        </p:nvSpPr>
+        <p:spPr/>
+        <p:txBody>
+          <a:bodyPr/>
+          <a:lstStyle/>
+          <a:p>
+            <a:r>
+              <a:rPr lang="en-GB" dirty="0"/>
+              <a:t>Derivatives and Differentiation*</a:t>
+            </a:r>
+          </a:p>
+        </p:txBody>
+      </p:sp>
+      <p:sp>
+        <p:nvSpPr>
+          <p:cNvPr id="3" name="Content Placeholder 2">
+            <a:extLst>
+              <a:ext uri="{FF2B5EF4-FFF2-40B4-BE49-F238E27FC236}">
+                <a16:creationId xmlns:a16="http://schemas.microsoft.com/office/drawing/2014/main" id="{530B5EC8-688D-778D-9E57-50D1D9A0124B}"/>
+              </a:ext>
+            </a:extLst>
+          </p:cNvPr>
+          <p:cNvSpPr>
+            <a:spLocks noGrp="1"/>
+          </p:cNvSpPr>
+          <p:nvPr>
+            <p:ph idx="1"/>
+          </p:nvPr>
+        </p:nvSpPr>
+        <p:spPr/>
+        <p:txBody>
+          <a:bodyPr/>
+          <a:lstStyle/>
+          <a:p>
+            <a:r>
+              <a:rPr lang="en-GB" b="0" i="0" u="none" strike="noStrike" dirty="0">
+                <a:effectLst/>
+              </a:rPr>
+              <a:t>A </a:t>
+            </a:r>
+            <a:r>
+              <a:rPr lang="en-GB" b="0" i="1" u="none" strike="noStrike" dirty="0">
+                <a:effectLst/>
+              </a:rPr>
+              <a:t>derivative</a:t>
+            </a:r>
+            <a:r>
+              <a:rPr lang="en-GB" b="0" i="0" u="none" strike="noStrike" dirty="0">
+                <a:effectLst/>
+              </a:rPr>
+              <a:t> is the rate of change in a function with respect to changes in its arguments. </a:t>
+            </a:r>
+          </a:p>
+          <a:p>
+            <a:r>
+              <a:rPr lang="en-GB" b="0" i="0" u="none" strike="noStrike" dirty="0">
+                <a:effectLst/>
+              </a:rPr>
+              <a:t>Derivatives can tell us how rapidly a loss function would increase or decrease were we to </a:t>
+            </a:r>
+            <a:r>
+              <a:rPr lang="en-GB" b="0" i="1" u="none" strike="noStrike" dirty="0">
+                <a:effectLst/>
+              </a:rPr>
+              <a:t>increase</a:t>
+            </a:r>
+            <a:r>
+              <a:rPr lang="en-GB" b="0" i="0" u="none" strike="noStrike" dirty="0">
+                <a:effectLst/>
+              </a:rPr>
+              <a:t> or </a:t>
+            </a:r>
+            <a:r>
+              <a:rPr lang="en-GB" b="0" i="1" u="none" strike="noStrike" dirty="0">
+                <a:effectLst/>
+              </a:rPr>
+              <a:t>decrease</a:t>
+            </a:r>
+            <a:r>
+              <a:rPr lang="en-GB" b="0" i="0" u="none" strike="noStrike" dirty="0">
+                <a:effectLst/>
+              </a:rPr>
+              <a:t> each parameter by an infinitesimally small amount. </a:t>
+            </a:r>
+            <a:endParaRPr lang="en-GB" dirty="0"/>
+          </a:p>
+        </p:txBody>
+      </p:sp>
+      <p:sp>
+        <p:nvSpPr>
+          <p:cNvPr id="4" name="Slide Number Placeholder 3">
+            <a:extLst>
+              <a:ext uri="{FF2B5EF4-FFF2-40B4-BE49-F238E27FC236}">
+                <a16:creationId xmlns:a16="http://schemas.microsoft.com/office/drawing/2014/main" id="{37C2E9FD-6772-010D-C3D0-3681A40A334C}"/>
+              </a:ext>
+            </a:extLst>
+          </p:cNvPr>
+          <p:cNvSpPr>
+            <a:spLocks noGrp="1"/>
+          </p:cNvSpPr>
+          <p:nvPr>
+            <p:ph type="sldNum" sz="quarter" idx="12"/>
+          </p:nvPr>
+        </p:nvSpPr>
+        <p:spPr/>
+        <p:txBody>
+          <a:bodyPr/>
+          <a:lstStyle/>
+          <a:p>
+            <a:fld id="{44E22EE9-B8A0-0641-9265-052CFE9B95A7}" type="slidenum">
+              <a:rPr lang="en-GB" altLang="en-US" smtClean="0"/>
+              <a:pPr/>
+              <a:t>32</a:t>
+            </a:fld>
+            <a:endParaRPr lang="en-GB" altLang="en-US" dirty="0"/>
+          </a:p>
+        </p:txBody>
+      </p:sp>
+      <p:pic>
+        <p:nvPicPr>
+          <p:cNvPr id="6" name="Picture 5" descr="Table&#10;&#10;Description automatically generated">
+            <a:extLst>
+              <a:ext uri="{FF2B5EF4-FFF2-40B4-BE49-F238E27FC236}">
+                <a16:creationId xmlns:a16="http://schemas.microsoft.com/office/drawing/2014/main" id="{998A8FA2-8AB4-5298-7C70-18FC81E615A9}"/>
+              </a:ext>
+            </a:extLst>
+          </p:cNvPr>
+          <p:cNvPicPr>
+            <a:picLocks noChangeAspect="1"/>
+          </p:cNvPicPr>
+          <p:nvPr/>
+        </p:nvPicPr>
+        <p:blipFill>
+          <a:blip r:embed="rId2">
+            <a:extLst>
+              <a:ext uri="{28A0092B-C50C-407E-A947-70E740481C1C}">
+                <a14:useLocalDpi xmlns:a14="http://schemas.microsoft.com/office/drawing/2010/main" val="0"/>
+              </a:ext>
+            </a:extLst>
+          </a:blip>
+          <a:stretch>
+            <a:fillRect/>
+          </a:stretch>
+        </p:blipFill>
+        <p:spPr>
+          <a:xfrm>
+            <a:off x="2411760" y="2857500"/>
+            <a:ext cx="3594100" cy="1092200"/>
+          </a:xfrm>
+          <a:prstGeom prst="rect">
+            <a:avLst/>
+          </a:prstGeom>
+        </p:spPr>
+      </p:pic>
+    </p:spTree>
+    <p:extLst>
+      <p:ext uri="{BB962C8B-B14F-4D97-AF65-F5344CB8AC3E}">
+        <p14:creationId xmlns:p14="http://schemas.microsoft.com/office/powerpoint/2010/main" val="3304300024"/>
       </p:ext>
     </p:extLst>
   </p:cSld>
@@ -12425,7 +12169,7 @@
           <a:p>
             <a:r>
               <a:rPr lang="en-GB" dirty="0"/>
-              <a:t>Example - 2</a:t>
+              <a:t>Example - 1</a:t>
             </a:r>
           </a:p>
         </p:txBody>
@@ -12455,6 +12199,485 @@
               <a:rPr lang="en-GB" altLang="en-US" smtClean="0"/>
               <a:pPr/>
               <a:t>33</a:t>
+            </a:fld>
+            <a:endParaRPr lang="en-GB" altLang="en-US" dirty="0"/>
+          </a:p>
+        </p:txBody>
+      </p:sp>
+      <p:pic>
+        <p:nvPicPr>
+          <p:cNvPr id="7" name="Picture 6" descr="Diagram&#10;&#10;Description automatically generated">
+            <a:extLst>
+              <a:ext uri="{FF2B5EF4-FFF2-40B4-BE49-F238E27FC236}">
+                <a16:creationId xmlns:a16="http://schemas.microsoft.com/office/drawing/2014/main" id="{9F89EB65-BB8E-083D-16B9-CE8FFF8DF695}"/>
+              </a:ext>
+            </a:extLst>
+          </p:cNvPr>
+          <p:cNvPicPr>
+            <a:picLocks noChangeAspect="1"/>
+          </p:cNvPicPr>
+          <p:nvPr/>
+        </p:nvPicPr>
+        <p:blipFill rotWithShape="1">
+          <a:blip r:embed="rId2">
+            <a:extLst>
+              <a:ext uri="{28A0092B-C50C-407E-A947-70E740481C1C}">
+                <a14:useLocalDpi xmlns:a14="http://schemas.microsoft.com/office/drawing/2010/main" val="0"/>
+              </a:ext>
+            </a:extLst>
+          </a:blip>
+          <a:srcRect t="16287"/>
+          <a:stretch/>
+        </p:blipFill>
+        <p:spPr>
+          <a:xfrm>
+            <a:off x="679748" y="1298923"/>
+            <a:ext cx="6241256" cy="1896059"/>
+          </a:xfrm>
+          <a:prstGeom prst="rect">
+            <a:avLst/>
+          </a:prstGeom>
+        </p:spPr>
+      </p:pic>
+      <p:pic>
+        <p:nvPicPr>
+          <p:cNvPr id="9" name="Picture 8" descr="Text, logo&#10;&#10;Description automatically generated">
+            <a:extLst>
+              <a:ext uri="{FF2B5EF4-FFF2-40B4-BE49-F238E27FC236}">
+                <a16:creationId xmlns:a16="http://schemas.microsoft.com/office/drawing/2014/main" id="{E2ED8857-8FFB-032F-1D57-E590ABC2B424}"/>
+              </a:ext>
+            </a:extLst>
+          </p:cNvPr>
+          <p:cNvPicPr>
+            <a:picLocks noChangeAspect="1"/>
+          </p:cNvPicPr>
+          <p:nvPr/>
+        </p:nvPicPr>
+        <p:blipFill>
+          <a:blip r:embed="rId3">
+            <a:extLst>
+              <a:ext uri="{28A0092B-C50C-407E-A947-70E740481C1C}">
+                <a14:useLocalDpi xmlns:a14="http://schemas.microsoft.com/office/drawing/2010/main" val="0"/>
+              </a:ext>
+            </a:extLst>
+          </a:blip>
+          <a:stretch>
+            <a:fillRect/>
+          </a:stretch>
+        </p:blipFill>
+        <p:spPr>
+          <a:xfrm>
+            <a:off x="1403648" y="3682640"/>
+            <a:ext cx="1384300" cy="482600"/>
+          </a:xfrm>
+          <a:prstGeom prst="rect">
+            <a:avLst/>
+          </a:prstGeom>
+        </p:spPr>
+      </p:pic>
+      <p:sp>
+        <p:nvSpPr>
+          <p:cNvPr id="10" name="Left Brace 9">
+            <a:extLst>
+              <a:ext uri="{FF2B5EF4-FFF2-40B4-BE49-F238E27FC236}">
+                <a16:creationId xmlns:a16="http://schemas.microsoft.com/office/drawing/2014/main" id="{F4F43EC9-6914-1059-71DB-91BFDDD5073E}"/>
+              </a:ext>
+            </a:extLst>
+          </p:cNvPr>
+          <p:cNvSpPr/>
+          <p:nvPr/>
+        </p:nvSpPr>
+        <p:spPr>
+          <a:xfrm rot="16200000">
+            <a:off x="1947929" y="2177644"/>
+            <a:ext cx="567623" cy="2376266"/>
+          </a:xfrm>
+          <a:prstGeom prst="leftBrace">
+            <a:avLst>
+              <a:gd name="adj1" fmla="val 8333"/>
+              <a:gd name="adj2" fmla="val 46663"/>
+            </a:avLst>
+          </a:prstGeom>
+          <a:ln w="12700">
+            <a:solidFill>
+              <a:srgbClr val="FF0000"/>
+            </a:solidFill>
+            <a:prstDash val="lgDash"/>
+          </a:ln>
+        </p:spPr>
+        <p:style>
+          <a:lnRef idx="1">
+            <a:schemeClr val="accent1"/>
+          </a:lnRef>
+          <a:fillRef idx="0">
+            <a:schemeClr val="accent1"/>
+          </a:fillRef>
+          <a:effectRef idx="0">
+            <a:schemeClr val="accent1"/>
+          </a:effectRef>
+          <a:fontRef idx="minor">
+            <a:schemeClr val="tx1"/>
+          </a:fontRef>
+        </p:style>
+        <p:txBody>
+          <a:bodyPr rtlCol="0" anchor="ctr"/>
+          <a:lstStyle/>
+          <a:p>
+            <a:pPr algn="ctr"/>
+            <a:endParaRPr lang="en-GB"/>
+          </a:p>
+        </p:txBody>
+      </p:sp>
+      <p:sp>
+        <p:nvSpPr>
+          <p:cNvPr id="4" name="Left Brace 3">
+            <a:extLst>
+              <a:ext uri="{FF2B5EF4-FFF2-40B4-BE49-F238E27FC236}">
+                <a16:creationId xmlns:a16="http://schemas.microsoft.com/office/drawing/2014/main" id="{1B7391B1-C787-411C-8718-0612FBDAD72C}"/>
+              </a:ext>
+            </a:extLst>
+          </p:cNvPr>
+          <p:cNvSpPr/>
+          <p:nvPr/>
+        </p:nvSpPr>
+        <p:spPr>
+          <a:xfrm rot="16200000">
+            <a:off x="3399494" y="3125154"/>
+            <a:ext cx="567623" cy="481248"/>
+          </a:xfrm>
+          <a:prstGeom prst="leftBrace">
+            <a:avLst>
+              <a:gd name="adj1" fmla="val 8333"/>
+              <a:gd name="adj2" fmla="val 46663"/>
+            </a:avLst>
+          </a:prstGeom>
+          <a:ln w="12700">
+            <a:solidFill>
+              <a:srgbClr val="00B050"/>
+            </a:solidFill>
+            <a:prstDash val="lgDash"/>
+          </a:ln>
+        </p:spPr>
+        <p:style>
+          <a:lnRef idx="1">
+            <a:schemeClr val="accent1"/>
+          </a:lnRef>
+          <a:fillRef idx="0">
+            <a:schemeClr val="accent1"/>
+          </a:fillRef>
+          <a:effectRef idx="0">
+            <a:schemeClr val="accent1"/>
+          </a:effectRef>
+          <a:fontRef idx="minor">
+            <a:schemeClr val="tx1"/>
+          </a:fontRef>
+        </p:style>
+        <p:txBody>
+          <a:bodyPr rtlCol="0" anchor="ctr"/>
+          <a:lstStyle/>
+          <a:p>
+            <a:pPr algn="ctr"/>
+            <a:endParaRPr lang="en-GB"/>
+          </a:p>
+        </p:txBody>
+      </p:sp>
+      <p:pic>
+        <p:nvPicPr>
+          <p:cNvPr id="6" name="Picture 5" descr="Text&#10;&#10;Description automatically generated">
+            <a:extLst>
+              <a:ext uri="{FF2B5EF4-FFF2-40B4-BE49-F238E27FC236}">
+                <a16:creationId xmlns:a16="http://schemas.microsoft.com/office/drawing/2014/main" id="{06EBA783-5108-3133-DCCA-21A68655912C}"/>
+              </a:ext>
+            </a:extLst>
+          </p:cNvPr>
+          <p:cNvPicPr>
+            <a:picLocks noChangeAspect="1"/>
+          </p:cNvPicPr>
+          <p:nvPr/>
+        </p:nvPicPr>
+        <p:blipFill>
+          <a:blip r:embed="rId4">
+            <a:extLst>
+              <a:ext uri="{28A0092B-C50C-407E-A947-70E740481C1C}">
+                <a14:useLocalDpi xmlns:a14="http://schemas.microsoft.com/office/drawing/2010/main" val="0"/>
+              </a:ext>
+            </a:extLst>
+          </a:blip>
+          <a:stretch>
+            <a:fillRect/>
+          </a:stretch>
+        </p:blipFill>
+        <p:spPr>
+          <a:xfrm>
+            <a:off x="3088669" y="3717652"/>
+            <a:ext cx="1143000" cy="508000"/>
+          </a:xfrm>
+          <a:prstGeom prst="rect">
+            <a:avLst/>
+          </a:prstGeom>
+        </p:spPr>
+      </p:pic>
+      <p:pic>
+        <p:nvPicPr>
+          <p:cNvPr id="8" name="Picture 7" descr="Text, logo&#10;&#10;Description automatically generated">
+            <a:extLst>
+              <a:ext uri="{FF2B5EF4-FFF2-40B4-BE49-F238E27FC236}">
+                <a16:creationId xmlns:a16="http://schemas.microsoft.com/office/drawing/2014/main" id="{F8F2DA33-4E29-6CCE-8EE2-03181BF1844B}"/>
+              </a:ext>
+            </a:extLst>
+          </p:cNvPr>
+          <p:cNvPicPr>
+            <a:picLocks noChangeAspect="1"/>
+          </p:cNvPicPr>
+          <p:nvPr/>
+        </p:nvPicPr>
+        <p:blipFill>
+          <a:blip r:embed="rId5">
+            <a:extLst>
+              <a:ext uri="{28A0092B-C50C-407E-A947-70E740481C1C}">
+                <a14:useLocalDpi xmlns:a14="http://schemas.microsoft.com/office/drawing/2010/main" val="0"/>
+              </a:ext>
+            </a:extLst>
+          </a:blip>
+          <a:stretch>
+            <a:fillRect/>
+          </a:stretch>
+        </p:blipFill>
+        <p:spPr>
+          <a:xfrm>
+            <a:off x="4532391" y="3715748"/>
+            <a:ext cx="1346200" cy="431800"/>
+          </a:xfrm>
+          <a:prstGeom prst="rect">
+            <a:avLst/>
+          </a:prstGeom>
+        </p:spPr>
+      </p:pic>
+      <p:sp>
+        <p:nvSpPr>
+          <p:cNvPr id="11" name="Left Brace 10">
+            <a:extLst>
+              <a:ext uri="{FF2B5EF4-FFF2-40B4-BE49-F238E27FC236}">
+                <a16:creationId xmlns:a16="http://schemas.microsoft.com/office/drawing/2014/main" id="{985E0CA5-DC1F-7448-84DE-A5F1CF884698}"/>
+              </a:ext>
+            </a:extLst>
+          </p:cNvPr>
+          <p:cNvSpPr/>
+          <p:nvPr/>
+        </p:nvSpPr>
+        <p:spPr>
+          <a:xfrm rot="16200000">
+            <a:off x="4783852" y="2284915"/>
+            <a:ext cx="567623" cy="2177027"/>
+          </a:xfrm>
+          <a:prstGeom prst="leftBrace">
+            <a:avLst>
+              <a:gd name="adj1" fmla="val 8333"/>
+              <a:gd name="adj2" fmla="val 46663"/>
+            </a:avLst>
+          </a:prstGeom>
+          <a:ln w="12700">
+            <a:solidFill>
+              <a:srgbClr val="7030A0"/>
+            </a:solidFill>
+            <a:prstDash val="lgDash"/>
+          </a:ln>
+        </p:spPr>
+        <p:style>
+          <a:lnRef idx="1">
+            <a:schemeClr val="accent1"/>
+          </a:lnRef>
+          <a:fillRef idx="0">
+            <a:schemeClr val="accent1"/>
+          </a:fillRef>
+          <a:effectRef idx="0">
+            <a:schemeClr val="accent1"/>
+          </a:effectRef>
+          <a:fontRef idx="minor">
+            <a:schemeClr val="tx1"/>
+          </a:fontRef>
+        </p:style>
+        <p:txBody>
+          <a:bodyPr rtlCol="0" anchor="ctr"/>
+          <a:lstStyle/>
+          <a:p>
+            <a:pPr algn="ctr"/>
+            <a:endParaRPr lang="en-GB"/>
+          </a:p>
+        </p:txBody>
+      </p:sp>
+      <p:pic>
+        <p:nvPicPr>
+          <p:cNvPr id="12" name="Picture 11" descr="Text&#10;&#10;Description automatically generated">
+            <a:extLst>
+              <a:ext uri="{FF2B5EF4-FFF2-40B4-BE49-F238E27FC236}">
+                <a16:creationId xmlns:a16="http://schemas.microsoft.com/office/drawing/2014/main" id="{8FE17017-0733-62B4-6E60-71377F2F465E}"/>
+              </a:ext>
+            </a:extLst>
+          </p:cNvPr>
+          <p:cNvPicPr>
+            <a:picLocks noChangeAspect="1"/>
+          </p:cNvPicPr>
+          <p:nvPr/>
+        </p:nvPicPr>
+        <p:blipFill>
+          <a:blip r:embed="rId6">
+            <a:extLst>
+              <a:ext uri="{28A0092B-C50C-407E-A947-70E740481C1C}">
+                <a14:useLocalDpi xmlns:a14="http://schemas.microsoft.com/office/drawing/2010/main" val="0"/>
+              </a:ext>
+            </a:extLst>
+          </a:blip>
+          <a:stretch>
+            <a:fillRect/>
+          </a:stretch>
+        </p:blipFill>
+        <p:spPr>
+          <a:xfrm>
+            <a:off x="6036003" y="3563894"/>
+            <a:ext cx="1358900" cy="647700"/>
+          </a:xfrm>
+          <a:prstGeom prst="rect">
+            <a:avLst/>
+          </a:prstGeom>
+        </p:spPr>
+      </p:pic>
+      <p:sp>
+        <p:nvSpPr>
+          <p:cNvPr id="13" name="Left Brace 12">
+            <a:extLst>
+              <a:ext uri="{FF2B5EF4-FFF2-40B4-BE49-F238E27FC236}">
+                <a16:creationId xmlns:a16="http://schemas.microsoft.com/office/drawing/2014/main" id="{38B29EE8-A631-FDA4-F56B-878CDEFFC3FE}"/>
+              </a:ext>
+            </a:extLst>
+          </p:cNvPr>
+          <p:cNvSpPr/>
+          <p:nvPr/>
+        </p:nvSpPr>
+        <p:spPr>
+          <a:xfrm rot="16200000">
+            <a:off x="6133377" y="3125154"/>
+            <a:ext cx="567623" cy="481248"/>
+          </a:xfrm>
+          <a:prstGeom prst="leftBrace">
+            <a:avLst>
+              <a:gd name="adj1" fmla="val 8333"/>
+              <a:gd name="adj2" fmla="val 46663"/>
+            </a:avLst>
+          </a:prstGeom>
+          <a:ln w="12700">
+            <a:solidFill>
+              <a:srgbClr val="C00000"/>
+            </a:solidFill>
+            <a:prstDash val="lgDash"/>
+          </a:ln>
+        </p:spPr>
+        <p:style>
+          <a:lnRef idx="1">
+            <a:schemeClr val="accent1"/>
+          </a:lnRef>
+          <a:fillRef idx="0">
+            <a:schemeClr val="accent1"/>
+          </a:fillRef>
+          <a:effectRef idx="0">
+            <a:schemeClr val="accent1"/>
+          </a:effectRef>
+          <a:fontRef idx="minor">
+            <a:schemeClr val="tx1"/>
+          </a:fontRef>
+        </p:style>
+        <p:txBody>
+          <a:bodyPr rtlCol="0" anchor="ctr"/>
+          <a:lstStyle/>
+          <a:p>
+            <a:pPr algn="ctr"/>
+            <a:endParaRPr lang="en-GB"/>
+          </a:p>
+        </p:txBody>
+      </p:sp>
+    </p:spTree>
+    <p:extLst>
+      <p:ext uri="{BB962C8B-B14F-4D97-AF65-F5344CB8AC3E}">
+        <p14:creationId xmlns:p14="http://schemas.microsoft.com/office/powerpoint/2010/main" val="777036592"/>
+      </p:ext>
+    </p:extLst>
+  </p:cSld>
+  <p:clrMapOvr>
+    <a:masterClrMapping/>
+  </p:clrMapOvr>
+</p:sld>
+</file>
+
+<file path=ppt/slides/slide34.xml><?xml version="1.0" encoding="utf-8"?>
+<p:sld xmlns:a="http://schemas.openxmlformats.org/drawingml/2006/main" xmlns:r="http://schemas.openxmlformats.org/officeDocument/2006/relationships" xmlns:p="http://schemas.openxmlformats.org/presentationml/2006/main">
+  <p:cSld>
+    <p:spTree>
+      <p:nvGrpSpPr>
+        <p:cNvPr id="1" name=""/>
+        <p:cNvGrpSpPr/>
+        <p:nvPr/>
+      </p:nvGrpSpPr>
+      <p:grpSpPr>
+        <a:xfrm>
+          <a:off x="0" y="0"/>
+          <a:ext cx="0" cy="0"/>
+          <a:chOff x="0" y="0"/>
+          <a:chExt cx="0" cy="0"/>
+        </a:xfrm>
+      </p:grpSpPr>
+      <p:sp>
+        <p:nvSpPr>
+          <p:cNvPr id="2" name="Title 1">
+            <a:extLst>
+              <a:ext uri="{FF2B5EF4-FFF2-40B4-BE49-F238E27FC236}">
+                <a16:creationId xmlns:a16="http://schemas.microsoft.com/office/drawing/2014/main" id="{9744D04B-63E2-2102-E151-FA24237B42FC}"/>
+              </a:ext>
+            </a:extLst>
+          </p:cNvPr>
+          <p:cNvSpPr>
+            <a:spLocks noGrp="1"/>
+          </p:cNvSpPr>
+          <p:nvPr>
+            <p:ph type="title"/>
+          </p:nvPr>
+        </p:nvSpPr>
+        <p:spPr/>
+        <p:txBody>
+          <a:bodyPr/>
+          <a:lstStyle/>
+          <a:p>
+            <a:r>
+              <a:rPr lang="en-GB" dirty="0"/>
+              <a:t>Example - 2</a:t>
+            </a:r>
+          </a:p>
+        </p:txBody>
+      </p:sp>
+      <p:sp>
+        <p:nvSpPr>
+          <p:cNvPr id="3" name="Slide Number Placeholder 2">
+            <a:extLst>
+              <a:ext uri="{FF2B5EF4-FFF2-40B4-BE49-F238E27FC236}">
+                <a16:creationId xmlns:a16="http://schemas.microsoft.com/office/drawing/2014/main" id="{FC98111A-C574-1A6E-5B30-13CB1C391C59}"/>
+              </a:ext>
+            </a:extLst>
+          </p:cNvPr>
+          <p:cNvSpPr>
+            <a:spLocks noGrp="1"/>
+          </p:cNvSpPr>
+          <p:nvPr>
+            <p:ph type="sldNum" sz="quarter" idx="12"/>
+          </p:nvPr>
+        </p:nvSpPr>
+        <p:spPr/>
+        <p:txBody>
+          <a:bodyPr/>
+          <a:lstStyle/>
+          <a:p>
+            <a:fld id="{BB98F552-A29D-2D4E-8192-F20670493719}" type="slidenum">
+              <a:rPr lang="en-GB" altLang="en-US" smtClean="0"/>
+              <a:pPr/>
+              <a:t>34</a:t>
             </a:fld>
             <a:endParaRPr lang="en-GB" altLang="en-US" dirty="0"/>
           </a:p>
@@ -13435,7 +13658,7 @@
 </p:sld>
 </file>
 
-<file path=ppt/slides/slide34.xml><?xml version="1.0" encoding="utf-8"?>
+<file path=ppt/slides/slide35.xml><?xml version="1.0" encoding="utf-8"?>
 <p:sld xmlns:a="http://schemas.openxmlformats.org/drawingml/2006/main" xmlns:r="http://schemas.openxmlformats.org/officeDocument/2006/relationships" xmlns:p="http://schemas.openxmlformats.org/presentationml/2006/main">
   <p:cSld>
     <p:spTree>
@@ -13504,7 +13727,7 @@
             <a:fld id="{BB98F552-A29D-2D4E-8192-F20670493719}" type="slidenum">
               <a:rPr lang="en-GB" altLang="en-US" smtClean="0"/>
               <a:pPr/>
-              <a:t>34</a:t>
+              <a:t>35</a:t>
             </a:fld>
             <a:endParaRPr lang="en-GB" altLang="en-US" dirty="0"/>
           </a:p>
@@ -15815,7 +16038,7 @@
 </p:sld>
 </file>
 
-<file path=ppt/slides/slide35.xml><?xml version="1.0" encoding="utf-8"?>
+<file path=ppt/slides/slide36.xml><?xml version="1.0" encoding="utf-8"?>
 <p:sld xmlns:a="http://schemas.openxmlformats.org/drawingml/2006/main" xmlns:r="http://schemas.openxmlformats.org/officeDocument/2006/relationships" xmlns:p="http://schemas.openxmlformats.org/presentationml/2006/main">
   <p:cSld>
     <p:spTree>
@@ -15884,7 +16107,7 @@
             <a:fld id="{BB98F552-A29D-2D4E-8192-F20670493719}" type="slidenum">
               <a:rPr lang="en-GB" altLang="en-US" smtClean="0"/>
               <a:pPr/>
-              <a:t>35</a:t>
+              <a:t>36</a:t>
             </a:fld>
             <a:endParaRPr lang="en-GB" altLang="en-US" dirty="0"/>
           </a:p>
@@ -18324,7 +18547,7 @@
 </p:sld>
 </file>
 
-<file path=ppt/slides/slide36.xml><?xml version="1.0" encoding="utf-8"?>
+<file path=ppt/slides/slide37.xml><?xml version="1.0" encoding="utf-8"?>
 <p:sld xmlns:a="http://schemas.openxmlformats.org/drawingml/2006/main" xmlns:r="http://schemas.openxmlformats.org/officeDocument/2006/relationships" xmlns:p="http://schemas.openxmlformats.org/presentationml/2006/main">
   <p:cSld>
     <p:spTree>
@@ -18393,7 +18616,7 @@
             <a:fld id="{BB98F552-A29D-2D4E-8192-F20670493719}" type="slidenum">
               <a:rPr lang="en-GB" altLang="en-US" smtClean="0"/>
               <a:pPr/>
-              <a:t>36</a:t>
+              <a:t>37</a:t>
             </a:fld>
             <a:endParaRPr lang="en-GB" altLang="en-US" dirty="0"/>
           </a:p>
@@ -20806,7 +21029,7 @@
 </p:sld>
 </file>
 
-<file path=ppt/slides/slide37.xml><?xml version="1.0" encoding="utf-8"?>
+<file path=ppt/slides/slide38.xml><?xml version="1.0" encoding="utf-8"?>
 <p:sld xmlns:a="http://schemas.openxmlformats.org/drawingml/2006/main" xmlns:r="http://schemas.openxmlformats.org/officeDocument/2006/relationships" xmlns:p="http://schemas.openxmlformats.org/presentationml/2006/main">
   <p:cSld>
     <p:spTree>
@@ -20875,7 +21098,7 @@
             <a:fld id="{BB98F552-A29D-2D4E-8192-F20670493719}" type="slidenum">
               <a:rPr lang="en-GB" altLang="en-US" smtClean="0"/>
               <a:pPr/>
-              <a:t>37</a:t>
+              <a:t>38</a:t>
             </a:fld>
             <a:endParaRPr lang="en-GB" altLang="en-US" dirty="0"/>
           </a:p>
@@ -23257,7 +23480,7 @@
 </p:sld>
 </file>
 
-<file path=ppt/slides/slide38.xml><?xml version="1.0" encoding="utf-8"?>
+<file path=ppt/slides/slide39.xml><?xml version="1.0" encoding="utf-8"?>
 <p:sld xmlns:a="http://schemas.openxmlformats.org/drawingml/2006/main" xmlns:r="http://schemas.openxmlformats.org/officeDocument/2006/relationships" xmlns:p="http://schemas.openxmlformats.org/presentationml/2006/main">
   <p:cSld>
     <p:spTree>
@@ -23369,7 +23592,7 @@
             <a:fld id="{BB98F552-A29D-2D4E-8192-F20670493719}" type="slidenum">
               <a:rPr lang="en-GB" altLang="en-US" smtClean="0"/>
               <a:pPr/>
-              <a:t>38</a:t>
+              <a:t>39</a:t>
             </a:fld>
             <a:endParaRPr lang="en-GB" altLang="en-US" dirty="0"/>
           </a:p>
@@ -23439,143 +23662,6 @@
     <p:extLst>
       <p:ext uri="{BB962C8B-B14F-4D97-AF65-F5344CB8AC3E}">
         <p14:creationId xmlns:p14="http://schemas.microsoft.com/office/powerpoint/2010/main" val="1133327230"/>
-      </p:ext>
-    </p:extLst>
-  </p:cSld>
-  <p:clrMapOvr>
-    <a:masterClrMapping/>
-  </p:clrMapOvr>
-</p:sld>
-</file>
-
-<file path=ppt/slides/slide39.xml><?xml version="1.0" encoding="utf-8"?>
-<p:sld xmlns:a="http://schemas.openxmlformats.org/drawingml/2006/main" xmlns:r="http://schemas.openxmlformats.org/officeDocument/2006/relationships" xmlns:p="http://schemas.openxmlformats.org/presentationml/2006/main">
-  <p:cSld>
-    <p:spTree>
-      <p:nvGrpSpPr>
-        <p:cNvPr id="1" name=""/>
-        <p:cNvGrpSpPr/>
-        <p:nvPr/>
-      </p:nvGrpSpPr>
-      <p:grpSpPr>
-        <a:xfrm>
-          <a:off x="0" y="0"/>
-          <a:ext cx="0" cy="0"/>
-          <a:chOff x="0" y="0"/>
-          <a:chExt cx="0" cy="0"/>
-        </a:xfrm>
-      </p:grpSpPr>
-      <p:sp>
-        <p:nvSpPr>
-          <p:cNvPr id="2" name="Title 1">
-            <a:extLst>
-              <a:ext uri="{FF2B5EF4-FFF2-40B4-BE49-F238E27FC236}">
-                <a16:creationId xmlns:a16="http://schemas.microsoft.com/office/drawing/2014/main" id="{D4FBF4BE-8B93-9230-1ECF-BAED07284288}"/>
-              </a:ext>
-            </a:extLst>
-          </p:cNvPr>
-          <p:cNvSpPr>
-            <a:spLocks noGrp="1"/>
-          </p:cNvSpPr>
-          <p:nvPr>
-            <p:ph type="title"/>
-          </p:nvPr>
-        </p:nvSpPr>
-        <p:spPr/>
-        <p:txBody>
-          <a:bodyPr/>
-          <a:lstStyle/>
-          <a:p>
-            <a:r>
-              <a:rPr lang="en-GB" dirty="0"/>
-              <a:t>How to choose a learning rate</a:t>
-            </a:r>
-          </a:p>
-        </p:txBody>
-      </p:sp>
-      <p:sp>
-        <p:nvSpPr>
-          <p:cNvPr id="3" name="Content Placeholder 2">
-            <a:extLst>
-              <a:ext uri="{FF2B5EF4-FFF2-40B4-BE49-F238E27FC236}">
-                <a16:creationId xmlns:a16="http://schemas.microsoft.com/office/drawing/2014/main" id="{CC043205-9F83-CE59-EF1A-E1D03E8FDCB5}"/>
-              </a:ext>
-            </a:extLst>
-          </p:cNvPr>
-          <p:cNvSpPr>
-            <a:spLocks noGrp="1"/>
-          </p:cNvSpPr>
-          <p:nvPr>
-            <p:ph idx="1"/>
-          </p:nvPr>
-        </p:nvSpPr>
-        <p:spPr/>
-        <p:txBody>
-          <a:bodyPr/>
-          <a:lstStyle/>
-          <a:p>
-            <a:r>
-              <a:rPr lang="en-GB" dirty="0"/>
-              <a:t>There are various ways to choose and optimise the learning rate.</a:t>
-            </a:r>
-          </a:p>
-          <a:p>
-            <a:r>
-              <a:rPr lang="en-GB" dirty="0"/>
-              <a:t>A simple approach is to start with a relatively large value (e.g. 0.01 or 0.1) and then (exponentially) reduce it over iterations.</a:t>
-            </a:r>
-          </a:p>
-          <a:p>
-            <a:r>
-              <a:rPr lang="en-GB" dirty="0"/>
-              <a:t>With dynamic learning rates, if the learning decreases too rapidly, it would affect the network convergence (i.e. finding an optimal solution). </a:t>
-            </a:r>
-          </a:p>
-          <a:p>
-            <a:r>
-              <a:rPr lang="en-GB" dirty="0"/>
-              <a:t>If (a large) learning rate changes too slowly, the network may fail to converge to a good enough solution since noise (noise in samples than causes noisy gradients) could keep on driving the network away from an optimal solution.</a:t>
-            </a:r>
-          </a:p>
-          <a:p>
-            <a:endParaRPr lang="en-GB" dirty="0"/>
-          </a:p>
-        </p:txBody>
-      </p:sp>
-      <p:sp>
-        <p:nvSpPr>
-          <p:cNvPr id="4" name="Slide Number Placeholder 3">
-            <a:extLst>
-              <a:ext uri="{FF2B5EF4-FFF2-40B4-BE49-F238E27FC236}">
-                <a16:creationId xmlns:a16="http://schemas.microsoft.com/office/drawing/2014/main" id="{4DB7FDCA-57B8-B87B-D91D-2F70CFA6E28A}"/>
-              </a:ext>
-            </a:extLst>
-          </p:cNvPr>
-          <p:cNvSpPr>
-            <a:spLocks noGrp="1"/>
-          </p:cNvSpPr>
-          <p:nvPr>
-            <p:ph type="sldNum" sz="quarter" idx="12"/>
-          </p:nvPr>
-        </p:nvSpPr>
-        <p:spPr/>
-        <p:txBody>
-          <a:bodyPr/>
-          <a:lstStyle/>
-          <a:p>
-            <a:fld id="{44E22EE9-B8A0-0641-9265-052CFE9B95A7}" type="slidenum">
-              <a:rPr lang="en-GB" altLang="en-US" smtClean="0"/>
-              <a:pPr/>
-              <a:t>39</a:t>
-            </a:fld>
-            <a:endParaRPr lang="en-GB" altLang="en-US" dirty="0"/>
-          </a:p>
-        </p:txBody>
-      </p:sp>
-    </p:spTree>
-    <p:extLst>
-      <p:ext uri="{BB962C8B-B14F-4D97-AF65-F5344CB8AC3E}">
-        <p14:creationId xmlns:p14="http://schemas.microsoft.com/office/powerpoint/2010/main" val="3739827782"/>
       </p:ext>
     </p:extLst>
   </p:cSld>
@@ -23777,7 +23863,7 @@
           <p:cNvPr id="2" name="Title 1">
             <a:extLst>
               <a:ext uri="{FF2B5EF4-FFF2-40B4-BE49-F238E27FC236}">
-                <a16:creationId xmlns:a16="http://schemas.microsoft.com/office/drawing/2014/main" id="{C77FC6A0-858F-E282-9E35-4E6CC5030CA2}"/>
+                <a16:creationId xmlns:a16="http://schemas.microsoft.com/office/drawing/2014/main" id="{D4FBF4BE-8B93-9230-1ECF-BAED07284288}"/>
               </a:ext>
             </a:extLst>
           </p:cNvPr>
@@ -23795,8 +23881,57 @@
           <a:p>
             <a:r>
               <a:rPr lang="en-GB" dirty="0"/>
-              <a:t>Exploding and vanishing gradients*</a:t>
-            </a:r>
+              <a:t>How to choose a learning rate</a:t>
+            </a:r>
+          </a:p>
+        </p:txBody>
+      </p:sp>
+      <p:sp>
+        <p:nvSpPr>
+          <p:cNvPr id="3" name="Content Placeholder 2">
+            <a:extLst>
+              <a:ext uri="{FF2B5EF4-FFF2-40B4-BE49-F238E27FC236}">
+                <a16:creationId xmlns:a16="http://schemas.microsoft.com/office/drawing/2014/main" id="{CC043205-9F83-CE59-EF1A-E1D03E8FDCB5}"/>
+              </a:ext>
+            </a:extLst>
+          </p:cNvPr>
+          <p:cNvSpPr>
+            <a:spLocks noGrp="1"/>
+          </p:cNvSpPr>
+          <p:nvPr>
+            <p:ph idx="1"/>
+          </p:nvPr>
+        </p:nvSpPr>
+        <p:spPr/>
+        <p:txBody>
+          <a:bodyPr/>
+          <a:lstStyle/>
+          <a:p>
+            <a:r>
+              <a:rPr lang="en-GB" dirty="0"/>
+              <a:t>There are various ways to choose and optimise the learning rate.</a:t>
+            </a:r>
+          </a:p>
+          <a:p>
+            <a:r>
+              <a:rPr lang="en-GB" dirty="0"/>
+              <a:t>A simple approach is to start with a relatively large value (e.g. 0.01 or 0.1) and then (exponentially) reduce it over iterations.</a:t>
+            </a:r>
+          </a:p>
+          <a:p>
+            <a:r>
+              <a:rPr lang="en-GB" dirty="0"/>
+              <a:t>With dynamic learning rates, if the learning decreases too rapidly, it would affect the network convergence (i.e. finding an optimal solution). </a:t>
+            </a:r>
+          </a:p>
+          <a:p>
+            <a:r>
+              <a:rPr lang="en-GB" dirty="0"/>
+              <a:t>If (a large) learning rate changes too slowly, the network may fail to converge to a good enough solution since noise (noise in samples than causes noisy gradients) could keep on driving the network away from an optimal solution.</a:t>
+            </a:r>
+          </a:p>
+          <a:p>
+            <a:endParaRPr lang="en-GB" dirty="0"/>
           </a:p>
         </p:txBody>
       </p:sp>
@@ -23805,7 +23940,7 @@
           <p:cNvPr id="4" name="Slide Number Placeholder 3">
             <a:extLst>
               <a:ext uri="{FF2B5EF4-FFF2-40B4-BE49-F238E27FC236}">
-                <a16:creationId xmlns:a16="http://schemas.microsoft.com/office/drawing/2014/main" id="{31A7EE39-EA94-1B58-26E9-9030AC8B2FB7}"/>
+                <a16:creationId xmlns:a16="http://schemas.microsoft.com/office/drawing/2014/main" id="{4DB7FDCA-57B8-B87B-D91D-2F70CFA6E28A}"/>
               </a:ext>
             </a:extLst>
           </p:cNvPr>
@@ -23830,228 +23965,10 @@
           </a:p>
         </p:txBody>
       </p:sp>
-      <p:pic>
-        <p:nvPicPr>
-          <p:cNvPr id="6" name="Picture 5" descr="A picture containing chart&#10;&#10;Description automatically generated">
-            <a:extLst>
-              <a:ext uri="{FF2B5EF4-FFF2-40B4-BE49-F238E27FC236}">
-                <a16:creationId xmlns:a16="http://schemas.microsoft.com/office/drawing/2014/main" id="{09C6428B-9917-8361-B743-2FBA4824D0B7}"/>
-              </a:ext>
-            </a:extLst>
-          </p:cNvPr>
-          <p:cNvPicPr>
-            <a:picLocks noChangeAspect="1"/>
-          </p:cNvPicPr>
-          <p:nvPr/>
-        </p:nvPicPr>
-        <p:blipFill>
-          <a:blip r:embed="rId2">
-            <a:extLst>
-              <a:ext uri="{28A0092B-C50C-407E-A947-70E740481C1C}">
-                <a14:useLocalDpi xmlns:a14="http://schemas.microsoft.com/office/drawing/2010/main" val="0"/>
-              </a:ext>
-            </a:extLst>
-          </a:blip>
-          <a:stretch>
-            <a:fillRect/>
-          </a:stretch>
-        </p:blipFill>
-        <p:spPr>
-          <a:xfrm>
-            <a:off x="4680823" y="1489348"/>
-            <a:ext cx="4469482" cy="2216863"/>
-          </a:xfrm>
-          <a:prstGeom prst="rect">
-            <a:avLst/>
-          </a:prstGeom>
-        </p:spPr>
-      </p:pic>
-      <p:sp>
-        <p:nvSpPr>
-          <p:cNvPr id="8" name="TextBox 7">
-            <a:extLst>
-              <a:ext uri="{FF2B5EF4-FFF2-40B4-BE49-F238E27FC236}">
-                <a16:creationId xmlns:a16="http://schemas.microsoft.com/office/drawing/2014/main" id="{ABE244E3-3A8C-F7FE-6E1F-F003BA961146}"/>
-              </a:ext>
-            </a:extLst>
-          </p:cNvPr>
-          <p:cNvSpPr txBox="1"/>
-          <p:nvPr/>
-        </p:nvSpPr>
-        <p:spPr>
-          <a:xfrm>
-            <a:off x="430730" y="1201316"/>
-            <a:ext cx="4469481" cy="3693319"/>
-          </a:xfrm>
-          <a:prstGeom prst="rect">
-            <a:avLst/>
-          </a:prstGeom>
-          <a:noFill/>
-        </p:spPr>
-        <p:txBody>
-          <a:bodyPr wrap="square">
-            <a:spAutoFit/>
-          </a:bodyPr>
-          <a:lstStyle/>
-          <a:p>
-            <a:pPr algn="l"/>
-            <a:r>
-              <a:rPr lang="en-GB" b="0" i="0" u="none" strike="noStrike" dirty="0">
-                <a:solidFill>
-                  <a:srgbClr val="000000"/>
-                </a:solidFill>
-                <a:effectLst/>
-                <a:latin typeface="Gill Sans MT" panose="020B0502020104020203" pitchFamily="34" charset="77"/>
-              </a:rPr>
-              <a:t>The objective function </a:t>
-            </a:r>
-            <a:r>
-              <a:rPr lang="en-GB" dirty="0">
-                <a:solidFill>
-                  <a:srgbClr val="000000"/>
-                </a:solidFill>
-                <a:latin typeface="Gill Sans MT" panose="020B0502020104020203" pitchFamily="34" charset="77"/>
-              </a:rPr>
-              <a:t>for</a:t>
-            </a:r>
-            <a:r>
-              <a:rPr lang="en-GB" b="0" i="0" u="none" strike="noStrike" dirty="0">
-                <a:solidFill>
-                  <a:srgbClr val="000000"/>
-                </a:solidFill>
-                <a:effectLst/>
-                <a:latin typeface="Gill Sans MT" panose="020B0502020104020203" pitchFamily="34" charset="77"/>
-              </a:rPr>
-              <a:t> highly nonlinear deep neural networks or for recurrent neural networks often contains sharp nonlinearities in parameter space resulting from the multiplication of several parameters. </a:t>
-            </a:r>
-          </a:p>
-          <a:p>
-            <a:pPr algn="l"/>
-            <a:endParaRPr lang="en-GB" dirty="0">
-              <a:solidFill>
-                <a:srgbClr val="000000"/>
-              </a:solidFill>
-              <a:latin typeface="Gill Sans MT" panose="020B0502020104020203" pitchFamily="34" charset="77"/>
-            </a:endParaRPr>
-          </a:p>
-          <a:p>
-            <a:pPr algn="l"/>
-            <a:r>
-              <a:rPr lang="en-GB" b="0" i="0" u="none" strike="noStrike" dirty="0">
-                <a:solidFill>
-                  <a:srgbClr val="000000"/>
-                </a:solidFill>
-                <a:effectLst/>
-                <a:latin typeface="Gill Sans MT" panose="020B0502020104020203" pitchFamily="34" charset="77"/>
-              </a:rPr>
-              <a:t>These nonlinearities give rise to very</a:t>
-            </a:r>
-          </a:p>
-          <a:p>
-            <a:pPr algn="l"/>
-            <a:r>
-              <a:rPr lang="en-GB" b="0" i="0" u="none" strike="noStrike" dirty="0">
-                <a:solidFill>
-                  <a:srgbClr val="000000"/>
-                </a:solidFill>
-                <a:effectLst/>
-                <a:latin typeface="Gill Sans MT" panose="020B0502020104020203" pitchFamily="34" charset="77"/>
-              </a:rPr>
-              <a:t>high derivatives in some places. </a:t>
-            </a:r>
-          </a:p>
-          <a:p>
-            <a:pPr algn="l"/>
-            <a:endParaRPr lang="en-GB" dirty="0">
-              <a:solidFill>
-                <a:srgbClr val="000000"/>
-              </a:solidFill>
-              <a:latin typeface="Gill Sans MT" panose="020B0502020104020203" pitchFamily="34" charset="77"/>
-            </a:endParaRPr>
-          </a:p>
-          <a:p>
-            <a:pPr algn="l"/>
-            <a:r>
-              <a:rPr lang="en-GB" b="0" i="0" u="none" strike="noStrike" dirty="0">
-                <a:solidFill>
-                  <a:srgbClr val="000000"/>
-                </a:solidFill>
-                <a:effectLst/>
-                <a:latin typeface="Gill Sans MT" panose="020B0502020104020203" pitchFamily="34" charset="77"/>
-              </a:rPr>
-              <a:t>When the parameters get close to such a cliﬀ region, a gradient descent update can catapult the parameters very far, possibly losing most of the optimisation work that has been done.</a:t>
-            </a:r>
-          </a:p>
-        </p:txBody>
-      </p:sp>
-      <p:sp>
-        <p:nvSpPr>
-          <p:cNvPr id="9" name="TextBox 8">
-            <a:extLst>
-              <a:ext uri="{FF2B5EF4-FFF2-40B4-BE49-F238E27FC236}">
-                <a16:creationId xmlns:a16="http://schemas.microsoft.com/office/drawing/2014/main" id="{42650982-F5B3-7017-EB9A-D124874CF39E}"/>
-              </a:ext>
-            </a:extLst>
-          </p:cNvPr>
-          <p:cNvSpPr txBox="1"/>
-          <p:nvPr/>
-        </p:nvSpPr>
-        <p:spPr>
-          <a:xfrm>
-            <a:off x="611560" y="5344262"/>
-            <a:ext cx="7416824" cy="369332"/>
-          </a:xfrm>
-          <a:prstGeom prst="rect">
-            <a:avLst/>
-          </a:prstGeom>
-          <a:noFill/>
-        </p:spPr>
-        <p:txBody>
-          <a:bodyPr wrap="square">
-            <a:spAutoFit/>
-          </a:bodyPr>
-          <a:lstStyle/>
-          <a:p>
-            <a:r>
-              <a:rPr lang="en-GB" sz="900" dirty="0"/>
-              <a:t>Source: Adapted from Goodfellow et al., deep Learning, </a:t>
-            </a:r>
-            <a:r>
-              <a:rPr lang="en-GB" sz="900" dirty="0">
-                <a:hlinkClick r:id="rId3"/>
-              </a:rPr>
-              <a:t>https://www.deeplearningbook.org/contents/optimization.html</a:t>
-            </a:r>
-            <a:endParaRPr lang="en-GB" sz="900" dirty="0"/>
-          </a:p>
-          <a:p>
-            <a:r>
-              <a:rPr lang="en-GB" sz="900" dirty="0"/>
-              <a:t>Original figure from (</a:t>
-            </a:r>
-            <a:r>
-              <a:rPr lang="en-GB" sz="900" dirty="0" err="1"/>
-              <a:t>Pascanu</a:t>
-            </a:r>
-            <a:r>
-              <a:rPr lang="en-GB" sz="900" dirty="0"/>
-              <a:t> </a:t>
-            </a:r>
-            <a:r>
-              <a:rPr lang="en-GB" sz="900" i="1" dirty="0"/>
-              <a:t>et al</a:t>
-            </a:r>
-            <a:r>
-              <a:rPr lang="en-GB" sz="900" dirty="0"/>
-              <a:t>., 2013)</a:t>
-            </a:r>
-          </a:p>
-        </p:txBody>
-      </p:sp>
     </p:spTree>
     <p:extLst>
       <p:ext uri="{BB962C8B-B14F-4D97-AF65-F5344CB8AC3E}">
-        <p14:creationId xmlns:p14="http://schemas.microsoft.com/office/powerpoint/2010/main" val="2969302889"/>
+        <p14:creationId xmlns:p14="http://schemas.microsoft.com/office/powerpoint/2010/main" val="3739827782"/>
       </p:ext>
     </p:extLst>
   </p:cSld>
@@ -24083,7 +24000,7 @@
           <p:cNvPr id="2" name="Title 1">
             <a:extLst>
               <a:ext uri="{FF2B5EF4-FFF2-40B4-BE49-F238E27FC236}">
-                <a16:creationId xmlns:a16="http://schemas.microsoft.com/office/drawing/2014/main" id="{430FF14C-9D1B-6A2A-6670-C79FFE7CCBE8}"/>
+                <a16:creationId xmlns:a16="http://schemas.microsoft.com/office/drawing/2014/main" id="{C77FC6A0-858F-E282-9E35-4E6CC5030CA2}"/>
               </a:ext>
             </a:extLst>
           </p:cNvPr>
@@ -24101,13 +24018,319 @@
           <a:p>
             <a:r>
               <a:rPr lang="en-GB" dirty="0"/>
-              <a:t>Momentum</a:t>
+              <a:t>Exploding and vanishing gradients*</a:t>
             </a:r>
           </a:p>
         </p:txBody>
       </p:sp>
-      <mc:AlternateContent xmlns:mc="http://schemas.openxmlformats.org/markup-compatibility/2006">
-        <mc:Choice xmlns:a14="http://schemas.microsoft.com/office/drawing/2010/main" Requires="a14">
+      <p:sp>
+        <p:nvSpPr>
+          <p:cNvPr id="4" name="Slide Number Placeholder 3">
+            <a:extLst>
+              <a:ext uri="{FF2B5EF4-FFF2-40B4-BE49-F238E27FC236}">
+                <a16:creationId xmlns:a16="http://schemas.microsoft.com/office/drawing/2014/main" id="{31A7EE39-EA94-1B58-26E9-9030AC8B2FB7}"/>
+              </a:ext>
+            </a:extLst>
+          </p:cNvPr>
+          <p:cNvSpPr>
+            <a:spLocks noGrp="1"/>
+          </p:cNvSpPr>
+          <p:nvPr>
+            <p:ph type="sldNum" sz="quarter" idx="12"/>
+          </p:nvPr>
+        </p:nvSpPr>
+        <p:spPr/>
+        <p:txBody>
+          <a:bodyPr/>
+          <a:lstStyle/>
+          <a:p>
+            <a:fld id="{44E22EE9-B8A0-0641-9265-052CFE9B95A7}" type="slidenum">
+              <a:rPr lang="en-GB" altLang="en-US" smtClean="0"/>
+              <a:pPr/>
+              <a:t>41</a:t>
+            </a:fld>
+            <a:endParaRPr lang="en-GB" altLang="en-US" dirty="0"/>
+          </a:p>
+        </p:txBody>
+      </p:sp>
+      <p:pic>
+        <p:nvPicPr>
+          <p:cNvPr id="6" name="Picture 5" descr="A picture containing chart&#10;&#10;Description automatically generated">
+            <a:extLst>
+              <a:ext uri="{FF2B5EF4-FFF2-40B4-BE49-F238E27FC236}">
+                <a16:creationId xmlns:a16="http://schemas.microsoft.com/office/drawing/2014/main" id="{09C6428B-9917-8361-B743-2FBA4824D0B7}"/>
+              </a:ext>
+            </a:extLst>
+          </p:cNvPr>
+          <p:cNvPicPr>
+            <a:picLocks noChangeAspect="1"/>
+          </p:cNvPicPr>
+          <p:nvPr/>
+        </p:nvPicPr>
+        <p:blipFill>
+          <a:blip r:embed="rId2">
+            <a:extLst>
+              <a:ext uri="{28A0092B-C50C-407E-A947-70E740481C1C}">
+                <a14:useLocalDpi xmlns:a14="http://schemas.microsoft.com/office/drawing/2010/main" val="0"/>
+              </a:ext>
+            </a:extLst>
+          </a:blip>
+          <a:stretch>
+            <a:fillRect/>
+          </a:stretch>
+        </p:blipFill>
+        <p:spPr>
+          <a:xfrm>
+            <a:off x="4680823" y="1489348"/>
+            <a:ext cx="4469482" cy="2216863"/>
+          </a:xfrm>
+          <a:prstGeom prst="rect">
+            <a:avLst/>
+          </a:prstGeom>
+        </p:spPr>
+      </p:pic>
+      <p:sp>
+        <p:nvSpPr>
+          <p:cNvPr id="8" name="TextBox 7">
+            <a:extLst>
+              <a:ext uri="{FF2B5EF4-FFF2-40B4-BE49-F238E27FC236}">
+                <a16:creationId xmlns:a16="http://schemas.microsoft.com/office/drawing/2014/main" id="{ABE244E3-3A8C-F7FE-6E1F-F003BA961146}"/>
+              </a:ext>
+            </a:extLst>
+          </p:cNvPr>
+          <p:cNvSpPr txBox="1"/>
+          <p:nvPr/>
+        </p:nvSpPr>
+        <p:spPr>
+          <a:xfrm>
+            <a:off x="430730" y="1201316"/>
+            <a:ext cx="4469481" cy="3693319"/>
+          </a:xfrm>
+          <a:prstGeom prst="rect">
+            <a:avLst/>
+          </a:prstGeom>
+          <a:noFill/>
+        </p:spPr>
+        <p:txBody>
+          <a:bodyPr wrap="square">
+            <a:spAutoFit/>
+          </a:bodyPr>
+          <a:lstStyle/>
+          <a:p>
+            <a:pPr algn="l"/>
+            <a:r>
+              <a:rPr lang="en-GB" b="0" i="0" u="none" strike="noStrike" dirty="0">
+                <a:solidFill>
+                  <a:srgbClr val="000000"/>
+                </a:solidFill>
+                <a:effectLst/>
+                <a:latin typeface="Gill Sans MT" panose="020B0502020104020203" pitchFamily="34" charset="77"/>
+              </a:rPr>
+              <a:t>The objective function </a:t>
+            </a:r>
+            <a:r>
+              <a:rPr lang="en-GB" dirty="0">
+                <a:solidFill>
+                  <a:srgbClr val="000000"/>
+                </a:solidFill>
+                <a:latin typeface="Gill Sans MT" panose="020B0502020104020203" pitchFamily="34" charset="77"/>
+              </a:rPr>
+              <a:t>for</a:t>
+            </a:r>
+            <a:r>
+              <a:rPr lang="en-GB" b="0" i="0" u="none" strike="noStrike" dirty="0">
+                <a:solidFill>
+                  <a:srgbClr val="000000"/>
+                </a:solidFill>
+                <a:effectLst/>
+                <a:latin typeface="Gill Sans MT" panose="020B0502020104020203" pitchFamily="34" charset="77"/>
+              </a:rPr>
+              <a:t> highly nonlinear deep neural networks or for recurrent neural networks often contains sharp nonlinearities in parameter space resulting from the multiplication of several parameters. </a:t>
+            </a:r>
+          </a:p>
+          <a:p>
+            <a:pPr algn="l"/>
+            <a:endParaRPr lang="en-GB" dirty="0">
+              <a:solidFill>
+                <a:srgbClr val="000000"/>
+              </a:solidFill>
+              <a:latin typeface="Gill Sans MT" panose="020B0502020104020203" pitchFamily="34" charset="77"/>
+            </a:endParaRPr>
+          </a:p>
+          <a:p>
+            <a:pPr algn="l"/>
+            <a:r>
+              <a:rPr lang="en-GB" b="0" i="0" u="none" strike="noStrike" dirty="0">
+                <a:solidFill>
+                  <a:srgbClr val="000000"/>
+                </a:solidFill>
+                <a:effectLst/>
+                <a:latin typeface="Gill Sans MT" panose="020B0502020104020203" pitchFamily="34" charset="77"/>
+              </a:rPr>
+              <a:t>These nonlinearities give rise to very</a:t>
+            </a:r>
+          </a:p>
+          <a:p>
+            <a:pPr algn="l"/>
+            <a:r>
+              <a:rPr lang="en-GB" b="0" i="0" u="none" strike="noStrike" dirty="0">
+                <a:solidFill>
+                  <a:srgbClr val="000000"/>
+                </a:solidFill>
+                <a:effectLst/>
+                <a:latin typeface="Gill Sans MT" panose="020B0502020104020203" pitchFamily="34" charset="77"/>
+              </a:rPr>
+              <a:t>high derivatives in some places. </a:t>
+            </a:r>
+          </a:p>
+          <a:p>
+            <a:pPr algn="l"/>
+            <a:endParaRPr lang="en-GB" dirty="0">
+              <a:solidFill>
+                <a:srgbClr val="000000"/>
+              </a:solidFill>
+              <a:latin typeface="Gill Sans MT" panose="020B0502020104020203" pitchFamily="34" charset="77"/>
+            </a:endParaRPr>
+          </a:p>
+          <a:p>
+            <a:pPr algn="l"/>
+            <a:r>
+              <a:rPr lang="en-GB" b="0" i="0" u="none" strike="noStrike" dirty="0">
+                <a:solidFill>
+                  <a:srgbClr val="000000"/>
+                </a:solidFill>
+                <a:effectLst/>
+                <a:latin typeface="Gill Sans MT" panose="020B0502020104020203" pitchFamily="34" charset="77"/>
+              </a:rPr>
+              <a:t>When the parameters get close to such a cliﬀ region, a gradient descent update can catapult the parameters very far, possibly losing most of the optimisation work that has been done.</a:t>
+            </a:r>
+          </a:p>
+        </p:txBody>
+      </p:sp>
+      <p:sp>
+        <p:nvSpPr>
+          <p:cNvPr id="9" name="TextBox 8">
+            <a:extLst>
+              <a:ext uri="{FF2B5EF4-FFF2-40B4-BE49-F238E27FC236}">
+                <a16:creationId xmlns:a16="http://schemas.microsoft.com/office/drawing/2014/main" id="{42650982-F5B3-7017-EB9A-D124874CF39E}"/>
+              </a:ext>
+            </a:extLst>
+          </p:cNvPr>
+          <p:cNvSpPr txBox="1"/>
+          <p:nvPr/>
+        </p:nvSpPr>
+        <p:spPr>
+          <a:xfrm>
+            <a:off x="611560" y="5344262"/>
+            <a:ext cx="7416824" cy="369332"/>
+          </a:xfrm>
+          <a:prstGeom prst="rect">
+            <a:avLst/>
+          </a:prstGeom>
+          <a:noFill/>
+        </p:spPr>
+        <p:txBody>
+          <a:bodyPr wrap="square">
+            <a:spAutoFit/>
+          </a:bodyPr>
+          <a:lstStyle/>
+          <a:p>
+            <a:r>
+              <a:rPr lang="en-GB" sz="900" dirty="0"/>
+              <a:t>Source: Adapted from Goodfellow et al., deep Learning, </a:t>
+            </a:r>
+            <a:r>
+              <a:rPr lang="en-GB" sz="900" dirty="0">
+                <a:hlinkClick r:id="rId3"/>
+              </a:rPr>
+              <a:t>https://www.deeplearningbook.org/contents/optimization.html</a:t>
+            </a:r>
+            <a:endParaRPr lang="en-GB" sz="900" dirty="0"/>
+          </a:p>
+          <a:p>
+            <a:r>
+              <a:rPr lang="en-GB" sz="900" dirty="0"/>
+              <a:t>Original figure from (</a:t>
+            </a:r>
+            <a:r>
+              <a:rPr lang="en-GB" sz="900" dirty="0" err="1"/>
+              <a:t>Pascanu</a:t>
+            </a:r>
+            <a:r>
+              <a:rPr lang="en-GB" sz="900" dirty="0"/>
+              <a:t> </a:t>
+            </a:r>
+            <a:r>
+              <a:rPr lang="en-GB" sz="900" i="1" dirty="0"/>
+              <a:t>et al</a:t>
+            </a:r>
+            <a:r>
+              <a:rPr lang="en-GB" sz="900" dirty="0"/>
+              <a:t>., 2013)</a:t>
+            </a:r>
+          </a:p>
+        </p:txBody>
+      </p:sp>
+    </p:spTree>
+    <p:extLst>
+      <p:ext uri="{BB962C8B-B14F-4D97-AF65-F5344CB8AC3E}">
+        <p14:creationId xmlns:p14="http://schemas.microsoft.com/office/powerpoint/2010/main" val="2969302889"/>
+      </p:ext>
+    </p:extLst>
+  </p:cSld>
+  <p:clrMapOvr>
+    <a:masterClrMapping/>
+  </p:clrMapOvr>
+</p:sld>
+</file>
+
+<file path=ppt/slides/slide42.xml><?xml version="1.0" encoding="utf-8"?>
+<p:sld xmlns:a="http://schemas.openxmlformats.org/drawingml/2006/main" xmlns:r="http://schemas.openxmlformats.org/officeDocument/2006/relationships" xmlns:p="http://schemas.openxmlformats.org/presentationml/2006/main">
+  <p:cSld>
+    <p:spTree>
+      <p:nvGrpSpPr>
+        <p:cNvPr id="1" name=""/>
+        <p:cNvGrpSpPr/>
+        <p:nvPr/>
+      </p:nvGrpSpPr>
+      <p:grpSpPr>
+        <a:xfrm>
+          <a:off x="0" y="0"/>
+          <a:ext cx="0" cy="0"/>
+          <a:chOff x="0" y="0"/>
+          <a:chExt cx="0" cy="0"/>
+        </a:xfrm>
+      </p:grpSpPr>
+      <p:sp>
+        <p:nvSpPr>
+          <p:cNvPr id="2" name="Title 1">
+            <a:extLst>
+              <a:ext uri="{FF2B5EF4-FFF2-40B4-BE49-F238E27FC236}">
+                <a16:creationId xmlns:a16="http://schemas.microsoft.com/office/drawing/2014/main" id="{430FF14C-9D1B-6A2A-6670-C79FFE7CCBE8}"/>
+              </a:ext>
+            </a:extLst>
+          </p:cNvPr>
+          <p:cNvSpPr>
+            <a:spLocks noGrp="1"/>
+          </p:cNvSpPr>
+          <p:nvPr>
+            <p:ph type="title"/>
+          </p:nvPr>
+        </p:nvSpPr>
+        <p:spPr/>
+        <p:txBody>
+          <a:bodyPr/>
+          <a:lstStyle/>
+          <a:p>
+            <a:r>
+              <a:rPr lang="en-GB" dirty="0"/>
+              <a:t>Momentum</a:t>
+            </a:r>
+          </a:p>
+        </p:txBody>
+      </p:sp>
+      <mc:AlternateContent xmlns:mc="http://schemas.openxmlformats.org/markup-compatibility/2006" xmlns:a14="http://schemas.microsoft.com/office/drawing/2010/main">
+        <mc:Choice Requires="a14">
           <p:sp>
             <p:nvSpPr>
               <p:cNvPr id="3" name="Content Placeholder 2">
@@ -24269,7 +24492,7 @@
             </p:txBody>
           </p:sp>
         </mc:Choice>
-        <mc:Fallback>
+        <mc:Fallback xmlns="">
           <p:sp>
             <p:nvSpPr>
               <p:cNvPr id="3" name="Content Placeholder 2">
@@ -24333,7 +24556,7 @@
             <a:fld id="{44E22EE9-B8A0-0641-9265-052CFE9B95A7}" type="slidenum">
               <a:rPr lang="en-GB" altLang="en-US" smtClean="0"/>
               <a:pPr/>
-              <a:t>41</a:t>
+              <a:t>42</a:t>
             </a:fld>
             <a:endParaRPr lang="en-GB" altLang="en-US" dirty="0"/>
           </a:p>
@@ -24391,178 +24614,6 @@
     <p:extLst>
       <p:ext uri="{BB962C8B-B14F-4D97-AF65-F5344CB8AC3E}">
         <p14:creationId xmlns:p14="http://schemas.microsoft.com/office/powerpoint/2010/main" val="746398534"/>
-      </p:ext>
-    </p:extLst>
-  </p:cSld>
-  <p:clrMapOvr>
-    <a:masterClrMapping/>
-  </p:clrMapOvr>
-</p:sld>
-</file>
-
-<file path=ppt/slides/slide42.xml><?xml version="1.0" encoding="utf-8"?>
-<p:sld xmlns:a="http://schemas.openxmlformats.org/drawingml/2006/main" xmlns:r="http://schemas.openxmlformats.org/officeDocument/2006/relationships" xmlns:p="http://schemas.openxmlformats.org/presentationml/2006/main">
-  <p:cSld>
-    <p:spTree>
-      <p:nvGrpSpPr>
-        <p:cNvPr id="1" name=""/>
-        <p:cNvGrpSpPr/>
-        <p:nvPr/>
-      </p:nvGrpSpPr>
-      <p:grpSpPr>
-        <a:xfrm>
-          <a:off x="0" y="0"/>
-          <a:ext cx="0" cy="0"/>
-          <a:chOff x="0" y="0"/>
-          <a:chExt cx="0" cy="0"/>
-        </a:xfrm>
-      </p:grpSpPr>
-      <p:sp>
-        <p:nvSpPr>
-          <p:cNvPr id="2" name="Title 1">
-            <a:extLst>
-              <a:ext uri="{FF2B5EF4-FFF2-40B4-BE49-F238E27FC236}">
-                <a16:creationId xmlns:a16="http://schemas.microsoft.com/office/drawing/2014/main" id="{BC1DCA67-47C8-7FFB-3D52-D2B1BC333AB0}"/>
-              </a:ext>
-            </a:extLst>
-          </p:cNvPr>
-          <p:cNvSpPr>
-            <a:spLocks noGrp="1"/>
-          </p:cNvSpPr>
-          <p:nvPr>
-            <p:ph type="title"/>
-          </p:nvPr>
-        </p:nvSpPr>
-        <p:spPr/>
-        <p:txBody>
-          <a:bodyPr/>
-          <a:lstStyle/>
-          <a:p>
-            <a:r>
-              <a:rPr lang="en-GB" dirty="0"/>
-              <a:t>SGD</a:t>
-            </a:r>
-          </a:p>
-        </p:txBody>
-      </p:sp>
-      <p:sp>
-        <p:nvSpPr>
-          <p:cNvPr id="4" name="Slide Number Placeholder 3">
-            <a:extLst>
-              <a:ext uri="{FF2B5EF4-FFF2-40B4-BE49-F238E27FC236}">
-                <a16:creationId xmlns:a16="http://schemas.microsoft.com/office/drawing/2014/main" id="{CBE784DF-0D4C-4D2B-D531-1D7BA9A597C6}"/>
-              </a:ext>
-            </a:extLst>
-          </p:cNvPr>
-          <p:cNvSpPr>
-            <a:spLocks noGrp="1"/>
-          </p:cNvSpPr>
-          <p:nvPr>
-            <p:ph type="sldNum" sz="quarter" idx="12"/>
-          </p:nvPr>
-        </p:nvSpPr>
-        <p:spPr/>
-        <p:txBody>
-          <a:bodyPr/>
-          <a:lstStyle/>
-          <a:p>
-            <a:fld id="{44E22EE9-B8A0-0641-9265-052CFE9B95A7}" type="slidenum">
-              <a:rPr lang="en-GB" altLang="en-US" smtClean="0"/>
-              <a:pPr/>
-              <a:t>42</a:t>
-            </a:fld>
-            <a:endParaRPr lang="en-GB" altLang="en-US" dirty="0"/>
-          </a:p>
-        </p:txBody>
-      </p:sp>
-      <p:pic>
-        <p:nvPicPr>
-          <p:cNvPr id="6" name="Picture 5" descr="Text&#10;&#10;Description automatically generated">
-            <a:extLst>
-              <a:ext uri="{FF2B5EF4-FFF2-40B4-BE49-F238E27FC236}">
-                <a16:creationId xmlns:a16="http://schemas.microsoft.com/office/drawing/2014/main" id="{E0F9E4B8-5089-8AA0-EC82-ACA6EE215E03}"/>
-              </a:ext>
-            </a:extLst>
-          </p:cNvPr>
-          <p:cNvPicPr>
-            <a:picLocks noChangeAspect="1"/>
-          </p:cNvPicPr>
-          <p:nvPr/>
-        </p:nvPicPr>
-        <p:blipFill>
-          <a:blip r:embed="rId2">
-            <a:extLst>
-              <a:ext uri="{28A0092B-C50C-407E-A947-70E740481C1C}">
-                <a14:useLocalDpi xmlns:a14="http://schemas.microsoft.com/office/drawing/2010/main" val="0"/>
-              </a:ext>
-            </a:extLst>
-          </a:blip>
-          <a:stretch>
-            <a:fillRect/>
-          </a:stretch>
-        </p:blipFill>
-        <p:spPr>
-          <a:xfrm>
-            <a:off x="827584" y="934099"/>
-            <a:ext cx="7772400" cy="3255871"/>
-          </a:xfrm>
-          <a:prstGeom prst="rect">
-            <a:avLst/>
-          </a:prstGeom>
-        </p:spPr>
-      </p:pic>
-      <p:sp>
-        <p:nvSpPr>
-          <p:cNvPr id="7" name="TextBox 6">
-            <a:extLst>
-              <a:ext uri="{FF2B5EF4-FFF2-40B4-BE49-F238E27FC236}">
-                <a16:creationId xmlns:a16="http://schemas.microsoft.com/office/drawing/2014/main" id="{4B9B2A7A-2EA2-3976-51F9-757502D868B3}"/>
-              </a:ext>
-            </a:extLst>
-          </p:cNvPr>
-          <p:cNvSpPr txBox="1"/>
-          <p:nvPr/>
-        </p:nvSpPr>
-        <p:spPr>
-          <a:xfrm>
-            <a:off x="611560" y="5344262"/>
-            <a:ext cx="7416824" cy="230832"/>
-          </a:xfrm>
-          <a:prstGeom prst="rect">
-            <a:avLst/>
-          </a:prstGeom>
-          <a:noFill/>
-        </p:spPr>
-        <p:txBody>
-          <a:bodyPr wrap="square">
-            <a:spAutoFit/>
-          </a:bodyPr>
-          <a:lstStyle/>
-          <a:p>
-            <a:r>
-              <a:rPr lang="en-GB" sz="900" dirty="0"/>
-              <a:t>Source: Goodfellow et al., deep Learning, https://</a:t>
-            </a:r>
-            <a:r>
-              <a:rPr lang="en-GB" sz="900" dirty="0" err="1"/>
-              <a:t>www.deeplearningbook.org</a:t>
-            </a:r>
-            <a:r>
-              <a:rPr lang="en-GB" sz="900" dirty="0"/>
-              <a:t>/contents/</a:t>
-            </a:r>
-            <a:r>
-              <a:rPr lang="en-GB" sz="900" dirty="0" err="1"/>
-              <a:t>optimization.html</a:t>
-            </a:r>
-            <a:endParaRPr lang="en-GB" sz="900" dirty="0"/>
-          </a:p>
-        </p:txBody>
-      </p:sp>
-    </p:spTree>
-    <p:extLst>
-      <p:ext uri="{BB962C8B-B14F-4D97-AF65-F5344CB8AC3E}">
-        <p14:creationId xmlns:p14="http://schemas.microsoft.com/office/powerpoint/2010/main" val="371550535"/>
       </p:ext>
     </p:extLst>
   </p:cSld>
@@ -24594,7 +24645,7 @@
           <p:cNvPr id="2" name="Title 1">
             <a:extLst>
               <a:ext uri="{FF2B5EF4-FFF2-40B4-BE49-F238E27FC236}">
-                <a16:creationId xmlns:a16="http://schemas.microsoft.com/office/drawing/2014/main" id="{CCB069E6-C546-6F2A-B812-9629E40D1779}"/>
+                <a16:creationId xmlns:a16="http://schemas.microsoft.com/office/drawing/2014/main" id="{BC1DCA67-47C8-7FFB-3D52-D2B1BC333AB0}"/>
               </a:ext>
             </a:extLst>
           </p:cNvPr>
@@ -24612,17 +24663,17 @@
           <a:p>
             <a:r>
               <a:rPr lang="en-GB" dirty="0"/>
-              <a:t>SGD with momentum</a:t>
+              <a:t>SGD</a:t>
             </a:r>
           </a:p>
         </p:txBody>
       </p:sp>
       <p:sp>
         <p:nvSpPr>
-          <p:cNvPr id="3" name="Slide Number Placeholder 2">
-            <a:extLst>
-              <a:ext uri="{FF2B5EF4-FFF2-40B4-BE49-F238E27FC236}">
-                <a16:creationId xmlns:a16="http://schemas.microsoft.com/office/drawing/2014/main" id="{F65A7361-E5E7-6D30-E8CF-6B450BFF0EFB}"/>
+          <p:cNvPr id="4" name="Slide Number Placeholder 3">
+            <a:extLst>
+              <a:ext uri="{FF2B5EF4-FFF2-40B4-BE49-F238E27FC236}">
+                <a16:creationId xmlns:a16="http://schemas.microsoft.com/office/drawing/2014/main" id="{CBE784DF-0D4C-4D2B-D531-1D7BA9A597C6}"/>
               </a:ext>
             </a:extLst>
           </p:cNvPr>
@@ -24638,7 +24689,7 @@
           <a:bodyPr/>
           <a:lstStyle/>
           <a:p>
-            <a:fld id="{BB98F552-A29D-2D4E-8192-F20670493719}" type="slidenum">
+            <a:fld id="{44E22EE9-B8A0-0641-9265-052CFE9B95A7}" type="slidenum">
               <a:rPr lang="en-GB" altLang="en-US" smtClean="0"/>
               <a:pPr/>
               <a:t>43</a:t>
@@ -24649,10 +24700,10 @@
       </p:sp>
       <p:pic>
         <p:nvPicPr>
-          <p:cNvPr id="5" name="Picture 4" descr="Text&#10;&#10;Description automatically generated">
-            <a:extLst>
-              <a:ext uri="{FF2B5EF4-FFF2-40B4-BE49-F238E27FC236}">
-                <a16:creationId xmlns:a16="http://schemas.microsoft.com/office/drawing/2014/main" id="{C23EE55B-82DB-08B4-A506-448547B4D1E4}"/>
+          <p:cNvPr id="6" name="Picture 5" descr="Text&#10;&#10;Description automatically generated">
+            <a:extLst>
+              <a:ext uri="{FF2B5EF4-FFF2-40B4-BE49-F238E27FC236}">
+                <a16:creationId xmlns:a16="http://schemas.microsoft.com/office/drawing/2014/main" id="{E0F9E4B8-5089-8AA0-EC82-ACA6EE215E03}"/>
               </a:ext>
             </a:extLst>
           </p:cNvPr>
@@ -24675,8 +24726,8 @@
         </p:blipFill>
         <p:spPr>
           <a:xfrm>
-            <a:off x="755576" y="1129308"/>
-            <a:ext cx="7772400" cy="3060905"/>
+            <a:off x="827584" y="934099"/>
+            <a:ext cx="7772400" cy="3255871"/>
           </a:xfrm>
           <a:prstGeom prst="rect">
             <a:avLst/>
@@ -24685,10 +24736,10 @@
       </p:pic>
       <p:sp>
         <p:nvSpPr>
-          <p:cNvPr id="6" name="TextBox 5">
-            <a:extLst>
-              <a:ext uri="{FF2B5EF4-FFF2-40B4-BE49-F238E27FC236}">
-                <a16:creationId xmlns:a16="http://schemas.microsoft.com/office/drawing/2014/main" id="{B6BD8A50-ADD0-A833-E957-7F4F9DA9CD45}"/>
+          <p:cNvPr id="7" name="TextBox 6">
+            <a:extLst>
+              <a:ext uri="{FF2B5EF4-FFF2-40B4-BE49-F238E27FC236}">
+                <a16:creationId xmlns:a16="http://schemas.microsoft.com/office/drawing/2014/main" id="{4B9B2A7A-2EA2-3976-51F9-757502D868B3}"/>
               </a:ext>
             </a:extLst>
           </p:cNvPr>
@@ -24734,7 +24785,7 @@
     </p:spTree>
     <p:extLst>
       <p:ext uri="{BB962C8B-B14F-4D97-AF65-F5344CB8AC3E}">
-        <p14:creationId xmlns:p14="http://schemas.microsoft.com/office/powerpoint/2010/main" val="1779096654"/>
+        <p14:creationId xmlns:p14="http://schemas.microsoft.com/office/powerpoint/2010/main" val="371550535"/>
       </p:ext>
     </p:extLst>
   </p:cSld>
@@ -24766,7 +24817,7 @@
           <p:cNvPr id="2" name="Title 1">
             <a:extLst>
               <a:ext uri="{FF2B5EF4-FFF2-40B4-BE49-F238E27FC236}">
-                <a16:creationId xmlns:a16="http://schemas.microsoft.com/office/drawing/2014/main" id="{C50D50FC-0361-B5A3-B6E0-7324DEDBC879}"/>
+                <a16:creationId xmlns:a16="http://schemas.microsoft.com/office/drawing/2014/main" id="{CCB069E6-C546-6F2A-B812-9629E40D1779}"/>
               </a:ext>
             </a:extLst>
           </p:cNvPr>
@@ -24784,13 +24835,185 @@
           <a:p>
             <a:r>
               <a:rPr lang="en-GB" dirty="0"/>
-              <a:t>Momentum*</a:t>
+              <a:t>SGD with momentum</a:t>
             </a:r>
           </a:p>
         </p:txBody>
       </p:sp>
-      <mc:AlternateContent xmlns:mc="http://schemas.openxmlformats.org/markup-compatibility/2006">
-        <mc:Choice xmlns:a14="http://schemas.microsoft.com/office/drawing/2010/main" Requires="a14">
+      <p:sp>
+        <p:nvSpPr>
+          <p:cNvPr id="3" name="Slide Number Placeholder 2">
+            <a:extLst>
+              <a:ext uri="{FF2B5EF4-FFF2-40B4-BE49-F238E27FC236}">
+                <a16:creationId xmlns:a16="http://schemas.microsoft.com/office/drawing/2014/main" id="{F65A7361-E5E7-6D30-E8CF-6B450BFF0EFB}"/>
+              </a:ext>
+            </a:extLst>
+          </p:cNvPr>
+          <p:cNvSpPr>
+            <a:spLocks noGrp="1"/>
+          </p:cNvSpPr>
+          <p:nvPr>
+            <p:ph type="sldNum" sz="quarter" idx="12"/>
+          </p:nvPr>
+        </p:nvSpPr>
+        <p:spPr/>
+        <p:txBody>
+          <a:bodyPr/>
+          <a:lstStyle/>
+          <a:p>
+            <a:fld id="{BB98F552-A29D-2D4E-8192-F20670493719}" type="slidenum">
+              <a:rPr lang="en-GB" altLang="en-US" smtClean="0"/>
+              <a:pPr/>
+              <a:t>44</a:t>
+            </a:fld>
+            <a:endParaRPr lang="en-GB" altLang="en-US" dirty="0"/>
+          </a:p>
+        </p:txBody>
+      </p:sp>
+      <p:pic>
+        <p:nvPicPr>
+          <p:cNvPr id="5" name="Picture 4" descr="Text&#10;&#10;Description automatically generated">
+            <a:extLst>
+              <a:ext uri="{FF2B5EF4-FFF2-40B4-BE49-F238E27FC236}">
+                <a16:creationId xmlns:a16="http://schemas.microsoft.com/office/drawing/2014/main" id="{C23EE55B-82DB-08B4-A506-448547B4D1E4}"/>
+              </a:ext>
+            </a:extLst>
+          </p:cNvPr>
+          <p:cNvPicPr>
+            <a:picLocks noChangeAspect="1"/>
+          </p:cNvPicPr>
+          <p:nvPr/>
+        </p:nvPicPr>
+        <p:blipFill>
+          <a:blip r:embed="rId2">
+            <a:extLst>
+              <a:ext uri="{28A0092B-C50C-407E-A947-70E740481C1C}">
+                <a14:useLocalDpi xmlns:a14="http://schemas.microsoft.com/office/drawing/2010/main" val="0"/>
+              </a:ext>
+            </a:extLst>
+          </a:blip>
+          <a:stretch>
+            <a:fillRect/>
+          </a:stretch>
+        </p:blipFill>
+        <p:spPr>
+          <a:xfrm>
+            <a:off x="755576" y="1129308"/>
+            <a:ext cx="7772400" cy="3060905"/>
+          </a:xfrm>
+          <a:prstGeom prst="rect">
+            <a:avLst/>
+          </a:prstGeom>
+        </p:spPr>
+      </p:pic>
+      <p:sp>
+        <p:nvSpPr>
+          <p:cNvPr id="6" name="TextBox 5">
+            <a:extLst>
+              <a:ext uri="{FF2B5EF4-FFF2-40B4-BE49-F238E27FC236}">
+                <a16:creationId xmlns:a16="http://schemas.microsoft.com/office/drawing/2014/main" id="{B6BD8A50-ADD0-A833-E957-7F4F9DA9CD45}"/>
+              </a:ext>
+            </a:extLst>
+          </p:cNvPr>
+          <p:cNvSpPr txBox="1"/>
+          <p:nvPr/>
+        </p:nvSpPr>
+        <p:spPr>
+          <a:xfrm>
+            <a:off x="611560" y="5344262"/>
+            <a:ext cx="7416824" cy="230832"/>
+          </a:xfrm>
+          <a:prstGeom prst="rect">
+            <a:avLst/>
+          </a:prstGeom>
+          <a:noFill/>
+        </p:spPr>
+        <p:txBody>
+          <a:bodyPr wrap="square">
+            <a:spAutoFit/>
+          </a:bodyPr>
+          <a:lstStyle/>
+          <a:p>
+            <a:r>
+              <a:rPr lang="en-GB" sz="900" dirty="0"/>
+              <a:t>Source: Goodfellow et al., deep Learning, https://</a:t>
+            </a:r>
+            <a:r>
+              <a:rPr lang="en-GB" sz="900" dirty="0" err="1"/>
+              <a:t>www.deeplearningbook.org</a:t>
+            </a:r>
+            <a:r>
+              <a:rPr lang="en-GB" sz="900" dirty="0"/>
+              <a:t>/contents/</a:t>
+            </a:r>
+            <a:r>
+              <a:rPr lang="en-GB" sz="900" dirty="0" err="1"/>
+              <a:t>optimization.html</a:t>
+            </a:r>
+            <a:endParaRPr lang="en-GB" sz="900" dirty="0"/>
+          </a:p>
+        </p:txBody>
+      </p:sp>
+    </p:spTree>
+    <p:extLst>
+      <p:ext uri="{BB962C8B-B14F-4D97-AF65-F5344CB8AC3E}">
+        <p14:creationId xmlns:p14="http://schemas.microsoft.com/office/powerpoint/2010/main" val="1779096654"/>
+      </p:ext>
+    </p:extLst>
+  </p:cSld>
+  <p:clrMapOvr>
+    <a:masterClrMapping/>
+  </p:clrMapOvr>
+</p:sld>
+</file>
+
+<file path=ppt/slides/slide45.xml><?xml version="1.0" encoding="utf-8"?>
+<p:sld xmlns:a="http://schemas.openxmlformats.org/drawingml/2006/main" xmlns:r="http://schemas.openxmlformats.org/officeDocument/2006/relationships" xmlns:p="http://schemas.openxmlformats.org/presentationml/2006/main">
+  <p:cSld>
+    <p:spTree>
+      <p:nvGrpSpPr>
+        <p:cNvPr id="1" name=""/>
+        <p:cNvGrpSpPr/>
+        <p:nvPr/>
+      </p:nvGrpSpPr>
+      <p:grpSpPr>
+        <a:xfrm>
+          <a:off x="0" y="0"/>
+          <a:ext cx="0" cy="0"/>
+          <a:chOff x="0" y="0"/>
+          <a:chExt cx="0" cy="0"/>
+        </a:xfrm>
+      </p:grpSpPr>
+      <p:sp>
+        <p:nvSpPr>
+          <p:cNvPr id="2" name="Title 1">
+            <a:extLst>
+              <a:ext uri="{FF2B5EF4-FFF2-40B4-BE49-F238E27FC236}">
+                <a16:creationId xmlns:a16="http://schemas.microsoft.com/office/drawing/2014/main" id="{C50D50FC-0361-B5A3-B6E0-7324DEDBC879}"/>
+              </a:ext>
+            </a:extLst>
+          </p:cNvPr>
+          <p:cNvSpPr>
+            <a:spLocks noGrp="1"/>
+          </p:cNvSpPr>
+          <p:nvPr>
+            <p:ph type="title"/>
+          </p:nvPr>
+        </p:nvSpPr>
+        <p:spPr/>
+        <p:txBody>
+          <a:bodyPr/>
+          <a:lstStyle/>
+          <a:p>
+            <a:r>
+              <a:rPr lang="en-GB" dirty="0"/>
+              <a:t>Momentum*</a:t>
+            </a:r>
+          </a:p>
+        </p:txBody>
+      </p:sp>
+      <mc:AlternateContent xmlns:mc="http://schemas.openxmlformats.org/markup-compatibility/2006" xmlns:a14="http://schemas.microsoft.com/office/drawing/2010/main">
+        <mc:Choice Requires="a14">
           <p:sp>
             <p:nvSpPr>
               <p:cNvPr id="3" name="Content Placeholder 2">
@@ -24848,7 +25071,7 @@
             </p:txBody>
           </p:sp>
         </mc:Choice>
-        <mc:Fallback>
+        <mc:Fallback xmlns="">
           <p:sp>
             <p:nvSpPr>
               <p:cNvPr id="3" name="Content Placeholder 2">
@@ -24912,7 +25135,7 @@
             <a:fld id="{44E22EE9-B8A0-0641-9265-052CFE9B95A7}" type="slidenum">
               <a:rPr lang="en-GB" altLang="en-US" smtClean="0"/>
               <a:pPr/>
-              <a:t>44</a:t>
+              <a:t>45</a:t>
             </a:fld>
             <a:endParaRPr lang="en-GB" altLang="en-US" dirty="0"/>
           </a:p>
@@ -24954,8 +25177,8 @@
           </a:prstGeom>
         </p:spPr>
       </p:pic>
-      <mc:AlternateContent xmlns:mc="http://schemas.openxmlformats.org/markup-compatibility/2006">
-        <mc:Choice xmlns:a14="http://schemas.microsoft.com/office/drawing/2010/main" Requires="a14">
+      <mc:AlternateContent xmlns:mc="http://schemas.openxmlformats.org/markup-compatibility/2006" xmlns:a14="http://schemas.microsoft.com/office/drawing/2010/main">
+        <mc:Choice Requires="a14">
           <p:sp>
             <p:nvSpPr>
               <p:cNvPr id="8" name="TextBox 7">
@@ -25007,7 +25230,7 @@
             </p:txBody>
           </p:sp>
         </mc:Choice>
-        <mc:Fallback>
+        <mc:Fallback xmlns="">
           <p:sp>
             <p:nvSpPr>
               <p:cNvPr id="8" name="TextBox 7">
@@ -25065,207 +25288,6 @@
 </p:sld>
 </file>
 
-<file path=ppt/slides/slide45.xml><?xml version="1.0" encoding="utf-8"?>
-<p:sld xmlns:a="http://schemas.openxmlformats.org/drawingml/2006/main" xmlns:r="http://schemas.openxmlformats.org/officeDocument/2006/relationships" xmlns:p="http://schemas.openxmlformats.org/presentationml/2006/main">
-  <p:cSld>
-    <p:spTree>
-      <p:nvGrpSpPr>
-        <p:cNvPr id="1" name=""/>
-        <p:cNvGrpSpPr/>
-        <p:nvPr/>
-      </p:nvGrpSpPr>
-      <p:grpSpPr>
-        <a:xfrm>
-          <a:off x="0" y="0"/>
-          <a:ext cx="0" cy="0"/>
-          <a:chOff x="0" y="0"/>
-          <a:chExt cx="0" cy="0"/>
-        </a:xfrm>
-      </p:grpSpPr>
-      <p:sp>
-        <p:nvSpPr>
-          <p:cNvPr id="2" name="Title 1">
-            <a:extLst>
-              <a:ext uri="{FF2B5EF4-FFF2-40B4-BE49-F238E27FC236}">
-                <a16:creationId xmlns:a16="http://schemas.microsoft.com/office/drawing/2014/main" id="{9BFA913B-648D-61AD-5F36-05D0708482A4}"/>
-              </a:ext>
-            </a:extLst>
-          </p:cNvPr>
-          <p:cNvSpPr>
-            <a:spLocks noGrp="1"/>
-          </p:cNvSpPr>
-          <p:nvPr>
-            <p:ph type="title"/>
-          </p:nvPr>
-        </p:nvSpPr>
-        <p:spPr/>
-        <p:txBody>
-          <a:bodyPr/>
-          <a:lstStyle/>
-          <a:p>
-            <a:r>
-              <a:rPr lang="en-GB" dirty="0"/>
-              <a:t>Algorithms with adaptive learning rate</a:t>
-            </a:r>
-          </a:p>
-        </p:txBody>
-      </p:sp>
-      <p:sp>
-        <p:nvSpPr>
-          <p:cNvPr id="3" name="Content Placeholder 2">
-            <a:extLst>
-              <a:ext uri="{FF2B5EF4-FFF2-40B4-BE49-F238E27FC236}">
-                <a16:creationId xmlns:a16="http://schemas.microsoft.com/office/drawing/2014/main" id="{2F34B843-7332-E984-074C-1808F9FAE8E6}"/>
-              </a:ext>
-            </a:extLst>
-          </p:cNvPr>
-          <p:cNvSpPr>
-            <a:spLocks noGrp="1"/>
-          </p:cNvSpPr>
-          <p:nvPr>
-            <p:ph idx="1"/>
-          </p:nvPr>
-        </p:nvSpPr>
-        <p:spPr/>
-        <p:txBody>
-          <a:bodyPr/>
-          <a:lstStyle/>
-          <a:p>
-            <a:pPr algn="l"/>
-            <a:r>
-              <a:rPr lang="en-GB" b="0" i="0" u="none" strike="noStrike" dirty="0">
-                <a:effectLst/>
-              </a:rPr>
-              <a:t>The </a:t>
-            </a:r>
-            <a:r>
-              <a:rPr lang="en-GB" u="none" strike="noStrike" dirty="0" err="1">
-                <a:solidFill>
-                  <a:srgbClr val="C00000"/>
-                </a:solidFill>
-                <a:effectLst/>
-              </a:rPr>
-              <a:t>AdaGrad</a:t>
-            </a:r>
-            <a:r>
-              <a:rPr lang="en-GB" dirty="0"/>
-              <a:t> </a:t>
-            </a:r>
-            <a:r>
-              <a:rPr lang="en-GB" b="0" i="0" u="none" strike="noStrike" dirty="0">
-                <a:effectLst/>
-              </a:rPr>
-              <a:t>algorithm adapts the learning rates of all model parameters by scaling them inversely proportional to the square root of the sum of all the historical squared values of the gradient (</a:t>
-            </a:r>
-            <a:r>
-              <a:rPr lang="en-GB" b="0" i="0" u="none" strike="noStrike" dirty="0" err="1">
-                <a:effectLst/>
-              </a:rPr>
-              <a:t>Duchi</a:t>
-            </a:r>
-            <a:r>
-              <a:rPr lang="en-GB" b="0" i="0" u="none" strike="noStrike" dirty="0">
-                <a:effectLst/>
-              </a:rPr>
-              <a:t> et al.,2011).</a:t>
-            </a:r>
-          </a:p>
-          <a:p>
-            <a:endParaRPr lang="en-GB" dirty="0"/>
-          </a:p>
-        </p:txBody>
-      </p:sp>
-      <p:sp>
-        <p:nvSpPr>
-          <p:cNvPr id="4" name="Slide Number Placeholder 3">
-            <a:extLst>
-              <a:ext uri="{FF2B5EF4-FFF2-40B4-BE49-F238E27FC236}">
-                <a16:creationId xmlns:a16="http://schemas.microsoft.com/office/drawing/2014/main" id="{66549B2B-9FB5-BDC5-3EB1-6EFC0D35EF4A}"/>
-              </a:ext>
-            </a:extLst>
-          </p:cNvPr>
-          <p:cNvSpPr>
-            <a:spLocks noGrp="1"/>
-          </p:cNvSpPr>
-          <p:nvPr>
-            <p:ph type="sldNum" sz="quarter" idx="12"/>
-          </p:nvPr>
-        </p:nvSpPr>
-        <p:spPr/>
-        <p:txBody>
-          <a:bodyPr/>
-          <a:lstStyle/>
-          <a:p>
-            <a:fld id="{44E22EE9-B8A0-0641-9265-052CFE9B95A7}" type="slidenum">
-              <a:rPr lang="en-GB" altLang="en-US" smtClean="0"/>
-              <a:pPr/>
-              <a:t>45</a:t>
-            </a:fld>
-            <a:endParaRPr lang="en-GB" altLang="en-US" dirty="0"/>
-          </a:p>
-        </p:txBody>
-      </p:sp>
-      <p:sp>
-        <p:nvSpPr>
-          <p:cNvPr id="5" name="TextBox 4">
-            <a:extLst>
-              <a:ext uri="{FF2B5EF4-FFF2-40B4-BE49-F238E27FC236}">
-                <a16:creationId xmlns:a16="http://schemas.microsoft.com/office/drawing/2014/main" id="{64DEE007-41D1-E7AD-C57A-6BB307250326}"/>
-              </a:ext>
-            </a:extLst>
-          </p:cNvPr>
-          <p:cNvSpPr txBox="1"/>
-          <p:nvPr/>
-        </p:nvSpPr>
-        <p:spPr>
-          <a:xfrm>
-            <a:off x="611560" y="5344262"/>
-            <a:ext cx="7416824" cy="230832"/>
-          </a:xfrm>
-          <a:prstGeom prst="rect">
-            <a:avLst/>
-          </a:prstGeom>
-          <a:noFill/>
-        </p:spPr>
-        <p:txBody>
-          <a:bodyPr wrap="square">
-            <a:spAutoFit/>
-          </a:bodyPr>
-          <a:lstStyle/>
-          <a:p>
-            <a:r>
-              <a:rPr lang="en-GB" sz="900" dirty="0"/>
-              <a:t>Source: Adapted from Goodfellow et al., deep Learning, https://</a:t>
-            </a:r>
-            <a:r>
-              <a:rPr lang="en-GB" sz="900" dirty="0" err="1"/>
-              <a:t>www.deeplearningbook.org</a:t>
-            </a:r>
-            <a:r>
-              <a:rPr lang="en-GB" sz="900" dirty="0"/>
-              <a:t>/contents/</a:t>
-            </a:r>
-            <a:r>
-              <a:rPr lang="en-GB" sz="900" dirty="0" err="1"/>
-              <a:t>optimization.html</a:t>
-            </a:r>
-            <a:endParaRPr lang="en-GB" sz="900" dirty="0"/>
-          </a:p>
-        </p:txBody>
-      </p:sp>
-    </p:spTree>
-    <p:extLst>
-      <p:ext uri="{BB962C8B-B14F-4D97-AF65-F5344CB8AC3E}">
-        <p14:creationId xmlns:p14="http://schemas.microsoft.com/office/powerpoint/2010/main" val="2885043422"/>
-      </p:ext>
-    </p:extLst>
-  </p:cSld>
-  <p:clrMapOvr>
-    <a:masterClrMapping/>
-  </p:clrMapOvr>
-</p:sld>
-</file>
-
 <file path=ppt/slides/slide46.xml><?xml version="1.0" encoding="utf-8"?>
 <p:sld xmlns:a="http://schemas.openxmlformats.org/drawingml/2006/main" xmlns:r="http://schemas.openxmlformats.org/officeDocument/2006/relationships" xmlns:p="http://schemas.openxmlformats.org/presentationml/2006/main">
   <p:cSld>
@@ -25288,7 +25310,7 @@
           <p:cNvPr id="2" name="Title 1">
             <a:extLst>
               <a:ext uri="{FF2B5EF4-FFF2-40B4-BE49-F238E27FC236}">
-                <a16:creationId xmlns:a16="http://schemas.microsoft.com/office/drawing/2014/main" id="{E952260E-BB58-D5CA-BFE8-857364A9BB81}"/>
+                <a16:creationId xmlns:a16="http://schemas.microsoft.com/office/drawing/2014/main" id="{9BFA913B-648D-61AD-5F36-05D0708482A4}"/>
               </a:ext>
             </a:extLst>
           </p:cNvPr>
@@ -25305,10 +25327,9 @@
           <a:lstStyle/>
           <a:p>
             <a:r>
-              <a:rPr lang="en-GB" dirty="0" err="1"/>
-              <a:t>RMSProp</a:t>
-            </a:r>
-            <a:endParaRPr lang="en-GB" dirty="0"/>
+              <a:rPr lang="en-GB" dirty="0"/>
+              <a:t>Algorithms with adaptive learning rate</a:t>
+            </a:r>
           </a:p>
         </p:txBody>
       </p:sp>
@@ -25317,7 +25338,7 @@
           <p:cNvPr id="3" name="Content Placeholder 2">
             <a:extLst>
               <a:ext uri="{FF2B5EF4-FFF2-40B4-BE49-F238E27FC236}">
-                <a16:creationId xmlns:a16="http://schemas.microsoft.com/office/drawing/2014/main" id="{BE93631B-D2CC-3C2C-F96E-83387A31BB81}"/>
+                <a16:creationId xmlns:a16="http://schemas.microsoft.com/office/drawing/2014/main" id="{2F34B843-7332-E984-074C-1808F9FAE8E6}"/>
               </a:ext>
             </a:extLst>
           </p:cNvPr>
@@ -25341,13 +25362,13 @@
               <a:t>The </a:t>
             </a:r>
             <a:r>
-              <a:rPr lang="en-GB" b="0" i="0" u="none" strike="noStrike" dirty="0" err="1">
+              <a:rPr lang="en-GB" u="none" strike="noStrike" dirty="0" err="1">
                 <a:solidFill>
                   <a:srgbClr val="C00000"/>
                 </a:solidFill>
                 <a:effectLst/>
               </a:rPr>
-              <a:t>RMSProp</a:t>
+              <a:t>AdaGrad</a:t>
             </a:r>
             <a:r>
               <a:rPr lang="en-GB" dirty="0"/>
@@ -25357,66 +25378,20 @@
               <a:rPr lang="en-GB" b="0" i="0" u="none" strike="noStrike" dirty="0">
                 <a:effectLst/>
               </a:rPr>
-              <a:t>algorithm (Hinton, 2012) modiﬁes </a:t>
+              <a:t>algorithm adapts the learning rates of all model parameters by scaling them inversely proportional to the square root of the sum of all the historical squared values of the gradient (</a:t>
             </a:r>
             <a:r>
               <a:rPr lang="en-GB" b="0" i="0" u="none" strike="noStrike" dirty="0" err="1">
                 <a:effectLst/>
               </a:rPr>
-              <a:t>AdaGrad</a:t>
+              <a:t>Duchi</a:t>
             </a:r>
             <a:r>
               <a:rPr lang="en-GB" b="0" i="0" u="none" strike="noStrike" dirty="0">
                 <a:effectLst/>
               </a:rPr>
-              <a:t> to perform better in the nonconvex setting by changing the gradient accumulation into an exponentially weighted moving average.</a:t>
-            </a:r>
-          </a:p>
-          <a:p>
-            <a:pPr algn="l"/>
-            <a:r>
-              <a:rPr lang="en-GB" b="0" i="0" u="none" strike="noStrike" dirty="0" err="1">
-                <a:effectLst/>
-              </a:rPr>
-              <a:t>AdaGrad</a:t>
-            </a:r>
-            <a:r>
-              <a:rPr lang="en-GB" b="0" i="0" u="none" strike="noStrike" dirty="0">
-                <a:effectLst/>
-              </a:rPr>
-              <a:t> shrinks the learning rate according to the entire history of the squared gradient and may have made the learning rate too small before arriving at such a convex structure. </a:t>
-            </a:r>
-          </a:p>
-          <a:p>
-            <a:pPr algn="l"/>
-            <a:r>
-              <a:rPr lang="en-GB" b="0" i="0" u="none" strike="noStrike" dirty="0" err="1">
-                <a:effectLst/>
-              </a:rPr>
-              <a:t>RMSProp</a:t>
-            </a:r>
-            <a:r>
-              <a:rPr lang="en-GB" b="0" i="0" u="none" strike="noStrike" dirty="0">
-                <a:effectLst/>
-              </a:rPr>
-              <a:t> uses an exponentially decaying average to discard history from the extreme past so that it can converge rapidly.</a:t>
-            </a:r>
-          </a:p>
-          <a:p>
-            <a:pPr algn="l"/>
-            <a:r>
-              <a:rPr lang="en-GB" dirty="0"/>
-              <a:t>It has a decay rate parameter. </a:t>
-            </a:r>
-            <a:endParaRPr lang="en-GB" b="0" i="0" u="none" strike="noStrike" dirty="0">
-              <a:effectLst/>
-            </a:endParaRPr>
-          </a:p>
-          <a:p>
-            <a:pPr algn="l"/>
-            <a:endParaRPr lang="en-GB" b="0" i="0" u="none" strike="noStrike" dirty="0">
-              <a:effectLst/>
-            </a:endParaRPr>
+              <a:t> et al.,2011).</a:t>
+            </a:r>
           </a:p>
           <a:p>
             <a:endParaRPr lang="en-GB" dirty="0"/>
@@ -25428,7 +25403,7 @@
           <p:cNvPr id="4" name="Slide Number Placeholder 3">
             <a:extLst>
               <a:ext uri="{FF2B5EF4-FFF2-40B4-BE49-F238E27FC236}">
-                <a16:creationId xmlns:a16="http://schemas.microsoft.com/office/drawing/2014/main" id="{09B09B26-6B81-DA97-0C9B-618D829D88AC}"/>
+                <a16:creationId xmlns:a16="http://schemas.microsoft.com/office/drawing/2014/main" id="{66549B2B-9FB5-BDC5-3EB1-6EFC0D35EF4A}"/>
               </a:ext>
             </a:extLst>
           </p:cNvPr>
@@ -25458,7 +25433,7 @@
           <p:cNvPr id="5" name="TextBox 4">
             <a:extLst>
               <a:ext uri="{FF2B5EF4-FFF2-40B4-BE49-F238E27FC236}">
-                <a16:creationId xmlns:a16="http://schemas.microsoft.com/office/drawing/2014/main" id="{85A67021-FF1F-9828-7D7E-4F076C3D01FC}"/>
+                <a16:creationId xmlns:a16="http://schemas.microsoft.com/office/drawing/2014/main" id="{64DEE007-41D1-E7AD-C57A-6BB307250326}"/>
               </a:ext>
             </a:extLst>
           </p:cNvPr>
@@ -25504,7 +25479,7 @@
     </p:spTree>
     <p:extLst>
       <p:ext uri="{BB962C8B-B14F-4D97-AF65-F5344CB8AC3E}">
-        <p14:creationId xmlns:p14="http://schemas.microsoft.com/office/powerpoint/2010/main" val="3140368991"/>
+        <p14:creationId xmlns:p14="http://schemas.microsoft.com/office/powerpoint/2010/main" val="2885043422"/>
       </p:ext>
     </p:extLst>
   </p:cSld>
@@ -25536,7 +25511,7 @@
           <p:cNvPr id="2" name="Title 1">
             <a:extLst>
               <a:ext uri="{FF2B5EF4-FFF2-40B4-BE49-F238E27FC236}">
-                <a16:creationId xmlns:a16="http://schemas.microsoft.com/office/drawing/2014/main" id="{A4875CE3-94CA-EBF7-EE00-B378B01AE0DB}"/>
+                <a16:creationId xmlns:a16="http://schemas.microsoft.com/office/drawing/2014/main" id="{E952260E-BB58-D5CA-BFE8-857364A9BB81}"/>
               </a:ext>
             </a:extLst>
           </p:cNvPr>
@@ -25553,9 +25528,10 @@
           <a:lstStyle/>
           <a:p>
             <a:r>
-              <a:rPr lang="en-GB" dirty="0"/>
-              <a:t>Adam</a:t>
-            </a:r>
+              <a:rPr lang="en-GB" dirty="0" err="1"/>
+              <a:t>RMSProp</a:t>
+            </a:r>
+            <a:endParaRPr lang="en-GB" dirty="0"/>
           </a:p>
         </p:txBody>
       </p:sp>
@@ -25564,7 +25540,7 @@
           <p:cNvPr id="3" name="Content Placeholder 2">
             <a:extLst>
               <a:ext uri="{FF2B5EF4-FFF2-40B4-BE49-F238E27FC236}">
-                <a16:creationId xmlns:a16="http://schemas.microsoft.com/office/drawing/2014/main" id="{CCCD690F-D4E4-0E1F-6F55-F77E15076322}"/>
+                <a16:creationId xmlns:a16="http://schemas.microsoft.com/office/drawing/2014/main" id="{BE93631B-D2CC-3C2C-F96E-83387A31BB81}"/>
               </a:ext>
             </a:extLst>
           </p:cNvPr>
@@ -25585,60 +25561,79 @@
               <a:rPr lang="en-GB" b="0" i="0" u="none" strike="noStrike" dirty="0">
                 <a:effectLst/>
               </a:rPr>
-              <a:t>Adam (</a:t>
+              <a:t>The </a:t>
+            </a:r>
+            <a:r>
+              <a:rPr lang="en-GB" b="0" i="0" u="none" strike="noStrike" dirty="0" err="1">
+                <a:solidFill>
+                  <a:srgbClr val="C00000"/>
+                </a:solidFill>
+                <a:effectLst/>
+              </a:rPr>
+              <a:t>RMSProp</a:t>
+            </a:r>
+            <a:r>
+              <a:rPr lang="en-GB" dirty="0"/>
+              <a:t> </a:t>
+            </a:r>
+            <a:r>
+              <a:rPr lang="en-GB" b="0" i="0" u="none" strike="noStrike" dirty="0">
+                <a:effectLst/>
+              </a:rPr>
+              <a:t>algorithm (Hinton, 2012) modiﬁes </a:t>
             </a:r>
             <a:r>
               <a:rPr lang="en-GB" b="0" i="0" u="none" strike="noStrike" dirty="0" err="1">
                 <a:effectLst/>
               </a:rPr>
-              <a:t>Kingma</a:t>
+              <a:t>AdaGrad</a:t>
             </a:r>
             <a:r>
               <a:rPr lang="en-GB" b="0" i="0" u="none" strike="noStrike" dirty="0">
                 <a:effectLst/>
               </a:rPr>
-              <a:t> and Ba, 2014) is another adaptive learning rate optimization algorithm. </a:t>
+              <a:t> to perform better in the nonconvex setting by changing the gradient accumulation into an exponentially weighted moving average.</a:t>
             </a:r>
           </a:p>
           <a:p>
             <a:pPr algn="l"/>
             <a:r>
+              <a:rPr lang="en-GB" b="0" i="0" u="none" strike="noStrike" dirty="0" err="1">
+                <a:effectLst/>
+              </a:rPr>
+              <a:t>AdaGrad</a:t>
+            </a:r>
+            <a:r>
+              <a:rPr lang="en-GB" b="0" i="0" u="none" strike="noStrike" dirty="0">
+                <a:effectLst/>
+              </a:rPr>
+              <a:t> shrinks the learning rate according to the entire history of the squared gradient and may have made the learning rate too small before arriving at such a convex structure. </a:t>
+            </a:r>
+          </a:p>
+          <a:p>
+            <a:pPr algn="l"/>
+            <a:r>
+              <a:rPr lang="en-GB" b="0" i="0" u="none" strike="noStrike" dirty="0" err="1">
+                <a:effectLst/>
+              </a:rPr>
+              <a:t>RMSProp</a:t>
+            </a:r>
+            <a:r>
+              <a:rPr lang="en-GB" b="0" i="0" u="none" strike="noStrike" dirty="0">
+                <a:effectLst/>
+              </a:rPr>
+              <a:t> uses an exponentially decaying average to discard history from the extreme past so that it can converge rapidly.</a:t>
+            </a:r>
+          </a:p>
+          <a:p>
+            <a:pPr algn="l"/>
+            <a:r>
               <a:rPr lang="en-GB" dirty="0"/>
-              <a:t>The name “Adam” derives from the phrase “adaptive moments.”</a:t>
-            </a:r>
-          </a:p>
-          <a:p>
-            <a:pPr algn="l"/>
-            <a:r>
-              <a:rPr lang="en-GB" dirty="0"/>
-              <a:t>In Adam, momentum is incorporated directly as an estimate of the ﬁrst-order moment (with exponential weighting) of the gradient. </a:t>
-            </a:r>
-          </a:p>
-          <a:p>
-            <a:pPr algn="l"/>
-            <a:r>
-              <a:rPr lang="en-GB" dirty="0"/>
-              <a:t>The most straightforward way to add momentum to </a:t>
-            </a:r>
-            <a:r>
-              <a:rPr lang="en-GB" dirty="0" err="1"/>
-              <a:t>RMSProp</a:t>
-            </a:r>
-            <a:r>
-              <a:rPr lang="en-GB" dirty="0"/>
-              <a:t> is to apply momentum to the rescaled gradients.</a:t>
-            </a:r>
-          </a:p>
-          <a:p>
-            <a:pPr algn="l"/>
-            <a:r>
-              <a:rPr lang="en-GB" dirty="0"/>
-              <a:t>Adam includes bias corrections to the estimates of both the ﬁrst-order moments (the momentum term) and the (uncentered) second-order moments to account for their initialization at the origin.</a:t>
-            </a:r>
-          </a:p>
-          <a:p>
-            <a:pPr algn="l"/>
-            <a:endParaRPr lang="en-GB" dirty="0"/>
+              <a:t>It has a decay rate parameter. </a:t>
+            </a:r>
+            <a:endParaRPr lang="en-GB" b="0" i="0" u="none" strike="noStrike" dirty="0">
+              <a:effectLst/>
+            </a:endParaRPr>
           </a:p>
           <a:p>
             <a:pPr algn="l"/>
@@ -25656,7 +25651,7 @@
           <p:cNvPr id="4" name="Slide Number Placeholder 3">
             <a:extLst>
               <a:ext uri="{FF2B5EF4-FFF2-40B4-BE49-F238E27FC236}">
-                <a16:creationId xmlns:a16="http://schemas.microsoft.com/office/drawing/2014/main" id="{4F0CDD0D-5A03-0691-6C79-53748A90D1B2}"/>
+                <a16:creationId xmlns:a16="http://schemas.microsoft.com/office/drawing/2014/main" id="{09B09B26-6B81-DA97-0C9B-618D829D88AC}"/>
               </a:ext>
             </a:extLst>
           </p:cNvPr>
@@ -25686,7 +25681,7 @@
           <p:cNvPr id="5" name="TextBox 4">
             <a:extLst>
               <a:ext uri="{FF2B5EF4-FFF2-40B4-BE49-F238E27FC236}">
-                <a16:creationId xmlns:a16="http://schemas.microsoft.com/office/drawing/2014/main" id="{273CF3E6-BD6E-B40E-0300-57D144E79C0A}"/>
+                <a16:creationId xmlns:a16="http://schemas.microsoft.com/office/drawing/2014/main" id="{85A67021-FF1F-9828-7D7E-4F076C3D01FC}"/>
               </a:ext>
             </a:extLst>
           </p:cNvPr>
@@ -25732,7 +25727,7 @@
     </p:spTree>
     <p:extLst>
       <p:ext uri="{BB962C8B-B14F-4D97-AF65-F5344CB8AC3E}">
-        <p14:creationId xmlns:p14="http://schemas.microsoft.com/office/powerpoint/2010/main" val="158054130"/>
+        <p14:creationId xmlns:p14="http://schemas.microsoft.com/office/powerpoint/2010/main" val="3140368991"/>
       </p:ext>
     </p:extLst>
   </p:cSld>
@@ -25764,7 +25759,7 @@
           <p:cNvPr id="2" name="Title 1">
             <a:extLst>
               <a:ext uri="{FF2B5EF4-FFF2-40B4-BE49-F238E27FC236}">
-                <a16:creationId xmlns:a16="http://schemas.microsoft.com/office/drawing/2014/main" id="{19C519B9-3CA5-0840-D139-3FDA7762FDE2}"/>
+                <a16:creationId xmlns:a16="http://schemas.microsoft.com/office/drawing/2014/main" id="{A4875CE3-94CA-EBF7-EE00-B378B01AE0DB}"/>
               </a:ext>
             </a:extLst>
           </p:cNvPr>
@@ -25782,17 +25777,109 @@
           <a:p>
             <a:r>
               <a:rPr lang="en-GB" dirty="0"/>
-              <a:t>Adam*</a:t>
+              <a:t>Adam</a:t>
             </a:r>
           </a:p>
         </p:txBody>
       </p:sp>
       <p:sp>
         <p:nvSpPr>
-          <p:cNvPr id="3" name="Slide Number Placeholder 2">
-            <a:extLst>
-              <a:ext uri="{FF2B5EF4-FFF2-40B4-BE49-F238E27FC236}">
-                <a16:creationId xmlns:a16="http://schemas.microsoft.com/office/drawing/2014/main" id="{ED58DB6D-C962-36FD-5B1A-7A635DCB7F1D}"/>
+          <p:cNvPr id="3" name="Content Placeholder 2">
+            <a:extLst>
+              <a:ext uri="{FF2B5EF4-FFF2-40B4-BE49-F238E27FC236}">
+                <a16:creationId xmlns:a16="http://schemas.microsoft.com/office/drawing/2014/main" id="{CCCD690F-D4E4-0E1F-6F55-F77E15076322}"/>
+              </a:ext>
+            </a:extLst>
+          </p:cNvPr>
+          <p:cNvSpPr>
+            <a:spLocks noGrp="1"/>
+          </p:cNvSpPr>
+          <p:nvPr>
+            <p:ph idx="1"/>
+          </p:nvPr>
+        </p:nvSpPr>
+        <p:spPr/>
+        <p:txBody>
+          <a:bodyPr/>
+          <a:lstStyle/>
+          <a:p>
+            <a:pPr algn="l"/>
+            <a:r>
+              <a:rPr lang="en-GB" b="0" i="0" u="none" strike="noStrike" dirty="0">
+                <a:effectLst/>
+              </a:rPr>
+              <a:t>Adam (</a:t>
+            </a:r>
+            <a:r>
+              <a:rPr lang="en-GB" b="0" i="0" u="none" strike="noStrike" dirty="0" err="1">
+                <a:effectLst/>
+              </a:rPr>
+              <a:t>Kingma</a:t>
+            </a:r>
+            <a:r>
+              <a:rPr lang="en-GB" b="0" i="0" u="none" strike="noStrike" dirty="0">
+                <a:effectLst/>
+              </a:rPr>
+              <a:t> and Ba, 2014) is another adaptive learning rate optimization algorithm. </a:t>
+            </a:r>
+          </a:p>
+          <a:p>
+            <a:pPr algn="l"/>
+            <a:r>
+              <a:rPr lang="en-GB" dirty="0"/>
+              <a:t>The name “Adam” derives from the phrase “adaptive moments.”</a:t>
+            </a:r>
+          </a:p>
+          <a:p>
+            <a:pPr algn="l"/>
+            <a:r>
+              <a:rPr lang="en-GB" dirty="0"/>
+              <a:t>In Adam, momentum is incorporated directly as an estimate of the ﬁrst-order moment (with exponential weighting) of the gradient. </a:t>
+            </a:r>
+          </a:p>
+          <a:p>
+            <a:pPr algn="l"/>
+            <a:r>
+              <a:rPr lang="en-GB" dirty="0"/>
+              <a:t>The most straightforward way to add momentum to </a:t>
+            </a:r>
+            <a:r>
+              <a:rPr lang="en-GB" dirty="0" err="1"/>
+              <a:t>RMSProp</a:t>
+            </a:r>
+            <a:r>
+              <a:rPr lang="en-GB" dirty="0"/>
+              <a:t> is to apply momentum to the rescaled gradients.</a:t>
+            </a:r>
+          </a:p>
+          <a:p>
+            <a:pPr algn="l"/>
+            <a:r>
+              <a:rPr lang="en-GB" dirty="0"/>
+              <a:t>Adam includes bias corrections to the estimates of both the ﬁrst-order moments (the momentum term) and the (uncentered) second-order moments to account for their initialization at the origin.</a:t>
+            </a:r>
+          </a:p>
+          <a:p>
+            <a:pPr algn="l"/>
+            <a:endParaRPr lang="en-GB" dirty="0"/>
+          </a:p>
+          <a:p>
+            <a:pPr algn="l"/>
+            <a:endParaRPr lang="en-GB" b="0" i="0" u="none" strike="noStrike" dirty="0">
+              <a:effectLst/>
+            </a:endParaRPr>
+          </a:p>
+          <a:p>
+            <a:endParaRPr lang="en-GB" dirty="0"/>
+          </a:p>
+        </p:txBody>
+      </p:sp>
+      <p:sp>
+        <p:nvSpPr>
+          <p:cNvPr id="4" name="Slide Number Placeholder 3">
+            <a:extLst>
+              <a:ext uri="{FF2B5EF4-FFF2-40B4-BE49-F238E27FC236}">
+                <a16:creationId xmlns:a16="http://schemas.microsoft.com/office/drawing/2014/main" id="{4F0CDD0D-5A03-0691-6C79-53748A90D1B2}"/>
               </a:ext>
             </a:extLst>
           </p:cNvPr>
@@ -25808,7 +25895,7 @@
           <a:bodyPr/>
           <a:lstStyle/>
           <a:p>
-            <a:fld id="{BB98F552-A29D-2D4E-8192-F20670493719}" type="slidenum">
+            <a:fld id="{44E22EE9-B8A0-0641-9265-052CFE9B95A7}" type="slidenum">
               <a:rPr lang="en-GB" altLang="en-US" smtClean="0"/>
               <a:pPr/>
               <a:t>48</a:t>
@@ -25819,10 +25906,10 @@
       </p:sp>
       <p:sp>
         <p:nvSpPr>
-          <p:cNvPr id="13" name="TextBox 12">
-            <a:extLst>
-              <a:ext uri="{FF2B5EF4-FFF2-40B4-BE49-F238E27FC236}">
-                <a16:creationId xmlns:a16="http://schemas.microsoft.com/office/drawing/2014/main" id="{4D19A81C-4F0F-9220-F3BA-408C15C6687D}"/>
+          <p:cNvPr id="5" name="TextBox 4">
+            <a:extLst>
+              <a:ext uri="{FF2B5EF4-FFF2-40B4-BE49-F238E27FC236}">
+                <a16:creationId xmlns:a16="http://schemas.microsoft.com/office/drawing/2014/main" id="{273CF3E6-BD6E-B40E-0300-57D144E79C0A}"/>
               </a:ext>
             </a:extLst>
           </p:cNvPr>
@@ -25831,8 +25918,8 @@
         </p:nvSpPr>
         <p:spPr>
           <a:xfrm>
-            <a:off x="457200" y="930011"/>
-            <a:ext cx="8435280" cy="1015663"/>
+            <a:off x="611560" y="5344262"/>
+            <a:ext cx="7416824" cy="230832"/>
           </a:xfrm>
           <a:prstGeom prst="rect">
             <a:avLst/>
@@ -25846,22 +25933,29 @@
           <a:lstStyle/>
           <a:p>
             <a:r>
-              <a:rPr lang="en-GB" sz="2000" b="0" i="0" u="none" strike="noStrike" dirty="0">
-                <a:effectLst/>
-                <a:latin typeface="Gill Sans MT" panose="020B0502020104020203" pitchFamily="34" charset="77"/>
-              </a:rPr>
-              <a:t>Adam uses exponential weighted moving averages (also known as leaky averaging) to obtain an estimate of both the momentum and also the second moment of the gradient. </a:t>
-            </a:r>
-            <a:endParaRPr lang="en-GB" sz="2000" dirty="0">
-              <a:latin typeface="Gill Sans MT" panose="020B0502020104020203" pitchFamily="34" charset="77"/>
-            </a:endParaRPr>
+              <a:rPr lang="en-GB" sz="900" dirty="0"/>
+              <a:t>Source: Adapted from Goodfellow et al., deep Learning, https://</a:t>
+            </a:r>
+            <a:r>
+              <a:rPr lang="en-GB" sz="900" dirty="0" err="1"/>
+              <a:t>www.deeplearningbook.org</a:t>
+            </a:r>
+            <a:r>
+              <a:rPr lang="en-GB" sz="900" dirty="0"/>
+              <a:t>/contents/</a:t>
+            </a:r>
+            <a:r>
+              <a:rPr lang="en-GB" sz="900" dirty="0" err="1"/>
+              <a:t>optimization.html</a:t>
+            </a:r>
+            <a:endParaRPr lang="en-GB" sz="900" dirty="0"/>
           </a:p>
         </p:txBody>
       </p:sp>
     </p:spTree>
     <p:extLst>
       <p:ext uri="{BB962C8B-B14F-4D97-AF65-F5344CB8AC3E}">
-        <p14:creationId xmlns:p14="http://schemas.microsoft.com/office/powerpoint/2010/main" val="124833109"/>
+        <p14:creationId xmlns:p14="http://schemas.microsoft.com/office/powerpoint/2010/main" val="158054130"/>
       </p:ext>
     </p:extLst>
   </p:cSld>
@@ -25893,7 +25987,7 @@
           <p:cNvPr id="2" name="Title 1">
             <a:extLst>
               <a:ext uri="{FF2B5EF4-FFF2-40B4-BE49-F238E27FC236}">
-                <a16:creationId xmlns:a16="http://schemas.microsoft.com/office/drawing/2014/main" id="{2B85ABA5-5C81-B9BD-8302-DDAF10AAB0B1}"/>
+                <a16:creationId xmlns:a16="http://schemas.microsoft.com/office/drawing/2014/main" id="{19C519B9-3CA5-0840-D139-3FDA7762FDE2}"/>
               </a:ext>
             </a:extLst>
           </p:cNvPr>
@@ -25921,7 +26015,7 @@
           <p:cNvPr id="3" name="Slide Number Placeholder 2">
             <a:extLst>
               <a:ext uri="{FF2B5EF4-FFF2-40B4-BE49-F238E27FC236}">
-                <a16:creationId xmlns:a16="http://schemas.microsoft.com/office/drawing/2014/main" id="{228B11F6-36DB-B6EF-2822-85DCDC12E30E}"/>
+                <a16:creationId xmlns:a16="http://schemas.microsoft.com/office/drawing/2014/main" id="{ED58DB6D-C962-36FD-5B1A-7A635DCB7F1D}"/>
               </a:ext>
             </a:extLst>
           </p:cNvPr>
@@ -25946,48 +26040,12 @@
           </a:p>
         </p:txBody>
       </p:sp>
-      <p:pic>
-        <p:nvPicPr>
-          <p:cNvPr id="9" name="Picture 8" descr="Text&#10;&#10;Description automatically generated">
-            <a:extLst>
-              <a:ext uri="{FF2B5EF4-FFF2-40B4-BE49-F238E27FC236}">
-                <a16:creationId xmlns:a16="http://schemas.microsoft.com/office/drawing/2014/main" id="{E1042FF3-06F1-D667-308D-DF3C463D4F99}"/>
-              </a:ext>
-            </a:extLst>
-          </p:cNvPr>
-          <p:cNvPicPr>
-            <a:picLocks noChangeAspect="1"/>
-          </p:cNvPicPr>
-          <p:nvPr/>
-        </p:nvPicPr>
-        <p:blipFill>
-          <a:blip r:embed="rId2">
-            <a:extLst>
-              <a:ext uri="{28A0092B-C50C-407E-A947-70E740481C1C}">
-                <a14:useLocalDpi xmlns:a14="http://schemas.microsoft.com/office/drawing/2010/main" val="0"/>
-              </a:ext>
-            </a:extLst>
-          </a:blip>
-          <a:stretch>
-            <a:fillRect/>
-          </a:stretch>
-        </p:blipFill>
-        <p:spPr>
-          <a:xfrm>
-            <a:off x="1115616" y="639464"/>
-            <a:ext cx="6178025" cy="4643561"/>
-          </a:xfrm>
-          <a:prstGeom prst="rect">
-            <a:avLst/>
-          </a:prstGeom>
-        </p:spPr>
-      </p:pic>
       <p:sp>
         <p:nvSpPr>
-          <p:cNvPr id="10" name="TextBox 9">
-            <a:extLst>
-              <a:ext uri="{FF2B5EF4-FFF2-40B4-BE49-F238E27FC236}">
-                <a16:creationId xmlns:a16="http://schemas.microsoft.com/office/drawing/2014/main" id="{68648DC7-73C9-57A3-A04F-06FB02DB43F0}"/>
+          <p:cNvPr id="13" name="TextBox 12">
+            <a:extLst>
+              <a:ext uri="{FF2B5EF4-FFF2-40B4-BE49-F238E27FC236}">
+                <a16:creationId xmlns:a16="http://schemas.microsoft.com/office/drawing/2014/main" id="{4D19A81C-4F0F-9220-F3BA-408C15C6687D}"/>
               </a:ext>
             </a:extLst>
           </p:cNvPr>
@@ -25996,8 +26054,8 @@
         </p:nvSpPr>
         <p:spPr>
           <a:xfrm>
-            <a:off x="611560" y="5344262"/>
-            <a:ext cx="7416824" cy="230832"/>
+            <a:off x="457200" y="930011"/>
+            <a:ext cx="8435280" cy="1015663"/>
           </a:xfrm>
           <a:prstGeom prst="rect">
             <a:avLst/>
@@ -26011,29 +26069,22 @@
           <a:lstStyle/>
           <a:p>
             <a:r>
-              <a:rPr lang="en-GB" sz="900" dirty="0"/>
-              <a:t>Source: Goodfellow et al., deep Learning, https://</a:t>
-            </a:r>
-            <a:r>
-              <a:rPr lang="en-GB" sz="900" dirty="0" err="1"/>
-              <a:t>www.deeplearningbook.org</a:t>
-            </a:r>
-            <a:r>
-              <a:rPr lang="en-GB" sz="900" dirty="0"/>
-              <a:t>/contents/</a:t>
-            </a:r>
-            <a:r>
-              <a:rPr lang="en-GB" sz="900" dirty="0" err="1"/>
-              <a:t>optimization.html</a:t>
-            </a:r>
-            <a:endParaRPr lang="en-GB" sz="900" dirty="0"/>
+              <a:rPr lang="en-GB" sz="2000" b="0" i="0" u="none" strike="noStrike" dirty="0">
+                <a:effectLst/>
+                <a:latin typeface="Gill Sans MT" panose="020B0502020104020203" pitchFamily="34" charset="77"/>
+              </a:rPr>
+              <a:t>Adam uses exponential weighted moving averages (also known as leaky averaging) to obtain an estimate of both the momentum and also the second moment of the gradient. </a:t>
+            </a:r>
+            <a:endParaRPr lang="en-GB" sz="2000" dirty="0">
+              <a:latin typeface="Gill Sans MT" panose="020B0502020104020203" pitchFamily="34" charset="77"/>
+            </a:endParaRPr>
           </a:p>
         </p:txBody>
       </p:sp>
     </p:spTree>
     <p:extLst>
       <p:ext uri="{BB962C8B-B14F-4D97-AF65-F5344CB8AC3E}">
-        <p14:creationId xmlns:p14="http://schemas.microsoft.com/office/powerpoint/2010/main" val="1355505584"/>
+        <p14:creationId xmlns:p14="http://schemas.microsoft.com/office/powerpoint/2010/main" val="124833109"/>
       </p:ext>
     </p:extLst>
   </p:cSld>
@@ -27638,7 +27689,7 @@
           <p:cNvPr id="2" name="Title 1">
             <a:extLst>
               <a:ext uri="{FF2B5EF4-FFF2-40B4-BE49-F238E27FC236}">
-                <a16:creationId xmlns:a16="http://schemas.microsoft.com/office/drawing/2014/main" id="{91333766-FE10-9FEE-3399-FA9A94A5C328}"/>
+                <a16:creationId xmlns:a16="http://schemas.microsoft.com/office/drawing/2014/main" id="{2B85ABA5-5C81-B9BD-8302-DDAF10AAB0B1}"/>
               </a:ext>
             </a:extLst>
           </p:cNvPr>
@@ -27656,7 +27707,7 @@
           <a:p>
             <a:r>
               <a:rPr lang="en-GB" dirty="0"/>
-              <a:t>Adam**</a:t>
+              <a:t>Adam*</a:t>
             </a:r>
           </a:p>
         </p:txBody>
@@ -27666,7 +27717,7 @@
           <p:cNvPr id="3" name="Slide Number Placeholder 2">
             <a:extLst>
               <a:ext uri="{FF2B5EF4-FFF2-40B4-BE49-F238E27FC236}">
-                <a16:creationId xmlns:a16="http://schemas.microsoft.com/office/drawing/2014/main" id="{C3C5712F-C7A5-3B52-4AC5-DA1CF39611B5}"/>
+                <a16:creationId xmlns:a16="http://schemas.microsoft.com/office/drawing/2014/main" id="{228B11F6-36DB-B6EF-2822-85DCDC12E30E}"/>
               </a:ext>
             </a:extLst>
           </p:cNvPr>
@@ -27693,10 +27744,10 @@
       </p:sp>
       <p:pic>
         <p:nvPicPr>
-          <p:cNvPr id="7" name="Picture 6" descr="Graphical user interface, text, application&#10;&#10;Description automatically generated">
-            <a:extLst>
-              <a:ext uri="{FF2B5EF4-FFF2-40B4-BE49-F238E27FC236}">
-                <a16:creationId xmlns:a16="http://schemas.microsoft.com/office/drawing/2014/main" id="{49F23DFC-D6CE-CDDD-D9A8-E5C6C98EBE64}"/>
+          <p:cNvPr id="9" name="Picture 8" descr="Text&#10;&#10;Description automatically generated">
+            <a:extLst>
+              <a:ext uri="{FF2B5EF4-FFF2-40B4-BE49-F238E27FC236}">
+                <a16:creationId xmlns:a16="http://schemas.microsoft.com/office/drawing/2014/main" id="{E1042FF3-06F1-D667-308D-DF3C463D4F99}"/>
               </a:ext>
             </a:extLst>
           </p:cNvPr>
@@ -27705,7 +27756,7 @@
           </p:cNvPicPr>
           <p:nvPr/>
         </p:nvPicPr>
-        <p:blipFill rotWithShape="1">
+        <p:blipFill>
           <a:blip r:embed="rId2">
             <a:extLst>
               <a:ext uri="{28A0092B-C50C-407E-A947-70E740481C1C}">
@@ -27713,13 +27764,14 @@
               </a:ext>
             </a:extLst>
           </a:blip>
-          <a:srcRect r="12681"/>
-          <a:stretch/>
+          <a:stretch>
+            <a:fillRect/>
+          </a:stretch>
         </p:blipFill>
         <p:spPr>
           <a:xfrm>
-            <a:off x="2843808" y="201243"/>
-            <a:ext cx="4608512" cy="5312514"/>
+            <a:off x="1115616" y="639464"/>
+            <a:ext cx="6178025" cy="4643561"/>
           </a:xfrm>
           <a:prstGeom prst="rect">
             <a:avLst/>
@@ -27728,10 +27780,10 @@
       </p:pic>
       <p:sp>
         <p:nvSpPr>
-          <p:cNvPr id="9" name="TextBox 8">
-            <a:extLst>
-              <a:ext uri="{FF2B5EF4-FFF2-40B4-BE49-F238E27FC236}">
-                <a16:creationId xmlns:a16="http://schemas.microsoft.com/office/drawing/2014/main" id="{390B251D-0B5D-A4F2-5FC9-BE81D8A6AEEA}"/>
+          <p:cNvPr id="10" name="TextBox 9">
+            <a:extLst>
+              <a:ext uri="{FF2B5EF4-FFF2-40B4-BE49-F238E27FC236}">
+                <a16:creationId xmlns:a16="http://schemas.microsoft.com/office/drawing/2014/main" id="{68648DC7-73C9-57A3-A04F-06FB02DB43F0}"/>
               </a:ext>
             </a:extLst>
           </p:cNvPr>
@@ -27740,8 +27792,8 @@
         </p:nvSpPr>
         <p:spPr>
           <a:xfrm>
-            <a:off x="251520" y="5470425"/>
-            <a:ext cx="6534472" cy="261610"/>
+            <a:off x="611560" y="5344262"/>
+            <a:ext cx="7416824" cy="230832"/>
           </a:xfrm>
           <a:prstGeom prst="rect">
             <a:avLst/>
@@ -27755,66 +27807,29 @@
           <a:lstStyle/>
           <a:p>
             <a:r>
-              <a:rPr lang="en-GB" sz="1050" dirty="0"/>
-              <a:t>See: https://</a:t>
-            </a:r>
-            <a:r>
-              <a:rPr lang="en-GB" sz="1050" dirty="0" err="1"/>
-              <a:t>pytorch.org</a:t>
-            </a:r>
-            <a:r>
-              <a:rPr lang="en-GB" sz="1050" dirty="0"/>
-              <a:t>/docs/stable/generated/</a:t>
-            </a:r>
-            <a:r>
-              <a:rPr lang="en-GB" sz="1050" dirty="0" err="1"/>
-              <a:t>torch.optim.Adam.html</a:t>
-            </a:r>
-            <a:endParaRPr lang="en-GB" sz="1050" dirty="0"/>
-          </a:p>
-        </p:txBody>
-      </p:sp>
-      <p:sp>
-        <p:nvSpPr>
-          <p:cNvPr id="4" name="TextBox 3">
-            <a:extLst>
-              <a:ext uri="{FF2B5EF4-FFF2-40B4-BE49-F238E27FC236}">
-                <a16:creationId xmlns:a16="http://schemas.microsoft.com/office/drawing/2014/main" id="{D9A59A67-D6E1-B40D-A784-D24C012F0B42}"/>
-              </a:ext>
-            </a:extLst>
-          </p:cNvPr>
-          <p:cNvSpPr txBox="1"/>
-          <p:nvPr/>
-        </p:nvSpPr>
-        <p:spPr>
-          <a:xfrm>
-            <a:off x="251520" y="1322898"/>
-            <a:ext cx="2811610" cy="1200329"/>
-          </a:xfrm>
-          <a:prstGeom prst="rect">
-            <a:avLst/>
-          </a:prstGeom>
-          <a:noFill/>
-        </p:spPr>
-        <p:txBody>
-          <a:bodyPr wrap="square" rtlCol="0">
-            <a:spAutoFit/>
-          </a:bodyPr>
-          <a:lstStyle/>
-          <a:p>
-            <a:r>
-              <a:rPr lang="en-GB" dirty="0">
-                <a:latin typeface="Gill Sans MT" panose="020B0502020104020203" pitchFamily="34" charset="77"/>
-              </a:rPr>
-              <a:t>Same as the previous slide with just different notations to show the variables and parameters.</a:t>
-            </a:r>
+              <a:rPr lang="en-GB" sz="900" dirty="0"/>
+              <a:t>Source: Goodfellow et al., deep Learning, https://</a:t>
+            </a:r>
+            <a:r>
+              <a:rPr lang="en-GB" sz="900" dirty="0" err="1"/>
+              <a:t>www.deeplearningbook.org</a:t>
+            </a:r>
+            <a:r>
+              <a:rPr lang="en-GB" sz="900" dirty="0"/>
+              <a:t>/contents/</a:t>
+            </a:r>
+            <a:r>
+              <a:rPr lang="en-GB" sz="900" dirty="0" err="1"/>
+              <a:t>optimization.html</a:t>
+            </a:r>
+            <a:endParaRPr lang="en-GB" sz="900" dirty="0"/>
           </a:p>
         </p:txBody>
       </p:sp>
     </p:spTree>
     <p:extLst>
       <p:ext uri="{BB962C8B-B14F-4D97-AF65-F5344CB8AC3E}">
-        <p14:creationId xmlns:p14="http://schemas.microsoft.com/office/powerpoint/2010/main" val="758628971"/>
+        <p14:creationId xmlns:p14="http://schemas.microsoft.com/office/powerpoint/2010/main" val="1355505584"/>
       </p:ext>
     </p:extLst>
   </p:cSld>
@@ -27846,7 +27861,7 @@
           <p:cNvPr id="2" name="Title 1">
             <a:extLst>
               <a:ext uri="{FF2B5EF4-FFF2-40B4-BE49-F238E27FC236}">
-                <a16:creationId xmlns:a16="http://schemas.microsoft.com/office/drawing/2014/main" id="{E994EDC9-1FB1-56DB-50C4-C6F53570C96D}"/>
+                <a16:creationId xmlns:a16="http://schemas.microsoft.com/office/drawing/2014/main" id="{91333766-FE10-9FEE-3399-FA9A94A5C328}"/>
               </a:ext>
             </a:extLst>
           </p:cNvPr>
@@ -27864,69 +27879,17 @@
           <a:p>
             <a:r>
               <a:rPr lang="en-GB" dirty="0"/>
-              <a:t>How to choose the number of hidden layers</a:t>
+              <a:t>Adam**</a:t>
             </a:r>
           </a:p>
         </p:txBody>
       </p:sp>
       <p:sp>
         <p:nvSpPr>
-          <p:cNvPr id="3" name="Content Placeholder 2">
-            <a:extLst>
-              <a:ext uri="{FF2B5EF4-FFF2-40B4-BE49-F238E27FC236}">
-                <a16:creationId xmlns:a16="http://schemas.microsoft.com/office/drawing/2014/main" id="{1F7C7359-681B-9616-D015-A0DE3E93B5EB}"/>
-              </a:ext>
-            </a:extLst>
-          </p:cNvPr>
-          <p:cNvSpPr>
-            <a:spLocks noGrp="1"/>
-          </p:cNvSpPr>
-          <p:nvPr>
-            <p:ph idx="1"/>
-          </p:nvPr>
-        </p:nvSpPr>
-        <p:spPr/>
-        <p:txBody>
-          <a:bodyPr/>
-          <a:lstStyle/>
-          <a:p>
-            <a:r>
-              <a:rPr lang="en-GB" dirty="0"/>
-              <a:t>This depends on the complexity of the data and the decision boundaries (i.e. how separable the data is).</a:t>
-            </a:r>
-          </a:p>
-          <a:p>
-            <a:r>
-              <a:rPr lang="en-GB" dirty="0"/>
-              <a:t>This could also depend on the number of features/dimension. </a:t>
-            </a:r>
-          </a:p>
-          <a:p>
-            <a:r>
-              <a:rPr lang="en-GB" dirty="0"/>
-              <a:t>A very basic recommendation, for less complex problems, 2 to 3 hidden layers and for more complex problems 3 to 5 hidden layers could be used.</a:t>
-            </a:r>
-          </a:p>
-          <a:p>
-            <a:r>
-              <a:rPr lang="en-GB" dirty="0"/>
-              <a:t>Several deep learning architectures use more layers; the more layers you add, the more hyperparameters to train and optimise. This adds to the complexity of your network and would impact the convergence (and overfitting) of your network. </a:t>
-            </a:r>
-          </a:p>
-          <a:p>
-            <a:r>
-              <a:rPr lang="en-GB" dirty="0"/>
-              <a:t>The number of neurons in hidden layers is also important (width) of the network. </a:t>
-            </a:r>
-          </a:p>
-        </p:txBody>
-      </p:sp>
-      <p:sp>
-        <p:nvSpPr>
-          <p:cNvPr id="4" name="Slide Number Placeholder 3">
-            <a:extLst>
-              <a:ext uri="{FF2B5EF4-FFF2-40B4-BE49-F238E27FC236}">
-                <a16:creationId xmlns:a16="http://schemas.microsoft.com/office/drawing/2014/main" id="{2C5465D0-D4A4-DEF3-9F16-7FA9A13565B5}"/>
+          <p:cNvPr id="3" name="Slide Number Placeholder 2">
+            <a:extLst>
+              <a:ext uri="{FF2B5EF4-FFF2-40B4-BE49-F238E27FC236}">
+                <a16:creationId xmlns:a16="http://schemas.microsoft.com/office/drawing/2014/main" id="{C3C5712F-C7A5-3B52-4AC5-DA1CF39611B5}"/>
               </a:ext>
             </a:extLst>
           </p:cNvPr>
@@ -27942,7 +27905,7 @@
           <a:bodyPr/>
           <a:lstStyle/>
           <a:p>
-            <a:fld id="{44E22EE9-B8A0-0641-9265-052CFE9B95A7}" type="slidenum">
+            <a:fld id="{BB98F552-A29D-2D4E-8192-F20670493719}" type="slidenum">
               <a:rPr lang="en-GB" altLang="en-US" smtClean="0"/>
               <a:pPr/>
               <a:t>51</a:t>
@@ -27951,10 +27914,130 @@
           </a:p>
         </p:txBody>
       </p:sp>
+      <p:pic>
+        <p:nvPicPr>
+          <p:cNvPr id="7" name="Picture 6" descr="Graphical user interface, text, application&#10;&#10;Description automatically generated">
+            <a:extLst>
+              <a:ext uri="{FF2B5EF4-FFF2-40B4-BE49-F238E27FC236}">
+                <a16:creationId xmlns:a16="http://schemas.microsoft.com/office/drawing/2014/main" id="{49F23DFC-D6CE-CDDD-D9A8-E5C6C98EBE64}"/>
+              </a:ext>
+            </a:extLst>
+          </p:cNvPr>
+          <p:cNvPicPr>
+            <a:picLocks noChangeAspect="1"/>
+          </p:cNvPicPr>
+          <p:nvPr/>
+        </p:nvPicPr>
+        <p:blipFill rotWithShape="1">
+          <a:blip r:embed="rId2">
+            <a:extLst>
+              <a:ext uri="{28A0092B-C50C-407E-A947-70E740481C1C}">
+                <a14:useLocalDpi xmlns:a14="http://schemas.microsoft.com/office/drawing/2010/main" val="0"/>
+              </a:ext>
+            </a:extLst>
+          </a:blip>
+          <a:srcRect r="12681"/>
+          <a:stretch/>
+        </p:blipFill>
+        <p:spPr>
+          <a:xfrm>
+            <a:off x="2843808" y="201243"/>
+            <a:ext cx="4608512" cy="5312514"/>
+          </a:xfrm>
+          <a:prstGeom prst="rect">
+            <a:avLst/>
+          </a:prstGeom>
+        </p:spPr>
+      </p:pic>
+      <p:sp>
+        <p:nvSpPr>
+          <p:cNvPr id="9" name="TextBox 8">
+            <a:extLst>
+              <a:ext uri="{FF2B5EF4-FFF2-40B4-BE49-F238E27FC236}">
+                <a16:creationId xmlns:a16="http://schemas.microsoft.com/office/drawing/2014/main" id="{390B251D-0B5D-A4F2-5FC9-BE81D8A6AEEA}"/>
+              </a:ext>
+            </a:extLst>
+          </p:cNvPr>
+          <p:cNvSpPr txBox="1"/>
+          <p:nvPr/>
+        </p:nvSpPr>
+        <p:spPr>
+          <a:xfrm>
+            <a:off x="251520" y="5470425"/>
+            <a:ext cx="6534472" cy="261610"/>
+          </a:xfrm>
+          <a:prstGeom prst="rect">
+            <a:avLst/>
+          </a:prstGeom>
+          <a:noFill/>
+        </p:spPr>
+        <p:txBody>
+          <a:bodyPr wrap="square">
+            <a:spAutoFit/>
+          </a:bodyPr>
+          <a:lstStyle/>
+          <a:p>
+            <a:r>
+              <a:rPr lang="en-GB" sz="1050" dirty="0"/>
+              <a:t>See: https://</a:t>
+            </a:r>
+            <a:r>
+              <a:rPr lang="en-GB" sz="1050" dirty="0" err="1"/>
+              <a:t>pytorch.org</a:t>
+            </a:r>
+            <a:r>
+              <a:rPr lang="en-GB" sz="1050" dirty="0"/>
+              <a:t>/docs/stable/generated/</a:t>
+            </a:r>
+            <a:r>
+              <a:rPr lang="en-GB" sz="1050" dirty="0" err="1"/>
+              <a:t>torch.optim.Adam.html</a:t>
+            </a:r>
+            <a:endParaRPr lang="en-GB" sz="1050" dirty="0"/>
+          </a:p>
+        </p:txBody>
+      </p:sp>
+      <p:sp>
+        <p:nvSpPr>
+          <p:cNvPr id="4" name="TextBox 3">
+            <a:extLst>
+              <a:ext uri="{FF2B5EF4-FFF2-40B4-BE49-F238E27FC236}">
+                <a16:creationId xmlns:a16="http://schemas.microsoft.com/office/drawing/2014/main" id="{D9A59A67-D6E1-B40D-A784-D24C012F0B42}"/>
+              </a:ext>
+            </a:extLst>
+          </p:cNvPr>
+          <p:cNvSpPr txBox="1"/>
+          <p:nvPr/>
+        </p:nvSpPr>
+        <p:spPr>
+          <a:xfrm>
+            <a:off x="251520" y="1322898"/>
+            <a:ext cx="2811610" cy="1200329"/>
+          </a:xfrm>
+          <a:prstGeom prst="rect">
+            <a:avLst/>
+          </a:prstGeom>
+          <a:noFill/>
+        </p:spPr>
+        <p:txBody>
+          <a:bodyPr wrap="square" rtlCol="0">
+            <a:spAutoFit/>
+          </a:bodyPr>
+          <a:lstStyle/>
+          <a:p>
+            <a:r>
+              <a:rPr lang="en-GB" dirty="0">
+                <a:latin typeface="Gill Sans MT" panose="020B0502020104020203" pitchFamily="34" charset="77"/>
+              </a:rPr>
+              <a:t>Same as the previous slide with just different notations to show the variables and parameters.</a:t>
+            </a:r>
+          </a:p>
+        </p:txBody>
+      </p:sp>
     </p:spTree>
     <p:extLst>
       <p:ext uri="{BB962C8B-B14F-4D97-AF65-F5344CB8AC3E}">
-        <p14:creationId xmlns:p14="http://schemas.microsoft.com/office/powerpoint/2010/main" val="925935974"/>
+        <p14:creationId xmlns:p14="http://schemas.microsoft.com/office/powerpoint/2010/main" val="758628971"/>
       </p:ext>
     </p:extLst>
   </p:cSld>
@@ -27986,7 +28069,7 @@
           <p:cNvPr id="2" name="Title 1">
             <a:extLst>
               <a:ext uri="{FF2B5EF4-FFF2-40B4-BE49-F238E27FC236}">
-                <a16:creationId xmlns:a16="http://schemas.microsoft.com/office/drawing/2014/main" id="{15D1A8DE-2C1E-6DD1-57E7-8A36003CD83B}"/>
+                <a16:creationId xmlns:a16="http://schemas.microsoft.com/office/drawing/2014/main" id="{E994EDC9-1FB1-56DB-50C4-C6F53570C96D}"/>
               </a:ext>
             </a:extLst>
           </p:cNvPr>
@@ -28004,7 +28087,7 @@
           <a:p>
             <a:r>
               <a:rPr lang="en-GB" dirty="0"/>
-              <a:t>Dropouts</a:t>
+              <a:t>How to choose the number of hidden layers</a:t>
             </a:r>
           </a:p>
         </p:txBody>
@@ -28014,7 +28097,7 @@
           <p:cNvPr id="3" name="Content Placeholder 2">
             <a:extLst>
               <a:ext uri="{FF2B5EF4-FFF2-40B4-BE49-F238E27FC236}">
-                <a16:creationId xmlns:a16="http://schemas.microsoft.com/office/drawing/2014/main" id="{DD573F29-A55F-B7FD-B367-576E9520D8DE}"/>
+                <a16:creationId xmlns:a16="http://schemas.microsoft.com/office/drawing/2014/main" id="{1F7C7359-681B-9616-D015-A0DE3E93B5EB}"/>
               </a:ext>
             </a:extLst>
           </p:cNvPr>
@@ -28032,19 +28115,31 @@
           <a:p>
             <a:r>
               <a:rPr lang="en-GB" dirty="0"/>
-              <a:t>Dropout is a regularisation technique to reduce the risk of overfitting in neural networks. </a:t>
+              <a:t>This depends on the complexity of the data and the decision boundaries (i.e. how separable the data is).</a:t>
             </a:r>
           </a:p>
           <a:p>
             <a:r>
               <a:rPr lang="en-GB" dirty="0"/>
-              <a:t>In neural networks it refers to dropping input and hidden layer nodes temporarily. </a:t>
+              <a:t>This could also depend on the number of features/dimension. </a:t>
             </a:r>
           </a:p>
           <a:p>
             <a:r>
               <a:rPr lang="en-GB" dirty="0"/>
-              <a:t>This creates a new temporary architecture by randomly dropping a percentage of the nodes during the training process.  </a:t>
+              <a:t>A very basic recommendation, for less complex problems, 2 to 3 hidden layers and for more complex problems 3 to 5 hidden layers could be used.</a:t>
+            </a:r>
+          </a:p>
+          <a:p>
+            <a:r>
+              <a:rPr lang="en-GB" dirty="0"/>
+              <a:t>Several deep learning architectures use more layers; the more layers you add, the more hyperparameters to train and optimise. This adds to the complexity of your network and would impact the convergence (and overfitting) of your network. </a:t>
+            </a:r>
+          </a:p>
+          <a:p>
+            <a:r>
+              <a:rPr lang="en-GB" dirty="0"/>
+              <a:t>The number of neurons in hidden layers is also important (width) of the network. </a:t>
             </a:r>
           </a:p>
         </p:txBody>
@@ -28054,7 +28149,7 @@
           <p:cNvPr id="4" name="Slide Number Placeholder 3">
             <a:extLst>
               <a:ext uri="{FF2B5EF4-FFF2-40B4-BE49-F238E27FC236}">
-                <a16:creationId xmlns:a16="http://schemas.microsoft.com/office/drawing/2014/main" id="{5BFB722E-4157-7FCE-67BF-341FE0A193F0}"/>
+                <a16:creationId xmlns:a16="http://schemas.microsoft.com/office/drawing/2014/main" id="{2C5465D0-D4A4-DEF3-9F16-7FA9A13565B5}"/>
               </a:ext>
             </a:extLst>
           </p:cNvPr>
@@ -28082,7 +28177,7 @@
     </p:spTree>
     <p:extLst>
       <p:ext uri="{BB962C8B-B14F-4D97-AF65-F5344CB8AC3E}">
-        <p14:creationId xmlns:p14="http://schemas.microsoft.com/office/powerpoint/2010/main" val="2284764444"/>
+        <p14:creationId xmlns:p14="http://schemas.microsoft.com/office/powerpoint/2010/main" val="925935974"/>
       </p:ext>
     </p:extLst>
   </p:cSld>
@@ -28114,7 +28209,7 @@
           <p:cNvPr id="2" name="Title 1">
             <a:extLst>
               <a:ext uri="{FF2B5EF4-FFF2-40B4-BE49-F238E27FC236}">
-                <a16:creationId xmlns:a16="http://schemas.microsoft.com/office/drawing/2014/main" id="{E417C415-CD99-1C4A-A0DE-7D0BF31D9A22}"/>
+                <a16:creationId xmlns:a16="http://schemas.microsoft.com/office/drawing/2014/main" id="{15D1A8DE-2C1E-6DD1-57E7-8A36003CD83B}"/>
               </a:ext>
             </a:extLst>
           </p:cNvPr>
@@ -28131,8 +28226,8 @@
           <a:lstStyle/>
           <a:p>
             <a:r>
-              <a:rPr lang="en-US" dirty="0"/>
-              <a:t>Dropout – philosophy </a:t>
+              <a:rPr lang="en-GB" dirty="0"/>
+              <a:t>Dropouts</a:t>
             </a:r>
           </a:p>
         </p:txBody>
@@ -28142,7 +28237,7 @@
           <p:cNvPr id="3" name="Content Placeholder 2">
             <a:extLst>
               <a:ext uri="{FF2B5EF4-FFF2-40B4-BE49-F238E27FC236}">
-                <a16:creationId xmlns:a16="http://schemas.microsoft.com/office/drawing/2014/main" id="{2069F820-089D-C846-A018-B35AF74BD8E7}"/>
+                <a16:creationId xmlns:a16="http://schemas.microsoft.com/office/drawing/2014/main" id="{DD573F29-A55F-B7FD-B367-576E9520D8DE}"/>
               </a:ext>
             </a:extLst>
           </p:cNvPr>
@@ -28159,32 +28254,20 @@
           <a:lstStyle/>
           <a:p>
             <a:r>
-              <a:rPr lang="en-US" dirty="0"/>
-              <a:t>A key idea behind applying dropout is that training a neural network with adding a stochastic </a:t>
-            </a:r>
-            <a:r>
-              <a:rPr lang="en-US" dirty="0" err="1"/>
-              <a:t>behaviour</a:t>
-            </a:r>
-            <a:r>
-              <a:rPr lang="en-US" dirty="0"/>
-              <a:t> and making predictions and averaging over multiple stochastic decisions simulate a from of bagging with parameter sharing. </a:t>
-            </a:r>
-            <a:br>
-              <a:rPr lang="en-US" dirty="0"/>
-            </a:br>
-            <a:endParaRPr lang="en-US" dirty="0"/>
-          </a:p>
-          <a:p>
-            <a:r>
-              <a:rPr lang="en-US" dirty="0"/>
-              <a:t>In Bagging (i.e., bootstrap aggregation) several models are combined to reduce the generalization error. </a:t>
-            </a:r>
-          </a:p>
-          <a:p>
-            <a:r>
-              <a:rPr lang="en-US" dirty="0"/>
-              <a:t>The idea of Bagging is to train multiple models separately, then use all the models to vote on the output for the test example. </a:t>
+              <a:rPr lang="en-GB" dirty="0"/>
+              <a:t>Dropout is a regularisation technique to reduce the risk of overfitting in neural networks. </a:t>
+            </a:r>
+          </a:p>
+          <a:p>
+            <a:r>
+              <a:rPr lang="en-GB" dirty="0"/>
+              <a:t>In neural networks it refers to dropping input and hidden layer nodes temporarily. </a:t>
+            </a:r>
+          </a:p>
+          <a:p>
+            <a:r>
+              <a:rPr lang="en-GB" dirty="0"/>
+              <a:t>This creates a new temporary architecture by randomly dropping a percentage of the nodes during the training process.  </a:t>
             </a:r>
           </a:p>
         </p:txBody>
@@ -28194,7 +28277,7 @@
           <p:cNvPr id="4" name="Slide Number Placeholder 3">
             <a:extLst>
               <a:ext uri="{FF2B5EF4-FFF2-40B4-BE49-F238E27FC236}">
-                <a16:creationId xmlns:a16="http://schemas.microsoft.com/office/drawing/2014/main" id="{BB392E95-10A7-FE45-86AE-B8B534FF88D5}"/>
+                <a16:creationId xmlns:a16="http://schemas.microsoft.com/office/drawing/2014/main" id="{5BFB722E-4157-7FCE-67BF-341FE0A193F0}"/>
               </a:ext>
             </a:extLst>
           </p:cNvPr>
@@ -28215,14 +28298,14 @@
               <a:pPr/>
               <a:t>53</a:t>
             </a:fld>
-            <a:endParaRPr lang="en-GB" altLang="en-US"/>
+            <a:endParaRPr lang="en-GB" altLang="en-US" dirty="0"/>
           </a:p>
         </p:txBody>
       </p:sp>
     </p:spTree>
     <p:extLst>
       <p:ext uri="{BB962C8B-B14F-4D97-AF65-F5344CB8AC3E}">
-        <p14:creationId xmlns:p14="http://schemas.microsoft.com/office/powerpoint/2010/main" val="161025796"/>
+        <p14:creationId xmlns:p14="http://schemas.microsoft.com/office/powerpoint/2010/main" val="2284764444"/>
       </p:ext>
     </p:extLst>
   </p:cSld>
@@ -28254,7 +28337,7 @@
           <p:cNvPr id="2" name="Title 1">
             <a:extLst>
               <a:ext uri="{FF2B5EF4-FFF2-40B4-BE49-F238E27FC236}">
-                <a16:creationId xmlns:a16="http://schemas.microsoft.com/office/drawing/2014/main" id="{F47D11AA-1D7C-3946-95CF-74F16E24AD33}"/>
+                <a16:creationId xmlns:a16="http://schemas.microsoft.com/office/drawing/2014/main" id="{E417C415-CD99-1C4A-A0DE-7D0BF31D9A22}"/>
               </a:ext>
             </a:extLst>
           </p:cNvPr>
@@ -28272,7 +28355,7 @@
           <a:p>
             <a:r>
               <a:rPr lang="en-US" dirty="0"/>
-              <a:t>Dropouts – practical notes</a:t>
+              <a:t>Dropout – philosophy </a:t>
             </a:r>
           </a:p>
         </p:txBody>
@@ -28282,7 +28365,7 @@
           <p:cNvPr id="3" name="Content Placeholder 2">
             <a:extLst>
               <a:ext uri="{FF2B5EF4-FFF2-40B4-BE49-F238E27FC236}">
-                <a16:creationId xmlns:a16="http://schemas.microsoft.com/office/drawing/2014/main" id="{4B9A335C-5133-B14E-999A-7E0AB18725CF}"/>
+                <a16:creationId xmlns:a16="http://schemas.microsoft.com/office/drawing/2014/main" id="{2069F820-089D-C846-A018-B35AF74BD8E7}"/>
               </a:ext>
             </a:extLst>
           </p:cNvPr>
@@ -28300,13 +28383,31 @@
           <a:p>
             <a:r>
               <a:rPr lang="en-US" dirty="0"/>
-              <a:t>When the training sample is very small, dropout method is not very effective. </a:t>
-            </a:r>
-          </a:p>
-          <a:p>
+              <a:t>A key idea behind applying dropout is that training a neural network with adding a stochastic </a:t>
+            </a:r>
+            <a:r>
+              <a:rPr lang="en-US" dirty="0" err="1"/>
+              <a:t>behaviour</a:t>
+            </a:r>
             <a:r>
               <a:rPr lang="en-US" dirty="0"/>
-              <a:t>When additional unlabeled samples are available,  unsupervised feature learning can improve the performance better than dropout. </a:t>
+              <a:t> and making predictions and averaging over multiple stochastic decisions simulate a from of bagging with parameter sharing. </a:t>
+            </a:r>
+            <a:br>
+              <a:rPr lang="en-US" dirty="0"/>
+            </a:br>
+            <a:endParaRPr lang="en-US" dirty="0"/>
+          </a:p>
+          <a:p>
+            <a:r>
+              <a:rPr lang="en-US" dirty="0"/>
+              <a:t>In Bagging (i.e., bootstrap aggregation) several models are combined to reduce the generalization error. </a:t>
+            </a:r>
+          </a:p>
+          <a:p>
+            <a:r>
+              <a:rPr lang="en-US" dirty="0"/>
+              <a:t>The idea of Bagging is to train multiple models separately, then use all the models to vote on the output for the test example. </a:t>
             </a:r>
           </a:p>
         </p:txBody>
@@ -28316,7 +28417,7 @@
           <p:cNvPr id="4" name="Slide Number Placeholder 3">
             <a:extLst>
               <a:ext uri="{FF2B5EF4-FFF2-40B4-BE49-F238E27FC236}">
-                <a16:creationId xmlns:a16="http://schemas.microsoft.com/office/drawing/2014/main" id="{1ACE8931-EB8D-CD41-A57D-53DE989BFFA6}"/>
+                <a16:creationId xmlns:a16="http://schemas.microsoft.com/office/drawing/2014/main" id="{BB392E95-10A7-FE45-86AE-B8B534FF88D5}"/>
               </a:ext>
             </a:extLst>
           </p:cNvPr>
@@ -28344,7 +28445,7 @@
     </p:spTree>
     <p:extLst>
       <p:ext uri="{BB962C8B-B14F-4D97-AF65-F5344CB8AC3E}">
-        <p14:creationId xmlns:p14="http://schemas.microsoft.com/office/powerpoint/2010/main" val="249466988"/>
+        <p14:creationId xmlns:p14="http://schemas.microsoft.com/office/powerpoint/2010/main" val="161025796"/>
       </p:ext>
     </p:extLst>
   </p:cSld>
@@ -28376,7 +28477,7 @@
           <p:cNvPr id="2" name="Title 1">
             <a:extLst>
               <a:ext uri="{FF2B5EF4-FFF2-40B4-BE49-F238E27FC236}">
-                <a16:creationId xmlns:a16="http://schemas.microsoft.com/office/drawing/2014/main" id="{78616E43-D9E7-EAFB-B262-A31B30E918AF}"/>
+                <a16:creationId xmlns:a16="http://schemas.microsoft.com/office/drawing/2014/main" id="{F47D11AA-1D7C-3946-95CF-74F16E24AD33}"/>
               </a:ext>
             </a:extLst>
           </p:cNvPr>
@@ -28393,8 +28494,42 @@
           <a:lstStyle/>
           <a:p>
             <a:r>
-              <a:rPr lang="en-GB" dirty="0"/>
-              <a:t>Example - 1</a:t>
+              <a:rPr lang="en-US" dirty="0"/>
+              <a:t>Dropouts – practical notes</a:t>
+            </a:r>
+          </a:p>
+        </p:txBody>
+      </p:sp>
+      <p:sp>
+        <p:nvSpPr>
+          <p:cNvPr id="3" name="Content Placeholder 2">
+            <a:extLst>
+              <a:ext uri="{FF2B5EF4-FFF2-40B4-BE49-F238E27FC236}">
+                <a16:creationId xmlns:a16="http://schemas.microsoft.com/office/drawing/2014/main" id="{4B9A335C-5133-B14E-999A-7E0AB18725CF}"/>
+              </a:ext>
+            </a:extLst>
+          </p:cNvPr>
+          <p:cNvSpPr>
+            <a:spLocks noGrp="1"/>
+          </p:cNvSpPr>
+          <p:nvPr>
+            <p:ph idx="1"/>
+          </p:nvPr>
+        </p:nvSpPr>
+        <p:spPr/>
+        <p:txBody>
+          <a:bodyPr/>
+          <a:lstStyle/>
+          <a:p>
+            <a:r>
+              <a:rPr lang="en-US" dirty="0"/>
+              <a:t>When the training sample is very small, dropout method is not very effective. </a:t>
+            </a:r>
+          </a:p>
+          <a:p>
+            <a:r>
+              <a:rPr lang="en-US" dirty="0"/>
+              <a:t>When additional unlabeled samples are available, unsupervised feature learning can improve the performance better than dropout. </a:t>
             </a:r>
           </a:p>
         </p:txBody>
@@ -28404,7 +28539,7 @@
           <p:cNvPr id="4" name="Slide Number Placeholder 3">
             <a:extLst>
               <a:ext uri="{FF2B5EF4-FFF2-40B4-BE49-F238E27FC236}">
-                <a16:creationId xmlns:a16="http://schemas.microsoft.com/office/drawing/2014/main" id="{4864D2B5-AE09-EBF0-4970-14A56F072F71}"/>
+                <a16:creationId xmlns:a16="http://schemas.microsoft.com/office/drawing/2014/main" id="{1ACE8931-EB8D-CD41-A57D-53DE989BFFA6}"/>
               </a:ext>
             </a:extLst>
           </p:cNvPr>
@@ -28425,50 +28560,14 @@
               <a:pPr/>
               <a:t>55</a:t>
             </a:fld>
-            <a:endParaRPr lang="en-GB" altLang="en-US" dirty="0"/>
+            <a:endParaRPr lang="en-GB" altLang="en-US"/>
           </a:p>
         </p:txBody>
       </p:sp>
-      <p:pic>
-        <p:nvPicPr>
-          <p:cNvPr id="6" name="Picture 5" descr="Diagram&#10;&#10;Description automatically generated">
-            <a:extLst>
-              <a:ext uri="{FF2B5EF4-FFF2-40B4-BE49-F238E27FC236}">
-                <a16:creationId xmlns:a16="http://schemas.microsoft.com/office/drawing/2014/main" id="{A44E03E5-18C4-DDFA-77C6-DFCA035E494B}"/>
-              </a:ext>
-            </a:extLst>
-          </p:cNvPr>
-          <p:cNvPicPr>
-            <a:picLocks noChangeAspect="1"/>
-          </p:cNvPicPr>
-          <p:nvPr/>
-        </p:nvPicPr>
-        <p:blipFill>
-          <a:blip r:embed="rId2">
-            <a:extLst>
-              <a:ext uri="{28A0092B-C50C-407E-A947-70E740481C1C}">
-                <a14:useLocalDpi xmlns:a14="http://schemas.microsoft.com/office/drawing/2010/main" val="0"/>
-              </a:ext>
-            </a:extLst>
-          </a:blip>
-          <a:stretch>
-            <a:fillRect/>
-          </a:stretch>
-        </p:blipFill>
-        <p:spPr>
-          <a:xfrm>
-            <a:off x="685800" y="1417340"/>
-            <a:ext cx="7772400" cy="2303284"/>
-          </a:xfrm>
-          <a:prstGeom prst="rect">
-            <a:avLst/>
-          </a:prstGeom>
-        </p:spPr>
-      </p:pic>
     </p:spTree>
     <p:extLst>
       <p:ext uri="{BB962C8B-B14F-4D97-AF65-F5344CB8AC3E}">
-        <p14:creationId xmlns:p14="http://schemas.microsoft.com/office/powerpoint/2010/main" val="240174982"/>
+        <p14:creationId xmlns:p14="http://schemas.microsoft.com/office/powerpoint/2010/main" val="249466988"/>
       </p:ext>
     </p:extLst>
   </p:cSld>
@@ -28500,7 +28599,7 @@
           <p:cNvPr id="2" name="Title 1">
             <a:extLst>
               <a:ext uri="{FF2B5EF4-FFF2-40B4-BE49-F238E27FC236}">
-                <a16:creationId xmlns:a16="http://schemas.microsoft.com/office/drawing/2014/main" id="{6559DECC-2000-3CD9-3EA1-DD3CF1A76BAC}"/>
+                <a16:creationId xmlns:a16="http://schemas.microsoft.com/office/drawing/2014/main" id="{78616E43-D9E7-EAFB-B262-A31B30E918AF}"/>
               </a:ext>
             </a:extLst>
           </p:cNvPr>
@@ -28518,17 +28617,17 @@
           <a:p>
             <a:r>
               <a:rPr lang="en-GB" dirty="0"/>
-              <a:t>Example -2</a:t>
+              <a:t>Example - 1</a:t>
             </a:r>
           </a:p>
         </p:txBody>
       </p:sp>
       <p:sp>
         <p:nvSpPr>
-          <p:cNvPr id="3" name="Slide Number Placeholder 2">
-            <a:extLst>
-              <a:ext uri="{FF2B5EF4-FFF2-40B4-BE49-F238E27FC236}">
-                <a16:creationId xmlns:a16="http://schemas.microsoft.com/office/drawing/2014/main" id="{140944EA-A188-89FB-9F9D-2230006EF847}"/>
+          <p:cNvPr id="4" name="Slide Number Placeholder 3">
+            <a:extLst>
+              <a:ext uri="{FF2B5EF4-FFF2-40B4-BE49-F238E27FC236}">
+                <a16:creationId xmlns:a16="http://schemas.microsoft.com/office/drawing/2014/main" id="{4864D2B5-AE09-EBF0-4970-14A56F072F71}"/>
               </a:ext>
             </a:extLst>
           </p:cNvPr>
@@ -28544,7 +28643,7 @@
           <a:bodyPr/>
           <a:lstStyle/>
           <a:p>
-            <a:fld id="{BB98F552-A29D-2D4E-8192-F20670493719}" type="slidenum">
+            <a:fld id="{44E22EE9-B8A0-0641-9265-052CFE9B95A7}" type="slidenum">
               <a:rPr lang="en-GB" altLang="en-US" smtClean="0"/>
               <a:pPr/>
               <a:t>56</a:t>
@@ -28555,10 +28654,10 @@
       </p:sp>
       <p:pic>
         <p:nvPicPr>
-          <p:cNvPr id="4" name="Picture 3" descr="Diagram&#10;&#10;Description automatically generated">
-            <a:extLst>
-              <a:ext uri="{FF2B5EF4-FFF2-40B4-BE49-F238E27FC236}">
-                <a16:creationId xmlns:a16="http://schemas.microsoft.com/office/drawing/2014/main" id="{BB3D4226-A77B-ED36-9701-4BDEA821D450}"/>
+          <p:cNvPr id="6" name="Picture 5" descr="Diagram&#10;&#10;Description automatically generated">
+            <a:extLst>
+              <a:ext uri="{FF2B5EF4-FFF2-40B4-BE49-F238E27FC236}">
+                <a16:creationId xmlns:a16="http://schemas.microsoft.com/office/drawing/2014/main" id="{A44E03E5-18C4-DDFA-77C6-DFCA035E494B}"/>
               </a:ext>
             </a:extLst>
           </p:cNvPr>
@@ -28581,8 +28680,8 @@
         </p:blipFill>
         <p:spPr>
           <a:xfrm>
-            <a:off x="884997" y="646002"/>
-            <a:ext cx="7772400" cy="4672124"/>
+            <a:off x="685800" y="1417340"/>
+            <a:ext cx="7772400" cy="2303284"/>
           </a:xfrm>
           <a:prstGeom prst="rect">
             <a:avLst/>
@@ -28592,7 +28691,7 @@
     </p:spTree>
     <p:extLst>
       <p:ext uri="{BB962C8B-B14F-4D97-AF65-F5344CB8AC3E}">
-        <p14:creationId xmlns:p14="http://schemas.microsoft.com/office/powerpoint/2010/main" val="3748472536"/>
+        <p14:creationId xmlns:p14="http://schemas.microsoft.com/office/powerpoint/2010/main" val="240174982"/>
       </p:ext>
     </p:extLst>
   </p:cSld>
@@ -28624,7 +28723,7 @@
           <p:cNvPr id="2" name="Title 1">
             <a:extLst>
               <a:ext uri="{FF2B5EF4-FFF2-40B4-BE49-F238E27FC236}">
-                <a16:creationId xmlns:a16="http://schemas.microsoft.com/office/drawing/2014/main" id="{734F6EA2-14BC-76D1-379F-525047DC6695}"/>
+                <a16:creationId xmlns:a16="http://schemas.microsoft.com/office/drawing/2014/main" id="{6559DECC-2000-3CD9-3EA1-DD3CF1A76BAC}"/>
               </a:ext>
             </a:extLst>
           </p:cNvPr>
@@ -28635,19 +28734,14 @@
             <p:ph type="title"/>
           </p:nvPr>
         </p:nvSpPr>
-        <p:spPr>
-          <a:xfrm>
-            <a:off x="683568" y="1904999"/>
-            <a:ext cx="8229600" cy="952501"/>
-          </a:xfrm>
-        </p:spPr>
+        <p:spPr/>
         <p:txBody>
           <a:bodyPr/>
           <a:lstStyle/>
           <a:p>
             <a:r>
               <a:rPr lang="en-GB" dirty="0"/>
-              <a:t>Review questions</a:t>
+              <a:t>Example -2</a:t>
             </a:r>
           </a:p>
         </p:txBody>
@@ -28657,7 +28751,7 @@
           <p:cNvPr id="3" name="Slide Number Placeholder 2">
             <a:extLst>
               <a:ext uri="{FF2B5EF4-FFF2-40B4-BE49-F238E27FC236}">
-                <a16:creationId xmlns:a16="http://schemas.microsoft.com/office/drawing/2014/main" id="{C6CCE4F5-FE1F-EFA2-7A2E-4EEC1B2D06B4}"/>
+                <a16:creationId xmlns:a16="http://schemas.microsoft.com/office/drawing/2014/main" id="{140944EA-A188-89FB-9F9D-2230006EF847}"/>
               </a:ext>
             </a:extLst>
           </p:cNvPr>
@@ -28682,65 +28776,12 @@
           </a:p>
         </p:txBody>
       </p:sp>
-      <p:sp>
-        <p:nvSpPr>
-          <p:cNvPr id="4" name="TextBox 3">
-            <a:extLst>
-              <a:ext uri="{FF2B5EF4-FFF2-40B4-BE49-F238E27FC236}">
-                <a16:creationId xmlns:a16="http://schemas.microsoft.com/office/drawing/2014/main" id="{8314E32F-EC5E-BD2C-CA3D-3FA8B318C09D}"/>
-              </a:ext>
-            </a:extLst>
-          </p:cNvPr>
-          <p:cNvSpPr txBox="1"/>
-          <p:nvPr/>
-        </p:nvSpPr>
-        <p:spPr>
-          <a:xfrm>
-            <a:off x="683568" y="3903147"/>
-            <a:ext cx="2885085" cy="369332"/>
-          </a:xfrm>
-          <a:prstGeom prst="rect">
-            <a:avLst/>
-          </a:prstGeom>
-          <a:noFill/>
-        </p:spPr>
-        <p:txBody>
-          <a:bodyPr wrap="none" rtlCol="0">
-            <a:spAutoFit/>
-          </a:bodyPr>
-          <a:lstStyle/>
-          <a:p>
-            <a:r>
-              <a:rPr lang="en-GB" dirty="0" err="1">
-                <a:solidFill>
-                  <a:srgbClr val="003D7D"/>
-                </a:solidFill>
-                <a:latin typeface="Gill Sans MT" panose="020B0502020104020203" pitchFamily="34" charset="77"/>
-                <a:ea typeface="ＭＳ Ｐゴシック" charset="0"/>
-                <a:cs typeface="+mj-cs"/>
-              </a:rPr>
-              <a:t>Mentimeter</a:t>
-            </a:r>
-            <a:r>
-              <a:rPr lang="en-GB" dirty="0">
-                <a:solidFill>
-                  <a:srgbClr val="003D7D"/>
-                </a:solidFill>
-                <a:latin typeface="Gill Sans MT" panose="020B0502020104020203" pitchFamily="34" charset="77"/>
-                <a:ea typeface="ＭＳ Ｐゴシック" charset="0"/>
-                <a:cs typeface="+mj-cs"/>
-              </a:rPr>
-              <a:t> code: 5825 9955</a:t>
-            </a:r>
-          </a:p>
-        </p:txBody>
-      </p:sp>
       <p:pic>
         <p:nvPicPr>
-          <p:cNvPr id="6" name="Picture 5" descr="Qr code&#10;&#10;Description automatically generated">
-            <a:extLst>
-              <a:ext uri="{FF2B5EF4-FFF2-40B4-BE49-F238E27FC236}">
-                <a16:creationId xmlns:a16="http://schemas.microsoft.com/office/drawing/2014/main" id="{52F5BE60-0106-7B0F-EA15-75070BC2AFB7}"/>
+          <p:cNvPr id="4" name="Picture 3" descr="Diagram&#10;&#10;Description automatically generated">
+            <a:extLst>
+              <a:ext uri="{FF2B5EF4-FFF2-40B4-BE49-F238E27FC236}">
+                <a16:creationId xmlns:a16="http://schemas.microsoft.com/office/drawing/2014/main" id="{BB3D4226-A77B-ED36-9701-4BDEA821D450}"/>
               </a:ext>
             </a:extLst>
           </p:cNvPr>
@@ -28763,8 +28804,8 @@
         </p:blipFill>
         <p:spPr>
           <a:xfrm>
-            <a:off x="5594994" y="1959098"/>
-            <a:ext cx="2698602" cy="2698602"/>
+            <a:off x="884997" y="646002"/>
+            <a:ext cx="7772400" cy="4672124"/>
           </a:xfrm>
           <a:prstGeom prst="rect">
             <a:avLst/>
@@ -28774,7 +28815,7 @@
     </p:spTree>
     <p:extLst>
       <p:ext uri="{BB962C8B-B14F-4D97-AF65-F5344CB8AC3E}">
-        <p14:creationId xmlns:p14="http://schemas.microsoft.com/office/powerpoint/2010/main" val="433404740"/>
+        <p14:creationId xmlns:p14="http://schemas.microsoft.com/office/powerpoint/2010/main" val="3748472536"/>
       </p:ext>
     </p:extLst>
   </p:cSld>
@@ -28806,7 +28847,7 @@
           <p:cNvPr id="2" name="Title 1">
             <a:extLst>
               <a:ext uri="{FF2B5EF4-FFF2-40B4-BE49-F238E27FC236}">
-                <a16:creationId xmlns:a16="http://schemas.microsoft.com/office/drawing/2014/main" id="{8021B0F2-3821-CD3D-B330-CD4F2421D36A}"/>
+                <a16:creationId xmlns:a16="http://schemas.microsoft.com/office/drawing/2014/main" id="{734F6EA2-14BC-76D1-379F-525047DC6695}"/>
               </a:ext>
             </a:extLst>
           </p:cNvPr>
@@ -28817,52 +28858,29 @@
             <p:ph type="title"/>
           </p:nvPr>
         </p:nvSpPr>
-        <p:spPr/>
+        <p:spPr>
+          <a:xfrm>
+            <a:off x="683568" y="1904999"/>
+            <a:ext cx="8229600" cy="952501"/>
+          </a:xfrm>
+        </p:spPr>
         <p:txBody>
           <a:bodyPr/>
           <a:lstStyle/>
           <a:p>
             <a:r>
               <a:rPr lang="en-GB" dirty="0"/>
-              <a:t>Q1</a:t>
+              <a:t>Review questions</a:t>
             </a:r>
           </a:p>
         </p:txBody>
       </p:sp>
       <p:sp>
         <p:nvSpPr>
-          <p:cNvPr id="3" name="Content Placeholder 2">
-            <a:extLst>
-              <a:ext uri="{FF2B5EF4-FFF2-40B4-BE49-F238E27FC236}">
-                <a16:creationId xmlns:a16="http://schemas.microsoft.com/office/drawing/2014/main" id="{DCC699EC-FACD-9F52-BC28-40113A709968}"/>
-              </a:ext>
-            </a:extLst>
-          </p:cNvPr>
-          <p:cNvSpPr>
-            <a:spLocks noGrp="1"/>
-          </p:cNvSpPr>
-          <p:nvPr>
-            <p:ph idx="1"/>
-          </p:nvPr>
-        </p:nvSpPr>
-        <p:spPr/>
-        <p:txBody>
-          <a:bodyPr/>
-          <a:lstStyle/>
-          <a:p>
-            <a:r>
-              <a:rPr lang="en-GB" dirty="0"/>
-              <a:t>What could be the purpose of a NN architecture like this? </a:t>
-            </a:r>
-          </a:p>
-        </p:txBody>
-      </p:sp>
-      <p:sp>
-        <p:nvSpPr>
-          <p:cNvPr id="4" name="Slide Number Placeholder 3">
-            <a:extLst>
-              <a:ext uri="{FF2B5EF4-FFF2-40B4-BE49-F238E27FC236}">
-                <a16:creationId xmlns:a16="http://schemas.microsoft.com/office/drawing/2014/main" id="{76D314E9-EACD-0287-4107-3D552A2EEA66}"/>
+          <p:cNvPr id="3" name="Slide Number Placeholder 2">
+            <a:extLst>
+              <a:ext uri="{FF2B5EF4-FFF2-40B4-BE49-F238E27FC236}">
+                <a16:creationId xmlns:a16="http://schemas.microsoft.com/office/drawing/2014/main" id="{C6CCE4F5-FE1F-EFA2-7A2E-4EEC1B2D06B4}"/>
               </a:ext>
             </a:extLst>
           </p:cNvPr>
@@ -28878,7 +28896,7 @@
           <a:bodyPr/>
           <a:lstStyle/>
           <a:p>
-            <a:fld id="{44E22EE9-B8A0-0641-9265-052CFE9B95A7}" type="slidenum">
+            <a:fld id="{BB98F552-A29D-2D4E-8192-F20670493719}" type="slidenum">
               <a:rPr lang="en-GB" altLang="en-US" smtClean="0"/>
               <a:pPr/>
               <a:t>58</a:t>
@@ -28887,12 +28905,65 @@
           </a:p>
         </p:txBody>
       </p:sp>
+      <p:sp>
+        <p:nvSpPr>
+          <p:cNvPr id="4" name="TextBox 3">
+            <a:extLst>
+              <a:ext uri="{FF2B5EF4-FFF2-40B4-BE49-F238E27FC236}">
+                <a16:creationId xmlns:a16="http://schemas.microsoft.com/office/drawing/2014/main" id="{8314E32F-EC5E-BD2C-CA3D-3FA8B318C09D}"/>
+              </a:ext>
+            </a:extLst>
+          </p:cNvPr>
+          <p:cNvSpPr txBox="1"/>
+          <p:nvPr/>
+        </p:nvSpPr>
+        <p:spPr>
+          <a:xfrm>
+            <a:off x="683568" y="3903147"/>
+            <a:ext cx="2885085" cy="369332"/>
+          </a:xfrm>
+          <a:prstGeom prst="rect">
+            <a:avLst/>
+          </a:prstGeom>
+          <a:noFill/>
+        </p:spPr>
+        <p:txBody>
+          <a:bodyPr wrap="none" rtlCol="0">
+            <a:spAutoFit/>
+          </a:bodyPr>
+          <a:lstStyle/>
+          <a:p>
+            <a:r>
+              <a:rPr lang="en-GB" dirty="0" err="1">
+                <a:solidFill>
+                  <a:srgbClr val="003D7D"/>
+                </a:solidFill>
+                <a:latin typeface="Gill Sans MT" panose="020B0502020104020203" pitchFamily="34" charset="77"/>
+                <a:ea typeface="ＭＳ Ｐゴシック" charset="0"/>
+                <a:cs typeface="+mj-cs"/>
+              </a:rPr>
+              <a:t>Mentimeter</a:t>
+            </a:r>
+            <a:r>
+              <a:rPr lang="en-GB" dirty="0">
+                <a:solidFill>
+                  <a:srgbClr val="003D7D"/>
+                </a:solidFill>
+                <a:latin typeface="Gill Sans MT" panose="020B0502020104020203" pitchFamily="34" charset="77"/>
+                <a:ea typeface="ＭＳ Ｐゴシック" charset="0"/>
+                <a:cs typeface="+mj-cs"/>
+              </a:rPr>
+              <a:t> code: 5825 9955</a:t>
+            </a:r>
+          </a:p>
+        </p:txBody>
+      </p:sp>
       <p:pic>
         <p:nvPicPr>
-          <p:cNvPr id="8" name="Picture 7" descr="Diagram&#10;&#10;Description automatically generated">
-            <a:extLst>
-              <a:ext uri="{FF2B5EF4-FFF2-40B4-BE49-F238E27FC236}">
-                <a16:creationId xmlns:a16="http://schemas.microsoft.com/office/drawing/2014/main" id="{C97288C9-9E88-B6B0-F7F8-6C441D2B8B85}"/>
+          <p:cNvPr id="6" name="Picture 5" descr="Qr code&#10;&#10;Description automatically generated">
+            <a:extLst>
+              <a:ext uri="{FF2B5EF4-FFF2-40B4-BE49-F238E27FC236}">
+                <a16:creationId xmlns:a16="http://schemas.microsoft.com/office/drawing/2014/main" id="{52F5BE60-0106-7B0F-EA15-75070BC2AFB7}"/>
               </a:ext>
             </a:extLst>
           </p:cNvPr>
@@ -28915,8 +28986,8 @@
         </p:blipFill>
         <p:spPr>
           <a:xfrm>
-            <a:off x="611560" y="1417340"/>
-            <a:ext cx="7772400" cy="3139314"/>
+            <a:off x="5594994" y="1959098"/>
+            <a:ext cx="2698602" cy="2698602"/>
           </a:xfrm>
           <a:prstGeom prst="rect">
             <a:avLst/>
@@ -28926,7 +28997,7 @@
     </p:spTree>
     <p:extLst>
       <p:ext uri="{BB962C8B-B14F-4D97-AF65-F5344CB8AC3E}">
-        <p14:creationId xmlns:p14="http://schemas.microsoft.com/office/powerpoint/2010/main" val="4202234545"/>
+        <p14:creationId xmlns:p14="http://schemas.microsoft.com/office/powerpoint/2010/main" val="433404740"/>
       </p:ext>
     </p:extLst>
   </p:cSld>
@@ -28958,7 +29029,7 @@
           <p:cNvPr id="2" name="Title 1">
             <a:extLst>
               <a:ext uri="{FF2B5EF4-FFF2-40B4-BE49-F238E27FC236}">
-                <a16:creationId xmlns:a16="http://schemas.microsoft.com/office/drawing/2014/main" id="{814CF8EF-3CAD-00AF-7B8A-A1D562022048}"/>
+                <a16:creationId xmlns:a16="http://schemas.microsoft.com/office/drawing/2014/main" id="{8021B0F2-3821-CD3D-B330-CD4F2421D36A}"/>
               </a:ext>
             </a:extLst>
           </p:cNvPr>
@@ -28976,7 +29047,7 @@
           <a:p>
             <a:r>
               <a:rPr lang="en-GB" dirty="0"/>
-              <a:t>Q2</a:t>
+              <a:t>Q1</a:t>
             </a:r>
           </a:p>
         </p:txBody>
@@ -28986,7 +29057,7 @@
           <p:cNvPr id="3" name="Content Placeholder 2">
             <a:extLst>
               <a:ext uri="{FF2B5EF4-FFF2-40B4-BE49-F238E27FC236}">
-                <a16:creationId xmlns:a16="http://schemas.microsoft.com/office/drawing/2014/main" id="{FCF7E818-E523-E292-D896-F6A80494E7E2}"/>
+                <a16:creationId xmlns:a16="http://schemas.microsoft.com/office/drawing/2014/main" id="{DCC699EC-FACD-9F52-BC28-40113A709968}"/>
               </a:ext>
             </a:extLst>
           </p:cNvPr>
@@ -29004,35 +29075,7 @@
           <a:p>
             <a:r>
               <a:rPr lang="en-GB" dirty="0"/>
-              <a:t>Which of these will not improve the convergence of a neural networks model?</a:t>
-            </a:r>
-          </a:p>
-          <a:p>
-            <a:pPr lvl="1"/>
-            <a:r>
-              <a:rPr lang="en-GB" dirty="0"/>
-              <a:t>Adaptive learning rate</a:t>
-            </a:r>
-          </a:p>
-          <a:p>
-            <a:pPr lvl="1"/>
-            <a:r>
-              <a:rPr lang="en-GB" dirty="0"/>
-              <a:t>Data normalisation</a:t>
-            </a:r>
-          </a:p>
-          <a:p>
-            <a:pPr lvl="1"/>
-            <a:r>
-              <a:rPr lang="en-GB" dirty="0"/>
-              <a:t>Using an optimiser method</a:t>
-            </a:r>
-          </a:p>
-          <a:p>
-            <a:pPr lvl="1"/>
-            <a:r>
-              <a:rPr lang="en-GB" dirty="0"/>
-              <a:t>Initialising all the weights to zero (zero initialisation)</a:t>
+              <a:t>What could be the purpose of a NN architecture like this? </a:t>
             </a:r>
           </a:p>
         </p:txBody>
@@ -29042,7 +29085,7 @@
           <p:cNvPr id="4" name="Slide Number Placeholder 3">
             <a:extLst>
               <a:ext uri="{FF2B5EF4-FFF2-40B4-BE49-F238E27FC236}">
-                <a16:creationId xmlns:a16="http://schemas.microsoft.com/office/drawing/2014/main" id="{A0B2D7BF-80DB-160C-C9DE-D82E4E21E51E}"/>
+                <a16:creationId xmlns:a16="http://schemas.microsoft.com/office/drawing/2014/main" id="{76D314E9-EACD-0287-4107-3D552A2EEA66}"/>
               </a:ext>
             </a:extLst>
           </p:cNvPr>
@@ -29067,10 +29110,46 @@
           </a:p>
         </p:txBody>
       </p:sp>
+      <p:pic>
+        <p:nvPicPr>
+          <p:cNvPr id="8" name="Picture 7" descr="Diagram&#10;&#10;Description automatically generated">
+            <a:extLst>
+              <a:ext uri="{FF2B5EF4-FFF2-40B4-BE49-F238E27FC236}">
+                <a16:creationId xmlns:a16="http://schemas.microsoft.com/office/drawing/2014/main" id="{C97288C9-9E88-B6B0-F7F8-6C441D2B8B85}"/>
+              </a:ext>
+            </a:extLst>
+          </p:cNvPr>
+          <p:cNvPicPr>
+            <a:picLocks noChangeAspect="1"/>
+          </p:cNvPicPr>
+          <p:nvPr/>
+        </p:nvPicPr>
+        <p:blipFill>
+          <a:blip r:embed="rId2">
+            <a:extLst>
+              <a:ext uri="{28A0092B-C50C-407E-A947-70E740481C1C}">
+                <a14:useLocalDpi xmlns:a14="http://schemas.microsoft.com/office/drawing/2010/main" val="0"/>
+              </a:ext>
+            </a:extLst>
+          </a:blip>
+          <a:stretch>
+            <a:fillRect/>
+          </a:stretch>
+        </p:blipFill>
+        <p:spPr>
+          <a:xfrm>
+            <a:off x="611560" y="1417340"/>
+            <a:ext cx="7772400" cy="3139314"/>
+          </a:xfrm>
+          <a:prstGeom prst="rect">
+            <a:avLst/>
+          </a:prstGeom>
+        </p:spPr>
+      </p:pic>
     </p:spTree>
     <p:extLst>
       <p:ext uri="{BB962C8B-B14F-4D97-AF65-F5344CB8AC3E}">
-        <p14:creationId xmlns:p14="http://schemas.microsoft.com/office/powerpoint/2010/main" val="1779124528"/>
+        <p14:creationId xmlns:p14="http://schemas.microsoft.com/office/powerpoint/2010/main" val="4202234545"/>
       </p:ext>
     </p:extLst>
   </p:cSld>
@@ -30699,7 +30778,7 @@
           <p:cNvPr id="2" name="Title 1">
             <a:extLst>
               <a:ext uri="{FF2B5EF4-FFF2-40B4-BE49-F238E27FC236}">
-                <a16:creationId xmlns:a16="http://schemas.microsoft.com/office/drawing/2014/main" id="{6C947F4E-9B94-F5CB-203A-DCC969CCA43A}"/>
+                <a16:creationId xmlns:a16="http://schemas.microsoft.com/office/drawing/2014/main" id="{814CF8EF-3CAD-00AF-7B8A-A1D562022048}"/>
               </a:ext>
             </a:extLst>
           </p:cNvPr>
@@ -30717,7 +30796,7 @@
           <a:p>
             <a:r>
               <a:rPr lang="en-GB" dirty="0"/>
-              <a:t>Acknowledgments</a:t>
+              <a:t>Q2</a:t>
             </a:r>
           </a:p>
         </p:txBody>
@@ -30727,7 +30806,7 @@
           <p:cNvPr id="3" name="Content Placeholder 2">
             <a:extLst>
               <a:ext uri="{FF2B5EF4-FFF2-40B4-BE49-F238E27FC236}">
-                <a16:creationId xmlns:a16="http://schemas.microsoft.com/office/drawing/2014/main" id="{95878951-2515-EE74-D7C0-67A8C7FA66CC}"/>
+                <a16:creationId xmlns:a16="http://schemas.microsoft.com/office/drawing/2014/main" id="{FCF7E818-E523-E292-D896-F6A80494E7E2}"/>
               </a:ext>
             </a:extLst>
           </p:cNvPr>
@@ -30744,16 +30823,36 @@
           <a:lstStyle/>
           <a:p>
             <a:r>
-              <a:rPr lang="en-GB" sz="1800" dirty="0"/>
-              <a:t>Several slides are adapted from Dive into Deep Learning by Aston Zhang et al., https://d2l.ai/</a:t>
-            </a:r>
-            <a:r>
-              <a:rPr lang="en-GB" sz="1800" dirty="0" err="1"/>
-              <a:t>index.html</a:t>
-            </a:r>
-            <a:r>
-              <a:rPr lang="en-GB" sz="1800" dirty="0"/>
-              <a:t> </a:t>
+              <a:rPr lang="en-GB" dirty="0"/>
+              <a:t>Which of these will not improve the convergence of a neural networks model?</a:t>
+            </a:r>
+          </a:p>
+          <a:p>
+            <a:pPr lvl="1"/>
+            <a:r>
+              <a:rPr lang="en-GB" dirty="0"/>
+              <a:t>Adaptive learning rate</a:t>
+            </a:r>
+          </a:p>
+          <a:p>
+            <a:pPr lvl="1"/>
+            <a:r>
+              <a:rPr lang="en-GB" dirty="0"/>
+              <a:t>Data normalisation</a:t>
+            </a:r>
+          </a:p>
+          <a:p>
+            <a:pPr lvl="1"/>
+            <a:r>
+              <a:rPr lang="en-GB" dirty="0"/>
+              <a:t>Using an optimiser method</a:t>
+            </a:r>
+          </a:p>
+          <a:p>
+            <a:pPr lvl="1"/>
+            <a:r>
+              <a:rPr lang="en-GB" dirty="0"/>
+              <a:t>Initialising all the weights to zero (zero initialisation)</a:t>
             </a:r>
           </a:p>
         </p:txBody>
@@ -30763,7 +30862,7 @@
           <p:cNvPr id="4" name="Slide Number Placeholder 3">
             <a:extLst>
               <a:ext uri="{FF2B5EF4-FFF2-40B4-BE49-F238E27FC236}">
-                <a16:creationId xmlns:a16="http://schemas.microsoft.com/office/drawing/2014/main" id="{9168C321-C8FD-6B4F-73D6-4A04023A70E9}"/>
+                <a16:creationId xmlns:a16="http://schemas.microsoft.com/office/drawing/2014/main" id="{A0B2D7BF-80DB-160C-C9DE-D82E4E21E51E}"/>
               </a:ext>
             </a:extLst>
           </p:cNvPr>
@@ -30791,7 +30890,7 @@
     </p:spTree>
     <p:extLst>
       <p:ext uri="{BB962C8B-B14F-4D97-AF65-F5344CB8AC3E}">
-        <p14:creationId xmlns:p14="http://schemas.microsoft.com/office/powerpoint/2010/main" val="2653526672"/>
+        <p14:creationId xmlns:p14="http://schemas.microsoft.com/office/powerpoint/2010/main" val="1779124528"/>
       </p:ext>
     </p:extLst>
   </p:cSld>
@@ -30823,7 +30922,7 @@
           <p:cNvPr id="2" name="Title 1">
             <a:extLst>
               <a:ext uri="{FF2B5EF4-FFF2-40B4-BE49-F238E27FC236}">
-                <a16:creationId xmlns:a16="http://schemas.microsoft.com/office/drawing/2014/main" id="{4A0D4B0E-EC4B-AF65-F5A6-6C77B84E688D}"/>
+                <a16:creationId xmlns:a16="http://schemas.microsoft.com/office/drawing/2014/main" id="{6C947F4E-9B94-F5CB-203A-DCC969CCA43A}"/>
               </a:ext>
             </a:extLst>
           </p:cNvPr>
@@ -30840,8 +30939,8 @@
           <a:lstStyle/>
           <a:p>
             <a:r>
-              <a:rPr lang="en-US" dirty="0"/>
-              <a:t>If you have any questions </a:t>
+              <a:rPr lang="en-GB" dirty="0"/>
+              <a:t>Acknowledgments</a:t>
             </a:r>
           </a:p>
         </p:txBody>
@@ -30851,7 +30950,7 @@
           <p:cNvPr id="3" name="Content Placeholder 2">
             <a:extLst>
               <a:ext uri="{FF2B5EF4-FFF2-40B4-BE49-F238E27FC236}">
-                <a16:creationId xmlns:a16="http://schemas.microsoft.com/office/drawing/2014/main" id="{F37C2CD0-A4E6-0FCE-E04C-C1C1CB0C3E1D}"/>
+                <a16:creationId xmlns:a16="http://schemas.microsoft.com/office/drawing/2014/main" id="{95878951-2515-EE74-D7C0-67A8C7FA66CC}"/>
               </a:ext>
             </a:extLst>
           </p:cNvPr>
@@ -30868,20 +30967,17 @@
           <a:lstStyle/>
           <a:p>
             <a:r>
-              <a:rPr lang="en-US" dirty="0"/>
-              <a:t>Please feel free to come and see me (9</a:t>
-            </a:r>
-            <a:r>
-              <a:rPr lang="en-US" baseline="30000" dirty="0"/>
-              <a:t>th</a:t>
-            </a:r>
-            <a:r>
-              <a:rPr lang="en-US" dirty="0"/>
-              <a:t> Floor, Sir Michael Uren Research Hub, White City Campus) or email (p.barnaghi@imperial.ac.uk). </a:t>
-            </a:r>
-          </a:p>
-          <a:p>
-            <a:endParaRPr lang="en-US" dirty="0"/>
+              <a:rPr lang="en-GB" sz="1800" dirty="0"/>
+              <a:t>Several slides are adapted from Dive into Deep Learning by Aston Zhang et al., https://d2l.ai/</a:t>
+            </a:r>
+            <a:r>
+              <a:rPr lang="en-GB" sz="1800" dirty="0" err="1"/>
+              <a:t>index.html</a:t>
+            </a:r>
+            <a:r>
+              <a:rPr lang="en-GB" sz="1800" dirty="0"/>
+              <a:t> </a:t>
+            </a:r>
           </a:p>
         </p:txBody>
       </p:sp>
@@ -30890,7 +30986,7 @@
           <p:cNvPr id="4" name="Slide Number Placeholder 3">
             <a:extLst>
               <a:ext uri="{FF2B5EF4-FFF2-40B4-BE49-F238E27FC236}">
-                <a16:creationId xmlns:a16="http://schemas.microsoft.com/office/drawing/2014/main" id="{5871F661-CD16-4A1E-EAB3-76CFDCC66AF4}"/>
+                <a16:creationId xmlns:a16="http://schemas.microsoft.com/office/drawing/2014/main" id="{9168C321-C8FD-6B4F-73D6-4A04023A70E9}"/>
               </a:ext>
             </a:extLst>
           </p:cNvPr>
@@ -30918,7 +31014,7 @@
     </p:spTree>
     <p:extLst>
       <p:ext uri="{BB962C8B-B14F-4D97-AF65-F5344CB8AC3E}">
-        <p14:creationId xmlns:p14="http://schemas.microsoft.com/office/powerpoint/2010/main" val="339632004"/>
+        <p14:creationId xmlns:p14="http://schemas.microsoft.com/office/powerpoint/2010/main" val="2653526672"/>
       </p:ext>
     </p:extLst>
   </p:cSld>
@@ -30950,7 +31046,7 @@
           <p:cNvPr id="2" name="Title 1">
             <a:extLst>
               <a:ext uri="{FF2B5EF4-FFF2-40B4-BE49-F238E27FC236}">
-                <a16:creationId xmlns:a16="http://schemas.microsoft.com/office/drawing/2014/main" id="{D1054D05-FE96-EDFD-05C6-8D929E43D4D0}"/>
+                <a16:creationId xmlns:a16="http://schemas.microsoft.com/office/drawing/2014/main" id="{4A0D4B0E-EC4B-AF65-F5A6-6C77B84E688D}"/>
               </a:ext>
             </a:extLst>
           </p:cNvPr>
@@ -30961,20 +31057,54 @@
             <p:ph type="title"/>
           </p:nvPr>
         </p:nvSpPr>
-        <p:spPr>
-          <a:xfrm>
-            <a:off x="755576" y="2381249"/>
-            <a:ext cx="8229600" cy="952501"/>
-          </a:xfrm>
-        </p:spPr>
+        <p:spPr/>
         <p:txBody>
           <a:bodyPr/>
           <a:lstStyle/>
           <a:p>
             <a:r>
-              <a:rPr lang="en-GB" dirty="0"/>
-              <a:t>Further reading</a:t>
-            </a:r>
+              <a:rPr lang="en-US" dirty="0"/>
+              <a:t>If you have any questions </a:t>
+            </a:r>
+          </a:p>
+        </p:txBody>
+      </p:sp>
+      <p:sp>
+        <p:nvSpPr>
+          <p:cNvPr id="3" name="Content Placeholder 2">
+            <a:extLst>
+              <a:ext uri="{FF2B5EF4-FFF2-40B4-BE49-F238E27FC236}">
+                <a16:creationId xmlns:a16="http://schemas.microsoft.com/office/drawing/2014/main" id="{F37C2CD0-A4E6-0FCE-E04C-C1C1CB0C3E1D}"/>
+              </a:ext>
+            </a:extLst>
+          </p:cNvPr>
+          <p:cNvSpPr>
+            <a:spLocks noGrp="1"/>
+          </p:cNvSpPr>
+          <p:nvPr>
+            <p:ph idx="1"/>
+          </p:nvPr>
+        </p:nvSpPr>
+        <p:spPr/>
+        <p:txBody>
+          <a:bodyPr/>
+          <a:lstStyle/>
+          <a:p>
+            <a:r>
+              <a:rPr lang="en-US" dirty="0"/>
+              <a:t>Please feel free to come and see me (9</a:t>
+            </a:r>
+            <a:r>
+              <a:rPr lang="en-US" baseline="30000" dirty="0"/>
+              <a:t>th</a:t>
+            </a:r>
+            <a:r>
+              <a:rPr lang="en-US" dirty="0"/>
+              <a:t> Floor, Sir Michael Uren Research Hub, White City Campus) or email (p.barnaghi@imperial.ac.uk). </a:t>
+            </a:r>
+          </a:p>
+          <a:p>
+            <a:endParaRPr lang="en-US" dirty="0"/>
           </a:p>
         </p:txBody>
       </p:sp>
@@ -30983,7 +31113,7 @@
           <p:cNvPr id="4" name="Slide Number Placeholder 3">
             <a:extLst>
               <a:ext uri="{FF2B5EF4-FFF2-40B4-BE49-F238E27FC236}">
-                <a16:creationId xmlns:a16="http://schemas.microsoft.com/office/drawing/2014/main" id="{82F2CBC6-DBC3-1E50-C147-F67DB2215EEE}"/>
+                <a16:creationId xmlns:a16="http://schemas.microsoft.com/office/drawing/2014/main" id="{5871F661-CD16-4A1E-EAB3-76CFDCC66AF4}"/>
               </a:ext>
             </a:extLst>
           </p:cNvPr>
@@ -31011,7 +31141,7 @@
     </p:spTree>
     <p:extLst>
       <p:ext uri="{BB962C8B-B14F-4D97-AF65-F5344CB8AC3E}">
-        <p14:creationId xmlns:p14="http://schemas.microsoft.com/office/powerpoint/2010/main" val="2198604453"/>
+        <p14:creationId xmlns:p14="http://schemas.microsoft.com/office/powerpoint/2010/main" val="339632004"/>
       </p:ext>
     </p:extLst>
   </p:cSld>
@@ -31043,6 +31173,99 @@
           <p:cNvPr id="2" name="Title 1">
             <a:extLst>
               <a:ext uri="{FF2B5EF4-FFF2-40B4-BE49-F238E27FC236}">
+                <a16:creationId xmlns:a16="http://schemas.microsoft.com/office/drawing/2014/main" id="{D1054D05-FE96-EDFD-05C6-8D929E43D4D0}"/>
+              </a:ext>
+            </a:extLst>
+          </p:cNvPr>
+          <p:cNvSpPr>
+            <a:spLocks noGrp="1"/>
+          </p:cNvSpPr>
+          <p:nvPr>
+            <p:ph type="title"/>
+          </p:nvPr>
+        </p:nvSpPr>
+        <p:spPr>
+          <a:xfrm>
+            <a:off x="755576" y="2381249"/>
+            <a:ext cx="8229600" cy="952501"/>
+          </a:xfrm>
+        </p:spPr>
+        <p:txBody>
+          <a:bodyPr/>
+          <a:lstStyle/>
+          <a:p>
+            <a:r>
+              <a:rPr lang="en-GB" dirty="0"/>
+              <a:t>Further reading</a:t>
+            </a:r>
+          </a:p>
+        </p:txBody>
+      </p:sp>
+      <p:sp>
+        <p:nvSpPr>
+          <p:cNvPr id="4" name="Slide Number Placeholder 3">
+            <a:extLst>
+              <a:ext uri="{FF2B5EF4-FFF2-40B4-BE49-F238E27FC236}">
+                <a16:creationId xmlns:a16="http://schemas.microsoft.com/office/drawing/2014/main" id="{82F2CBC6-DBC3-1E50-C147-F67DB2215EEE}"/>
+              </a:ext>
+            </a:extLst>
+          </p:cNvPr>
+          <p:cNvSpPr>
+            <a:spLocks noGrp="1"/>
+          </p:cNvSpPr>
+          <p:nvPr>
+            <p:ph type="sldNum" sz="quarter" idx="12"/>
+          </p:nvPr>
+        </p:nvSpPr>
+        <p:spPr/>
+        <p:txBody>
+          <a:bodyPr/>
+          <a:lstStyle/>
+          <a:p>
+            <a:fld id="{44E22EE9-B8A0-0641-9265-052CFE9B95A7}" type="slidenum">
+              <a:rPr lang="en-GB" altLang="en-US" smtClean="0"/>
+              <a:pPr/>
+              <a:t>63</a:t>
+            </a:fld>
+            <a:endParaRPr lang="en-GB" altLang="en-US" dirty="0"/>
+          </a:p>
+        </p:txBody>
+      </p:sp>
+    </p:spTree>
+    <p:extLst>
+      <p:ext uri="{BB962C8B-B14F-4D97-AF65-F5344CB8AC3E}">
+        <p14:creationId xmlns:p14="http://schemas.microsoft.com/office/powerpoint/2010/main" val="2198604453"/>
+      </p:ext>
+    </p:extLst>
+  </p:cSld>
+  <p:clrMapOvr>
+    <a:masterClrMapping/>
+  </p:clrMapOvr>
+</p:sld>
+</file>
+
+<file path=ppt/slides/slide64.xml><?xml version="1.0" encoding="utf-8"?>
+<p:sld xmlns:a="http://schemas.openxmlformats.org/drawingml/2006/main" xmlns:r="http://schemas.openxmlformats.org/officeDocument/2006/relationships" xmlns:p="http://schemas.openxmlformats.org/presentationml/2006/main">
+  <p:cSld>
+    <p:spTree>
+      <p:nvGrpSpPr>
+        <p:cNvPr id="1" name=""/>
+        <p:cNvGrpSpPr/>
+        <p:nvPr/>
+      </p:nvGrpSpPr>
+      <p:grpSpPr>
+        <a:xfrm>
+          <a:off x="0" y="0"/>
+          <a:ext cx="0" cy="0"/>
+          <a:chOff x="0" y="0"/>
+          <a:chExt cx="0" cy="0"/>
+        </a:xfrm>
+      </p:grpSpPr>
+      <p:sp>
+        <p:nvSpPr>
+          <p:cNvPr id="2" name="Title 1">
+            <a:extLst>
+              <a:ext uri="{FF2B5EF4-FFF2-40B4-BE49-F238E27FC236}">
                 <a16:creationId xmlns:a16="http://schemas.microsoft.com/office/drawing/2014/main" id="{7A60B60A-A8A4-F82E-F90F-372A336B8946}"/>
               </a:ext>
             </a:extLst>
@@ -31090,7 +31313,7 @@
             <a:fld id="{44E22EE9-B8A0-0641-9265-052CFE9B95A7}" type="slidenum">
               <a:rPr lang="en-GB" altLang="en-US" smtClean="0"/>
               <a:pPr/>
-              <a:t>63</a:t>
+              <a:t>64</a:t>
             </a:fld>
             <a:endParaRPr lang="en-GB" altLang="en-US" dirty="0"/>
           </a:p>
@@ -31219,8 +31442,8 @@
           </a:p>
         </p:txBody>
       </p:sp>
-      <mc:AlternateContent xmlns:mc="http://schemas.openxmlformats.org/markup-compatibility/2006">
-        <mc:Choice xmlns:a14="http://schemas.microsoft.com/office/drawing/2010/main" Requires="a14">
+      <mc:AlternateContent xmlns:mc="http://schemas.openxmlformats.org/markup-compatibility/2006" xmlns:a14="http://schemas.microsoft.com/office/drawing/2010/main">
+        <mc:Choice Requires="a14">
           <p:sp>
             <p:nvSpPr>
               <p:cNvPr id="7" name="TextBox 6">
@@ -31349,7 +31572,7 @@
             </p:txBody>
           </p:sp>
         </mc:Choice>
-        <mc:Fallback>
+        <mc:Fallback xmlns="">
           <p:sp>
             <p:nvSpPr>
               <p:cNvPr id="7" name="TextBox 6">
@@ -31407,7 +31630,7 @@
 </p:sld>
 </file>
 
-<file path=ppt/slides/slide64.xml><?xml version="1.0" encoding="utf-8"?>
+<file path=ppt/slides/slide65.xml><?xml version="1.0" encoding="utf-8"?>
 <p:sld xmlns:a="http://schemas.openxmlformats.org/drawingml/2006/main" xmlns:r="http://schemas.openxmlformats.org/officeDocument/2006/relationships" xmlns:p="http://schemas.openxmlformats.org/presentationml/2006/main">
   <p:cSld>
     <p:spTree>
@@ -31481,7 +31704,7 @@
             <a:fld id="{BB98F552-A29D-2D4E-8192-F20670493719}" type="slidenum">
               <a:rPr lang="en-GB" altLang="en-US" smtClean="0"/>
               <a:pPr/>
-              <a:t>64</a:t>
+              <a:t>65</a:t>
             </a:fld>
             <a:endParaRPr lang="en-GB" altLang="en-US" dirty="0"/>
           </a:p>
@@ -31878,7 +32101,7 @@
 </p:sld>
 </file>
 
-<file path=ppt/slides/slide65.xml><?xml version="1.0" encoding="utf-8"?>
+<file path=ppt/slides/slide66.xml><?xml version="1.0" encoding="utf-8"?>
 <p:sld xmlns:a="http://schemas.openxmlformats.org/drawingml/2006/main" xmlns:r="http://schemas.openxmlformats.org/officeDocument/2006/relationships" xmlns:p="http://schemas.openxmlformats.org/presentationml/2006/main">
   <p:cSld>
     <p:spTree>
@@ -31900,7 +32123,7 @@
           <p:cNvPr id="2" name="Title 1">
             <a:extLst>
               <a:ext uri="{FF2B5EF4-FFF2-40B4-BE49-F238E27FC236}">
-                <a16:creationId xmlns:a16="http://schemas.microsoft.com/office/drawing/2014/main" id="{0F328F21-5AEA-3149-F47E-30440D080CFA}"/>
+                <a16:creationId xmlns:a16="http://schemas.microsoft.com/office/drawing/2014/main" id="{D5D779D3-B7E6-3355-669F-DFCCEF12E00C}"/>
               </a:ext>
             </a:extLst>
           </p:cNvPr>
@@ -31918,13 +32141,591 @@
           <a:p>
             <a:r>
               <a:rPr lang="en-GB" dirty="0"/>
-              <a:t>Newton’s method</a:t>
+              <a:t>Random initialisation**</a:t>
             </a:r>
           </a:p>
         </p:txBody>
       </p:sp>
-      <mc:AlternateContent xmlns:mc="http://schemas.openxmlformats.org/markup-compatibility/2006">
-        <mc:Choice xmlns:a14="http://schemas.microsoft.com/office/drawing/2010/main" Requires="a14">
+      <mc:AlternateContent xmlns:mc="http://schemas.openxmlformats.org/markup-compatibility/2006" xmlns:a14="http://schemas.microsoft.com/office/drawing/2010/main">
+        <mc:Choice Requires="a14">
+          <p:sp>
+            <p:nvSpPr>
+              <p:cNvPr id="3" name="Content Placeholder 2">
+                <a:extLst>
+                  <a:ext uri="{FF2B5EF4-FFF2-40B4-BE49-F238E27FC236}">
+                    <a16:creationId xmlns:a16="http://schemas.microsoft.com/office/drawing/2014/main" id="{030CBA13-3F13-ACE5-5F7A-C5474255723C}"/>
+                  </a:ext>
+                </a:extLst>
+              </p:cNvPr>
+              <p:cNvSpPr>
+                <a:spLocks noGrp="1"/>
+              </p:cNvSpPr>
+              <p:nvPr>
+                <p:ph idx="1"/>
+              </p:nvPr>
+            </p:nvSpPr>
+            <p:spPr/>
+            <p:txBody>
+              <a:bodyPr/>
+              <a:lstStyle/>
+              <a:p>
+                <a14:m>
+                  <m:oMath xmlns:m="http://schemas.openxmlformats.org/officeDocument/2006/math">
+                    <m:r>
+                      <a:rPr lang="en-GB" i="1" dirty="0" smtClean="0">
+                        <a:solidFill>
+                          <a:srgbClr val="262626"/>
+                        </a:solidFill>
+                        <a:latin typeface="Cambria Math" panose="02040503050406030204" pitchFamily="18" charset="0"/>
+                      </a:rPr>
+                      <m:t>𝑃𝑦𝑡𝑜𝑟𝑐h</m:t>
+                    </m:r>
+                  </m:oMath>
+                </a14:m>
+                <a:r>
+                  <a:rPr lang="en-GB" dirty="0">
+                    <a:solidFill>
+                      <a:srgbClr val="262626"/>
+                    </a:solidFill>
+                  </a:rPr>
+                  <a:t> r</a:t>
+                </a:r>
+                <a:r>
+                  <a:rPr lang="en-GB" b="0" i="0" u="none" strike="noStrike" dirty="0">
+                    <a:solidFill>
+                      <a:srgbClr val="262626"/>
+                    </a:solidFill>
+                    <a:effectLst/>
+                  </a:rPr>
+                  <a:t>eturn the recommended gain value for the given nonlinearity function. </a:t>
+                </a:r>
+              </a:p>
+              <a:p>
+                <a:endParaRPr lang="en-GB" dirty="0">
+                  <a:solidFill>
+                    <a:srgbClr val="262626"/>
+                  </a:solidFill>
+                </a:endParaRPr>
+              </a:p>
+              <a:p>
+                <a:r>
+                  <a:rPr lang="en-GB" dirty="0"/>
+                  <a:t>According to the method described in </a:t>
+                </a:r>
+                <a:r>
+                  <a:rPr lang="en-GB" i="1" dirty="0">
+                    <a:effectLst/>
+                  </a:rPr>
+                  <a:t>Understanding the difficulty of training deep feedforward neural networks</a:t>
+                </a:r>
+                <a:r>
+                  <a:rPr lang="en-GB" dirty="0"/>
+                  <a:t> - </a:t>
+                </a:r>
+                <a:r>
+                  <a:rPr lang="en-GB" dirty="0" err="1"/>
+                  <a:t>Glorot</a:t>
+                </a:r>
+                <a:r>
+                  <a:rPr lang="en-GB" dirty="0"/>
+                  <a:t>, X. &amp; </a:t>
+                </a:r>
+                <a:r>
+                  <a:rPr lang="en-GB" dirty="0" err="1"/>
+                  <a:t>Bengio</a:t>
+                </a:r>
+                <a:r>
+                  <a:rPr lang="en-GB" dirty="0"/>
+                  <a:t>, Y. (2010), using a uniform distribution. The resulting tensor will have values sampled from </a:t>
+                </a:r>
+                <a14:m>
+                  <m:oMath xmlns:m="http://schemas.openxmlformats.org/officeDocument/2006/math">
+                    <m:r>
+                      <a:rPr lang="en-GB" b="0" i="1" dirty="0" smtClean="0">
+                        <a:solidFill>
+                          <a:srgbClr val="262626"/>
+                        </a:solidFill>
+                        <a:effectLst/>
+                        <a:latin typeface="Cambria Math" panose="02040503050406030204" pitchFamily="18" charset="0"/>
+                      </a:rPr>
+                      <m:t>𝑈</m:t>
+                    </m:r>
+                    <m:r>
+                      <a:rPr lang="en-GB" b="0" i="1" dirty="0" smtClean="0">
+                        <a:solidFill>
+                          <a:srgbClr val="262626"/>
+                        </a:solidFill>
+                        <a:effectLst/>
+                        <a:latin typeface="Cambria Math" panose="02040503050406030204" pitchFamily="18" charset="0"/>
+                      </a:rPr>
+                      <m:t>(−</m:t>
+                    </m:r>
+                    <m:r>
+                      <a:rPr lang="en-GB" b="0" i="1" dirty="0" err="1" smtClean="0">
+                        <a:solidFill>
+                          <a:srgbClr val="262626"/>
+                        </a:solidFill>
+                        <a:effectLst/>
+                        <a:latin typeface="Cambria Math" panose="02040503050406030204" pitchFamily="18" charset="0"/>
+                      </a:rPr>
+                      <m:t>𝑎</m:t>
+                    </m:r>
+                    <m:r>
+                      <a:rPr lang="en-GB" b="0" i="1" dirty="0" err="1" smtClean="0">
+                        <a:solidFill>
+                          <a:srgbClr val="262626"/>
+                        </a:solidFill>
+                        <a:effectLst/>
+                        <a:latin typeface="Cambria Math" panose="02040503050406030204" pitchFamily="18" charset="0"/>
+                      </a:rPr>
+                      <m:t>,</m:t>
+                    </m:r>
+                    <m:r>
+                      <a:rPr lang="en-GB" b="0" i="1" dirty="0" err="1" smtClean="0">
+                        <a:solidFill>
+                          <a:srgbClr val="262626"/>
+                        </a:solidFill>
+                        <a:effectLst/>
+                        <a:latin typeface="Cambria Math" panose="02040503050406030204" pitchFamily="18" charset="0"/>
+                      </a:rPr>
+                      <m:t>𝑎</m:t>
+                    </m:r>
+                    <m:r>
+                      <a:rPr lang="en-GB" b="0" i="1" dirty="0" smtClean="0">
+                        <a:solidFill>
+                          <a:srgbClr val="262626"/>
+                        </a:solidFill>
+                        <a:effectLst/>
+                        <a:latin typeface="Cambria Math" panose="02040503050406030204" pitchFamily="18" charset="0"/>
+                      </a:rPr>
+                      <m:t>)</m:t>
+                    </m:r>
+                  </m:oMath>
+                </a14:m>
+                <a:r>
+                  <a:rPr lang="en-GB" b="0" i="0" dirty="0">
+                    <a:solidFill>
+                      <a:srgbClr val="262626"/>
+                    </a:solidFill>
+                    <a:effectLst/>
+                  </a:rPr>
+                  <a:t> </a:t>
+                </a:r>
+                <a:r>
+                  <a:rPr lang="en-GB" dirty="0">
+                    <a:solidFill>
+                      <a:srgbClr val="262626"/>
+                    </a:solidFill>
+                    <a:effectLst/>
+                  </a:rPr>
+                  <a:t> where (also known as </a:t>
+                </a:r>
+                <a:r>
+                  <a:rPr lang="en-GB" dirty="0" err="1">
+                    <a:solidFill>
+                      <a:srgbClr val="262626"/>
+                    </a:solidFill>
+                    <a:effectLst/>
+                  </a:rPr>
+                  <a:t>Glorot</a:t>
+                </a:r>
+                <a:r>
+                  <a:rPr lang="en-GB" dirty="0">
+                    <a:solidFill>
+                      <a:srgbClr val="262626"/>
+                    </a:solidFill>
+                    <a:effectLst/>
+                  </a:rPr>
+                  <a:t> initialisation): </a:t>
+                </a:r>
+                <a:endParaRPr lang="en-GB" dirty="0"/>
+              </a:p>
+            </p:txBody>
+          </p:sp>
+        </mc:Choice>
+        <mc:Fallback xmlns="">
+          <p:sp>
+            <p:nvSpPr>
+              <p:cNvPr id="3" name="Content Placeholder 2">
+                <a:extLst>
+                  <a:ext uri="{FF2B5EF4-FFF2-40B4-BE49-F238E27FC236}">
+                    <a16:creationId xmlns:a16="http://schemas.microsoft.com/office/drawing/2014/main" id="{030CBA13-3F13-ACE5-5F7A-C5474255723C}"/>
+                  </a:ext>
+                </a:extLst>
+              </p:cNvPr>
+              <p:cNvSpPr>
+                <a:spLocks noGrp="1" noRot="1" noChangeAspect="1" noMove="1" noResize="1" noEditPoints="1" noAdjustHandles="1" noChangeArrowheads="1" noChangeShapeType="1" noTextEdit="1"/>
+              </p:cNvSpPr>
+              <p:nvPr>
+                <p:ph idx="1"/>
+              </p:nvPr>
+            </p:nvSpPr>
+            <p:spPr>
+              <a:blipFill>
+                <a:blip r:embed="rId2"/>
+                <a:stretch>
+                  <a:fillRect l="-772" t="-1223" r="-309"/>
+                </a:stretch>
+              </a:blipFill>
+            </p:spPr>
+            <p:txBody>
+              <a:bodyPr/>
+              <a:lstStyle/>
+              <a:p>
+                <a:r>
+                  <a:rPr lang="en-GB">
+                    <a:noFill/>
+                  </a:rPr>
+                  <a:t> </a:t>
+                </a:r>
+              </a:p>
+            </p:txBody>
+          </p:sp>
+        </mc:Fallback>
+      </mc:AlternateContent>
+      <p:sp>
+        <p:nvSpPr>
+          <p:cNvPr id="4" name="Slide Number Placeholder 3">
+            <a:extLst>
+              <a:ext uri="{FF2B5EF4-FFF2-40B4-BE49-F238E27FC236}">
+                <a16:creationId xmlns:a16="http://schemas.microsoft.com/office/drawing/2014/main" id="{E1CC9403-3BCB-20F5-FA00-C6FEAA813B94}"/>
+              </a:ext>
+            </a:extLst>
+          </p:cNvPr>
+          <p:cNvSpPr>
+            <a:spLocks noGrp="1"/>
+          </p:cNvSpPr>
+          <p:nvPr>
+            <p:ph type="sldNum" sz="quarter" idx="12"/>
+          </p:nvPr>
+        </p:nvSpPr>
+        <p:spPr/>
+        <p:txBody>
+          <a:bodyPr/>
+          <a:lstStyle/>
+          <a:p>
+            <a:fld id="{44E22EE9-B8A0-0641-9265-052CFE9B95A7}" type="slidenum">
+              <a:rPr lang="en-GB" altLang="en-US" smtClean="0"/>
+              <a:pPr/>
+              <a:t>66</a:t>
+            </a:fld>
+            <a:endParaRPr lang="en-GB" altLang="en-US" dirty="0"/>
+          </a:p>
+        </p:txBody>
+      </p:sp>
+      <p:pic>
+        <p:nvPicPr>
+          <p:cNvPr id="6" name="Picture 5" descr="Diagram&#10;&#10;Description automatically generated with medium confidence">
+            <a:extLst>
+              <a:ext uri="{FF2B5EF4-FFF2-40B4-BE49-F238E27FC236}">
+                <a16:creationId xmlns:a16="http://schemas.microsoft.com/office/drawing/2014/main" id="{192BD6DA-CE2D-ED06-955B-CF92A472381D}"/>
+              </a:ext>
+            </a:extLst>
+          </p:cNvPr>
+          <p:cNvPicPr>
+            <a:picLocks noChangeAspect="1"/>
+          </p:cNvPicPr>
+          <p:nvPr/>
+        </p:nvPicPr>
+        <p:blipFill>
+          <a:blip r:embed="rId3">
+            <a:extLst>
+              <a:ext uri="{28A0092B-C50C-407E-A947-70E740481C1C}">
+                <a14:useLocalDpi xmlns:a14="http://schemas.microsoft.com/office/drawing/2010/main" val="0"/>
+              </a:ext>
+            </a:extLst>
+          </a:blip>
+          <a:stretch>
+            <a:fillRect/>
+          </a:stretch>
+        </p:blipFill>
+        <p:spPr>
+          <a:xfrm>
+            <a:off x="2123728" y="3788015"/>
+            <a:ext cx="3517900" cy="1003300"/>
+          </a:xfrm>
+          <a:prstGeom prst="rect">
+            <a:avLst/>
+          </a:prstGeom>
+        </p:spPr>
+      </p:pic>
+      <p:sp>
+        <p:nvSpPr>
+          <p:cNvPr id="8" name="TextBox 7">
+            <a:extLst>
+              <a:ext uri="{FF2B5EF4-FFF2-40B4-BE49-F238E27FC236}">
+                <a16:creationId xmlns:a16="http://schemas.microsoft.com/office/drawing/2014/main" id="{1FD67978-A10C-93F3-C4DE-79DBEB8B6B89}"/>
+              </a:ext>
+            </a:extLst>
+          </p:cNvPr>
+          <p:cNvSpPr txBox="1"/>
+          <p:nvPr/>
+        </p:nvSpPr>
+        <p:spPr>
+          <a:xfrm>
+            <a:off x="457200" y="5065112"/>
+            <a:ext cx="6215056" cy="307777"/>
+          </a:xfrm>
+          <a:prstGeom prst="rect">
+            <a:avLst/>
+          </a:prstGeom>
+          <a:noFill/>
+        </p:spPr>
+        <p:txBody>
+          <a:bodyPr wrap="square">
+            <a:spAutoFit/>
+          </a:bodyPr>
+          <a:lstStyle/>
+          <a:p>
+            <a:r>
+              <a:rPr lang="en-GB" sz="1400" dirty="0">
+                <a:latin typeface="Gill Sans MT" panose="020B0502020104020203" pitchFamily="34" charset="77"/>
+              </a:rPr>
+              <a:t>Source: https://</a:t>
+            </a:r>
+            <a:r>
+              <a:rPr lang="en-GB" sz="1400" dirty="0" err="1">
+                <a:latin typeface="Gill Sans MT" panose="020B0502020104020203" pitchFamily="34" charset="77"/>
+              </a:rPr>
+              <a:t>pytorch.org</a:t>
+            </a:r>
+            <a:r>
+              <a:rPr lang="en-GB" sz="1400" dirty="0">
+                <a:latin typeface="Gill Sans MT" panose="020B0502020104020203" pitchFamily="34" charset="77"/>
+              </a:rPr>
+              <a:t>/docs/stable/</a:t>
+            </a:r>
+            <a:r>
+              <a:rPr lang="en-GB" sz="1400" dirty="0" err="1">
+                <a:latin typeface="Gill Sans MT" panose="020B0502020104020203" pitchFamily="34" charset="77"/>
+              </a:rPr>
+              <a:t>nn.init.html</a:t>
+            </a:r>
+            <a:endParaRPr lang="en-GB" sz="1400" dirty="0">
+              <a:latin typeface="Gill Sans MT" panose="020B0502020104020203" pitchFamily="34" charset="77"/>
+            </a:endParaRPr>
+          </a:p>
+        </p:txBody>
+      </p:sp>
+      <mc:AlternateContent xmlns:mc="http://schemas.openxmlformats.org/markup-compatibility/2006" xmlns:a14="http://schemas.microsoft.com/office/drawing/2010/main">
+        <mc:Choice Requires="a14">
+          <p:sp>
+            <p:nvSpPr>
+              <p:cNvPr id="5" name="TextBox 4">
+                <a:extLst>
+                  <a:ext uri="{FF2B5EF4-FFF2-40B4-BE49-F238E27FC236}">
+                    <a16:creationId xmlns:a16="http://schemas.microsoft.com/office/drawing/2014/main" id="{2EB6A339-3C3D-C110-A80F-8A5DD7DA27D6}"/>
+                  </a:ext>
+                </a:extLst>
+              </p:cNvPr>
+              <p:cNvSpPr txBox="1"/>
+              <p:nvPr/>
+            </p:nvSpPr>
+            <p:spPr>
+              <a:xfrm>
+                <a:off x="683568" y="4601502"/>
+                <a:ext cx="7194598" cy="400110"/>
+              </a:xfrm>
+              <a:prstGeom prst="rect">
+                <a:avLst/>
+              </a:prstGeom>
+              <a:noFill/>
+            </p:spPr>
+            <p:txBody>
+              <a:bodyPr wrap="none" rtlCol="0">
+                <a:spAutoFit/>
+              </a:bodyPr>
+              <a:lstStyle/>
+              <a:p>
+                <a:r>
+                  <a:rPr lang="en-GB" sz="1000" dirty="0"/>
+                  <a:t>f</a:t>
+                </a:r>
+                <a14:m>
+                  <m:oMath xmlns:m="http://schemas.openxmlformats.org/officeDocument/2006/math">
+                    <m:r>
+                      <a:rPr lang="en-GB" sz="1000" i="1" dirty="0" smtClean="0">
+                        <a:latin typeface="Cambria Math" panose="02040503050406030204" pitchFamily="18" charset="0"/>
+                      </a:rPr>
+                      <m:t>𝑎𝑛</m:t>
+                    </m:r>
+                    <m:r>
+                      <a:rPr lang="en-GB" sz="1000" i="1" dirty="0" smtClean="0">
+                        <a:latin typeface="Cambria Math" panose="02040503050406030204" pitchFamily="18" charset="0"/>
+                      </a:rPr>
+                      <m:t>_</m:t>
+                    </m:r>
+                    <m:r>
+                      <a:rPr lang="en-GB" sz="1000" i="1" dirty="0" smtClean="0">
+                        <a:latin typeface="Cambria Math" panose="02040503050406030204" pitchFamily="18" charset="0"/>
+                      </a:rPr>
+                      <m:t>𝑖𝑛</m:t>
+                    </m:r>
+                    <m:r>
+                      <a:rPr lang="en-GB" sz="1000" i="1" dirty="0" smtClean="0">
+                        <a:latin typeface="Cambria Math" panose="02040503050406030204" pitchFamily="18" charset="0"/>
+                      </a:rPr>
+                      <m:t> </m:t>
+                    </m:r>
+                    <m:r>
+                      <a:rPr lang="en-GB" sz="1000" i="1" dirty="0" smtClean="0">
+                        <a:latin typeface="Cambria Math" panose="02040503050406030204" pitchFamily="18" charset="0"/>
+                      </a:rPr>
+                      <m:t>𝑎𝑛𝑑</m:t>
+                    </m:r>
+                    <m:r>
+                      <a:rPr lang="en-GB" sz="1000" i="1" dirty="0" smtClean="0">
+                        <a:latin typeface="Cambria Math" panose="02040503050406030204" pitchFamily="18" charset="0"/>
+                      </a:rPr>
+                      <m:t> </m:t>
+                    </m:r>
+                    <m:r>
+                      <a:rPr lang="en-GB" sz="1000" i="1" dirty="0" err="1" smtClean="0">
+                        <a:latin typeface="Cambria Math" panose="02040503050406030204" pitchFamily="18" charset="0"/>
+                      </a:rPr>
+                      <m:t>𝑓𝑎𝑛</m:t>
+                    </m:r>
+                    <m:r>
+                      <a:rPr lang="en-GB" sz="1000" i="1" dirty="0" err="1" smtClean="0">
+                        <a:latin typeface="Cambria Math" panose="02040503050406030204" pitchFamily="18" charset="0"/>
+                      </a:rPr>
+                      <m:t>_</m:t>
+                    </m:r>
+                    <m:r>
+                      <a:rPr lang="en-GB" sz="1000" i="1" dirty="0" err="1" smtClean="0">
+                        <a:latin typeface="Cambria Math" panose="02040503050406030204" pitchFamily="18" charset="0"/>
+                      </a:rPr>
+                      <m:t>𝑜𝑢𝑡</m:t>
+                    </m:r>
+                  </m:oMath>
+                </a14:m>
+                <a:r>
+                  <a:rPr lang="en-GB" sz="1000" dirty="0"/>
+                  <a:t>: </a:t>
+                </a:r>
+              </a:p>
+              <a:p>
+                <a:r>
+                  <a:rPr lang="en-GB" sz="1000" dirty="0"/>
+                  <a:t>https://</a:t>
+                </a:r>
+                <a:r>
+                  <a:rPr lang="en-GB" sz="1000" dirty="0" err="1"/>
+                  <a:t>stackoverflow.com</a:t>
+                </a:r>
+                <a:r>
+                  <a:rPr lang="en-GB" sz="1000" dirty="0"/>
+                  <a:t>/questions/42670274/how-to-calculate-fan-in-and-fan-out-in-xavier-initialization-for-neural-networks</a:t>
+                </a:r>
+              </a:p>
+            </p:txBody>
+          </p:sp>
+        </mc:Choice>
+        <mc:Fallback xmlns="">
+          <p:sp>
+            <p:nvSpPr>
+              <p:cNvPr id="5" name="TextBox 4">
+                <a:extLst>
+                  <a:ext uri="{FF2B5EF4-FFF2-40B4-BE49-F238E27FC236}">
+                    <a16:creationId xmlns:a16="http://schemas.microsoft.com/office/drawing/2014/main" id="{2EB6A339-3C3D-C110-A80F-8A5DD7DA27D6}"/>
+                  </a:ext>
+                </a:extLst>
+              </p:cNvPr>
+              <p:cNvSpPr txBox="1">
+                <a:spLocks noRot="1" noChangeAspect="1" noMove="1" noResize="1" noEditPoints="1" noAdjustHandles="1" noChangeArrowheads="1" noChangeShapeType="1" noTextEdit="1"/>
+              </p:cNvSpPr>
+              <p:nvPr/>
+            </p:nvSpPr>
+            <p:spPr>
+              <a:xfrm>
+                <a:off x="683568" y="4601502"/>
+                <a:ext cx="7194598" cy="400110"/>
+              </a:xfrm>
+              <a:prstGeom prst="rect">
+                <a:avLst/>
+              </a:prstGeom>
+              <a:blipFill>
+                <a:blip r:embed="rId4"/>
+                <a:stretch>
+                  <a:fillRect b="-6250"/>
+                </a:stretch>
+              </a:blipFill>
+            </p:spPr>
+            <p:txBody>
+              <a:bodyPr/>
+              <a:lstStyle/>
+              <a:p>
+                <a:r>
+                  <a:rPr lang="en-GB">
+                    <a:noFill/>
+                  </a:rPr>
+                  <a:t> </a:t>
+                </a:r>
+              </a:p>
+            </p:txBody>
+          </p:sp>
+        </mc:Fallback>
+      </mc:AlternateContent>
+    </p:spTree>
+    <p:extLst>
+      <p:ext uri="{BB962C8B-B14F-4D97-AF65-F5344CB8AC3E}">
+        <p14:creationId xmlns:p14="http://schemas.microsoft.com/office/powerpoint/2010/main" val="2310501738"/>
+      </p:ext>
+    </p:extLst>
+  </p:cSld>
+  <p:clrMapOvr>
+    <a:masterClrMapping/>
+  </p:clrMapOvr>
+</p:sld>
+</file>
+
+<file path=ppt/slides/slide67.xml><?xml version="1.0" encoding="utf-8"?>
+<p:sld xmlns:a="http://schemas.openxmlformats.org/drawingml/2006/main" xmlns:r="http://schemas.openxmlformats.org/officeDocument/2006/relationships" xmlns:p="http://schemas.openxmlformats.org/presentationml/2006/main">
+  <p:cSld>
+    <p:spTree>
+      <p:nvGrpSpPr>
+        <p:cNvPr id="1" name=""/>
+        <p:cNvGrpSpPr/>
+        <p:nvPr/>
+      </p:nvGrpSpPr>
+      <p:grpSpPr>
+        <a:xfrm>
+          <a:off x="0" y="0"/>
+          <a:ext cx="0" cy="0"/>
+          <a:chOff x="0" y="0"/>
+          <a:chExt cx="0" cy="0"/>
+        </a:xfrm>
+      </p:grpSpPr>
+      <p:sp>
+        <p:nvSpPr>
+          <p:cNvPr id="2" name="Title 1">
+            <a:extLst>
+              <a:ext uri="{FF2B5EF4-FFF2-40B4-BE49-F238E27FC236}">
+                <a16:creationId xmlns:a16="http://schemas.microsoft.com/office/drawing/2014/main" id="{0F328F21-5AEA-3149-F47E-30440D080CFA}"/>
+              </a:ext>
+            </a:extLst>
+          </p:cNvPr>
+          <p:cNvSpPr>
+            <a:spLocks noGrp="1"/>
+          </p:cNvSpPr>
+          <p:nvPr>
+            <p:ph type="title"/>
+          </p:nvPr>
+        </p:nvSpPr>
+        <p:spPr/>
+        <p:txBody>
+          <a:bodyPr/>
+          <a:lstStyle/>
+          <a:p>
+            <a:r>
+              <a:rPr lang="en-GB" dirty="0"/>
+              <a:t>Newton’s method</a:t>
+            </a:r>
+          </a:p>
+        </p:txBody>
+      </p:sp>
+      <mc:AlternateContent xmlns:mc="http://schemas.openxmlformats.org/markup-compatibility/2006" xmlns:a14="http://schemas.microsoft.com/office/drawing/2010/main">
+        <mc:Choice Requires="a14">
           <p:sp>
             <p:nvSpPr>
               <p:cNvPr id="3" name="Content Placeholder 2">
@@ -32217,7 +33018,7 @@
             </p:txBody>
           </p:sp>
         </mc:Choice>
-        <mc:Fallback>
+        <mc:Fallback xmlns="">
           <p:sp>
             <p:nvSpPr>
               <p:cNvPr id="3" name="Content Placeholder 2">
@@ -32281,7 +33082,7 @@
             <a:fld id="{44E22EE9-B8A0-0641-9265-052CFE9B95A7}" type="slidenum">
               <a:rPr lang="en-GB" altLang="en-US" smtClean="0"/>
               <a:pPr/>
-              <a:t>65</a:t>
+              <a:t>67</a:t>
             </a:fld>
             <a:endParaRPr lang="en-GB" altLang="en-US" dirty="0"/>
           </a:p>
@@ -32417,7 +33218,7 @@
 </p:sld>
 </file>
 
-<file path=ppt/slides/slide66.xml><?xml version="1.0" encoding="utf-8"?>
+<file path=ppt/slides/slide68.xml><?xml version="1.0" encoding="utf-8"?>
 <p:sld xmlns:a="http://schemas.openxmlformats.org/drawingml/2006/main" xmlns:r="http://schemas.openxmlformats.org/officeDocument/2006/relationships" xmlns:p="http://schemas.openxmlformats.org/presentationml/2006/main">
   <p:cSld>
     <p:spTree>
@@ -32523,7 +33324,7 @@
             <a:fld id="{44E22EE9-B8A0-0641-9265-052CFE9B95A7}" type="slidenum">
               <a:rPr lang="en-GB" altLang="en-US" smtClean="0"/>
               <a:pPr/>
-              <a:t>66</a:t>
+              <a:t>68</a:t>
             </a:fld>
             <a:endParaRPr lang="en-GB" altLang="en-US" dirty="0"/>
           </a:p>
@@ -32625,7 +33426,7 @@
 </p:sld>
 </file>
 
-<file path=ppt/slides/slide67.xml><?xml version="1.0" encoding="utf-8"?>
+<file path=ppt/slides/slide69.xml><?xml version="1.0" encoding="utf-8"?>
 <p:sld xmlns:a="http://schemas.openxmlformats.org/drawingml/2006/main" xmlns:r="http://schemas.openxmlformats.org/officeDocument/2006/relationships" xmlns:p="http://schemas.openxmlformats.org/presentationml/2006/main">
   <p:cSld>
     <p:spTree>
@@ -32642,8 +33443,8 @@
           <a:chExt cx="0" cy="0"/>
         </a:xfrm>
       </p:grpSpPr>
-      <mc:AlternateContent xmlns:mc="http://schemas.openxmlformats.org/markup-compatibility/2006">
-        <mc:Choice xmlns:a14="http://schemas.microsoft.com/office/drawing/2010/main" Requires="a14">
+      <mc:AlternateContent xmlns:mc="http://schemas.openxmlformats.org/markup-compatibility/2006" xmlns:a14="http://schemas.microsoft.com/office/drawing/2010/main">
+        <mc:Choice Requires="a14">
           <p:sp>
             <p:nvSpPr>
               <p:cNvPr id="2" name="Title 1">
@@ -32707,7 +33508,7 @@
             </p:txBody>
           </p:sp>
         </mc:Choice>
-        <mc:Fallback>
+        <mc:Fallback xmlns="">
           <p:sp>
             <p:nvSpPr>
               <p:cNvPr id="2" name="Title 1">
@@ -32816,7 +33617,7 @@
             <a:fld id="{44E22EE9-B8A0-0641-9265-052CFE9B95A7}" type="slidenum">
               <a:rPr lang="en-GB" altLang="en-US" smtClean="0"/>
               <a:pPr/>
-              <a:t>67</a:t>
+              <a:t>69</a:t>
             </a:fld>
             <a:endParaRPr lang="en-GB" altLang="en-US" dirty="0"/>
           </a:p>
